--- a/Presentaties/PresentatieSprint2.pptx
+++ b/Presentaties/PresentatieSprint2.pptx
@@ -107,13 +107,18 @@
       </a:defRPr>
     </a:lvl9pPr>
   </p:defaultTextStyle>
+  <p:extLst>
+    <p:ext uri="{EFAFB233-063F-42B5-8137-9DF3F51BA10A}">
+      <p15:sldGuideLst xmlns:p15="http://schemas.microsoft.com/office/powerpoint/2012/main"/>
+    </p:ext>
+  </p:extLst>
 </p:presentation>
 </file>
 
 <file path=ppt/revisionInfo.xml><?xml version="1.0" encoding="utf-8"?>
 <p1510:revInfo xmlns:a="http://schemas.openxmlformats.org/drawingml/2006/main" xmlns:r="http://schemas.openxmlformats.org/officeDocument/2006/relationships" xmlns:p1510="http://schemas.microsoft.com/office/powerpoint/2015/10/main">
   <p1510:revLst>
-    <p1510:client id="{FC6212AE-D664-4EBD-95A6-C7DC18AC1A5F}" v="3" dt="2021-03-18T14:49:33.957"/>
+    <p1510:client id="{FC6212AE-D664-4EBD-95A6-C7DC18AC1A5F}" v="4" dt="2021-03-24T18:14:36.723"/>
   </p1510:revLst>
 </p1510:revInfo>
 </file>
@@ -123,7 +128,7 @@
   <pc:docChgLst>
     <pc:chgData name="Ramon Burgstad" userId="5061cdd7803951a7" providerId="LiveId" clId="{FC6212AE-D664-4EBD-95A6-C7DC18AC1A5F}"/>
     <pc:docChg chg="undo custSel mod addSld delSld modSld">
-      <pc:chgData name="Ramon Burgstad" userId="5061cdd7803951a7" providerId="LiveId" clId="{FC6212AE-D664-4EBD-95A6-C7DC18AC1A5F}" dt="2021-03-18T14:49:50.620" v="130" actId="403"/>
+      <pc:chgData name="Ramon Burgstad" userId="5061cdd7803951a7" providerId="LiveId" clId="{FC6212AE-D664-4EBD-95A6-C7DC18AC1A5F}" dt="2021-03-24T18:14:39.069" v="132" actId="26606"/>
       <pc:docMkLst>
         <pc:docMk/>
       </pc:docMkLst>
@@ -307,12 +312,36 @@
           <pc:sldMk cId="1425578604" sldId="258"/>
         </pc:sldMkLst>
       </pc:sldChg>
-      <pc:sldChg chg="new">
-        <pc:chgData name="Ramon Burgstad" userId="5061cdd7803951a7" providerId="LiveId" clId="{FC6212AE-D664-4EBD-95A6-C7DC18AC1A5F}" dt="2021-03-18T14:44:44.496" v="9" actId="680"/>
+      <pc:sldChg chg="addSp delSp modSp new mod setBg">
+        <pc:chgData name="Ramon Burgstad" userId="5061cdd7803951a7" providerId="LiveId" clId="{FC6212AE-D664-4EBD-95A6-C7DC18AC1A5F}" dt="2021-03-24T18:14:39.069" v="132" actId="26606"/>
         <pc:sldMkLst>
           <pc:docMk/>
           <pc:sldMk cId="2846609261" sldId="258"/>
         </pc:sldMkLst>
+        <pc:spChg chg="del">
+          <ac:chgData name="Ramon Burgstad" userId="5061cdd7803951a7" providerId="LiveId" clId="{FC6212AE-D664-4EBD-95A6-C7DC18AC1A5F}" dt="2021-03-24T18:14:39.069" v="132" actId="26606"/>
+          <ac:spMkLst>
+            <pc:docMk/>
+            <pc:sldMk cId="2846609261" sldId="258"/>
+            <ac:spMk id="2" creationId="{1B6E3E4A-E8AB-44C1-85D2-85B1DECF3C49}"/>
+          </ac:spMkLst>
+        </pc:spChg>
+        <pc:spChg chg="del">
+          <ac:chgData name="Ramon Burgstad" userId="5061cdd7803951a7" providerId="LiveId" clId="{FC6212AE-D664-4EBD-95A6-C7DC18AC1A5F}" dt="2021-03-24T18:14:39.069" v="132" actId="26606"/>
+          <ac:spMkLst>
+            <pc:docMk/>
+            <pc:sldMk cId="2846609261" sldId="258"/>
+            <ac:spMk id="3" creationId="{CBA31745-F7DC-4CFB-B04E-51D963178EDA}"/>
+          </ac:spMkLst>
+        </pc:spChg>
+        <pc:picChg chg="add mod">
+          <ac:chgData name="Ramon Burgstad" userId="5061cdd7803951a7" providerId="LiveId" clId="{FC6212AE-D664-4EBD-95A6-C7DC18AC1A5F}" dt="2021-03-24T18:14:39.069" v="132" actId="26606"/>
+          <ac:picMkLst>
+            <pc:docMk/>
+            <pc:sldMk cId="2846609261" sldId="258"/>
+            <ac:picMk id="1026" creationId="{BCFAFB7E-7341-45BB-B733-D20F4B90A3E1}"/>
+          </ac:picMkLst>
+        </pc:picChg>
       </pc:sldChg>
       <pc:sldChg chg="new del">
         <pc:chgData name="Ramon Burgstad" userId="5061cdd7803951a7" providerId="LiveId" clId="{FC6212AE-D664-4EBD-95A6-C7DC18AC1A5F}" dt="2021-03-18T14:44:41.514" v="4" actId="680"/>
@@ -480,7 +509,7 @@
           <a:p>
             <a:fld id="{CA814237-78FB-4075-9777-C646272BCCE5}" type="datetimeFigureOut">
               <a:rPr lang="nl-NL" smtClean="0"/>
-              <a:t>18-3-2021</a:t>
+              <a:t>24-3-2021</a:t>
             </a:fld>
             <a:endParaRPr lang="nl-NL"/>
           </a:p>
@@ -678,7 +707,7 @@
           <a:p>
             <a:fld id="{CA814237-78FB-4075-9777-C646272BCCE5}" type="datetimeFigureOut">
               <a:rPr lang="nl-NL" smtClean="0"/>
-              <a:t>18-3-2021</a:t>
+              <a:t>24-3-2021</a:t>
             </a:fld>
             <a:endParaRPr lang="nl-NL"/>
           </a:p>
@@ -886,7 +915,7 @@
           <a:p>
             <a:fld id="{CA814237-78FB-4075-9777-C646272BCCE5}" type="datetimeFigureOut">
               <a:rPr lang="nl-NL" smtClean="0"/>
-              <a:t>18-3-2021</a:t>
+              <a:t>24-3-2021</a:t>
             </a:fld>
             <a:endParaRPr lang="nl-NL"/>
           </a:p>
@@ -1084,7 +1113,7 @@
           <a:p>
             <a:fld id="{CA814237-78FB-4075-9777-C646272BCCE5}" type="datetimeFigureOut">
               <a:rPr lang="nl-NL" smtClean="0"/>
-              <a:t>18-3-2021</a:t>
+              <a:t>24-3-2021</a:t>
             </a:fld>
             <a:endParaRPr lang="nl-NL"/>
           </a:p>
@@ -1359,7 +1388,7 @@
           <a:p>
             <a:fld id="{CA814237-78FB-4075-9777-C646272BCCE5}" type="datetimeFigureOut">
               <a:rPr lang="nl-NL" smtClean="0"/>
-              <a:t>18-3-2021</a:t>
+              <a:t>24-3-2021</a:t>
             </a:fld>
             <a:endParaRPr lang="nl-NL"/>
           </a:p>
@@ -1624,7 +1653,7 @@
           <a:p>
             <a:fld id="{CA814237-78FB-4075-9777-C646272BCCE5}" type="datetimeFigureOut">
               <a:rPr lang="nl-NL" smtClean="0"/>
-              <a:t>18-3-2021</a:t>
+              <a:t>24-3-2021</a:t>
             </a:fld>
             <a:endParaRPr lang="nl-NL"/>
           </a:p>
@@ -2036,7 +2065,7 @@
           <a:p>
             <a:fld id="{CA814237-78FB-4075-9777-C646272BCCE5}" type="datetimeFigureOut">
               <a:rPr lang="nl-NL" smtClean="0"/>
-              <a:t>18-3-2021</a:t>
+              <a:t>24-3-2021</a:t>
             </a:fld>
             <a:endParaRPr lang="nl-NL"/>
           </a:p>
@@ -2177,7 +2206,7 @@
           <a:p>
             <a:fld id="{CA814237-78FB-4075-9777-C646272BCCE5}" type="datetimeFigureOut">
               <a:rPr lang="nl-NL" smtClean="0"/>
-              <a:t>18-3-2021</a:t>
+              <a:t>24-3-2021</a:t>
             </a:fld>
             <a:endParaRPr lang="nl-NL"/>
           </a:p>
@@ -2290,7 +2319,7 @@
           <a:p>
             <a:fld id="{CA814237-78FB-4075-9777-C646272BCCE5}" type="datetimeFigureOut">
               <a:rPr lang="nl-NL" smtClean="0"/>
-              <a:t>18-3-2021</a:t>
+              <a:t>24-3-2021</a:t>
             </a:fld>
             <a:endParaRPr lang="nl-NL"/>
           </a:p>
@@ -2601,7 +2630,7 @@
           <a:p>
             <a:fld id="{CA814237-78FB-4075-9777-C646272BCCE5}" type="datetimeFigureOut">
               <a:rPr lang="nl-NL" smtClean="0"/>
-              <a:t>18-3-2021</a:t>
+              <a:t>24-3-2021</a:t>
             </a:fld>
             <a:endParaRPr lang="nl-NL"/>
           </a:p>
@@ -2889,7 +2918,7 @@
           <a:p>
             <a:fld id="{CA814237-78FB-4075-9777-C646272BCCE5}" type="datetimeFigureOut">
               <a:rPr lang="nl-NL" smtClean="0"/>
-              <a:t>18-3-2021</a:t>
+              <a:t>24-3-2021</a:t>
             </a:fld>
             <a:endParaRPr lang="nl-NL"/>
           </a:p>
@@ -3130,7 +3159,7 @@
           <a:p>
             <a:fld id="{CA814237-78FB-4075-9777-C646272BCCE5}" type="datetimeFigureOut">
               <a:rPr lang="nl-NL" smtClean="0"/>
-              <a:t>18-3-2021</a:t>
+              <a:t>24-3-2021</a:t>
             </a:fld>
             <a:endParaRPr lang="nl-NL"/>
           </a:p>
@@ -4212,6 +4241,14 @@
 <file path=ppt/slides/slide3.xml><?xml version="1.0" encoding="utf-8"?>
 <p:sld xmlns:a="http://schemas.openxmlformats.org/drawingml/2006/main" xmlns:r="http://schemas.openxmlformats.org/officeDocument/2006/relationships" xmlns:p="http://schemas.openxmlformats.org/presentationml/2006/main">
   <p:cSld>
+    <p:bg>
+      <p:bgPr>
+        <a:solidFill>
+          <a:schemeClr val="bg1"/>
+        </a:solidFill>
+        <a:effectLst/>
+      </p:bgPr>
+    </p:bg>
     <p:spTree>
       <p:nvGrpSpPr>
         <p:cNvPr id="1" name=""/>
@@ -4226,56 +4263,54 @@
           <a:chExt cx="0" cy="0"/>
         </a:xfrm>
       </p:grpSpPr>
-      <p:sp>
-        <p:nvSpPr>
-          <p:cNvPr id="2" name="Titel 1">
-            <a:extLst>
-              <a:ext uri="{FF2B5EF4-FFF2-40B4-BE49-F238E27FC236}">
-                <a16:creationId xmlns:a16="http://schemas.microsoft.com/office/drawing/2014/main" id="{1B6E3E4A-E8AB-44C1-85D2-85B1DECF3C49}"/>
-              </a:ext>
-            </a:extLst>
-          </p:cNvPr>
-          <p:cNvSpPr>
-            <a:spLocks noGrp="1"/>
-          </p:cNvSpPr>
-          <p:nvPr>
-            <p:ph type="title"/>
-          </p:nvPr>
-        </p:nvSpPr>
-        <p:spPr/>
-        <p:txBody>
-          <a:bodyPr/>
-          <a:lstStyle/>
-          <a:p>
-            <a:endParaRPr lang="nl-NL"/>
-          </a:p>
-        </p:txBody>
-      </p:sp>
-      <p:sp>
-        <p:nvSpPr>
-          <p:cNvPr id="3" name="Tijdelijke aanduiding voor inhoud 2">
-            <a:extLst>
-              <a:ext uri="{FF2B5EF4-FFF2-40B4-BE49-F238E27FC236}">
-                <a16:creationId xmlns:a16="http://schemas.microsoft.com/office/drawing/2014/main" id="{CBA31745-F7DC-4CFB-B04E-51D963178EDA}"/>
-              </a:ext>
-            </a:extLst>
-          </p:cNvPr>
-          <p:cNvSpPr>
-            <a:spLocks noGrp="1"/>
-          </p:cNvSpPr>
+      <p:pic>
+        <p:nvPicPr>
+          <p:cNvPr id="1026" name="Picture 2">
+            <a:extLst>
+              <a:ext uri="{FF2B5EF4-FFF2-40B4-BE49-F238E27FC236}">
+                <a16:creationId xmlns:a16="http://schemas.microsoft.com/office/drawing/2014/main" id="{BCFAFB7E-7341-45BB-B733-D20F4B90A3E1}"/>
+              </a:ext>
+            </a:extLst>
+          </p:cNvPr>
+          <p:cNvPicPr>
+            <a:picLocks noGrp="1" noChangeAspect="1" noChangeArrowheads="1"/>
+          </p:cNvPicPr>
           <p:nvPr>
             <p:ph idx="1"/>
           </p:nvPr>
-        </p:nvSpPr>
-        <p:spPr/>
-        <p:txBody>
-          <a:bodyPr/>
-          <a:lstStyle/>
-          <a:p>
-            <a:endParaRPr lang="nl-NL"/>
-          </a:p>
-        </p:txBody>
-      </p:sp>
+        </p:nvPicPr>
+        <p:blipFill>
+          <a:blip r:embed="rId2">
+            <a:extLst>
+              <a:ext uri="{28A0092B-C50C-407E-A947-70E740481C1C}">
+                <a14:useLocalDpi xmlns:a14="http://schemas.microsoft.com/office/drawing/2010/main" val="0"/>
+              </a:ext>
+            </a:extLst>
+          </a:blip>
+          <a:stretch>
+            <a:fillRect/>
+          </a:stretch>
+        </p:blipFill>
+        <p:spPr bwMode="auto">
+          <a:xfrm>
+            <a:off x="4424680" y="643466"/>
+            <a:ext cx="3342639" cy="5571067"/>
+          </a:xfrm>
+          <a:prstGeom prst="rect">
+            <a:avLst/>
+          </a:prstGeom>
+          <a:noFill/>
+          <a:extLst>
+            <a:ext uri="{909E8E84-426E-40DD-AFC4-6F175D3DCCD1}">
+              <a14:hiddenFill xmlns:a14="http://schemas.microsoft.com/office/drawing/2010/main">
+                <a:solidFill>
+                  <a:srgbClr val="FFFFFF"/>
+                </a:solidFill>
+              </a14:hiddenFill>
+            </a:ext>
+          </a:extLst>
+        </p:spPr>
+      </p:pic>
     </p:spTree>
     <p:extLst>
       <p:ext uri="{BB962C8B-B14F-4D97-AF65-F5344CB8AC3E}">

--- a/Presentaties/PresentatieSprint2.pptx
+++ b/Presentaties/PresentatieSprint2.pptx
@@ -7,8 +7,15 @@
   <p:sldIdLst>
     <p:sldId id="256" r:id="rId2"/>
     <p:sldId id="257" r:id="rId3"/>
-    <p:sldId id="258" r:id="rId4"/>
-    <p:sldId id="259" r:id="rId5"/>
+    <p:sldId id="268" r:id="rId4"/>
+    <p:sldId id="270" r:id="rId5"/>
+    <p:sldId id="271" r:id="rId6"/>
+    <p:sldId id="263" r:id="rId7"/>
+    <p:sldId id="273" r:id="rId8"/>
+    <p:sldId id="274" r:id="rId9"/>
+    <p:sldId id="275" r:id="rId10"/>
+    <p:sldId id="260" r:id="rId11"/>
+    <p:sldId id="272" r:id="rId12"/>
   </p:sldIdLst>
   <p:sldSz cx="12192000" cy="6858000"/>
   <p:notesSz cx="6858000" cy="9144000"/>
@@ -118,7 +125,7 @@
 <file path=ppt/revisionInfo.xml><?xml version="1.0" encoding="utf-8"?>
 <p1510:revInfo xmlns:a="http://schemas.openxmlformats.org/drawingml/2006/main" xmlns:r="http://schemas.openxmlformats.org/officeDocument/2006/relationships" xmlns:p1510="http://schemas.microsoft.com/office/powerpoint/2015/10/main">
   <p1510:revLst>
-    <p1510:client id="{FC6212AE-D664-4EBD-95A6-C7DC18AC1A5F}" v="4" dt="2021-03-24T18:14:36.723"/>
+    <p1510:client id="{FC6212AE-D664-4EBD-95A6-C7DC18AC1A5F}" v="52" dt="2021-03-25T14:10:07.928"/>
   </p1510:revLst>
 </p1510:revInfo>
 </file>
@@ -128,32 +135,40 @@
   <pc:docChgLst>
     <pc:chgData name="Ramon Burgstad" userId="5061cdd7803951a7" providerId="LiveId" clId="{FC6212AE-D664-4EBD-95A6-C7DC18AC1A5F}"/>
     <pc:docChg chg="undo custSel mod addSld delSld modSld">
-      <pc:chgData name="Ramon Burgstad" userId="5061cdd7803951a7" providerId="LiveId" clId="{FC6212AE-D664-4EBD-95A6-C7DC18AC1A5F}" dt="2021-03-24T18:14:39.069" v="132" actId="26606"/>
+      <pc:chgData name="Ramon Burgstad" userId="5061cdd7803951a7" providerId="LiveId" clId="{FC6212AE-D664-4EBD-95A6-C7DC18AC1A5F}" dt="2021-03-25T14:10:38.005" v="3010" actId="26606"/>
       <pc:docMkLst>
         <pc:docMk/>
       </pc:docMkLst>
       <pc:sldChg chg="addSp delSp modSp mod setBg setClrOvrMap">
-        <pc:chgData name="Ramon Burgstad" userId="5061cdd7803951a7" providerId="LiveId" clId="{FC6212AE-D664-4EBD-95A6-C7DC18AC1A5F}" dt="2021-03-18T14:47:15.119" v="114" actId="26606"/>
+        <pc:chgData name="Ramon Burgstad" userId="5061cdd7803951a7" providerId="LiveId" clId="{FC6212AE-D664-4EBD-95A6-C7DC18AC1A5F}" dt="2021-03-25T14:10:38.005" v="3010" actId="26606"/>
         <pc:sldMkLst>
           <pc:docMk/>
           <pc:sldMk cId="2710948967" sldId="256"/>
         </pc:sldMkLst>
         <pc:spChg chg="mod ord">
-          <ac:chgData name="Ramon Burgstad" userId="5061cdd7803951a7" providerId="LiveId" clId="{FC6212AE-D664-4EBD-95A6-C7DC18AC1A5F}" dt="2021-03-18T14:47:15.119" v="114" actId="26606"/>
+          <ac:chgData name="Ramon Burgstad" userId="5061cdd7803951a7" providerId="LiveId" clId="{FC6212AE-D664-4EBD-95A6-C7DC18AC1A5F}" dt="2021-03-25T14:10:38.005" v="3010" actId="26606"/>
           <ac:spMkLst>
             <pc:docMk/>
             <pc:sldMk cId="2710948967" sldId="256"/>
             <ac:spMk id="2" creationId="{59AF8C64-2138-4142-A719-A95962E7FF85}"/>
           </ac:spMkLst>
         </pc:spChg>
-        <pc:spChg chg="mod ord">
-          <ac:chgData name="Ramon Burgstad" userId="5061cdd7803951a7" providerId="LiveId" clId="{FC6212AE-D664-4EBD-95A6-C7DC18AC1A5F}" dt="2021-03-18T14:47:15.119" v="114" actId="26606"/>
+        <pc:spChg chg="del mod ord">
+          <ac:chgData name="Ramon Burgstad" userId="5061cdd7803951a7" providerId="LiveId" clId="{FC6212AE-D664-4EBD-95A6-C7DC18AC1A5F}" dt="2021-03-25T11:14:43.895" v="422" actId="478"/>
           <ac:spMkLst>
             <pc:docMk/>
             <pc:sldMk cId="2710948967" sldId="256"/>
             <ac:spMk id="3" creationId="{D0B2D58D-B506-468A-AF92-8DC2F8192C9A}"/>
           </ac:spMkLst>
         </pc:spChg>
+        <pc:spChg chg="add mod">
+          <ac:chgData name="Ramon Burgstad" userId="5061cdd7803951a7" providerId="LiveId" clId="{FC6212AE-D664-4EBD-95A6-C7DC18AC1A5F}" dt="2021-03-25T14:10:38.005" v="3010" actId="26606"/>
+          <ac:spMkLst>
+            <pc:docMk/>
+            <pc:sldMk cId="2710948967" sldId="256"/>
+            <ac:spMk id="4" creationId="{B2D22607-6D95-4FDD-BA83-A4248FA447C5}"/>
+          </ac:spMkLst>
+        </pc:spChg>
         <pc:spChg chg="add del">
           <ac:chgData name="Ramon Burgstad" userId="5061cdd7803951a7" providerId="LiveId" clId="{FC6212AE-D664-4EBD-95A6-C7DC18AC1A5F}" dt="2021-03-18T14:46:34.400" v="110" actId="26606"/>
           <ac:spMkLst>
@@ -195,11 +210,27 @@
           </ac:spMkLst>
         </pc:spChg>
         <pc:spChg chg="add del">
-          <ac:chgData name="Ramon Burgstad" userId="5061cdd7803951a7" providerId="LiveId" clId="{FC6212AE-D664-4EBD-95A6-C7DC18AC1A5F}" dt="2021-03-18T14:47:15.119" v="114" actId="26606"/>
+          <ac:chgData name="Ramon Burgstad" userId="5061cdd7803951a7" providerId="LiveId" clId="{FC6212AE-D664-4EBD-95A6-C7DC18AC1A5F}" dt="2021-03-25T14:10:38.005" v="3010" actId="26606"/>
           <ac:spMkLst>
             <pc:docMk/>
             <pc:sldMk cId="2710948967" sldId="256"/>
             <ac:spMk id="19" creationId="{17CDB40A-75BB-4498-A20B-59C3984A3A94}"/>
+          </ac:spMkLst>
+        </pc:spChg>
+        <pc:spChg chg="add">
+          <ac:chgData name="Ramon Burgstad" userId="5061cdd7803951a7" providerId="LiveId" clId="{FC6212AE-D664-4EBD-95A6-C7DC18AC1A5F}" dt="2021-03-25T14:10:38.005" v="3010" actId="26606"/>
+          <ac:spMkLst>
+            <pc:docMk/>
+            <pc:sldMk cId="2710948967" sldId="256"/>
+            <ac:spMk id="21" creationId="{A2679492-7988-4050-9056-542444452411}"/>
+          </ac:spMkLst>
+        </pc:spChg>
+        <pc:spChg chg="add">
+          <ac:chgData name="Ramon Burgstad" userId="5061cdd7803951a7" providerId="LiveId" clId="{FC6212AE-D664-4EBD-95A6-C7DC18AC1A5F}" dt="2021-03-25T14:10:38.005" v="3010" actId="26606"/>
+          <ac:spMkLst>
+            <pc:docMk/>
+            <pc:sldMk cId="2710948967" sldId="256"/>
+            <ac:spMk id="22" creationId="{B091B163-7D61-4891-ABCF-5C13D9C418D0}"/>
           </ac:spMkLst>
         </pc:spChg>
         <pc:spChg chg="add del">
@@ -227,7 +258,7 @@
           </ac:picMkLst>
         </pc:picChg>
         <pc:picChg chg="add mod ord">
-          <ac:chgData name="Ramon Burgstad" userId="5061cdd7803951a7" providerId="LiveId" clId="{FC6212AE-D664-4EBD-95A6-C7DC18AC1A5F}" dt="2021-03-18T14:47:15.119" v="114" actId="26606"/>
+          <ac:chgData name="Ramon Burgstad" userId="5061cdd7803951a7" providerId="LiveId" clId="{FC6212AE-D664-4EBD-95A6-C7DC18AC1A5F}" dt="2021-03-25T14:10:38.005" v="3010" actId="26606"/>
           <ac:picMkLst>
             <pc:docMk/>
             <pc:sldMk cId="2710948967" sldId="256"/>
@@ -242,6 +273,14 @@
             <ac:cxnSpMk id="11" creationId="{BCDAEC91-5BCE-4B55-9CC0-43EF94CB734B}"/>
           </ac:cxnSpMkLst>
         </pc:cxnChg>
+        <pc:cxnChg chg="add">
+          <ac:chgData name="Ramon Burgstad" userId="5061cdd7803951a7" providerId="LiveId" clId="{FC6212AE-D664-4EBD-95A6-C7DC18AC1A5F}" dt="2021-03-25T14:10:38.005" v="3010" actId="26606"/>
+          <ac:cxnSpMkLst>
+            <pc:docMk/>
+            <pc:sldMk cId="2710948967" sldId="256"/>
+            <ac:cxnSpMk id="23" creationId="{C49DA8F6-BCC1-4447-B54C-57856834B94B}"/>
+          </ac:cxnSpMkLst>
+        </pc:cxnChg>
         <pc:cxnChg chg="add del">
           <ac:chgData name="Ramon Burgstad" userId="5061cdd7803951a7" providerId="LiveId" clId="{FC6212AE-D664-4EBD-95A6-C7DC18AC1A5F}" dt="2021-03-18T14:47:15.119" v="114" actId="26606"/>
           <ac:cxnSpMkLst>
@@ -251,8 +290,8 @@
           </ac:cxnSpMkLst>
         </pc:cxnChg>
       </pc:sldChg>
-      <pc:sldChg chg="addSp modSp new mod setBg">
-        <pc:chgData name="Ramon Burgstad" userId="5061cdd7803951a7" providerId="LiveId" clId="{FC6212AE-D664-4EBD-95A6-C7DC18AC1A5F}" dt="2021-03-18T14:49:50.620" v="130" actId="403"/>
+      <pc:sldChg chg="addSp modSp new mod modTransition setBg">
+        <pc:chgData name="Ramon Burgstad" userId="5061cdd7803951a7" providerId="LiveId" clId="{FC6212AE-D664-4EBD-95A6-C7DC18AC1A5F}" dt="2021-03-25T14:09:33.672" v="2999"/>
         <pc:sldMkLst>
           <pc:docMk/>
           <pc:sldMk cId="932760222" sldId="257"/>
@@ -312,8 +351,8 @@
           <pc:sldMk cId="1425578604" sldId="258"/>
         </pc:sldMkLst>
       </pc:sldChg>
-      <pc:sldChg chg="addSp delSp modSp new mod setBg">
-        <pc:chgData name="Ramon Burgstad" userId="5061cdd7803951a7" providerId="LiveId" clId="{FC6212AE-D664-4EBD-95A6-C7DC18AC1A5F}" dt="2021-03-24T18:14:39.069" v="132" actId="26606"/>
+      <pc:sldChg chg="addSp delSp modSp new del mod setBg">
+        <pc:chgData name="Ramon Burgstad" userId="5061cdd7803951a7" providerId="LiveId" clId="{FC6212AE-D664-4EBD-95A6-C7DC18AC1A5F}" dt="2021-03-25T11:06:49.278" v="153" actId="47"/>
         <pc:sldMkLst>
           <pc:docMk/>
           <pc:sldMk cId="2846609261" sldId="258"/>
@@ -335,7 +374,7 @@
           </ac:spMkLst>
         </pc:spChg>
         <pc:picChg chg="add mod">
-          <ac:chgData name="Ramon Burgstad" userId="5061cdd7803951a7" providerId="LiveId" clId="{FC6212AE-D664-4EBD-95A6-C7DC18AC1A5F}" dt="2021-03-24T18:14:39.069" v="132" actId="26606"/>
+          <ac:chgData name="Ramon Burgstad" userId="5061cdd7803951a7" providerId="LiveId" clId="{FC6212AE-D664-4EBD-95A6-C7DC18AC1A5F}" dt="2021-03-25T11:04:22.406" v="136" actId="732"/>
           <ac:picMkLst>
             <pc:docMk/>
             <pc:sldMk cId="2846609261" sldId="258"/>
@@ -350,12 +389,1983 @@
           <pc:sldMk cId="2767345579" sldId="259"/>
         </pc:sldMkLst>
       </pc:sldChg>
-      <pc:sldChg chg="new">
-        <pc:chgData name="Ramon Burgstad" userId="5061cdd7803951a7" providerId="LiveId" clId="{FC6212AE-D664-4EBD-95A6-C7DC18AC1A5F}" dt="2021-03-18T14:44:44.647" v="10" actId="680"/>
+      <pc:sldChg chg="new del">
+        <pc:chgData name="Ramon Burgstad" userId="5061cdd7803951a7" providerId="LiveId" clId="{FC6212AE-D664-4EBD-95A6-C7DC18AC1A5F}" dt="2021-03-25T11:08:27.965" v="219" actId="47"/>
         <pc:sldMkLst>
           <pc:docMk/>
           <pc:sldMk cId="3323282130" sldId="259"/>
         </pc:sldMkLst>
+      </pc:sldChg>
+      <pc:sldChg chg="addSp delSp modSp add del mod modTransition setBg delDesignElem">
+        <pc:chgData name="Ramon Burgstad" userId="5061cdd7803951a7" providerId="LiveId" clId="{FC6212AE-D664-4EBD-95A6-C7DC18AC1A5F}" dt="2021-03-25T14:09:48.894" v="3007"/>
+        <pc:sldMkLst>
+          <pc:docMk/>
+          <pc:sldMk cId="1881999346" sldId="260"/>
+        </pc:sldMkLst>
+        <pc:spChg chg="mod">
+          <ac:chgData name="Ramon Burgstad" userId="5061cdd7803951a7" providerId="LiveId" clId="{FC6212AE-D664-4EBD-95A6-C7DC18AC1A5F}" dt="2021-03-25T11:16:22.423" v="429" actId="26606"/>
+          <ac:spMkLst>
+            <pc:docMk/>
+            <pc:sldMk cId="1881999346" sldId="260"/>
+            <ac:spMk id="2" creationId="{8A5C09EF-E7FF-4E61-A482-141291EC65BD}"/>
+          </ac:spMkLst>
+        </pc:spChg>
+        <pc:spChg chg="add del mod">
+          <ac:chgData name="Ramon Burgstad" userId="5061cdd7803951a7" providerId="LiveId" clId="{FC6212AE-D664-4EBD-95A6-C7DC18AC1A5F}" dt="2021-03-25T11:11:49.440" v="280" actId="26606"/>
+          <ac:spMkLst>
+            <pc:docMk/>
+            <pc:sldMk cId="1881999346" sldId="260"/>
+            <ac:spMk id="3" creationId="{16E77D33-1997-4BBB-95C1-E68E4AF05645}"/>
+          </ac:spMkLst>
+        </pc:spChg>
+        <pc:spChg chg="add del">
+          <ac:chgData name="Ramon Burgstad" userId="5061cdd7803951a7" providerId="LiveId" clId="{FC6212AE-D664-4EBD-95A6-C7DC18AC1A5F}" dt="2021-03-25T11:10:47.844" v="254" actId="26606"/>
+          <ac:spMkLst>
+            <pc:docMk/>
+            <pc:sldMk cId="1881999346" sldId="260"/>
+            <ac:spMk id="5" creationId="{6A8AAC95-3719-4BCD-B710-4160043D9237}"/>
+          </ac:spMkLst>
+        </pc:spChg>
+        <pc:spChg chg="add del">
+          <ac:chgData name="Ramon Burgstad" userId="5061cdd7803951a7" providerId="LiveId" clId="{FC6212AE-D664-4EBD-95A6-C7DC18AC1A5F}" dt="2021-03-25T11:10:47.844" v="254" actId="26606"/>
+          <ac:spMkLst>
+            <pc:docMk/>
+            <pc:sldMk cId="1881999346" sldId="260"/>
+            <ac:spMk id="6" creationId="{73A6D7BA-50E4-42FE-A0E3-FC42B7EC4372}"/>
+          </ac:spMkLst>
+        </pc:spChg>
+        <pc:spChg chg="del">
+          <ac:chgData name="Ramon Burgstad" userId="5061cdd7803951a7" providerId="LiveId" clId="{FC6212AE-D664-4EBD-95A6-C7DC18AC1A5F}" dt="2021-03-25T11:06:04.809" v="147"/>
+          <ac:spMkLst>
+            <pc:docMk/>
+            <pc:sldMk cId="1881999346" sldId="260"/>
+            <ac:spMk id="8" creationId="{32812C54-7AEF-4ABB-826E-221F51CB0F30}"/>
+          </ac:spMkLst>
+        </pc:spChg>
+        <pc:spChg chg="add del">
+          <ac:chgData name="Ramon Burgstad" userId="5061cdd7803951a7" providerId="LiveId" clId="{FC6212AE-D664-4EBD-95A6-C7DC18AC1A5F}" dt="2021-03-25T11:10:49.236" v="256" actId="26606"/>
+          <ac:spMkLst>
+            <pc:docMk/>
+            <pc:sldMk cId="1881999346" sldId="260"/>
+            <ac:spMk id="9" creationId="{FA3C7DEA-BCC2-4295-8850-147993296189}"/>
+          </ac:spMkLst>
+        </pc:spChg>
+        <pc:spChg chg="del">
+          <ac:chgData name="Ramon Burgstad" userId="5061cdd7803951a7" providerId="LiveId" clId="{FC6212AE-D664-4EBD-95A6-C7DC18AC1A5F}" dt="2021-03-25T11:06:04.809" v="147"/>
+          <ac:spMkLst>
+            <pc:docMk/>
+            <pc:sldMk cId="1881999346" sldId="260"/>
+            <ac:spMk id="10" creationId="{891F40E4-8A76-44CF-91EC-907367352626}"/>
+          </ac:spMkLst>
+        </pc:spChg>
+        <pc:spChg chg="add del">
+          <ac:chgData name="Ramon Burgstad" userId="5061cdd7803951a7" providerId="LiveId" clId="{FC6212AE-D664-4EBD-95A6-C7DC18AC1A5F}" dt="2021-03-25T11:10:49.236" v="256" actId="26606"/>
+          <ac:spMkLst>
+            <pc:docMk/>
+            <pc:sldMk cId="1881999346" sldId="260"/>
+            <ac:spMk id="11" creationId="{C289949D-B9F6-468A-86FE-2694DC5AE773}"/>
+          </ac:spMkLst>
+        </pc:spChg>
+        <pc:spChg chg="del">
+          <ac:chgData name="Ramon Burgstad" userId="5061cdd7803951a7" providerId="LiveId" clId="{FC6212AE-D664-4EBD-95A6-C7DC18AC1A5F}" dt="2021-03-25T11:06:04.809" v="147"/>
+          <ac:spMkLst>
+            <pc:docMk/>
+            <pc:sldMk cId="1881999346" sldId="260"/>
+            <ac:spMk id="12" creationId="{72171013-D973-4187-9CF2-EE098EEF8194}"/>
+          </ac:spMkLst>
+        </pc:spChg>
+        <pc:spChg chg="add del">
+          <ac:chgData name="Ramon Burgstad" userId="5061cdd7803951a7" providerId="LiveId" clId="{FC6212AE-D664-4EBD-95A6-C7DC18AC1A5F}" dt="2021-03-25T11:11:49.440" v="280" actId="26606"/>
+          <ac:spMkLst>
+            <pc:docMk/>
+            <pc:sldMk cId="1881999346" sldId="260"/>
+            <ac:spMk id="14" creationId="{1453BF6C-B012-48B7-B4E8-6D7AC7C27D02}"/>
+          </ac:spMkLst>
+        </pc:spChg>
+        <pc:spChg chg="add del">
+          <ac:chgData name="Ramon Burgstad" userId="5061cdd7803951a7" providerId="LiveId" clId="{FC6212AE-D664-4EBD-95A6-C7DC18AC1A5F}" dt="2021-03-25T11:11:49.440" v="280" actId="26606"/>
+          <ac:spMkLst>
+            <pc:docMk/>
+            <pc:sldMk cId="1881999346" sldId="260"/>
+            <ac:spMk id="16" creationId="{E3020543-B24B-4EC4-8FFC-8DD88EEA91A8}"/>
+          </ac:spMkLst>
+        </pc:spChg>
+        <pc:spChg chg="add del">
+          <ac:chgData name="Ramon Burgstad" userId="5061cdd7803951a7" providerId="LiveId" clId="{FC6212AE-D664-4EBD-95A6-C7DC18AC1A5F}" dt="2021-03-25T11:10:59.060" v="258" actId="26606"/>
+          <ac:spMkLst>
+            <pc:docMk/>
+            <pc:sldMk cId="1881999346" sldId="260"/>
+            <ac:spMk id="19" creationId="{B3623F37-A8C4-480F-BCB1-CF9E49F0CF84}"/>
+          </ac:spMkLst>
+        </pc:spChg>
+        <pc:spChg chg="add del">
+          <ac:chgData name="Ramon Burgstad" userId="5061cdd7803951a7" providerId="LiveId" clId="{FC6212AE-D664-4EBD-95A6-C7DC18AC1A5F}" dt="2021-03-25T11:10:59.060" v="258" actId="26606"/>
+          <ac:spMkLst>
+            <pc:docMk/>
+            <pc:sldMk cId="1881999346" sldId="260"/>
+            <ac:spMk id="20" creationId="{FEA3E6C2-0820-41EE-816A-5D9A9CB330C8}"/>
+          </ac:spMkLst>
+        </pc:spChg>
+        <pc:spChg chg="add del">
+          <ac:chgData name="Ramon Burgstad" userId="5061cdd7803951a7" providerId="LiveId" clId="{FC6212AE-D664-4EBD-95A6-C7DC18AC1A5F}" dt="2021-03-25T11:11:49.440" v="280" actId="26606"/>
+          <ac:spMkLst>
+            <pc:docMk/>
+            <pc:sldMk cId="1881999346" sldId="260"/>
+            <ac:spMk id="26" creationId="{327D73B4-9F5C-4A64-A179-51B9500CB8B5}"/>
+          </ac:spMkLst>
+        </pc:spChg>
+        <pc:spChg chg="add del">
+          <ac:chgData name="Ramon Burgstad" userId="5061cdd7803951a7" providerId="LiveId" clId="{FC6212AE-D664-4EBD-95A6-C7DC18AC1A5F}" dt="2021-03-25T11:11:49.440" v="280" actId="26606"/>
+          <ac:spMkLst>
+            <pc:docMk/>
+            <pc:sldMk cId="1881999346" sldId="260"/>
+            <ac:spMk id="27" creationId="{C1F06963-6374-4B48-844F-071A9BAAAE02}"/>
+          </ac:spMkLst>
+        </pc:spChg>
+        <pc:spChg chg="add del">
+          <ac:chgData name="Ramon Burgstad" userId="5061cdd7803951a7" providerId="LiveId" clId="{FC6212AE-D664-4EBD-95A6-C7DC18AC1A5F}" dt="2021-03-25T11:11:49.440" v="280" actId="26606"/>
+          <ac:spMkLst>
+            <pc:docMk/>
+            <pc:sldMk cId="1881999346" sldId="260"/>
+            <ac:spMk id="28" creationId="{6CB927A4-E432-4310-9CD5-E89FF5063179}"/>
+          </ac:spMkLst>
+        </pc:spChg>
+        <pc:spChg chg="add del">
+          <ac:chgData name="Ramon Burgstad" userId="5061cdd7803951a7" providerId="LiveId" clId="{FC6212AE-D664-4EBD-95A6-C7DC18AC1A5F}" dt="2021-03-25T11:11:12.493" v="261" actId="26606"/>
+          <ac:spMkLst>
+            <pc:docMk/>
+            <pc:sldMk cId="1881999346" sldId="260"/>
+            <ac:spMk id="33" creationId="{5B0AD8C2-CA64-45DC-B5E0-FA242F7B1CD7}"/>
+          </ac:spMkLst>
+        </pc:spChg>
+        <pc:spChg chg="add del">
+          <ac:chgData name="Ramon Burgstad" userId="5061cdd7803951a7" providerId="LiveId" clId="{FC6212AE-D664-4EBD-95A6-C7DC18AC1A5F}" dt="2021-03-25T11:11:18.802" v="269" actId="26606"/>
+          <ac:spMkLst>
+            <pc:docMk/>
+            <pc:sldMk cId="1881999346" sldId="260"/>
+            <ac:spMk id="34" creationId="{4071723A-CF26-4534-89C4-B73C60B664EB}"/>
+          </ac:spMkLst>
+        </pc:spChg>
+        <pc:spChg chg="add del">
+          <ac:chgData name="Ramon Burgstad" userId="5061cdd7803951a7" providerId="LiveId" clId="{FC6212AE-D664-4EBD-95A6-C7DC18AC1A5F}" dt="2021-03-25T11:11:12.493" v="261" actId="26606"/>
+          <ac:spMkLst>
+            <pc:docMk/>
+            <pc:sldMk cId="1881999346" sldId="260"/>
+            <ac:spMk id="35" creationId="{4DE0FBC4-76C2-4FA1-A14B-AF5A773FF09E}"/>
+          </ac:spMkLst>
+        </pc:spChg>
+        <pc:spChg chg="add del">
+          <ac:chgData name="Ramon Burgstad" userId="5061cdd7803951a7" providerId="LiveId" clId="{FC6212AE-D664-4EBD-95A6-C7DC18AC1A5F}" dt="2021-03-25T11:11:18.802" v="269" actId="26606"/>
+          <ac:spMkLst>
+            <pc:docMk/>
+            <pc:sldMk cId="1881999346" sldId="260"/>
+            <ac:spMk id="36" creationId="{A79570B8-A1F0-45BA-881E-728CB053E648}"/>
+          </ac:spMkLst>
+        </pc:spChg>
+        <pc:spChg chg="add del">
+          <ac:chgData name="Ramon Burgstad" userId="5061cdd7803951a7" providerId="LiveId" clId="{FC6212AE-D664-4EBD-95A6-C7DC18AC1A5F}" dt="2021-03-25T11:11:12.493" v="261" actId="26606"/>
+          <ac:spMkLst>
+            <pc:docMk/>
+            <pc:sldMk cId="1881999346" sldId="260"/>
+            <ac:spMk id="37" creationId="{921838FE-7D65-41EB-8BD1-5B6A2A613467}"/>
+          </ac:spMkLst>
+        </pc:spChg>
+        <pc:spChg chg="add del">
+          <ac:chgData name="Ramon Burgstad" userId="5061cdd7803951a7" providerId="LiveId" clId="{FC6212AE-D664-4EBD-95A6-C7DC18AC1A5F}" dt="2021-03-25T11:11:13.427" v="263" actId="26606"/>
+          <ac:spMkLst>
+            <pc:docMk/>
+            <pc:sldMk cId="1881999346" sldId="260"/>
+            <ac:spMk id="39" creationId="{C7278469-3C3C-49CE-AEEE-E176A4900B78}"/>
+          </ac:spMkLst>
+        </pc:spChg>
+        <pc:spChg chg="add del">
+          <ac:chgData name="Ramon Burgstad" userId="5061cdd7803951a7" providerId="LiveId" clId="{FC6212AE-D664-4EBD-95A6-C7DC18AC1A5F}" dt="2021-03-25T11:11:13.427" v="263" actId="26606"/>
+          <ac:spMkLst>
+            <pc:docMk/>
+            <pc:sldMk cId="1881999346" sldId="260"/>
+            <ac:spMk id="40" creationId="{5A0118C5-4F8D-4CF4-BADD-53FEACC6C42A}"/>
+          </ac:spMkLst>
+        </pc:spChg>
+        <pc:spChg chg="add del">
+          <ac:chgData name="Ramon Burgstad" userId="5061cdd7803951a7" providerId="LiveId" clId="{FC6212AE-D664-4EBD-95A6-C7DC18AC1A5F}" dt="2021-03-25T11:11:13.427" v="263" actId="26606"/>
+          <ac:spMkLst>
+            <pc:docMk/>
+            <pc:sldMk cId="1881999346" sldId="260"/>
+            <ac:spMk id="44" creationId="{4E0A5C5C-2A95-428E-9F6A-0D29EBD57C9F}"/>
+          </ac:spMkLst>
+        </pc:spChg>
+        <pc:spChg chg="add del">
+          <ac:chgData name="Ramon Burgstad" userId="5061cdd7803951a7" providerId="LiveId" clId="{FC6212AE-D664-4EBD-95A6-C7DC18AC1A5F}" dt="2021-03-25T11:11:13.427" v="263" actId="26606"/>
+          <ac:spMkLst>
+            <pc:docMk/>
+            <pc:sldMk cId="1881999346" sldId="260"/>
+            <ac:spMk id="45" creationId="{4C6598AB-1C17-4D54-951C-A082D94ACB7A}"/>
+          </ac:spMkLst>
+        </pc:spChg>
+        <pc:spChg chg="add del">
+          <ac:chgData name="Ramon Burgstad" userId="5061cdd7803951a7" providerId="LiveId" clId="{FC6212AE-D664-4EBD-95A6-C7DC18AC1A5F}" dt="2021-03-25T11:11:13.427" v="263" actId="26606"/>
+          <ac:spMkLst>
+            <pc:docMk/>
+            <pc:sldMk cId="1881999346" sldId="260"/>
+            <ac:spMk id="46" creationId="{1056F38F-7C4E-461D-8709-7D0024AE1F79}"/>
+          </ac:spMkLst>
+        </pc:spChg>
+        <pc:spChg chg="add del">
+          <ac:chgData name="Ramon Burgstad" userId="5061cdd7803951a7" providerId="LiveId" clId="{FC6212AE-D664-4EBD-95A6-C7DC18AC1A5F}" dt="2021-03-25T11:11:13.427" v="263" actId="26606"/>
+          <ac:spMkLst>
+            <pc:docMk/>
+            <pc:sldMk cId="1881999346" sldId="260"/>
+            <ac:spMk id="47" creationId="{C83B66D7-137D-4AC1-B172-53D60F08BEB5}"/>
+          </ac:spMkLst>
+        </pc:spChg>
+        <pc:spChg chg="add del">
+          <ac:chgData name="Ramon Burgstad" userId="5061cdd7803951a7" providerId="LiveId" clId="{FC6212AE-D664-4EBD-95A6-C7DC18AC1A5F}" dt="2021-03-25T11:11:13.427" v="263" actId="26606"/>
+          <ac:spMkLst>
+            <pc:docMk/>
+            <pc:sldMk cId="1881999346" sldId="260"/>
+            <ac:spMk id="49" creationId="{F6B92503-6984-4D15-8B98-8718709B785D}"/>
+          </ac:spMkLst>
+        </pc:spChg>
+        <pc:spChg chg="add del">
+          <ac:chgData name="Ramon Burgstad" userId="5061cdd7803951a7" providerId="LiveId" clId="{FC6212AE-D664-4EBD-95A6-C7DC18AC1A5F}" dt="2021-03-25T11:11:13.427" v="263" actId="26606"/>
+          <ac:spMkLst>
+            <pc:docMk/>
+            <pc:sldMk cId="1881999346" sldId="260"/>
+            <ac:spMk id="51" creationId="{08DDF938-524E-4C18-A47D-C00627832366}"/>
+          </ac:spMkLst>
+        </pc:spChg>
+        <pc:spChg chg="add del">
+          <ac:chgData name="Ramon Burgstad" userId="5061cdd7803951a7" providerId="LiveId" clId="{FC6212AE-D664-4EBD-95A6-C7DC18AC1A5F}" dt="2021-03-25T11:11:18.802" v="269" actId="26606"/>
+          <ac:spMkLst>
+            <pc:docMk/>
+            <pc:sldMk cId="1881999346" sldId="260"/>
+            <ac:spMk id="52" creationId="{A7C1323A-4221-4D82-A549-EE210916EC4B}"/>
+          </ac:spMkLst>
+        </pc:spChg>
+        <pc:spChg chg="add del">
+          <ac:chgData name="Ramon Burgstad" userId="5061cdd7803951a7" providerId="LiveId" clId="{FC6212AE-D664-4EBD-95A6-C7DC18AC1A5F}" dt="2021-03-25T11:11:14.484" v="265" actId="26606"/>
+          <ac:spMkLst>
+            <pc:docMk/>
+            <pc:sldMk cId="1881999346" sldId="260"/>
+            <ac:spMk id="60" creationId="{889C5E17-24D0-4696-A3C5-A2261FB455FA}"/>
+          </ac:spMkLst>
+        </pc:spChg>
+        <pc:spChg chg="add del">
+          <ac:chgData name="Ramon Burgstad" userId="5061cdd7803951a7" providerId="LiveId" clId="{FC6212AE-D664-4EBD-95A6-C7DC18AC1A5F}" dt="2021-03-25T11:11:14.484" v="265" actId="26606"/>
+          <ac:spMkLst>
+            <pc:docMk/>
+            <pc:sldMk cId="1881999346" sldId="260"/>
+            <ac:spMk id="61" creationId="{6929B58F-2358-44CC-ACE5-EF1BD3C6C824}"/>
+          </ac:spMkLst>
+        </pc:spChg>
+        <pc:spChg chg="add del">
+          <ac:chgData name="Ramon Burgstad" userId="5061cdd7803951a7" providerId="LiveId" clId="{FC6212AE-D664-4EBD-95A6-C7DC18AC1A5F}" dt="2021-03-25T11:11:16.657" v="267" actId="26606"/>
+          <ac:spMkLst>
+            <pc:docMk/>
+            <pc:sldMk cId="1881999346" sldId="260"/>
+            <ac:spMk id="66" creationId="{CDBF2F9D-983F-4E90-827D-5A23216DEA35}"/>
+          </ac:spMkLst>
+        </pc:spChg>
+        <pc:spChg chg="add del">
+          <ac:chgData name="Ramon Burgstad" userId="5061cdd7803951a7" providerId="LiveId" clId="{FC6212AE-D664-4EBD-95A6-C7DC18AC1A5F}" dt="2021-03-25T11:11:16.657" v="267" actId="26606"/>
+          <ac:spMkLst>
+            <pc:docMk/>
+            <pc:sldMk cId="1881999346" sldId="260"/>
+            <ac:spMk id="67" creationId="{6CB927A4-E432-4310-9CD5-E89FF5063179}"/>
+          </ac:spMkLst>
+        </pc:spChg>
+        <pc:spChg chg="add del">
+          <ac:chgData name="Ramon Burgstad" userId="5061cdd7803951a7" providerId="LiveId" clId="{FC6212AE-D664-4EBD-95A6-C7DC18AC1A5F}" dt="2021-03-25T11:11:16.657" v="267" actId="26606"/>
+          <ac:spMkLst>
+            <pc:docMk/>
+            <pc:sldMk cId="1881999346" sldId="260"/>
+            <ac:spMk id="68" creationId="{E3020543-B24B-4EC4-8FFC-8DD88EEA91A8}"/>
+          </ac:spMkLst>
+        </pc:spChg>
+        <pc:spChg chg="add del">
+          <ac:chgData name="Ramon Burgstad" userId="5061cdd7803951a7" providerId="LiveId" clId="{FC6212AE-D664-4EBD-95A6-C7DC18AC1A5F}" dt="2021-03-25T11:11:16.657" v="267" actId="26606"/>
+          <ac:spMkLst>
+            <pc:docMk/>
+            <pc:sldMk cId="1881999346" sldId="260"/>
+            <ac:spMk id="69" creationId="{1453BF6C-B012-48B7-B4E8-6D7AC7C27D02}"/>
+          </ac:spMkLst>
+        </pc:spChg>
+        <pc:spChg chg="add del">
+          <ac:chgData name="Ramon Burgstad" userId="5061cdd7803951a7" providerId="LiveId" clId="{FC6212AE-D664-4EBD-95A6-C7DC18AC1A5F}" dt="2021-03-25T11:15:41.029" v="424" actId="26606"/>
+          <ac:spMkLst>
+            <pc:docMk/>
+            <pc:sldMk cId="1881999346" sldId="260"/>
+            <ac:spMk id="90" creationId="{100EDD19-6802-4EC3-95CE-CFFAB042CFD6}"/>
+          </ac:spMkLst>
+        </pc:spChg>
+        <pc:spChg chg="add del">
+          <ac:chgData name="Ramon Burgstad" userId="5061cdd7803951a7" providerId="LiveId" clId="{FC6212AE-D664-4EBD-95A6-C7DC18AC1A5F}" dt="2021-03-25T11:15:41.029" v="424" actId="26606"/>
+          <ac:spMkLst>
+            <pc:docMk/>
+            <pc:sldMk cId="1881999346" sldId="260"/>
+            <ac:spMk id="92" creationId="{DB17E863-922E-4C26-BD64-E8FD41D28661}"/>
+          </ac:spMkLst>
+        </pc:spChg>
+        <pc:spChg chg="add">
+          <ac:chgData name="Ramon Burgstad" userId="5061cdd7803951a7" providerId="LiveId" clId="{FC6212AE-D664-4EBD-95A6-C7DC18AC1A5F}" dt="2021-03-25T11:16:22.423" v="429" actId="26606"/>
+          <ac:spMkLst>
+            <pc:docMk/>
+            <pc:sldMk cId="1881999346" sldId="260"/>
+            <ac:spMk id="105" creationId="{A2679492-7988-4050-9056-542444452411}"/>
+          </ac:spMkLst>
+        </pc:spChg>
+        <pc:spChg chg="add">
+          <ac:chgData name="Ramon Burgstad" userId="5061cdd7803951a7" providerId="LiveId" clId="{FC6212AE-D664-4EBD-95A6-C7DC18AC1A5F}" dt="2021-03-25T11:16:22.423" v="429" actId="26606"/>
+          <ac:spMkLst>
+            <pc:docMk/>
+            <pc:sldMk cId="1881999346" sldId="260"/>
+            <ac:spMk id="107" creationId="{B091B163-7D61-4891-ABCF-5C13D9C418D0}"/>
+          </ac:spMkLst>
+        </pc:spChg>
+        <pc:spChg chg="add del">
+          <ac:chgData name="Ramon Burgstad" userId="5061cdd7803951a7" providerId="LiveId" clId="{FC6212AE-D664-4EBD-95A6-C7DC18AC1A5F}" dt="2021-03-25T11:11:20.306" v="271" actId="26606"/>
+          <ac:spMkLst>
+            <pc:docMk/>
+            <pc:sldMk cId="1881999346" sldId="260"/>
+            <ac:spMk id="113" creationId="{2E442304-DDBD-4F7B-8017-36BCC863FB40}"/>
+          </ac:spMkLst>
+        </pc:spChg>
+        <pc:spChg chg="add del">
+          <ac:chgData name="Ramon Burgstad" userId="5061cdd7803951a7" providerId="LiveId" clId="{FC6212AE-D664-4EBD-95A6-C7DC18AC1A5F}" dt="2021-03-25T11:11:20.306" v="271" actId="26606"/>
+          <ac:spMkLst>
+            <pc:docMk/>
+            <pc:sldMk cId="1881999346" sldId="260"/>
+            <ac:spMk id="114" creationId="{5E107275-3853-46FD-A241-DE4355A42675}"/>
+          </ac:spMkLst>
+        </pc:spChg>
+        <pc:spChg chg="add del">
+          <ac:chgData name="Ramon Burgstad" userId="5061cdd7803951a7" providerId="LiveId" clId="{FC6212AE-D664-4EBD-95A6-C7DC18AC1A5F}" dt="2021-03-25T11:11:23.698" v="273" actId="26606"/>
+          <ac:spMkLst>
+            <pc:docMk/>
+            <pc:sldMk cId="1881999346" sldId="260"/>
+            <ac:spMk id="117" creationId="{327D73B4-9F5C-4A64-A179-51B9500CB8B5}"/>
+          </ac:spMkLst>
+        </pc:spChg>
+        <pc:spChg chg="add del">
+          <ac:chgData name="Ramon Burgstad" userId="5061cdd7803951a7" providerId="LiveId" clId="{FC6212AE-D664-4EBD-95A6-C7DC18AC1A5F}" dt="2021-03-25T11:11:23.698" v="273" actId="26606"/>
+          <ac:spMkLst>
+            <pc:docMk/>
+            <pc:sldMk cId="1881999346" sldId="260"/>
+            <ac:spMk id="118" creationId="{C1F06963-6374-4B48-844F-071A9BAAAE02}"/>
+          </ac:spMkLst>
+        </pc:spChg>
+        <pc:spChg chg="add del">
+          <ac:chgData name="Ramon Burgstad" userId="5061cdd7803951a7" providerId="LiveId" clId="{FC6212AE-D664-4EBD-95A6-C7DC18AC1A5F}" dt="2021-03-25T11:11:23.698" v="273" actId="26606"/>
+          <ac:spMkLst>
+            <pc:docMk/>
+            <pc:sldMk cId="1881999346" sldId="260"/>
+            <ac:spMk id="119" creationId="{6CB927A4-E432-4310-9CD5-E89FF5063179}"/>
+          </ac:spMkLst>
+        </pc:spChg>
+        <pc:spChg chg="add del">
+          <ac:chgData name="Ramon Burgstad" userId="5061cdd7803951a7" providerId="LiveId" clId="{FC6212AE-D664-4EBD-95A6-C7DC18AC1A5F}" dt="2021-03-25T11:11:23.698" v="273" actId="26606"/>
+          <ac:spMkLst>
+            <pc:docMk/>
+            <pc:sldMk cId="1881999346" sldId="260"/>
+            <ac:spMk id="120" creationId="{1453BF6C-B012-48B7-B4E8-6D7AC7C27D02}"/>
+          </ac:spMkLst>
+        </pc:spChg>
+        <pc:spChg chg="add del">
+          <ac:chgData name="Ramon Burgstad" userId="5061cdd7803951a7" providerId="LiveId" clId="{FC6212AE-D664-4EBD-95A6-C7DC18AC1A5F}" dt="2021-03-25T11:11:23.698" v="273" actId="26606"/>
+          <ac:spMkLst>
+            <pc:docMk/>
+            <pc:sldMk cId="1881999346" sldId="260"/>
+            <ac:spMk id="121" creationId="{16E77D33-1997-4BBB-95C1-E68E4AF05645}"/>
+          </ac:spMkLst>
+        </pc:spChg>
+        <pc:spChg chg="add del">
+          <ac:chgData name="Ramon Burgstad" userId="5061cdd7803951a7" providerId="LiveId" clId="{FC6212AE-D664-4EBD-95A6-C7DC18AC1A5F}" dt="2021-03-25T11:11:23.698" v="273" actId="26606"/>
+          <ac:spMkLst>
+            <pc:docMk/>
+            <pc:sldMk cId="1881999346" sldId="260"/>
+            <ac:spMk id="122" creationId="{E3020543-B24B-4EC4-8FFC-8DD88EEA91A8}"/>
+          </ac:spMkLst>
+        </pc:spChg>
+        <pc:spChg chg="add del">
+          <ac:chgData name="Ramon Burgstad" userId="5061cdd7803951a7" providerId="LiveId" clId="{FC6212AE-D664-4EBD-95A6-C7DC18AC1A5F}" dt="2021-03-25T11:11:45.659" v="275" actId="26606"/>
+          <ac:spMkLst>
+            <pc:docMk/>
+            <pc:sldMk cId="1881999346" sldId="260"/>
+            <ac:spMk id="124" creationId="{6166C6D1-23AC-49C4-BA07-238E4E9F8CEB}"/>
+          </ac:spMkLst>
+        </pc:spChg>
+        <pc:spChg chg="add del">
+          <ac:chgData name="Ramon Burgstad" userId="5061cdd7803951a7" providerId="LiveId" clId="{FC6212AE-D664-4EBD-95A6-C7DC18AC1A5F}" dt="2021-03-25T11:11:45.659" v="275" actId="26606"/>
+          <ac:spMkLst>
+            <pc:docMk/>
+            <pc:sldMk cId="1881999346" sldId="260"/>
+            <ac:spMk id="125" creationId="{1C091803-41C2-48E0-9228-5148460C7479}"/>
+          </ac:spMkLst>
+        </pc:spChg>
+        <pc:spChg chg="add del">
+          <ac:chgData name="Ramon Burgstad" userId="5061cdd7803951a7" providerId="LiveId" clId="{FC6212AE-D664-4EBD-95A6-C7DC18AC1A5F}" dt="2021-03-25T11:11:45.659" v="275" actId="26606"/>
+          <ac:spMkLst>
+            <pc:docMk/>
+            <pc:sldMk cId="1881999346" sldId="260"/>
+            <ac:spMk id="126" creationId="{16E77D33-1997-4BBB-95C1-E68E4AF05645}"/>
+          </ac:spMkLst>
+        </pc:spChg>
+        <pc:spChg chg="add del">
+          <ac:chgData name="Ramon Burgstad" userId="5061cdd7803951a7" providerId="LiveId" clId="{FC6212AE-D664-4EBD-95A6-C7DC18AC1A5F}" dt="2021-03-25T11:11:45.659" v="275" actId="26606"/>
+          <ac:spMkLst>
+            <pc:docMk/>
+            <pc:sldMk cId="1881999346" sldId="260"/>
+            <ac:spMk id="127" creationId="{A35BD09B-BC3A-45C0-AF8E-950F364CDD42}"/>
+          </ac:spMkLst>
+        </pc:spChg>
+        <pc:spChg chg="add del">
+          <ac:chgData name="Ramon Burgstad" userId="5061cdd7803951a7" providerId="LiveId" clId="{FC6212AE-D664-4EBD-95A6-C7DC18AC1A5F}" dt="2021-03-25T11:11:45.659" v="275" actId="26606"/>
+          <ac:spMkLst>
+            <pc:docMk/>
+            <pc:sldMk cId="1881999346" sldId="260"/>
+            <ac:spMk id="128" creationId="{05CC4153-3F0D-4F4C-8F12-E8FC3FA40AEE}"/>
+          </ac:spMkLst>
+        </pc:spChg>
+        <pc:spChg chg="add del">
+          <ac:chgData name="Ramon Burgstad" userId="5061cdd7803951a7" providerId="LiveId" clId="{FC6212AE-D664-4EBD-95A6-C7DC18AC1A5F}" dt="2021-03-25T11:11:47.569" v="277" actId="26606"/>
+          <ac:spMkLst>
+            <pc:docMk/>
+            <pc:sldMk cId="1881999346" sldId="260"/>
+            <ac:spMk id="130" creationId="{76EFD3D9-44F0-4267-BCC1-1613E79D8274}"/>
+          </ac:spMkLst>
+        </pc:spChg>
+        <pc:spChg chg="add del">
+          <ac:chgData name="Ramon Burgstad" userId="5061cdd7803951a7" providerId="LiveId" clId="{FC6212AE-D664-4EBD-95A6-C7DC18AC1A5F}" dt="2021-03-25T11:11:47.569" v="277" actId="26606"/>
+          <ac:spMkLst>
+            <pc:docMk/>
+            <pc:sldMk cId="1881999346" sldId="260"/>
+            <ac:spMk id="131" creationId="{A779A851-95D6-41AF-937A-B0E4B7F6FA8D}"/>
+          </ac:spMkLst>
+        </pc:spChg>
+        <pc:spChg chg="add del">
+          <ac:chgData name="Ramon Burgstad" userId="5061cdd7803951a7" providerId="LiveId" clId="{FC6212AE-D664-4EBD-95A6-C7DC18AC1A5F}" dt="2021-03-25T11:11:47.569" v="277" actId="26606"/>
+          <ac:spMkLst>
+            <pc:docMk/>
+            <pc:sldMk cId="1881999346" sldId="260"/>
+            <ac:spMk id="132" creationId="{953FB2E7-B6CB-429C-81EB-D9516D6D5C8D}"/>
+          </ac:spMkLst>
+        </pc:spChg>
+        <pc:spChg chg="add del">
+          <ac:chgData name="Ramon Burgstad" userId="5061cdd7803951a7" providerId="LiveId" clId="{FC6212AE-D664-4EBD-95A6-C7DC18AC1A5F}" dt="2021-03-25T11:11:47.569" v="277" actId="26606"/>
+          <ac:spMkLst>
+            <pc:docMk/>
+            <pc:sldMk cId="1881999346" sldId="260"/>
+            <ac:spMk id="133" creationId="{2EC40DB1-B719-4A13-9A4D-0966B4B27866}"/>
+          </ac:spMkLst>
+        </pc:spChg>
+        <pc:spChg chg="add del">
+          <ac:chgData name="Ramon Burgstad" userId="5061cdd7803951a7" providerId="LiveId" clId="{FC6212AE-D664-4EBD-95A6-C7DC18AC1A5F}" dt="2021-03-25T11:11:47.569" v="277" actId="26606"/>
+          <ac:spMkLst>
+            <pc:docMk/>
+            <pc:sldMk cId="1881999346" sldId="260"/>
+            <ac:spMk id="134" creationId="{82211336-CFF3-412D-868A-6679C1004C45}"/>
+          </ac:spMkLst>
+        </pc:spChg>
+        <pc:spChg chg="add del">
+          <ac:chgData name="Ramon Burgstad" userId="5061cdd7803951a7" providerId="LiveId" clId="{FC6212AE-D664-4EBD-95A6-C7DC18AC1A5F}" dt="2021-03-25T11:11:47.569" v="277" actId="26606"/>
+          <ac:spMkLst>
+            <pc:docMk/>
+            <pc:sldMk cId="1881999346" sldId="260"/>
+            <ac:spMk id="135" creationId="{16E77D33-1997-4BBB-95C1-E68E4AF05645}"/>
+          </ac:spMkLst>
+        </pc:spChg>
+        <pc:spChg chg="add del">
+          <ac:chgData name="Ramon Burgstad" userId="5061cdd7803951a7" providerId="LiveId" clId="{FC6212AE-D664-4EBD-95A6-C7DC18AC1A5F}" dt="2021-03-25T11:11:49.427" v="279" actId="26606"/>
+          <ac:spMkLst>
+            <pc:docMk/>
+            <pc:sldMk cId="1881999346" sldId="260"/>
+            <ac:spMk id="137" creationId="{6A1473A6-3F22-483E-8A30-80B9D2B14592}"/>
+          </ac:spMkLst>
+        </pc:spChg>
+        <pc:spChg chg="add del">
+          <ac:chgData name="Ramon Burgstad" userId="5061cdd7803951a7" providerId="LiveId" clId="{FC6212AE-D664-4EBD-95A6-C7DC18AC1A5F}" dt="2021-03-25T11:11:49.427" v="279" actId="26606"/>
+          <ac:spMkLst>
+            <pc:docMk/>
+            <pc:sldMk cId="1881999346" sldId="260"/>
+            <ac:spMk id="142" creationId="{16E77D33-1997-4BBB-95C1-E68E4AF05645}"/>
+          </ac:spMkLst>
+        </pc:spChg>
+        <pc:spChg chg="add del">
+          <ac:chgData name="Ramon Burgstad" userId="5061cdd7803951a7" providerId="LiveId" clId="{FC6212AE-D664-4EBD-95A6-C7DC18AC1A5F}" dt="2021-03-25T11:15:22.707" v="423" actId="26606"/>
+          <ac:spMkLst>
+            <pc:docMk/>
+            <pc:sldMk cId="1881999346" sldId="260"/>
+            <ac:spMk id="144" creationId="{76EFD3D9-44F0-4267-BCC1-1613E79D8274}"/>
+          </ac:spMkLst>
+        </pc:spChg>
+        <pc:spChg chg="add del">
+          <ac:chgData name="Ramon Burgstad" userId="5061cdd7803951a7" providerId="LiveId" clId="{FC6212AE-D664-4EBD-95A6-C7DC18AC1A5F}" dt="2021-03-25T11:15:22.707" v="423" actId="26606"/>
+          <ac:spMkLst>
+            <pc:docMk/>
+            <pc:sldMk cId="1881999346" sldId="260"/>
+            <ac:spMk id="145" creationId="{A779A851-95D6-41AF-937A-B0E4B7F6FA8D}"/>
+          </ac:spMkLst>
+        </pc:spChg>
+        <pc:spChg chg="add del">
+          <ac:chgData name="Ramon Burgstad" userId="5061cdd7803951a7" providerId="LiveId" clId="{FC6212AE-D664-4EBD-95A6-C7DC18AC1A5F}" dt="2021-03-25T11:15:22.707" v="423" actId="26606"/>
+          <ac:spMkLst>
+            <pc:docMk/>
+            <pc:sldMk cId="1881999346" sldId="260"/>
+            <ac:spMk id="146" creationId="{953FB2E7-B6CB-429C-81EB-D9516D6D5C8D}"/>
+          </ac:spMkLst>
+        </pc:spChg>
+        <pc:spChg chg="add del">
+          <ac:chgData name="Ramon Burgstad" userId="5061cdd7803951a7" providerId="LiveId" clId="{FC6212AE-D664-4EBD-95A6-C7DC18AC1A5F}" dt="2021-03-25T11:15:22.707" v="423" actId="26606"/>
+          <ac:spMkLst>
+            <pc:docMk/>
+            <pc:sldMk cId="1881999346" sldId="260"/>
+            <ac:spMk id="147" creationId="{2EC40DB1-B719-4A13-9A4D-0966B4B27866}"/>
+          </ac:spMkLst>
+        </pc:spChg>
+        <pc:spChg chg="add del">
+          <ac:chgData name="Ramon Burgstad" userId="5061cdd7803951a7" providerId="LiveId" clId="{FC6212AE-D664-4EBD-95A6-C7DC18AC1A5F}" dt="2021-03-25T11:15:22.707" v="423" actId="26606"/>
+          <ac:spMkLst>
+            <pc:docMk/>
+            <pc:sldMk cId="1881999346" sldId="260"/>
+            <ac:spMk id="148" creationId="{82211336-CFF3-412D-868A-6679C1004C45}"/>
+          </ac:spMkLst>
+        </pc:spChg>
+        <pc:spChg chg="add del mod">
+          <ac:chgData name="Ramon Burgstad" userId="5061cdd7803951a7" providerId="LiveId" clId="{FC6212AE-D664-4EBD-95A6-C7DC18AC1A5F}" dt="2021-03-25T11:16:22.423" v="429" actId="26606"/>
+          <ac:spMkLst>
+            <pc:docMk/>
+            <pc:sldMk cId="1881999346" sldId="260"/>
+            <ac:spMk id="149" creationId="{16E77D33-1997-4BBB-95C1-E68E4AF05645}"/>
+          </ac:spMkLst>
+        </pc:spChg>
+        <pc:spChg chg="add del">
+          <ac:chgData name="Ramon Burgstad" userId="5061cdd7803951a7" providerId="LiveId" clId="{FC6212AE-D664-4EBD-95A6-C7DC18AC1A5F}" dt="2021-03-25T11:16:22.423" v="429" actId="26606"/>
+          <ac:spMkLst>
+            <pc:docMk/>
+            <pc:sldMk cId="1881999346" sldId="260"/>
+            <ac:spMk id="154" creationId="{327D73B4-9F5C-4A64-A179-51B9500CB8B5}"/>
+          </ac:spMkLst>
+        </pc:spChg>
+        <pc:spChg chg="add del">
+          <ac:chgData name="Ramon Burgstad" userId="5061cdd7803951a7" providerId="LiveId" clId="{FC6212AE-D664-4EBD-95A6-C7DC18AC1A5F}" dt="2021-03-25T11:16:22.423" v="429" actId="26606"/>
+          <ac:spMkLst>
+            <pc:docMk/>
+            <pc:sldMk cId="1881999346" sldId="260"/>
+            <ac:spMk id="156" creationId="{C1F06963-6374-4B48-844F-071A9BAAAE02}"/>
+          </ac:spMkLst>
+        </pc:spChg>
+        <pc:spChg chg="add del">
+          <ac:chgData name="Ramon Burgstad" userId="5061cdd7803951a7" providerId="LiveId" clId="{FC6212AE-D664-4EBD-95A6-C7DC18AC1A5F}" dt="2021-03-25T11:16:22.423" v="429" actId="26606"/>
+          <ac:spMkLst>
+            <pc:docMk/>
+            <pc:sldMk cId="1881999346" sldId="260"/>
+            <ac:spMk id="158" creationId="{6CB927A4-E432-4310-9CD5-E89FF5063179}"/>
+          </ac:spMkLst>
+        </pc:spChg>
+        <pc:spChg chg="add del">
+          <ac:chgData name="Ramon Burgstad" userId="5061cdd7803951a7" providerId="LiveId" clId="{FC6212AE-D664-4EBD-95A6-C7DC18AC1A5F}" dt="2021-03-25T11:16:22.423" v="429" actId="26606"/>
+          <ac:spMkLst>
+            <pc:docMk/>
+            <pc:sldMk cId="1881999346" sldId="260"/>
+            <ac:spMk id="160" creationId="{1453BF6C-B012-48B7-B4E8-6D7AC7C27D02}"/>
+          </ac:spMkLst>
+        </pc:spChg>
+        <pc:spChg chg="add del">
+          <ac:chgData name="Ramon Burgstad" userId="5061cdd7803951a7" providerId="LiveId" clId="{FC6212AE-D664-4EBD-95A6-C7DC18AC1A5F}" dt="2021-03-25T11:16:22.423" v="429" actId="26606"/>
+          <ac:spMkLst>
+            <pc:docMk/>
+            <pc:sldMk cId="1881999346" sldId="260"/>
+            <ac:spMk id="162" creationId="{E3020543-B24B-4EC4-8FFC-8DD88EEA91A8}"/>
+          </ac:spMkLst>
+        </pc:spChg>
+        <pc:spChg chg="add mod">
+          <ac:chgData name="Ramon Burgstad" userId="5061cdd7803951a7" providerId="LiveId" clId="{FC6212AE-D664-4EBD-95A6-C7DC18AC1A5F}" dt="2021-03-25T14:07:56.106" v="2935" actId="20577"/>
+          <ac:spMkLst>
+            <pc:docMk/>
+            <pc:sldMk cId="1881999346" sldId="260"/>
+            <ac:spMk id="170" creationId="{16E77D33-1997-4BBB-95C1-E68E4AF05645}"/>
+          </ac:spMkLst>
+        </pc:spChg>
+        <pc:grpChg chg="add del">
+          <ac:chgData name="Ramon Burgstad" userId="5061cdd7803951a7" providerId="LiveId" clId="{FC6212AE-D664-4EBD-95A6-C7DC18AC1A5F}" dt="2021-03-25T11:10:49.236" v="256" actId="26606"/>
+          <ac:grpSpMkLst>
+            <pc:docMk/>
+            <pc:sldMk cId="1881999346" sldId="260"/>
+            <ac:grpSpMk id="17" creationId="{E4DF0958-0C87-4C28-9554-2FADC788C2B1}"/>
+          </ac:grpSpMkLst>
+        </pc:grpChg>
+        <pc:grpChg chg="add del">
+          <ac:chgData name="Ramon Burgstad" userId="5061cdd7803951a7" providerId="LiveId" clId="{FC6212AE-D664-4EBD-95A6-C7DC18AC1A5F}" dt="2021-03-25T11:10:59.060" v="258" actId="26606"/>
+          <ac:grpSpMkLst>
+            <pc:docMk/>
+            <pc:sldMk cId="1881999346" sldId="260"/>
+            <ac:grpSpMk id="23" creationId="{B16AE491-4898-437E-9E32-86A2F192095E}"/>
+          </ac:grpSpMkLst>
+        </pc:grpChg>
+        <pc:grpChg chg="add del">
+          <ac:chgData name="Ramon Burgstad" userId="5061cdd7803951a7" providerId="LiveId" clId="{FC6212AE-D664-4EBD-95A6-C7DC18AC1A5F}" dt="2021-03-25T11:11:18.802" v="269" actId="26606"/>
+          <ac:grpSpMkLst>
+            <pc:docMk/>
+            <pc:sldMk cId="1881999346" sldId="260"/>
+            <ac:grpSpMk id="38" creationId="{AC4F8715-86BE-45B6-95A5-47A5FACAB301}"/>
+          </ac:grpSpMkLst>
+        </pc:grpChg>
+        <pc:grpChg chg="add del">
+          <ac:chgData name="Ramon Burgstad" userId="5061cdd7803951a7" providerId="LiveId" clId="{FC6212AE-D664-4EBD-95A6-C7DC18AC1A5F}" dt="2021-03-25T11:11:13.427" v="263" actId="26606"/>
+          <ac:grpSpMkLst>
+            <pc:docMk/>
+            <pc:sldMk cId="1881999346" sldId="260"/>
+            <ac:grpSpMk id="41" creationId="{93DC754C-7E09-422D-A8BB-AF632E90DFA2}"/>
+          </ac:grpSpMkLst>
+        </pc:grpChg>
+        <pc:grpChg chg="add del">
+          <ac:chgData name="Ramon Burgstad" userId="5061cdd7803951a7" providerId="LiveId" clId="{FC6212AE-D664-4EBD-95A6-C7DC18AC1A5F}" dt="2021-03-25T11:11:13.427" v="263" actId="26606"/>
+          <ac:grpSpMkLst>
+            <pc:docMk/>
+            <pc:sldMk cId="1881999346" sldId="260"/>
+            <ac:grpSpMk id="53" creationId="{3773FAF5-C452-4455-9411-D6AF5EBD4CA9}"/>
+          </ac:grpSpMkLst>
+        </pc:grpChg>
+        <pc:grpChg chg="add del">
+          <ac:chgData name="Ramon Burgstad" userId="5061cdd7803951a7" providerId="LiveId" clId="{FC6212AE-D664-4EBD-95A6-C7DC18AC1A5F}" dt="2021-03-25T11:11:18.802" v="269" actId="26606"/>
+          <ac:grpSpMkLst>
+            <pc:docMk/>
+            <pc:sldMk cId="1881999346" sldId="260"/>
+            <ac:grpSpMk id="54" creationId="{79875FCB-4062-40DC-86BA-A06DEDC927A9}"/>
+          </ac:grpSpMkLst>
+        </pc:grpChg>
+        <pc:grpChg chg="add del">
+          <ac:chgData name="Ramon Burgstad" userId="5061cdd7803951a7" providerId="LiveId" clId="{FC6212AE-D664-4EBD-95A6-C7DC18AC1A5F}" dt="2021-03-25T11:11:14.484" v="265" actId="26606"/>
+          <ac:grpSpMkLst>
+            <pc:docMk/>
+            <pc:sldMk cId="1881999346" sldId="260"/>
+            <ac:grpSpMk id="62" creationId="{09DA5303-A1AF-4830-806C-51FCD96188B7}"/>
+          </ac:grpSpMkLst>
+        </pc:grpChg>
+        <pc:grpChg chg="add">
+          <ac:chgData name="Ramon Burgstad" userId="5061cdd7803951a7" providerId="LiveId" clId="{FC6212AE-D664-4EBD-95A6-C7DC18AC1A5F}" dt="2021-03-25T11:16:22.423" v="429" actId="26606"/>
+          <ac:grpSpMkLst>
+            <pc:docMk/>
+            <pc:sldMk cId="1881999346" sldId="260"/>
+            <ac:grpSpMk id="109" creationId="{0474DF76-993E-44DE-AFB0-C416182ACECF}"/>
+          </ac:grpSpMkLst>
+        </pc:grpChg>
+        <pc:grpChg chg="add del">
+          <ac:chgData name="Ramon Burgstad" userId="5061cdd7803951a7" providerId="LiveId" clId="{FC6212AE-D664-4EBD-95A6-C7DC18AC1A5F}" dt="2021-03-25T11:11:49.427" v="279" actId="26606"/>
+          <ac:grpSpMkLst>
+            <pc:docMk/>
+            <pc:sldMk cId="1881999346" sldId="260"/>
+            <ac:grpSpMk id="138" creationId="{AA1375E3-3E53-4D75-BAB7-E5929BFCB25F}"/>
+          </ac:grpSpMkLst>
+        </pc:grpChg>
+        <pc:graphicFrameChg chg="add del">
+          <ac:chgData name="Ramon Burgstad" userId="5061cdd7803951a7" providerId="LiveId" clId="{FC6212AE-D664-4EBD-95A6-C7DC18AC1A5F}" dt="2021-03-25T11:11:18.802" v="269" actId="26606"/>
+          <ac:graphicFrameMkLst>
+            <pc:docMk/>
+            <pc:sldMk cId="1881999346" sldId="260"/>
+            <ac:graphicFrameMk id="30" creationId="{D60F61F0-FC9A-492A-AAF1-FC8E43E22354}"/>
+          </ac:graphicFrameMkLst>
+        </pc:graphicFrameChg>
+        <pc:graphicFrameChg chg="add del">
+          <ac:chgData name="Ramon Burgstad" userId="5061cdd7803951a7" providerId="LiveId" clId="{FC6212AE-D664-4EBD-95A6-C7DC18AC1A5F}" dt="2021-03-25T11:11:20.306" v="271" actId="26606"/>
+          <ac:graphicFrameMkLst>
+            <pc:docMk/>
+            <pc:sldMk cId="1881999346" sldId="260"/>
+            <ac:graphicFrameMk id="115" creationId="{1F6DBE0C-F1E7-4BB8-9A7D-9FA30DF3E818}"/>
+          </ac:graphicFrameMkLst>
+        </pc:graphicFrameChg>
+        <pc:graphicFrameChg chg="add del">
+          <ac:chgData name="Ramon Burgstad" userId="5061cdd7803951a7" providerId="LiveId" clId="{FC6212AE-D664-4EBD-95A6-C7DC18AC1A5F}" dt="2021-03-25T11:15:51.300" v="426" actId="26606"/>
+          <ac:graphicFrameMkLst>
+            <pc:docMk/>
+            <pc:sldMk cId="1881999346" sldId="260"/>
+            <ac:graphicFrameMk id="166" creationId="{2B9F4B1F-D8E9-403D-A984-8267E42F0F06}"/>
+          </ac:graphicFrameMkLst>
+        </pc:graphicFrameChg>
+        <pc:graphicFrameChg chg="add del">
+          <ac:chgData name="Ramon Burgstad" userId="5061cdd7803951a7" providerId="LiveId" clId="{FC6212AE-D664-4EBD-95A6-C7DC18AC1A5F}" dt="2021-03-25T11:16:22.412" v="428" actId="26606"/>
+          <ac:graphicFrameMkLst>
+            <pc:docMk/>
+            <pc:sldMk cId="1881999346" sldId="260"/>
+            <ac:graphicFrameMk id="168" creationId="{C85827A9-2F8D-4A1B-B0A5-62DCE9570D78}"/>
+          </ac:graphicFrameMkLst>
+        </pc:graphicFrameChg>
+        <pc:cxnChg chg="add del">
+          <ac:chgData name="Ramon Burgstad" userId="5061cdd7803951a7" providerId="LiveId" clId="{FC6212AE-D664-4EBD-95A6-C7DC18AC1A5F}" dt="2021-03-25T11:11:49.440" v="280" actId="26606"/>
+          <ac:cxnSpMkLst>
+            <pc:docMk/>
+            <pc:sldMk cId="1881999346" sldId="260"/>
+            <ac:cxnSpMk id="18" creationId="{C49DA8F6-BCC1-4447-B54C-57856834B94B}"/>
+          </ac:cxnSpMkLst>
+        </pc:cxnChg>
+        <pc:cxnChg chg="add del">
+          <ac:chgData name="Ramon Burgstad" userId="5061cdd7803951a7" providerId="LiveId" clId="{FC6212AE-D664-4EBD-95A6-C7DC18AC1A5F}" dt="2021-03-25T11:10:59.060" v="258" actId="26606"/>
+          <ac:cxnSpMkLst>
+            <pc:docMk/>
+            <pc:sldMk cId="1881999346" sldId="260"/>
+            <ac:cxnSpMk id="21" creationId="{A2CF87F1-3B54-482D-A798-9F4A99449EC9}"/>
+          </ac:cxnSpMkLst>
+        </pc:cxnChg>
+        <pc:cxnChg chg="add del">
+          <ac:chgData name="Ramon Burgstad" userId="5061cdd7803951a7" providerId="LiveId" clId="{FC6212AE-D664-4EBD-95A6-C7DC18AC1A5F}" dt="2021-03-25T11:10:59.060" v="258" actId="26606"/>
+          <ac:cxnSpMkLst>
+            <pc:docMk/>
+            <pc:sldMk cId="1881999346" sldId="260"/>
+            <ac:cxnSpMk id="22" creationId="{C3994C9B-C550-4E20-89C5-83F12CB5A908}"/>
+          </ac:cxnSpMkLst>
+        </pc:cxnChg>
+        <pc:cxnChg chg="add del">
+          <ac:chgData name="Ramon Burgstad" userId="5061cdd7803951a7" providerId="LiveId" clId="{FC6212AE-D664-4EBD-95A6-C7DC18AC1A5F}" dt="2021-03-25T11:11:23.698" v="273" actId="26606"/>
+          <ac:cxnSpMkLst>
+            <pc:docMk/>
+            <pc:sldMk cId="1881999346" sldId="260"/>
+            <ac:cxnSpMk id="43" creationId="{C49DA8F6-BCC1-4447-B54C-57856834B94B}"/>
+          </ac:cxnSpMkLst>
+        </pc:cxnChg>
+        <pc:cxnChg chg="add del">
+          <ac:chgData name="Ramon Burgstad" userId="5061cdd7803951a7" providerId="LiveId" clId="{FC6212AE-D664-4EBD-95A6-C7DC18AC1A5F}" dt="2021-03-25T11:11:16.657" v="267" actId="26606"/>
+          <ac:cxnSpMkLst>
+            <pc:docMk/>
+            <pc:sldMk cId="1881999346" sldId="260"/>
+            <ac:cxnSpMk id="70" creationId="{C49DA8F6-BCC1-4447-B54C-57856834B94B}"/>
+          </ac:cxnSpMkLst>
+        </pc:cxnChg>
+        <pc:cxnChg chg="add del">
+          <ac:chgData name="Ramon Burgstad" userId="5061cdd7803951a7" providerId="LiveId" clId="{FC6212AE-D664-4EBD-95A6-C7DC18AC1A5F}" dt="2021-03-25T11:16:22.423" v="429" actId="26606"/>
+          <ac:cxnSpMkLst>
+            <pc:docMk/>
+            <pc:sldMk cId="1881999346" sldId="260"/>
+            <ac:cxnSpMk id="164" creationId="{C49DA8F6-BCC1-4447-B54C-57856834B94B}"/>
+          </ac:cxnSpMkLst>
+        </pc:cxnChg>
+        <pc:cxnChg chg="add">
+          <ac:chgData name="Ramon Burgstad" userId="5061cdd7803951a7" providerId="LiveId" clId="{FC6212AE-D664-4EBD-95A6-C7DC18AC1A5F}" dt="2021-03-25T11:16:22.423" v="429" actId="26606"/>
+          <ac:cxnSpMkLst>
+            <pc:docMk/>
+            <pc:sldMk cId="1881999346" sldId="260"/>
+            <ac:cxnSpMk id="171" creationId="{C49DA8F6-BCC1-4447-B54C-57856834B94B}"/>
+          </ac:cxnSpMkLst>
+        </pc:cxnChg>
+      </pc:sldChg>
+      <pc:sldChg chg="addSp delSp modSp add mod modTransition setBg delDesignElem">
+        <pc:chgData name="Ramon Burgstad" userId="5061cdd7803951a7" providerId="LiveId" clId="{FC6212AE-D664-4EBD-95A6-C7DC18AC1A5F}" dt="2021-03-25T14:09:41.246" v="3003"/>
+        <pc:sldMkLst>
+          <pc:docMk/>
+          <pc:sldMk cId="3591178993" sldId="263"/>
+        </pc:sldMkLst>
+        <pc:spChg chg="mod">
+          <ac:chgData name="Ramon Burgstad" userId="5061cdd7803951a7" providerId="LiveId" clId="{FC6212AE-D664-4EBD-95A6-C7DC18AC1A5F}" dt="2021-03-25T11:09:59.277" v="241" actId="20577"/>
+          <ac:spMkLst>
+            <pc:docMk/>
+            <pc:sldMk cId="3591178993" sldId="263"/>
+            <ac:spMk id="2" creationId="{FA0B3428-3255-4023-88EC-B3C9CFAB377B}"/>
+          </ac:spMkLst>
+        </pc:spChg>
+        <pc:spChg chg="mod">
+          <ac:chgData name="Ramon Burgstad" userId="5061cdd7803951a7" providerId="LiveId" clId="{FC6212AE-D664-4EBD-95A6-C7DC18AC1A5F}" dt="2021-03-25T12:37:26.263" v="783" actId="20577"/>
+          <ac:spMkLst>
+            <pc:docMk/>
+            <pc:sldMk cId="3591178993" sldId="263"/>
+            <ac:spMk id="3" creationId="{2EF60DF6-8C83-4460-AA7E-305F4338BBA6}"/>
+          </ac:spMkLst>
+        </pc:spChg>
+        <pc:spChg chg="del">
+          <ac:chgData name="Ramon Burgstad" userId="5061cdd7803951a7" providerId="LiveId" clId="{FC6212AE-D664-4EBD-95A6-C7DC18AC1A5F}" dt="2021-03-25T11:06:04.809" v="147"/>
+          <ac:spMkLst>
+            <pc:docMk/>
+            <pc:sldMk cId="3591178993" sldId="263"/>
+            <ac:spMk id="5" creationId="{3362DFFC-4DCC-48EE-B781-94D04B95F1E8}"/>
+          </ac:spMkLst>
+        </pc:spChg>
+        <pc:spChg chg="del">
+          <ac:chgData name="Ramon Burgstad" userId="5061cdd7803951a7" providerId="LiveId" clId="{FC6212AE-D664-4EBD-95A6-C7DC18AC1A5F}" dt="2021-03-25T11:06:04.809" v="147"/>
+          <ac:spMkLst>
+            <pc:docMk/>
+            <pc:sldMk cId="3591178993" sldId="263"/>
+            <ac:spMk id="6" creationId="{18B8B265-E68C-4B64-9238-781F0102C57B}"/>
+          </ac:spMkLst>
+        </pc:spChg>
+        <pc:spChg chg="add">
+          <ac:chgData name="Ramon Burgstad" userId="5061cdd7803951a7" providerId="LiveId" clId="{FC6212AE-D664-4EBD-95A6-C7DC18AC1A5F}" dt="2021-03-25T11:08:40.024" v="220" actId="26606"/>
+          <ac:spMkLst>
+            <pc:docMk/>
+            <pc:sldMk cId="3591178993" sldId="263"/>
+            <ac:spMk id="8" creationId="{327D73B4-9F5C-4A64-A179-51B9500CB8B5}"/>
+          </ac:spMkLst>
+        </pc:spChg>
+        <pc:spChg chg="add">
+          <ac:chgData name="Ramon Burgstad" userId="5061cdd7803951a7" providerId="LiveId" clId="{FC6212AE-D664-4EBD-95A6-C7DC18AC1A5F}" dt="2021-03-25T11:08:40.024" v="220" actId="26606"/>
+          <ac:spMkLst>
+            <pc:docMk/>
+            <pc:sldMk cId="3591178993" sldId="263"/>
+            <ac:spMk id="10" creationId="{C1F06963-6374-4B48-844F-071A9BAAAE02}"/>
+          </ac:spMkLst>
+        </pc:spChg>
+        <pc:spChg chg="add">
+          <ac:chgData name="Ramon Burgstad" userId="5061cdd7803951a7" providerId="LiveId" clId="{FC6212AE-D664-4EBD-95A6-C7DC18AC1A5F}" dt="2021-03-25T11:08:40.024" v="220" actId="26606"/>
+          <ac:spMkLst>
+            <pc:docMk/>
+            <pc:sldMk cId="3591178993" sldId="263"/>
+            <ac:spMk id="12" creationId="{6CB927A4-E432-4310-9CD5-E89FF5063179}"/>
+          </ac:spMkLst>
+        </pc:spChg>
+        <pc:spChg chg="add">
+          <ac:chgData name="Ramon Burgstad" userId="5061cdd7803951a7" providerId="LiveId" clId="{FC6212AE-D664-4EBD-95A6-C7DC18AC1A5F}" dt="2021-03-25T11:08:40.024" v="220" actId="26606"/>
+          <ac:spMkLst>
+            <pc:docMk/>
+            <pc:sldMk cId="3591178993" sldId="263"/>
+            <ac:spMk id="14" creationId="{1453BF6C-B012-48B7-B4E8-6D7AC7C27D02}"/>
+          </ac:spMkLst>
+        </pc:spChg>
+        <pc:spChg chg="add">
+          <ac:chgData name="Ramon Burgstad" userId="5061cdd7803951a7" providerId="LiveId" clId="{FC6212AE-D664-4EBD-95A6-C7DC18AC1A5F}" dt="2021-03-25T11:08:40.024" v="220" actId="26606"/>
+          <ac:spMkLst>
+            <pc:docMk/>
+            <pc:sldMk cId="3591178993" sldId="263"/>
+            <ac:spMk id="16" creationId="{E3020543-B24B-4EC4-8FFC-8DD88EEA91A8}"/>
+          </ac:spMkLst>
+        </pc:spChg>
+        <pc:cxnChg chg="add">
+          <ac:chgData name="Ramon Burgstad" userId="5061cdd7803951a7" providerId="LiveId" clId="{FC6212AE-D664-4EBD-95A6-C7DC18AC1A5F}" dt="2021-03-25T11:08:40.024" v="220" actId="26606"/>
+          <ac:cxnSpMkLst>
+            <pc:docMk/>
+            <pc:sldMk cId="3591178993" sldId="263"/>
+            <ac:cxnSpMk id="18" creationId="{C49DA8F6-BCC1-4447-B54C-57856834B94B}"/>
+          </ac:cxnSpMkLst>
+        </pc:cxnChg>
+      </pc:sldChg>
+      <pc:sldChg chg="delSp add del setBg delDesignElem">
+        <pc:chgData name="Ramon Burgstad" userId="5061cdd7803951a7" providerId="LiveId" clId="{FC6212AE-D664-4EBD-95A6-C7DC18AC1A5F}" dt="2021-03-25T11:09:43.048" v="231" actId="47"/>
+        <pc:sldMkLst>
+          <pc:docMk/>
+          <pc:sldMk cId="3943384943" sldId="265"/>
+        </pc:sldMkLst>
+        <pc:spChg chg="del">
+          <ac:chgData name="Ramon Burgstad" userId="5061cdd7803951a7" providerId="LiveId" clId="{FC6212AE-D664-4EBD-95A6-C7DC18AC1A5F}" dt="2021-03-25T11:06:04.809" v="147"/>
+          <ac:spMkLst>
+            <pc:docMk/>
+            <pc:sldMk cId="3943384943" sldId="265"/>
+            <ac:spMk id="8" creationId="{3362DFFC-4DCC-48EE-B781-94D04B95F1E8}"/>
+          </ac:spMkLst>
+        </pc:spChg>
+        <pc:spChg chg="del">
+          <ac:chgData name="Ramon Burgstad" userId="5061cdd7803951a7" providerId="LiveId" clId="{FC6212AE-D664-4EBD-95A6-C7DC18AC1A5F}" dt="2021-03-25T11:06:04.809" v="147"/>
+          <ac:spMkLst>
+            <pc:docMk/>
+            <pc:sldMk cId="3943384943" sldId="265"/>
+            <ac:spMk id="10" creationId="{18B8B265-E68C-4B64-9238-781F0102C57B}"/>
+          </ac:spMkLst>
+        </pc:spChg>
+      </pc:sldChg>
+      <pc:sldChg chg="delSp add del setBg delDesignElem">
+        <pc:chgData name="Ramon Burgstad" userId="5061cdd7803951a7" providerId="LiveId" clId="{FC6212AE-D664-4EBD-95A6-C7DC18AC1A5F}" dt="2021-03-25T11:09:44.591" v="233" actId="47"/>
+        <pc:sldMkLst>
+          <pc:docMk/>
+          <pc:sldMk cId="3596625458" sldId="266"/>
+        </pc:sldMkLst>
+        <pc:spChg chg="del">
+          <ac:chgData name="Ramon Burgstad" userId="5061cdd7803951a7" providerId="LiveId" clId="{FC6212AE-D664-4EBD-95A6-C7DC18AC1A5F}" dt="2021-03-25T11:06:04.809" v="147"/>
+          <ac:spMkLst>
+            <pc:docMk/>
+            <pc:sldMk cId="3596625458" sldId="266"/>
+            <ac:spMk id="5" creationId="{3362DFFC-4DCC-48EE-B781-94D04B95F1E8}"/>
+          </ac:spMkLst>
+        </pc:spChg>
+        <pc:spChg chg="del">
+          <ac:chgData name="Ramon Burgstad" userId="5061cdd7803951a7" providerId="LiveId" clId="{FC6212AE-D664-4EBD-95A6-C7DC18AC1A5F}" dt="2021-03-25T11:06:04.809" v="147"/>
+          <ac:spMkLst>
+            <pc:docMk/>
+            <pc:sldMk cId="3596625458" sldId="266"/>
+            <ac:spMk id="6" creationId="{18B8B265-E68C-4B64-9238-781F0102C57B}"/>
+          </ac:spMkLst>
+        </pc:spChg>
+      </pc:sldChg>
+      <pc:sldChg chg="delSp add del setBg delDesignElem">
+        <pc:chgData name="Ramon Burgstad" userId="5061cdd7803951a7" providerId="LiveId" clId="{FC6212AE-D664-4EBD-95A6-C7DC18AC1A5F}" dt="2021-03-25T11:09:43.832" v="232" actId="47"/>
+        <pc:sldMkLst>
+          <pc:docMk/>
+          <pc:sldMk cId="1912793606" sldId="267"/>
+        </pc:sldMkLst>
+        <pc:spChg chg="del">
+          <ac:chgData name="Ramon Burgstad" userId="5061cdd7803951a7" providerId="LiveId" clId="{FC6212AE-D664-4EBD-95A6-C7DC18AC1A5F}" dt="2021-03-25T11:06:04.809" v="147"/>
+          <ac:spMkLst>
+            <pc:docMk/>
+            <pc:sldMk cId="1912793606" sldId="267"/>
+            <ac:spMk id="5" creationId="{3362DFFC-4DCC-48EE-B781-94D04B95F1E8}"/>
+          </ac:spMkLst>
+        </pc:spChg>
+        <pc:spChg chg="del">
+          <ac:chgData name="Ramon Burgstad" userId="5061cdd7803951a7" providerId="LiveId" clId="{FC6212AE-D664-4EBD-95A6-C7DC18AC1A5F}" dt="2021-03-25T11:06:04.809" v="147"/>
+          <ac:spMkLst>
+            <pc:docMk/>
+            <pc:sldMk cId="1912793606" sldId="267"/>
+            <ac:spMk id="6" creationId="{18B8B265-E68C-4B64-9238-781F0102C57B}"/>
+          </ac:spMkLst>
+        </pc:spChg>
+      </pc:sldChg>
+      <pc:sldChg chg="addSp delSp modSp add mod modTransition setBg delAnim delDesignElem">
+        <pc:chgData name="Ramon Burgstad" userId="5061cdd7803951a7" providerId="LiveId" clId="{FC6212AE-D664-4EBD-95A6-C7DC18AC1A5F}" dt="2021-03-25T14:09:36.503" v="3000"/>
+        <pc:sldMkLst>
+          <pc:docMk/>
+          <pc:sldMk cId="2418174887" sldId="268"/>
+        </pc:sldMkLst>
+        <pc:spChg chg="add del mod">
+          <ac:chgData name="Ramon Burgstad" userId="5061cdd7803951a7" providerId="LiveId" clId="{FC6212AE-D664-4EBD-95A6-C7DC18AC1A5F}" dt="2021-03-25T11:06:30.586" v="149" actId="478"/>
+          <ac:spMkLst>
+            <pc:docMk/>
+            <pc:sldMk cId="2418174887" sldId="268"/>
+            <ac:spMk id="3" creationId="{6B8513C2-9963-450C-BB0C-1AD8757E84EE}"/>
+          </ac:spMkLst>
+        </pc:spChg>
+        <pc:spChg chg="mod ord">
+          <ac:chgData name="Ramon Burgstad" userId="5061cdd7803951a7" providerId="LiveId" clId="{FC6212AE-D664-4EBD-95A6-C7DC18AC1A5F}" dt="2021-03-25T13:33:36.275" v="1616" actId="5793"/>
+          <ac:spMkLst>
+            <pc:docMk/>
+            <pc:sldMk cId="2418174887" sldId="268"/>
+            <ac:spMk id="5" creationId="{D6600B62-6184-499F-BE00-7E314E12750D}"/>
+          </ac:spMkLst>
+        </pc:spChg>
+        <pc:spChg chg="add del mod">
+          <ac:chgData name="Ramon Burgstad" userId="5061cdd7803951a7" providerId="LiveId" clId="{FC6212AE-D664-4EBD-95A6-C7DC18AC1A5F}" dt="2021-03-25T11:23:22.917" v="430" actId="478"/>
+          <ac:spMkLst>
+            <pc:docMk/>
+            <pc:sldMk cId="2418174887" sldId="268"/>
+            <ac:spMk id="6" creationId="{47B50CCA-4932-44BA-AF7D-A1FB718C3749}"/>
+          </ac:spMkLst>
+        </pc:spChg>
+        <pc:spChg chg="mod">
+          <ac:chgData name="Ramon Burgstad" userId="5061cdd7803951a7" providerId="LiveId" clId="{FC6212AE-D664-4EBD-95A6-C7DC18AC1A5F}" dt="2021-03-25T13:33:03.114" v="1599" actId="26606"/>
+          <ac:spMkLst>
+            <pc:docMk/>
+            <pc:sldMk cId="2418174887" sldId="268"/>
+            <ac:spMk id="20" creationId="{3365E02B-D88D-4B4D-A0A6-89ED07EEE961}"/>
+          </ac:spMkLst>
+        </pc:spChg>
+        <pc:spChg chg="del">
+          <ac:chgData name="Ramon Burgstad" userId="5061cdd7803951a7" providerId="LiveId" clId="{FC6212AE-D664-4EBD-95A6-C7DC18AC1A5F}" dt="2021-03-25T11:06:04.809" v="147"/>
+          <ac:spMkLst>
+            <pc:docMk/>
+            <pc:sldMk cId="2418174887" sldId="268"/>
+            <ac:spMk id="38" creationId="{CC1026F7-DECB-49B4-A565-518BBA445471}"/>
+          </ac:spMkLst>
+        </pc:spChg>
+        <pc:spChg chg="del">
+          <ac:chgData name="Ramon Burgstad" userId="5061cdd7803951a7" providerId="LiveId" clId="{FC6212AE-D664-4EBD-95A6-C7DC18AC1A5F}" dt="2021-03-25T11:06:04.809" v="147"/>
+          <ac:spMkLst>
+            <pc:docMk/>
+            <pc:sldMk cId="2418174887" sldId="268"/>
+            <ac:spMk id="39" creationId="{1D868099-6145-4BC0-A5EA-74BEF1776BA9}"/>
+          </ac:spMkLst>
+        </pc:spChg>
+        <pc:spChg chg="add del">
+          <ac:chgData name="Ramon Burgstad" userId="5061cdd7803951a7" providerId="LiveId" clId="{FC6212AE-D664-4EBD-95A6-C7DC18AC1A5F}" dt="2021-03-25T13:31:52.740" v="1567" actId="26606"/>
+          <ac:spMkLst>
+            <pc:docMk/>
+            <pc:sldMk cId="2418174887" sldId="268"/>
+            <ac:spMk id="71" creationId="{577D1452-F0B7-431E-9A24-D3F7103D8510}"/>
+          </ac:spMkLst>
+        </pc:spChg>
+        <pc:spChg chg="add del">
+          <ac:chgData name="Ramon Burgstad" userId="5061cdd7803951a7" providerId="LiveId" clId="{FC6212AE-D664-4EBD-95A6-C7DC18AC1A5F}" dt="2021-03-25T13:31:52.740" v="1567" actId="26606"/>
+          <ac:spMkLst>
+            <pc:docMk/>
+            <pc:sldMk cId="2418174887" sldId="268"/>
+            <ac:spMk id="73" creationId="{A660F4F9-5DF5-4F15-BE6A-CD8648BB1148}"/>
+          </ac:spMkLst>
+        </pc:spChg>
+        <pc:spChg chg="add del">
+          <ac:chgData name="Ramon Burgstad" userId="5061cdd7803951a7" providerId="LiveId" clId="{FC6212AE-D664-4EBD-95A6-C7DC18AC1A5F}" dt="2021-03-25T13:33:03.114" v="1599" actId="26606"/>
+          <ac:spMkLst>
+            <pc:docMk/>
+            <pc:sldMk cId="2418174887" sldId="268"/>
+            <ac:spMk id="78" creationId="{6D6CDB20-394C-4D51-9C5B-8751E21338DC}"/>
+          </ac:spMkLst>
+        </pc:spChg>
+        <pc:spChg chg="add del">
+          <ac:chgData name="Ramon Burgstad" userId="5061cdd7803951a7" providerId="LiveId" clId="{FC6212AE-D664-4EBD-95A6-C7DC18AC1A5F}" dt="2021-03-25T13:33:03.114" v="1599" actId="26606"/>
+          <ac:spMkLst>
+            <pc:docMk/>
+            <pc:sldMk cId="2418174887" sldId="268"/>
+            <ac:spMk id="80" creationId="{46DFD1E0-DCA7-47E6-B78B-6ECDDF873DD6}"/>
+          </ac:spMkLst>
+        </pc:spChg>
+        <pc:spChg chg="add del">
+          <ac:chgData name="Ramon Burgstad" userId="5061cdd7803951a7" providerId="LiveId" clId="{FC6212AE-D664-4EBD-95A6-C7DC18AC1A5F}" dt="2021-03-25T13:33:03.114" v="1599" actId="26606"/>
+          <ac:spMkLst>
+            <pc:docMk/>
+            <pc:sldMk cId="2418174887" sldId="268"/>
+            <ac:spMk id="82" creationId="{8AAB0B1E-BB97-40E0-8DCD-D1197A0E1D6A}"/>
+          </ac:spMkLst>
+        </pc:spChg>
+        <pc:spChg chg="add del">
+          <ac:chgData name="Ramon Burgstad" userId="5061cdd7803951a7" providerId="LiveId" clId="{FC6212AE-D664-4EBD-95A6-C7DC18AC1A5F}" dt="2021-03-25T13:33:29.450" v="1614" actId="26606"/>
+          <ac:spMkLst>
+            <pc:docMk/>
+            <pc:sldMk cId="2418174887" sldId="268"/>
+            <ac:spMk id="89" creationId="{577D1452-F0B7-431E-9A24-D3F7103D8510}"/>
+          </ac:spMkLst>
+        </pc:spChg>
+        <pc:spChg chg="add del">
+          <ac:chgData name="Ramon Burgstad" userId="5061cdd7803951a7" providerId="LiveId" clId="{FC6212AE-D664-4EBD-95A6-C7DC18AC1A5F}" dt="2021-03-25T13:33:29.450" v="1614" actId="26606"/>
+          <ac:spMkLst>
+            <pc:docMk/>
+            <pc:sldMk cId="2418174887" sldId="268"/>
+            <ac:spMk id="91" creationId="{A660F4F9-5DF5-4F15-BE6A-CD8648BB1148}"/>
+          </ac:spMkLst>
+        </pc:spChg>
+        <pc:spChg chg="add">
+          <ac:chgData name="Ramon Burgstad" userId="5061cdd7803951a7" providerId="LiveId" clId="{FC6212AE-D664-4EBD-95A6-C7DC18AC1A5F}" dt="2021-03-25T13:33:29.450" v="1614" actId="26606"/>
+          <ac:spMkLst>
+            <pc:docMk/>
+            <pc:sldMk cId="2418174887" sldId="268"/>
+            <ac:spMk id="96" creationId="{577D1452-F0B7-431E-9A24-D3F7103D8510}"/>
+          </ac:spMkLst>
+        </pc:spChg>
+        <pc:spChg chg="add">
+          <ac:chgData name="Ramon Burgstad" userId="5061cdd7803951a7" providerId="LiveId" clId="{FC6212AE-D664-4EBD-95A6-C7DC18AC1A5F}" dt="2021-03-25T13:33:29.450" v="1614" actId="26606"/>
+          <ac:spMkLst>
+            <pc:docMk/>
+            <pc:sldMk cId="2418174887" sldId="268"/>
+            <ac:spMk id="98" creationId="{A660F4F9-5DF5-4F15-BE6A-CD8648BB1148}"/>
+          </ac:spMkLst>
+        </pc:spChg>
+        <pc:picChg chg="del">
+          <ac:chgData name="Ramon Burgstad" userId="5061cdd7803951a7" providerId="LiveId" clId="{FC6212AE-D664-4EBD-95A6-C7DC18AC1A5F}" dt="2021-03-25T11:06:28.203" v="148" actId="478"/>
+          <ac:picMkLst>
+            <pc:docMk/>
+            <pc:sldMk cId="2418174887" sldId="268"/>
+            <ac:picMk id="4" creationId="{09B3A096-100D-4683-AA4D-A5540AA4ECB3}"/>
+          </ac:picMkLst>
+        </pc:picChg>
+        <pc:picChg chg="add del mod">
+          <ac:chgData name="Ramon Burgstad" userId="5061cdd7803951a7" providerId="LiveId" clId="{FC6212AE-D664-4EBD-95A6-C7DC18AC1A5F}" dt="2021-03-25T11:06:54.542" v="155" actId="21"/>
+          <ac:picMkLst>
+            <pc:docMk/>
+            <pc:sldMk cId="2418174887" sldId="268"/>
+            <ac:picMk id="9" creationId="{39AEA155-8BA1-42D4-9EF2-72AB8A95599B}"/>
+          </ac:picMkLst>
+        </pc:picChg>
+        <pc:picChg chg="add mod">
+          <ac:chgData name="Ramon Burgstad" userId="5061cdd7803951a7" providerId="LiveId" clId="{FC6212AE-D664-4EBD-95A6-C7DC18AC1A5F}" dt="2021-03-25T13:32:59.294" v="1598"/>
+          <ac:picMkLst>
+            <pc:docMk/>
+            <pc:sldMk cId="2418174887" sldId="268"/>
+            <ac:picMk id="18" creationId="{0FE216E7-B8C8-41E0-9C33-9AC45416A17C}"/>
+          </ac:picMkLst>
+        </pc:picChg>
+        <pc:picChg chg="add del mod">
+          <ac:chgData name="Ramon Burgstad" userId="5061cdd7803951a7" providerId="LiveId" clId="{FC6212AE-D664-4EBD-95A6-C7DC18AC1A5F}" dt="2021-03-25T12:50:05.804" v="1051" actId="478"/>
+          <ac:picMkLst>
+            <pc:docMk/>
+            <pc:sldMk cId="2418174887" sldId="268"/>
+            <ac:picMk id="1026" creationId="{70BA60CC-E3B1-4CE5-A53B-2D68B215983C}"/>
+          </ac:picMkLst>
+        </pc:picChg>
+        <pc:cxnChg chg="add del">
+          <ac:chgData name="Ramon Burgstad" userId="5061cdd7803951a7" providerId="LiveId" clId="{FC6212AE-D664-4EBD-95A6-C7DC18AC1A5F}" dt="2021-03-25T13:33:03.114" v="1599" actId="26606"/>
+          <ac:cxnSpMkLst>
+            <pc:docMk/>
+            <pc:sldMk cId="2418174887" sldId="268"/>
+            <ac:cxnSpMk id="84" creationId="{F492F8DF-EE34-4FC5-9FFE-76EB2E3BBA95}"/>
+          </ac:cxnSpMkLst>
+        </pc:cxnChg>
+      </pc:sldChg>
+      <pc:sldChg chg="addSp delSp modSp add del mod setBg delAnim delDesignElem">
+        <pc:chgData name="Ramon Burgstad" userId="5061cdd7803951a7" providerId="LiveId" clId="{FC6212AE-D664-4EBD-95A6-C7DC18AC1A5F}" dt="2021-03-25T13:33:42.828" v="1617" actId="47"/>
+        <pc:sldMkLst>
+          <pc:docMk/>
+          <pc:sldMk cId="1803062081" sldId="269"/>
+        </pc:sldMkLst>
+        <pc:spChg chg="mod ord">
+          <ac:chgData name="Ramon Burgstad" userId="5061cdd7803951a7" providerId="LiveId" clId="{FC6212AE-D664-4EBD-95A6-C7DC18AC1A5F}" dt="2021-03-25T13:31:41.921" v="1564" actId="26606"/>
+          <ac:spMkLst>
+            <pc:docMk/>
+            <pc:sldMk cId="1803062081" sldId="269"/>
+            <ac:spMk id="3" creationId="{31501356-2C65-4BF3-B591-43C531562149}"/>
+          </ac:spMkLst>
+        </pc:spChg>
+        <pc:spChg chg="mod">
+          <ac:chgData name="Ramon Burgstad" userId="5061cdd7803951a7" providerId="LiveId" clId="{FC6212AE-D664-4EBD-95A6-C7DC18AC1A5F}" dt="2021-03-25T12:50:03.676" v="1050" actId="26606"/>
+          <ac:spMkLst>
+            <pc:docMk/>
+            <pc:sldMk cId="1803062081" sldId="269"/>
+            <ac:spMk id="11" creationId="{A625B587-125C-4D33-A77D-E75BEBA304B6}"/>
+          </ac:spMkLst>
+        </pc:spChg>
+        <pc:spChg chg="add del">
+          <ac:chgData name="Ramon Burgstad" userId="5061cdd7803951a7" providerId="LiveId" clId="{FC6212AE-D664-4EBD-95A6-C7DC18AC1A5F}" dt="2021-03-25T13:31:41.921" v="1564" actId="26606"/>
+          <ac:spMkLst>
+            <pc:docMk/>
+            <pc:sldMk cId="1803062081" sldId="269"/>
+            <ac:spMk id="16" creationId="{577D1452-F0B7-431E-9A24-D3F7103D8510}"/>
+          </ac:spMkLst>
+        </pc:spChg>
+        <pc:spChg chg="add del">
+          <ac:chgData name="Ramon Burgstad" userId="5061cdd7803951a7" providerId="LiveId" clId="{FC6212AE-D664-4EBD-95A6-C7DC18AC1A5F}" dt="2021-03-25T13:31:41.921" v="1564" actId="26606"/>
+          <ac:spMkLst>
+            <pc:docMk/>
+            <pc:sldMk cId="1803062081" sldId="269"/>
+            <ac:spMk id="18" creationId="{A660F4F9-5DF5-4F15-BE6A-CD8648BB1148}"/>
+          </ac:spMkLst>
+        </pc:spChg>
+        <pc:spChg chg="add">
+          <ac:chgData name="Ramon Burgstad" userId="5061cdd7803951a7" providerId="LiveId" clId="{FC6212AE-D664-4EBD-95A6-C7DC18AC1A5F}" dt="2021-03-25T13:31:41.921" v="1564" actId="26606"/>
+          <ac:spMkLst>
+            <pc:docMk/>
+            <pc:sldMk cId="1803062081" sldId="269"/>
+            <ac:spMk id="23" creationId="{577D1452-F0B7-431E-9A24-D3F7103D8510}"/>
+          </ac:spMkLst>
+        </pc:spChg>
+        <pc:spChg chg="add">
+          <ac:chgData name="Ramon Burgstad" userId="5061cdd7803951a7" providerId="LiveId" clId="{FC6212AE-D664-4EBD-95A6-C7DC18AC1A5F}" dt="2021-03-25T13:31:41.921" v="1564" actId="26606"/>
+          <ac:spMkLst>
+            <pc:docMk/>
+            <pc:sldMk cId="1803062081" sldId="269"/>
+            <ac:spMk id="25" creationId="{A660F4F9-5DF5-4F15-BE6A-CD8648BB1148}"/>
+          </ac:spMkLst>
+        </pc:spChg>
+        <pc:spChg chg="del">
+          <ac:chgData name="Ramon Burgstad" userId="5061cdd7803951a7" providerId="LiveId" clId="{FC6212AE-D664-4EBD-95A6-C7DC18AC1A5F}" dt="2021-03-25T11:06:04.809" v="147"/>
+          <ac:spMkLst>
+            <pc:docMk/>
+            <pc:sldMk cId="1803062081" sldId="269"/>
+            <ac:spMk id="78" creationId="{1D868099-6145-4BC0-A5EA-74BEF1776BA9}"/>
+          </ac:spMkLst>
+        </pc:spChg>
+        <pc:spChg chg="del">
+          <ac:chgData name="Ramon Burgstad" userId="5061cdd7803951a7" providerId="LiveId" clId="{FC6212AE-D664-4EBD-95A6-C7DC18AC1A5F}" dt="2021-03-25T11:06:04.809" v="147"/>
+          <ac:spMkLst>
+            <pc:docMk/>
+            <pc:sldMk cId="1803062081" sldId="269"/>
+            <ac:spMk id="80" creationId="{CC1026F7-DECB-49B4-A565-518BBA445471}"/>
+          </ac:spMkLst>
+        </pc:spChg>
+        <pc:picChg chg="del">
+          <ac:chgData name="Ramon Burgstad" userId="5061cdd7803951a7" providerId="LiveId" clId="{FC6212AE-D664-4EBD-95A6-C7DC18AC1A5F}" dt="2021-03-25T11:06:32.859" v="150" actId="478"/>
+          <ac:picMkLst>
+            <pc:docMk/>
+            <pc:sldMk cId="1803062081" sldId="269"/>
+            <ac:picMk id="2" creationId="{6014C7D4-C300-4E53-A3A8-FD3218DAF79C}"/>
+          </ac:picMkLst>
+        </pc:picChg>
+        <pc:picChg chg="add del mod">
+          <ac:chgData name="Ramon Burgstad" userId="5061cdd7803951a7" providerId="LiveId" clId="{FC6212AE-D664-4EBD-95A6-C7DC18AC1A5F}" dt="2021-03-25T12:51:34.688" v="1061" actId="478"/>
+          <ac:picMkLst>
+            <pc:docMk/>
+            <pc:sldMk cId="1803062081" sldId="269"/>
+            <ac:picMk id="7" creationId="{D3ED8DA2-8031-4562-A0C9-1FDF6E6CE60C}"/>
+          </ac:picMkLst>
+        </pc:picChg>
+        <pc:picChg chg="add del mod">
+          <ac:chgData name="Ramon Burgstad" userId="5061cdd7803951a7" providerId="LiveId" clId="{FC6212AE-D664-4EBD-95A6-C7DC18AC1A5F}" dt="2021-03-25T13:31:44.168" v="1565" actId="478"/>
+          <ac:picMkLst>
+            <pc:docMk/>
+            <pc:sldMk cId="1803062081" sldId="269"/>
+            <ac:picMk id="10" creationId="{4FF4036C-2177-485D-89AA-84FFCA6170C4}"/>
+          </ac:picMkLst>
+        </pc:picChg>
+        <pc:picChg chg="add mod">
+          <ac:chgData name="Ramon Burgstad" userId="5061cdd7803951a7" providerId="LiveId" clId="{FC6212AE-D664-4EBD-95A6-C7DC18AC1A5F}" dt="2021-03-25T13:31:44.582" v="1566"/>
+          <ac:picMkLst>
+            <pc:docMk/>
+            <pc:sldMk cId="1803062081" sldId="269"/>
+            <ac:picMk id="13" creationId="{78059E9C-A3AA-4846-997E-C879562DBE15}"/>
+          </ac:picMkLst>
+        </pc:picChg>
+      </pc:sldChg>
+      <pc:sldChg chg="addSp delSp modSp add mod modTransition setBg setClrOvrMap delDesignElem">
+        <pc:chgData name="Ramon Burgstad" userId="5061cdd7803951a7" providerId="LiveId" clId="{FC6212AE-D664-4EBD-95A6-C7DC18AC1A5F}" dt="2021-03-25T14:09:38.080" v="3001"/>
+        <pc:sldMkLst>
+          <pc:docMk/>
+          <pc:sldMk cId="3811199517" sldId="270"/>
+        </pc:sldMkLst>
+        <pc:spChg chg="mod">
+          <ac:chgData name="Ramon Burgstad" userId="5061cdd7803951a7" providerId="LiveId" clId="{FC6212AE-D664-4EBD-95A6-C7DC18AC1A5F}" dt="2021-03-25T13:41:20.143" v="1645" actId="26606"/>
+          <ac:spMkLst>
+            <pc:docMk/>
+            <pc:sldMk cId="3811199517" sldId="270"/>
+            <ac:spMk id="2" creationId="{5B096327-4F1B-47EE-8BFC-5D73593A5CFE}"/>
+          </ac:spMkLst>
+        </pc:spChg>
+        <pc:spChg chg="mod ord">
+          <ac:chgData name="Ramon Burgstad" userId="5061cdd7803951a7" providerId="LiveId" clId="{FC6212AE-D664-4EBD-95A6-C7DC18AC1A5F}" dt="2021-03-25T13:41:20.143" v="1645" actId="26606"/>
+          <ac:spMkLst>
+            <pc:docMk/>
+            <pc:sldMk cId="3811199517" sldId="270"/>
+            <ac:spMk id="3" creationId="{529F7983-E3AD-4C39-A7AF-FA6345481B8A}"/>
+          </ac:spMkLst>
+        </pc:spChg>
+        <pc:spChg chg="add del">
+          <ac:chgData name="Ramon Burgstad" userId="5061cdd7803951a7" providerId="LiveId" clId="{FC6212AE-D664-4EBD-95A6-C7DC18AC1A5F}" dt="2021-03-25T11:07:10.024" v="162" actId="26606"/>
+          <ac:spMkLst>
+            <pc:docMk/>
+            <pc:sldMk cId="3811199517" sldId="270"/>
+            <ac:spMk id="12" creationId="{8E20FA99-AAAC-4AF3-9FAE-707420324F1C}"/>
+          </ac:spMkLst>
+        </pc:spChg>
+        <pc:spChg chg="add del">
+          <ac:chgData name="Ramon Burgstad" userId="5061cdd7803951a7" providerId="LiveId" clId="{FC6212AE-D664-4EBD-95A6-C7DC18AC1A5F}" dt="2021-03-25T11:07:10.024" v="162" actId="26606"/>
+          <ac:spMkLst>
+            <pc:docMk/>
+            <pc:sldMk cId="3811199517" sldId="270"/>
+            <ac:spMk id="14" creationId="{9573BE85-6043-4C3A-A7DD-483A0A5FB740}"/>
+          </ac:spMkLst>
+        </pc:spChg>
+        <pc:spChg chg="add del">
+          <ac:chgData name="Ramon Burgstad" userId="5061cdd7803951a7" providerId="LiveId" clId="{FC6212AE-D664-4EBD-95A6-C7DC18AC1A5F}" dt="2021-03-25T11:07:10.016" v="161" actId="26606"/>
+          <ac:spMkLst>
+            <pc:docMk/>
+            <pc:sldMk cId="3811199517" sldId="270"/>
+            <ac:spMk id="19" creationId="{8E20FA99-AAAC-4AF3-9FAE-707420324F1C}"/>
+          </ac:spMkLst>
+        </pc:spChg>
+        <pc:spChg chg="add del">
+          <ac:chgData name="Ramon Burgstad" userId="5061cdd7803951a7" providerId="LiveId" clId="{FC6212AE-D664-4EBD-95A6-C7DC18AC1A5F}" dt="2021-03-25T11:07:10.016" v="161" actId="26606"/>
+          <ac:spMkLst>
+            <pc:docMk/>
+            <pc:sldMk cId="3811199517" sldId="270"/>
+            <ac:spMk id="21" creationId="{9573BE85-6043-4C3A-A7DD-483A0A5FB740}"/>
+          </ac:spMkLst>
+        </pc:spChg>
+        <pc:spChg chg="add del">
+          <ac:chgData name="Ramon Burgstad" userId="5061cdd7803951a7" providerId="LiveId" clId="{FC6212AE-D664-4EBD-95A6-C7DC18AC1A5F}" dt="2021-03-25T13:34:17.175" v="1627" actId="26606"/>
+          <ac:spMkLst>
+            <pc:docMk/>
+            <pc:sldMk cId="3811199517" sldId="270"/>
+            <ac:spMk id="23" creationId="{787900AF-3ED0-4C02-A309-3984EBBD202C}"/>
+          </ac:spMkLst>
+        </pc:spChg>
+        <pc:spChg chg="add del">
+          <ac:chgData name="Ramon Burgstad" userId="5061cdd7803951a7" providerId="LiveId" clId="{FC6212AE-D664-4EBD-95A6-C7DC18AC1A5F}" dt="2021-03-25T13:34:17.175" v="1627" actId="26606"/>
+          <ac:spMkLst>
+            <pc:docMk/>
+            <pc:sldMk cId="3811199517" sldId="270"/>
+            <ac:spMk id="24" creationId="{8DEDEE5C-3126-4336-A7D4-9277AF5A04B4}"/>
+          </ac:spMkLst>
+        </pc:spChg>
+        <pc:spChg chg="add del">
+          <ac:chgData name="Ramon Burgstad" userId="5061cdd7803951a7" providerId="LiveId" clId="{FC6212AE-D664-4EBD-95A6-C7DC18AC1A5F}" dt="2021-03-25T13:41:20.143" v="1645" actId="26606"/>
+          <ac:spMkLst>
+            <pc:docMk/>
+            <pc:sldMk cId="3811199517" sldId="270"/>
+            <ac:spMk id="29" creationId="{8E20FA99-AAAC-4AF3-9FAE-707420324F1C}"/>
+          </ac:spMkLst>
+        </pc:spChg>
+        <pc:spChg chg="add del">
+          <ac:chgData name="Ramon Burgstad" userId="5061cdd7803951a7" providerId="LiveId" clId="{FC6212AE-D664-4EBD-95A6-C7DC18AC1A5F}" dt="2021-03-25T13:41:20.143" v="1645" actId="26606"/>
+          <ac:spMkLst>
+            <pc:docMk/>
+            <pc:sldMk cId="3811199517" sldId="270"/>
+            <ac:spMk id="31" creationId="{9573BE85-6043-4C3A-A7DD-483A0A5FB740}"/>
+          </ac:spMkLst>
+        </pc:spChg>
+        <pc:spChg chg="add del">
+          <ac:chgData name="Ramon Burgstad" userId="5061cdd7803951a7" providerId="LiveId" clId="{FC6212AE-D664-4EBD-95A6-C7DC18AC1A5F}" dt="2021-03-25T13:41:13.455" v="1636" actId="26606"/>
+          <ac:spMkLst>
+            <pc:docMk/>
+            <pc:sldMk cId="3811199517" sldId="270"/>
+            <ac:spMk id="36" creationId="{0AA75791-ABD6-45E2-B58A-77112BD0F85A}"/>
+          </ac:spMkLst>
+        </pc:spChg>
+        <pc:spChg chg="add del">
+          <ac:chgData name="Ramon Burgstad" userId="5061cdd7803951a7" providerId="LiveId" clId="{FC6212AE-D664-4EBD-95A6-C7DC18AC1A5F}" dt="2021-03-25T13:41:15.061" v="1638" actId="26606"/>
+          <ac:spMkLst>
+            <pc:docMk/>
+            <pc:sldMk cId="3811199517" sldId="270"/>
+            <ac:spMk id="42" creationId="{1453BF6C-B012-48B7-B4E8-6D7AC7C27D02}"/>
+          </ac:spMkLst>
+        </pc:spChg>
+        <pc:spChg chg="add del">
+          <ac:chgData name="Ramon Burgstad" userId="5061cdd7803951a7" providerId="LiveId" clId="{FC6212AE-D664-4EBD-95A6-C7DC18AC1A5F}" dt="2021-03-25T13:41:15.061" v="1638" actId="26606"/>
+          <ac:spMkLst>
+            <pc:docMk/>
+            <pc:sldMk cId="3811199517" sldId="270"/>
+            <ac:spMk id="43" creationId="{CDBF2F9D-983F-4E90-827D-5A23216DEA35}"/>
+          </ac:spMkLst>
+        </pc:spChg>
+        <pc:spChg chg="add del">
+          <ac:chgData name="Ramon Burgstad" userId="5061cdd7803951a7" providerId="LiveId" clId="{FC6212AE-D664-4EBD-95A6-C7DC18AC1A5F}" dt="2021-03-25T13:41:15.061" v="1638" actId="26606"/>
+          <ac:spMkLst>
+            <pc:docMk/>
+            <pc:sldMk cId="3811199517" sldId="270"/>
+            <ac:spMk id="45" creationId="{E3020543-B24B-4EC4-8FFC-8DD88EEA91A8}"/>
+          </ac:spMkLst>
+        </pc:spChg>
+        <pc:spChg chg="add del">
+          <ac:chgData name="Ramon Burgstad" userId="5061cdd7803951a7" providerId="LiveId" clId="{FC6212AE-D664-4EBD-95A6-C7DC18AC1A5F}" dt="2021-03-25T13:41:15.061" v="1638" actId="26606"/>
+          <ac:spMkLst>
+            <pc:docMk/>
+            <pc:sldMk cId="3811199517" sldId="270"/>
+            <ac:spMk id="46" creationId="{6CB927A4-E432-4310-9CD5-E89FF5063179}"/>
+          </ac:spMkLst>
+        </pc:spChg>
+        <pc:spChg chg="add del">
+          <ac:chgData name="Ramon Burgstad" userId="5061cdd7803951a7" providerId="LiveId" clId="{FC6212AE-D664-4EBD-95A6-C7DC18AC1A5F}" dt="2021-03-25T13:41:16.849" v="1640" actId="26606"/>
+          <ac:spMkLst>
+            <pc:docMk/>
+            <pc:sldMk cId="3811199517" sldId="270"/>
+            <ac:spMk id="48" creationId="{ED4D6CE2-C4FB-4B4D-991A-84C9705CD762}"/>
+          </ac:spMkLst>
+        </pc:spChg>
+        <pc:spChg chg="add del">
+          <ac:chgData name="Ramon Burgstad" userId="5061cdd7803951a7" providerId="LiveId" clId="{FC6212AE-D664-4EBD-95A6-C7DC18AC1A5F}" dt="2021-03-25T13:41:17.494" v="1642" actId="26606"/>
+          <ac:spMkLst>
+            <pc:docMk/>
+            <pc:sldMk cId="3811199517" sldId="270"/>
+            <ac:spMk id="51" creationId="{0AA75791-ABD6-45E2-B58A-77112BD0F85A}"/>
+          </ac:spMkLst>
+        </pc:spChg>
+        <pc:spChg chg="add del">
+          <ac:chgData name="Ramon Burgstad" userId="5061cdd7803951a7" providerId="LiveId" clId="{FC6212AE-D664-4EBD-95A6-C7DC18AC1A5F}" dt="2021-03-25T13:41:20.136" v="1644" actId="26606"/>
+          <ac:spMkLst>
+            <pc:docMk/>
+            <pc:sldMk cId="3811199517" sldId="270"/>
+            <ac:spMk id="54" creationId="{18D0E679-226B-4A36-B977-737947955FCA}"/>
+          </ac:spMkLst>
+        </pc:spChg>
+        <pc:spChg chg="add del">
+          <ac:chgData name="Ramon Burgstad" userId="5061cdd7803951a7" providerId="LiveId" clId="{FC6212AE-D664-4EBD-95A6-C7DC18AC1A5F}" dt="2021-03-25T13:41:20.136" v="1644" actId="26606"/>
+          <ac:spMkLst>
+            <pc:docMk/>
+            <pc:sldMk cId="3811199517" sldId="270"/>
+            <ac:spMk id="55" creationId="{9C535540-9AC3-4DF3-973E-DEBAB02B2FA2}"/>
+          </ac:spMkLst>
+        </pc:spChg>
+        <pc:spChg chg="add">
+          <ac:chgData name="Ramon Burgstad" userId="5061cdd7803951a7" providerId="LiveId" clId="{FC6212AE-D664-4EBD-95A6-C7DC18AC1A5F}" dt="2021-03-25T13:41:20.143" v="1645" actId="26606"/>
+          <ac:spMkLst>
+            <pc:docMk/>
+            <pc:sldMk cId="3811199517" sldId="270"/>
+            <ac:spMk id="57" creationId="{0AA75791-ABD6-45E2-B58A-77112BD0F85A}"/>
+          </ac:spMkLst>
+        </pc:spChg>
+        <pc:spChg chg="del">
+          <ac:chgData name="Ramon Burgstad" userId="5061cdd7803951a7" providerId="LiveId" clId="{FC6212AE-D664-4EBD-95A6-C7DC18AC1A5F}" dt="2021-03-25T11:06:04.809" v="147"/>
+          <ac:spMkLst>
+            <pc:docMk/>
+            <pc:sldMk cId="3811199517" sldId="270"/>
+            <ac:spMk id="75" creationId="{CC1026F7-DECB-49B4-A565-518BBA445471}"/>
+          </ac:spMkLst>
+        </pc:spChg>
+        <pc:spChg chg="del">
+          <ac:chgData name="Ramon Burgstad" userId="5061cdd7803951a7" providerId="LiveId" clId="{FC6212AE-D664-4EBD-95A6-C7DC18AC1A5F}" dt="2021-03-25T11:06:04.809" v="147"/>
+          <ac:spMkLst>
+            <pc:docMk/>
+            <pc:sldMk cId="3811199517" sldId="270"/>
+            <ac:spMk id="1030" creationId="{1D868099-6145-4BC0-A5EA-74BEF1776BA9}"/>
+          </ac:spMkLst>
+        </pc:spChg>
+        <pc:grpChg chg="add del">
+          <ac:chgData name="Ramon Burgstad" userId="5061cdd7803951a7" providerId="LiveId" clId="{FC6212AE-D664-4EBD-95A6-C7DC18AC1A5F}" dt="2021-03-25T13:41:13.455" v="1636" actId="26606"/>
+          <ac:grpSpMkLst>
+            <pc:docMk/>
+            <pc:sldMk cId="3811199517" sldId="270"/>
+            <ac:grpSpMk id="38" creationId="{D2A542E6-1924-4FE2-89D1-3CB19468C1F6}"/>
+          </ac:grpSpMkLst>
+        </pc:grpChg>
+        <pc:grpChg chg="add del">
+          <ac:chgData name="Ramon Burgstad" userId="5061cdd7803951a7" providerId="LiveId" clId="{FC6212AE-D664-4EBD-95A6-C7DC18AC1A5F}" dt="2021-03-25T13:41:17.494" v="1642" actId="26606"/>
+          <ac:grpSpMkLst>
+            <pc:docMk/>
+            <pc:sldMk cId="3811199517" sldId="270"/>
+            <ac:grpSpMk id="52" creationId="{D2A542E6-1924-4FE2-89D1-3CB19468C1F6}"/>
+          </ac:grpSpMkLst>
+        </pc:grpChg>
+        <pc:grpChg chg="add">
+          <ac:chgData name="Ramon Burgstad" userId="5061cdd7803951a7" providerId="LiveId" clId="{FC6212AE-D664-4EBD-95A6-C7DC18AC1A5F}" dt="2021-03-25T13:41:20.143" v="1645" actId="26606"/>
+          <ac:grpSpMkLst>
+            <pc:docMk/>
+            <pc:sldMk cId="3811199517" sldId="270"/>
+            <ac:grpSpMk id="58" creationId="{D2A542E6-1924-4FE2-89D1-3CB19468C1F6}"/>
+          </ac:grpSpMkLst>
+        </pc:grpChg>
+        <pc:picChg chg="add mod ord">
+          <ac:chgData name="Ramon Burgstad" userId="5061cdd7803951a7" providerId="LiveId" clId="{FC6212AE-D664-4EBD-95A6-C7DC18AC1A5F}" dt="2021-03-25T13:41:20.143" v="1645" actId="26606"/>
+          <ac:picMkLst>
+            <pc:docMk/>
+            <pc:sldMk cId="3811199517" sldId="270"/>
+            <ac:picMk id="5" creationId="{18BD2C89-5004-46AA-A095-9769A37CB76A}"/>
+          </ac:picMkLst>
+        </pc:picChg>
+        <pc:picChg chg="add mod">
+          <ac:chgData name="Ramon Burgstad" userId="5061cdd7803951a7" providerId="LiveId" clId="{FC6212AE-D664-4EBD-95A6-C7DC18AC1A5F}" dt="2021-03-25T13:41:20.143" v="1645" actId="26606"/>
+          <ac:picMkLst>
+            <pc:docMk/>
+            <pc:sldMk cId="3811199517" sldId="270"/>
+            <ac:picMk id="7" creationId="{C5AA15BE-FE71-46DF-B0A7-BE98E82F0461}"/>
+          </ac:picMkLst>
+        </pc:picChg>
+        <pc:picChg chg="add mod">
+          <ac:chgData name="Ramon Burgstad" userId="5061cdd7803951a7" providerId="LiveId" clId="{FC6212AE-D664-4EBD-95A6-C7DC18AC1A5F}" dt="2021-03-25T13:41:23.639" v="1647" actId="1076"/>
+          <ac:picMkLst>
+            <pc:docMk/>
+            <pc:sldMk cId="3811199517" sldId="270"/>
+            <ac:picMk id="8" creationId="{1C79AC9F-264D-4665-B132-86D96CB6C38D}"/>
+          </ac:picMkLst>
+        </pc:picChg>
+        <pc:picChg chg="del">
+          <ac:chgData name="Ramon Burgstad" userId="5061cdd7803951a7" providerId="LiveId" clId="{FC6212AE-D664-4EBD-95A6-C7DC18AC1A5F}" dt="2021-03-25T11:06:34.286" v="151" actId="478"/>
+          <ac:picMkLst>
+            <pc:docMk/>
+            <pc:sldMk cId="3811199517" sldId="270"/>
+            <ac:picMk id="1026" creationId="{25166C93-E821-4514-BEEE-8F79E67CBFFE}"/>
+          </ac:picMkLst>
+        </pc:picChg>
+        <pc:cxnChg chg="add del">
+          <ac:chgData name="Ramon Burgstad" userId="5061cdd7803951a7" providerId="LiveId" clId="{FC6212AE-D664-4EBD-95A6-C7DC18AC1A5F}" dt="2021-03-25T13:41:15.061" v="1638" actId="26606"/>
+          <ac:cxnSpMkLst>
+            <pc:docMk/>
+            <pc:sldMk cId="3811199517" sldId="270"/>
+            <ac:cxnSpMk id="44" creationId="{C49DA8F6-BCC1-4447-B54C-57856834B94B}"/>
+          </ac:cxnSpMkLst>
+        </pc:cxnChg>
+        <pc:cxnChg chg="add del">
+          <ac:chgData name="Ramon Burgstad" userId="5061cdd7803951a7" providerId="LiveId" clId="{FC6212AE-D664-4EBD-95A6-C7DC18AC1A5F}" dt="2021-03-25T13:41:16.849" v="1640" actId="26606"/>
+          <ac:cxnSpMkLst>
+            <pc:docMk/>
+            <pc:sldMk cId="3811199517" sldId="270"/>
+            <ac:cxnSpMk id="49" creationId="{11A9DAB5-E11B-41CA-85F3-20711F79027B}"/>
+          </ac:cxnSpMkLst>
+        </pc:cxnChg>
+      </pc:sldChg>
+      <pc:sldChg chg="addSp delSp modSp add mod modTransition setBg delDesignElem">
+        <pc:chgData name="Ramon Burgstad" userId="5061cdd7803951a7" providerId="LiveId" clId="{FC6212AE-D664-4EBD-95A6-C7DC18AC1A5F}" dt="2021-03-25T14:09:39.543" v="3002"/>
+        <pc:sldMkLst>
+          <pc:docMk/>
+          <pc:sldMk cId="1416722770" sldId="271"/>
+        </pc:sldMkLst>
+        <pc:spChg chg="mod">
+          <ac:chgData name="Ramon Burgstad" userId="5061cdd7803951a7" providerId="LiveId" clId="{FC6212AE-D664-4EBD-95A6-C7DC18AC1A5F}" dt="2021-03-25T13:46:58.620" v="1840" actId="26606"/>
+          <ac:spMkLst>
+            <pc:docMk/>
+            <pc:sldMk cId="1416722770" sldId="271"/>
+            <ac:spMk id="3" creationId="{2ABC6AA3-57D6-4887-B559-0B8FFF86CFB0}"/>
+          </ac:spMkLst>
+        </pc:spChg>
+        <pc:spChg chg="mod">
+          <ac:chgData name="Ramon Burgstad" userId="5061cdd7803951a7" providerId="LiveId" clId="{FC6212AE-D664-4EBD-95A6-C7DC18AC1A5F}" dt="2021-03-25T13:46:58.620" v="1840" actId="26606"/>
+          <ac:spMkLst>
+            <pc:docMk/>
+            <pc:sldMk cId="1416722770" sldId="271"/>
+            <ac:spMk id="4" creationId="{8979A0AA-EDD8-4A28-AC2A-F9C0CEC80F43}"/>
+          </ac:spMkLst>
+        </pc:spChg>
+        <pc:spChg chg="del">
+          <ac:chgData name="Ramon Burgstad" userId="5061cdd7803951a7" providerId="LiveId" clId="{FC6212AE-D664-4EBD-95A6-C7DC18AC1A5F}" dt="2021-03-25T11:06:04.809" v="147"/>
+          <ac:spMkLst>
+            <pc:docMk/>
+            <pc:sldMk cId="1416722770" sldId="271"/>
+            <ac:spMk id="71" creationId="{1D868099-6145-4BC0-A5EA-74BEF1776BA9}"/>
+          </ac:spMkLst>
+        </pc:spChg>
+        <pc:spChg chg="del">
+          <ac:chgData name="Ramon Burgstad" userId="5061cdd7803951a7" providerId="LiveId" clId="{FC6212AE-D664-4EBD-95A6-C7DC18AC1A5F}" dt="2021-03-25T11:06:04.809" v="147"/>
+          <ac:spMkLst>
+            <pc:docMk/>
+            <pc:sldMk cId="1416722770" sldId="271"/>
+            <ac:spMk id="73" creationId="{CC1026F7-DECB-49B4-A565-518BBA445471}"/>
+          </ac:spMkLst>
+        </pc:spChg>
+        <pc:picChg chg="del">
+          <ac:chgData name="Ramon Burgstad" userId="5061cdd7803951a7" providerId="LiveId" clId="{FC6212AE-D664-4EBD-95A6-C7DC18AC1A5F}" dt="2021-03-25T11:06:36.892" v="152" actId="478"/>
+          <ac:picMkLst>
+            <pc:docMk/>
+            <pc:sldMk cId="1416722770" sldId="271"/>
+            <ac:picMk id="1026" creationId="{D9B51683-BB25-413F-BB8E-DD6B58F46574}"/>
+          </ac:picMkLst>
+        </pc:picChg>
+        <pc:picChg chg="add mod">
+          <ac:chgData name="Ramon Burgstad" userId="5061cdd7803951a7" providerId="LiveId" clId="{FC6212AE-D664-4EBD-95A6-C7DC18AC1A5F}" dt="2021-03-25T13:45:19.248" v="1746" actId="26606"/>
+          <ac:picMkLst>
+            <pc:docMk/>
+            <pc:sldMk cId="1416722770" sldId="271"/>
+            <ac:picMk id="2050" creationId="{921138F8-11E6-47C0-9BC5-DB8F110C0D10}"/>
+          </ac:picMkLst>
+        </pc:picChg>
+        <pc:cxnChg chg="add del">
+          <ac:chgData name="Ramon Burgstad" userId="5061cdd7803951a7" providerId="LiveId" clId="{FC6212AE-D664-4EBD-95A6-C7DC18AC1A5F}" dt="2021-03-25T13:46:58.620" v="1840" actId="26606"/>
+          <ac:cxnSpMkLst>
+            <pc:docMk/>
+            <pc:sldMk cId="1416722770" sldId="271"/>
+            <ac:cxnSpMk id="2052" creationId="{A7F400EE-A8A5-48AF-B4D6-291B52C6F0B0}"/>
+          </ac:cxnSpMkLst>
+        </pc:cxnChg>
+        <pc:cxnChg chg="add">
+          <ac:chgData name="Ramon Burgstad" userId="5061cdd7803951a7" providerId="LiveId" clId="{FC6212AE-D664-4EBD-95A6-C7DC18AC1A5F}" dt="2021-03-25T13:46:58.620" v="1840" actId="26606"/>
+          <ac:cxnSpMkLst>
+            <pc:docMk/>
+            <pc:sldMk cId="1416722770" sldId="271"/>
+            <ac:cxnSpMk id="2054" creationId="{A7F400EE-A8A5-48AF-B4D6-291B52C6F0B0}"/>
+          </ac:cxnSpMkLst>
+        </pc:cxnChg>
+      </pc:sldChg>
+      <pc:sldChg chg="delSp modSp add mod modTransition setBg delDesignElem">
+        <pc:chgData name="Ramon Burgstad" userId="5061cdd7803951a7" providerId="LiveId" clId="{FC6212AE-D664-4EBD-95A6-C7DC18AC1A5F}" dt="2021-03-25T14:09:50.719" v="3008"/>
+        <pc:sldMkLst>
+          <pc:docMk/>
+          <pc:sldMk cId="1253352204" sldId="272"/>
+        </pc:sldMkLst>
+        <pc:spChg chg="mod">
+          <ac:chgData name="Ramon Burgstad" userId="5061cdd7803951a7" providerId="LiveId" clId="{FC6212AE-D664-4EBD-95A6-C7DC18AC1A5F}" dt="2021-03-25T14:08:33.925" v="2993" actId="20577"/>
+          <ac:spMkLst>
+            <pc:docMk/>
+            <pc:sldMk cId="1253352204" sldId="272"/>
+            <ac:spMk id="3" creationId="{9AF683DD-4E67-4C24-B5FB-B4A91C99D094}"/>
+          </ac:spMkLst>
+        </pc:spChg>
+        <pc:spChg chg="del">
+          <ac:chgData name="Ramon Burgstad" userId="5061cdd7803951a7" providerId="LiveId" clId="{FC6212AE-D664-4EBD-95A6-C7DC18AC1A5F}" dt="2021-03-25T11:06:04.809" v="147"/>
+          <ac:spMkLst>
+            <pc:docMk/>
+            <pc:sldMk cId="1253352204" sldId="272"/>
+            <ac:spMk id="18" creationId="{2D170B9C-85A5-4673-981C-DDDBAC51F745}"/>
+          </ac:spMkLst>
+        </pc:spChg>
+        <pc:spChg chg="del">
+          <ac:chgData name="Ramon Burgstad" userId="5061cdd7803951a7" providerId="LiveId" clId="{FC6212AE-D664-4EBD-95A6-C7DC18AC1A5F}" dt="2021-03-25T11:06:04.809" v="147"/>
+          <ac:spMkLst>
+            <pc:docMk/>
+            <pc:sldMk cId="1253352204" sldId="272"/>
+            <ac:spMk id="20" creationId="{1C82216A-4221-434A-B11C-7E13B4A1FC25}"/>
+          </ac:spMkLst>
+        </pc:spChg>
+        <pc:grpChg chg="del">
+          <ac:chgData name="Ramon Burgstad" userId="5061cdd7803951a7" providerId="LiveId" clId="{FC6212AE-D664-4EBD-95A6-C7DC18AC1A5F}" dt="2021-03-25T11:06:04.809" v="147"/>
+          <ac:grpSpMkLst>
+            <pc:docMk/>
+            <pc:sldMk cId="1253352204" sldId="272"/>
+            <ac:grpSpMk id="17" creationId="{9D9D6BF1-DFF2-4526-9D13-BF339D8C4163}"/>
+          </ac:grpSpMkLst>
+        </pc:grpChg>
+      </pc:sldChg>
+      <pc:sldChg chg="addSp delSp modSp add mod modTransition setBg delDesignElem">
+        <pc:chgData name="Ramon Burgstad" userId="5061cdd7803951a7" providerId="LiveId" clId="{FC6212AE-D664-4EBD-95A6-C7DC18AC1A5F}" dt="2021-03-25T14:09:43.207" v="3004"/>
+        <pc:sldMkLst>
+          <pc:docMk/>
+          <pc:sldMk cId="3576344470" sldId="273"/>
+        </pc:sldMkLst>
+        <pc:spChg chg="mod">
+          <ac:chgData name="Ramon Burgstad" userId="5061cdd7803951a7" providerId="LiveId" clId="{FC6212AE-D664-4EBD-95A6-C7DC18AC1A5F}" dt="2021-03-25T11:10:08.302" v="247" actId="20577"/>
+          <ac:spMkLst>
+            <pc:docMk/>
+            <pc:sldMk cId="3576344470" sldId="273"/>
+            <ac:spMk id="2" creationId="{FA0B3428-3255-4023-88EC-B3C9CFAB377B}"/>
+          </ac:spMkLst>
+        </pc:spChg>
+        <pc:spChg chg="mod">
+          <ac:chgData name="Ramon Burgstad" userId="5061cdd7803951a7" providerId="LiveId" clId="{FC6212AE-D664-4EBD-95A6-C7DC18AC1A5F}" dt="2021-03-25T13:58:11.437" v="2577" actId="20577"/>
+          <ac:spMkLst>
+            <pc:docMk/>
+            <pc:sldMk cId="3576344470" sldId="273"/>
+            <ac:spMk id="3" creationId="{2EF60DF6-8C83-4460-AA7E-305F4338BBA6}"/>
+          </ac:spMkLst>
+        </pc:spChg>
+        <pc:spChg chg="add del">
+          <ac:chgData name="Ramon Burgstad" userId="5061cdd7803951a7" providerId="LiveId" clId="{FC6212AE-D664-4EBD-95A6-C7DC18AC1A5F}" dt="2021-03-25T11:09:08.682" v="229" actId="26606"/>
+          <ac:spMkLst>
+            <pc:docMk/>
+            <pc:sldMk cId="3576344470" sldId="273"/>
+            <ac:spMk id="5" creationId="{5A0118C5-4F8D-4CF4-BADD-53FEACC6C42A}"/>
+          </ac:spMkLst>
+        </pc:spChg>
+        <pc:spChg chg="add del">
+          <ac:chgData name="Ramon Burgstad" userId="5061cdd7803951a7" providerId="LiveId" clId="{FC6212AE-D664-4EBD-95A6-C7DC18AC1A5F}" dt="2021-03-25T11:09:08.682" v="229" actId="26606"/>
+          <ac:spMkLst>
+            <pc:docMk/>
+            <pc:sldMk cId="3576344470" sldId="273"/>
+            <ac:spMk id="6" creationId="{4E0A5C5C-2A95-428E-9F6A-0D29EBD57C9F}"/>
+          </ac:spMkLst>
+        </pc:spChg>
+        <pc:spChg chg="add del">
+          <ac:chgData name="Ramon Burgstad" userId="5061cdd7803951a7" providerId="LiveId" clId="{FC6212AE-D664-4EBD-95A6-C7DC18AC1A5F}" dt="2021-03-25T11:09:08.682" v="229" actId="26606"/>
+          <ac:spMkLst>
+            <pc:docMk/>
+            <pc:sldMk cId="3576344470" sldId="273"/>
+            <ac:spMk id="7" creationId="{1056F38F-7C4E-461D-8709-7D0024AE1F79}"/>
+          </ac:spMkLst>
+        </pc:spChg>
+        <pc:spChg chg="del">
+          <ac:chgData name="Ramon Burgstad" userId="5061cdd7803951a7" providerId="LiveId" clId="{FC6212AE-D664-4EBD-95A6-C7DC18AC1A5F}" dt="2021-03-25T11:08:52.072" v="222"/>
+          <ac:spMkLst>
+            <pc:docMk/>
+            <pc:sldMk cId="3576344470" sldId="273"/>
+            <ac:spMk id="8" creationId="{327D73B4-9F5C-4A64-A179-51B9500CB8B5}"/>
+          </ac:spMkLst>
+        </pc:spChg>
+        <pc:spChg chg="add del">
+          <ac:chgData name="Ramon Burgstad" userId="5061cdd7803951a7" providerId="LiveId" clId="{FC6212AE-D664-4EBD-95A6-C7DC18AC1A5F}" dt="2021-03-25T11:09:08.682" v="229" actId="26606"/>
+          <ac:spMkLst>
+            <pc:docMk/>
+            <pc:sldMk cId="3576344470" sldId="273"/>
+            <ac:spMk id="9" creationId="{C7278469-3C3C-49CE-AEEE-E176A4900B78}"/>
+          </ac:spMkLst>
+        </pc:spChg>
+        <pc:spChg chg="del">
+          <ac:chgData name="Ramon Burgstad" userId="5061cdd7803951a7" providerId="LiveId" clId="{FC6212AE-D664-4EBD-95A6-C7DC18AC1A5F}" dt="2021-03-25T11:08:52.072" v="222"/>
+          <ac:spMkLst>
+            <pc:docMk/>
+            <pc:sldMk cId="3576344470" sldId="273"/>
+            <ac:spMk id="10" creationId="{C1F06963-6374-4B48-844F-071A9BAAAE02}"/>
+          </ac:spMkLst>
+        </pc:spChg>
+        <pc:spChg chg="del">
+          <ac:chgData name="Ramon Burgstad" userId="5061cdd7803951a7" providerId="LiveId" clId="{FC6212AE-D664-4EBD-95A6-C7DC18AC1A5F}" dt="2021-03-25T11:08:52.072" v="222"/>
+          <ac:spMkLst>
+            <pc:docMk/>
+            <pc:sldMk cId="3576344470" sldId="273"/>
+            <ac:spMk id="12" creationId="{6CB927A4-E432-4310-9CD5-E89FF5063179}"/>
+          </ac:spMkLst>
+        </pc:spChg>
+        <pc:spChg chg="del">
+          <ac:chgData name="Ramon Burgstad" userId="5061cdd7803951a7" providerId="LiveId" clId="{FC6212AE-D664-4EBD-95A6-C7DC18AC1A5F}" dt="2021-03-25T11:08:52.072" v="222"/>
+          <ac:spMkLst>
+            <pc:docMk/>
+            <pc:sldMk cId="3576344470" sldId="273"/>
+            <ac:spMk id="14" creationId="{1453BF6C-B012-48B7-B4E8-6D7AC7C27D02}"/>
+          </ac:spMkLst>
+        </pc:spChg>
+        <pc:spChg chg="del">
+          <ac:chgData name="Ramon Burgstad" userId="5061cdd7803951a7" providerId="LiveId" clId="{FC6212AE-D664-4EBD-95A6-C7DC18AC1A5F}" dt="2021-03-25T11:08:52.072" v="222"/>
+          <ac:spMkLst>
+            <pc:docMk/>
+            <pc:sldMk cId="3576344470" sldId="273"/>
+            <ac:spMk id="16" creationId="{E3020543-B24B-4EC4-8FFC-8DD88EEA91A8}"/>
+          </ac:spMkLst>
+        </pc:spChg>
+        <pc:spChg chg="add del">
+          <ac:chgData name="Ramon Burgstad" userId="5061cdd7803951a7" providerId="LiveId" clId="{FC6212AE-D664-4EBD-95A6-C7DC18AC1A5F}" dt="2021-03-25T11:09:08.682" v="229" actId="26606"/>
+          <ac:spMkLst>
+            <pc:docMk/>
+            <pc:sldMk cId="3576344470" sldId="273"/>
+            <ac:spMk id="20" creationId="{4C6598AB-1C17-4D54-951C-A082D94ACB7A}"/>
+          </ac:spMkLst>
+        </pc:spChg>
+        <pc:spChg chg="add del">
+          <ac:chgData name="Ramon Burgstad" userId="5061cdd7803951a7" providerId="LiveId" clId="{FC6212AE-D664-4EBD-95A6-C7DC18AC1A5F}" dt="2021-03-25T11:09:08.682" v="229" actId="26606"/>
+          <ac:spMkLst>
+            <pc:docMk/>
+            <pc:sldMk cId="3576344470" sldId="273"/>
+            <ac:spMk id="22" creationId="{C83B66D7-137D-4AC1-B172-53D60F08BEB5}"/>
+          </ac:spMkLst>
+        </pc:spChg>
+        <pc:spChg chg="add del">
+          <ac:chgData name="Ramon Burgstad" userId="5061cdd7803951a7" providerId="LiveId" clId="{FC6212AE-D664-4EBD-95A6-C7DC18AC1A5F}" dt="2021-03-25T11:09:08.682" v="229" actId="26606"/>
+          <ac:spMkLst>
+            <pc:docMk/>
+            <pc:sldMk cId="3576344470" sldId="273"/>
+            <ac:spMk id="24" creationId="{F6B92503-6984-4D15-8B98-8718709B785D}"/>
+          </ac:spMkLst>
+        </pc:spChg>
+        <pc:spChg chg="add del">
+          <ac:chgData name="Ramon Burgstad" userId="5061cdd7803951a7" providerId="LiveId" clId="{FC6212AE-D664-4EBD-95A6-C7DC18AC1A5F}" dt="2021-03-25T11:09:08.682" v="229" actId="26606"/>
+          <ac:spMkLst>
+            <pc:docMk/>
+            <pc:sldMk cId="3576344470" sldId="273"/>
+            <ac:spMk id="26" creationId="{08DDF938-524E-4C18-A47D-C00627832366}"/>
+          </ac:spMkLst>
+        </pc:spChg>
+        <pc:spChg chg="add">
+          <ac:chgData name="Ramon Burgstad" userId="5061cdd7803951a7" providerId="LiveId" clId="{FC6212AE-D664-4EBD-95A6-C7DC18AC1A5F}" dt="2021-03-25T11:09:08.682" v="229" actId="26606"/>
+          <ac:spMkLst>
+            <pc:docMk/>
+            <pc:sldMk cId="3576344470" sldId="273"/>
+            <ac:spMk id="38" creationId="{327D73B4-9F5C-4A64-A179-51B9500CB8B5}"/>
+          </ac:spMkLst>
+        </pc:spChg>
+        <pc:spChg chg="add">
+          <ac:chgData name="Ramon Burgstad" userId="5061cdd7803951a7" providerId="LiveId" clId="{FC6212AE-D664-4EBD-95A6-C7DC18AC1A5F}" dt="2021-03-25T11:09:08.682" v="229" actId="26606"/>
+          <ac:spMkLst>
+            <pc:docMk/>
+            <pc:sldMk cId="3576344470" sldId="273"/>
+            <ac:spMk id="40" creationId="{C1F06963-6374-4B48-844F-071A9BAAAE02}"/>
+          </ac:spMkLst>
+        </pc:spChg>
+        <pc:spChg chg="add">
+          <ac:chgData name="Ramon Burgstad" userId="5061cdd7803951a7" providerId="LiveId" clId="{FC6212AE-D664-4EBD-95A6-C7DC18AC1A5F}" dt="2021-03-25T11:09:08.682" v="229" actId="26606"/>
+          <ac:spMkLst>
+            <pc:docMk/>
+            <pc:sldMk cId="3576344470" sldId="273"/>
+            <ac:spMk id="42" creationId="{6CB927A4-E432-4310-9CD5-E89FF5063179}"/>
+          </ac:spMkLst>
+        </pc:spChg>
+        <pc:spChg chg="add">
+          <ac:chgData name="Ramon Burgstad" userId="5061cdd7803951a7" providerId="LiveId" clId="{FC6212AE-D664-4EBD-95A6-C7DC18AC1A5F}" dt="2021-03-25T11:09:08.682" v="229" actId="26606"/>
+          <ac:spMkLst>
+            <pc:docMk/>
+            <pc:sldMk cId="3576344470" sldId="273"/>
+            <ac:spMk id="44" creationId="{1453BF6C-B012-48B7-B4E8-6D7AC7C27D02}"/>
+          </ac:spMkLst>
+        </pc:spChg>
+        <pc:spChg chg="add">
+          <ac:chgData name="Ramon Burgstad" userId="5061cdd7803951a7" providerId="LiveId" clId="{FC6212AE-D664-4EBD-95A6-C7DC18AC1A5F}" dt="2021-03-25T11:09:08.682" v="229" actId="26606"/>
+          <ac:spMkLst>
+            <pc:docMk/>
+            <pc:sldMk cId="3576344470" sldId="273"/>
+            <ac:spMk id="46" creationId="{E3020543-B24B-4EC4-8FFC-8DD88EEA91A8}"/>
+          </ac:spMkLst>
+        </pc:spChg>
+        <pc:grpChg chg="add del">
+          <ac:chgData name="Ramon Burgstad" userId="5061cdd7803951a7" providerId="LiveId" clId="{FC6212AE-D664-4EBD-95A6-C7DC18AC1A5F}" dt="2021-03-25T11:09:08.682" v="229" actId="26606"/>
+          <ac:grpSpMkLst>
+            <pc:docMk/>
+            <pc:sldMk cId="3576344470" sldId="273"/>
+            <ac:grpSpMk id="11" creationId="{93DC754C-7E09-422D-A8BB-AF632E90DFA2}"/>
+          </ac:grpSpMkLst>
+        </pc:grpChg>
+        <pc:grpChg chg="add del">
+          <ac:chgData name="Ramon Burgstad" userId="5061cdd7803951a7" providerId="LiveId" clId="{FC6212AE-D664-4EBD-95A6-C7DC18AC1A5F}" dt="2021-03-25T11:09:08.682" v="229" actId="26606"/>
+          <ac:grpSpMkLst>
+            <pc:docMk/>
+            <pc:sldMk cId="3576344470" sldId="273"/>
+            <ac:grpSpMk id="28" creationId="{3773FAF5-C452-4455-9411-D6AF5EBD4CA9}"/>
+          </ac:grpSpMkLst>
+        </pc:grpChg>
+        <pc:cxnChg chg="del">
+          <ac:chgData name="Ramon Burgstad" userId="5061cdd7803951a7" providerId="LiveId" clId="{FC6212AE-D664-4EBD-95A6-C7DC18AC1A5F}" dt="2021-03-25T11:08:52.072" v="222"/>
+          <ac:cxnSpMkLst>
+            <pc:docMk/>
+            <pc:sldMk cId="3576344470" sldId="273"/>
+            <ac:cxnSpMk id="18" creationId="{C49DA8F6-BCC1-4447-B54C-57856834B94B}"/>
+          </ac:cxnSpMkLst>
+        </pc:cxnChg>
+        <pc:cxnChg chg="add">
+          <ac:chgData name="Ramon Burgstad" userId="5061cdd7803951a7" providerId="LiveId" clId="{FC6212AE-D664-4EBD-95A6-C7DC18AC1A5F}" dt="2021-03-25T11:09:08.682" v="229" actId="26606"/>
+          <ac:cxnSpMkLst>
+            <pc:docMk/>
+            <pc:sldMk cId="3576344470" sldId="273"/>
+            <ac:cxnSpMk id="48" creationId="{C49DA8F6-BCC1-4447-B54C-57856834B94B}"/>
+          </ac:cxnSpMkLst>
+        </pc:cxnChg>
+      </pc:sldChg>
+      <pc:sldChg chg="addSp delSp modSp add mod modTransition setBg delDesignElem">
+        <pc:chgData name="Ramon Burgstad" userId="5061cdd7803951a7" providerId="LiveId" clId="{FC6212AE-D664-4EBD-95A6-C7DC18AC1A5F}" dt="2021-03-25T14:09:44.807" v="3005"/>
+        <pc:sldMkLst>
+          <pc:docMk/>
+          <pc:sldMk cId="293140728" sldId="274"/>
+        </pc:sldMkLst>
+        <pc:spChg chg="mod">
+          <ac:chgData name="Ramon Burgstad" userId="5061cdd7803951a7" providerId="LiveId" clId="{FC6212AE-D664-4EBD-95A6-C7DC18AC1A5F}" dt="2021-03-25T11:10:13.447" v="252" actId="20577"/>
+          <ac:spMkLst>
+            <pc:docMk/>
+            <pc:sldMk cId="293140728" sldId="274"/>
+            <ac:spMk id="2" creationId="{FA0B3428-3255-4023-88EC-B3C9CFAB377B}"/>
+          </ac:spMkLst>
+        </pc:spChg>
+        <pc:spChg chg="mod">
+          <ac:chgData name="Ramon Burgstad" userId="5061cdd7803951a7" providerId="LiveId" clId="{FC6212AE-D664-4EBD-95A6-C7DC18AC1A5F}" dt="2021-03-25T14:06:35.185" v="2917" actId="20577"/>
+          <ac:spMkLst>
+            <pc:docMk/>
+            <pc:sldMk cId="293140728" sldId="274"/>
+            <ac:spMk id="3" creationId="{2EF60DF6-8C83-4460-AA7E-305F4338BBA6}"/>
+          </ac:spMkLst>
+        </pc:spChg>
+        <pc:spChg chg="add">
+          <ac:chgData name="Ramon Burgstad" userId="5061cdd7803951a7" providerId="LiveId" clId="{FC6212AE-D664-4EBD-95A6-C7DC18AC1A5F}" dt="2021-03-25T11:09:06.082" v="228" actId="26606"/>
+          <ac:spMkLst>
+            <pc:docMk/>
+            <pc:sldMk cId="293140728" sldId="274"/>
+            <ac:spMk id="5" creationId="{327D73B4-9F5C-4A64-A179-51B9500CB8B5}"/>
+          </ac:spMkLst>
+        </pc:spChg>
+        <pc:spChg chg="add">
+          <ac:chgData name="Ramon Burgstad" userId="5061cdd7803951a7" providerId="LiveId" clId="{FC6212AE-D664-4EBD-95A6-C7DC18AC1A5F}" dt="2021-03-25T11:09:06.082" v="228" actId="26606"/>
+          <ac:spMkLst>
+            <pc:docMk/>
+            <pc:sldMk cId="293140728" sldId="274"/>
+            <ac:spMk id="6" creationId="{C1F06963-6374-4B48-844F-071A9BAAAE02}"/>
+          </ac:spMkLst>
+        </pc:spChg>
+        <pc:spChg chg="add">
+          <ac:chgData name="Ramon Burgstad" userId="5061cdd7803951a7" providerId="LiveId" clId="{FC6212AE-D664-4EBD-95A6-C7DC18AC1A5F}" dt="2021-03-25T11:09:06.082" v="228" actId="26606"/>
+          <ac:spMkLst>
+            <pc:docMk/>
+            <pc:sldMk cId="293140728" sldId="274"/>
+            <ac:spMk id="7" creationId="{6CB927A4-E432-4310-9CD5-E89FF5063179}"/>
+          </ac:spMkLst>
+        </pc:spChg>
+        <pc:spChg chg="del">
+          <ac:chgData name="Ramon Burgstad" userId="5061cdd7803951a7" providerId="LiveId" clId="{FC6212AE-D664-4EBD-95A6-C7DC18AC1A5F}" dt="2021-03-25T11:08:52.426" v="224"/>
+          <ac:spMkLst>
+            <pc:docMk/>
+            <pc:sldMk cId="293140728" sldId="274"/>
+            <ac:spMk id="8" creationId="{327D73B4-9F5C-4A64-A179-51B9500CB8B5}"/>
+          </ac:spMkLst>
+        </pc:spChg>
+        <pc:spChg chg="add">
+          <ac:chgData name="Ramon Burgstad" userId="5061cdd7803951a7" providerId="LiveId" clId="{FC6212AE-D664-4EBD-95A6-C7DC18AC1A5F}" dt="2021-03-25T11:09:06.082" v="228" actId="26606"/>
+          <ac:spMkLst>
+            <pc:docMk/>
+            <pc:sldMk cId="293140728" sldId="274"/>
+            <ac:spMk id="9" creationId="{1453BF6C-B012-48B7-B4E8-6D7AC7C27D02}"/>
+          </ac:spMkLst>
+        </pc:spChg>
+        <pc:spChg chg="del">
+          <ac:chgData name="Ramon Burgstad" userId="5061cdd7803951a7" providerId="LiveId" clId="{FC6212AE-D664-4EBD-95A6-C7DC18AC1A5F}" dt="2021-03-25T11:08:52.426" v="224"/>
+          <ac:spMkLst>
+            <pc:docMk/>
+            <pc:sldMk cId="293140728" sldId="274"/>
+            <ac:spMk id="10" creationId="{C1F06963-6374-4B48-844F-071A9BAAAE02}"/>
+          </ac:spMkLst>
+        </pc:spChg>
+        <pc:spChg chg="add">
+          <ac:chgData name="Ramon Burgstad" userId="5061cdd7803951a7" providerId="LiveId" clId="{FC6212AE-D664-4EBD-95A6-C7DC18AC1A5F}" dt="2021-03-25T11:09:06.082" v="228" actId="26606"/>
+          <ac:spMkLst>
+            <pc:docMk/>
+            <pc:sldMk cId="293140728" sldId="274"/>
+            <ac:spMk id="11" creationId="{E3020543-B24B-4EC4-8FFC-8DD88EEA91A8}"/>
+          </ac:spMkLst>
+        </pc:spChg>
+        <pc:spChg chg="del">
+          <ac:chgData name="Ramon Burgstad" userId="5061cdd7803951a7" providerId="LiveId" clId="{FC6212AE-D664-4EBD-95A6-C7DC18AC1A5F}" dt="2021-03-25T11:08:52.426" v="224"/>
+          <ac:spMkLst>
+            <pc:docMk/>
+            <pc:sldMk cId="293140728" sldId="274"/>
+            <ac:spMk id="12" creationId="{6CB927A4-E432-4310-9CD5-E89FF5063179}"/>
+          </ac:spMkLst>
+        </pc:spChg>
+        <pc:spChg chg="del">
+          <ac:chgData name="Ramon Burgstad" userId="5061cdd7803951a7" providerId="LiveId" clId="{FC6212AE-D664-4EBD-95A6-C7DC18AC1A5F}" dt="2021-03-25T11:08:52.426" v="224"/>
+          <ac:spMkLst>
+            <pc:docMk/>
+            <pc:sldMk cId="293140728" sldId="274"/>
+            <ac:spMk id="14" creationId="{1453BF6C-B012-48B7-B4E8-6D7AC7C27D02}"/>
+          </ac:spMkLst>
+        </pc:spChg>
+        <pc:spChg chg="del">
+          <ac:chgData name="Ramon Burgstad" userId="5061cdd7803951a7" providerId="LiveId" clId="{FC6212AE-D664-4EBD-95A6-C7DC18AC1A5F}" dt="2021-03-25T11:08:52.426" v="224"/>
+          <ac:spMkLst>
+            <pc:docMk/>
+            <pc:sldMk cId="293140728" sldId="274"/>
+            <ac:spMk id="16" creationId="{E3020543-B24B-4EC4-8FFC-8DD88EEA91A8}"/>
+          </ac:spMkLst>
+        </pc:spChg>
+        <pc:cxnChg chg="add">
+          <ac:chgData name="Ramon Burgstad" userId="5061cdd7803951a7" providerId="LiveId" clId="{FC6212AE-D664-4EBD-95A6-C7DC18AC1A5F}" dt="2021-03-25T11:09:06.082" v="228" actId="26606"/>
+          <ac:cxnSpMkLst>
+            <pc:docMk/>
+            <pc:sldMk cId="293140728" sldId="274"/>
+            <ac:cxnSpMk id="13" creationId="{C49DA8F6-BCC1-4447-B54C-57856834B94B}"/>
+          </ac:cxnSpMkLst>
+        </pc:cxnChg>
+        <pc:cxnChg chg="del">
+          <ac:chgData name="Ramon Burgstad" userId="5061cdd7803951a7" providerId="LiveId" clId="{FC6212AE-D664-4EBD-95A6-C7DC18AC1A5F}" dt="2021-03-25T11:08:52.426" v="224"/>
+          <ac:cxnSpMkLst>
+            <pc:docMk/>
+            <pc:sldMk cId="293140728" sldId="274"/>
+            <ac:cxnSpMk id="18" creationId="{C49DA8F6-BCC1-4447-B54C-57856834B94B}"/>
+          </ac:cxnSpMkLst>
+        </pc:cxnChg>
+      </pc:sldChg>
+      <pc:sldChg chg="addSp delSp modSp add mod modTransition setBg delDesignElem">
+        <pc:chgData name="Ramon Burgstad" userId="5061cdd7803951a7" providerId="LiveId" clId="{FC6212AE-D664-4EBD-95A6-C7DC18AC1A5F}" dt="2021-03-25T14:09:46.799" v="3006"/>
+        <pc:sldMkLst>
+          <pc:docMk/>
+          <pc:sldMk cId="1876284846" sldId="275"/>
+        </pc:sldMkLst>
+        <pc:spChg chg="mod">
+          <ac:chgData name="Ramon Burgstad" userId="5061cdd7803951a7" providerId="LiveId" clId="{FC6212AE-D664-4EBD-95A6-C7DC18AC1A5F}" dt="2021-03-25T13:58:42.910" v="2582" actId="20577"/>
+          <ac:spMkLst>
+            <pc:docMk/>
+            <pc:sldMk cId="1876284846" sldId="275"/>
+            <ac:spMk id="3" creationId="{2EF60DF6-8C83-4460-AA7E-305F4338BBA6}"/>
+          </ac:spMkLst>
+        </pc:spChg>
+        <pc:spChg chg="add">
+          <ac:chgData name="Ramon Burgstad" userId="5061cdd7803951a7" providerId="LiveId" clId="{FC6212AE-D664-4EBD-95A6-C7DC18AC1A5F}" dt="2021-03-25T11:09:32.722" v="230" actId="26606"/>
+          <ac:spMkLst>
+            <pc:docMk/>
+            <pc:sldMk cId="1876284846" sldId="275"/>
+            <ac:spMk id="5" creationId="{327D73B4-9F5C-4A64-A179-51B9500CB8B5}"/>
+          </ac:spMkLst>
+        </pc:spChg>
+        <pc:spChg chg="add">
+          <ac:chgData name="Ramon Burgstad" userId="5061cdd7803951a7" providerId="LiveId" clId="{FC6212AE-D664-4EBD-95A6-C7DC18AC1A5F}" dt="2021-03-25T11:09:32.722" v="230" actId="26606"/>
+          <ac:spMkLst>
+            <pc:docMk/>
+            <pc:sldMk cId="1876284846" sldId="275"/>
+            <ac:spMk id="6" creationId="{C1F06963-6374-4B48-844F-071A9BAAAE02}"/>
+          </ac:spMkLst>
+        </pc:spChg>
+        <pc:spChg chg="add">
+          <ac:chgData name="Ramon Burgstad" userId="5061cdd7803951a7" providerId="LiveId" clId="{FC6212AE-D664-4EBD-95A6-C7DC18AC1A5F}" dt="2021-03-25T11:09:32.722" v="230" actId="26606"/>
+          <ac:spMkLst>
+            <pc:docMk/>
+            <pc:sldMk cId="1876284846" sldId="275"/>
+            <ac:spMk id="7" creationId="{6CB927A4-E432-4310-9CD5-E89FF5063179}"/>
+          </ac:spMkLst>
+        </pc:spChg>
+        <pc:spChg chg="del">
+          <ac:chgData name="Ramon Burgstad" userId="5061cdd7803951a7" providerId="LiveId" clId="{FC6212AE-D664-4EBD-95A6-C7DC18AC1A5F}" dt="2021-03-25T11:08:52.807" v="226"/>
+          <ac:spMkLst>
+            <pc:docMk/>
+            <pc:sldMk cId="1876284846" sldId="275"/>
+            <ac:spMk id="8" creationId="{327D73B4-9F5C-4A64-A179-51B9500CB8B5}"/>
+          </ac:spMkLst>
+        </pc:spChg>
+        <pc:spChg chg="add">
+          <ac:chgData name="Ramon Burgstad" userId="5061cdd7803951a7" providerId="LiveId" clId="{FC6212AE-D664-4EBD-95A6-C7DC18AC1A5F}" dt="2021-03-25T11:09:32.722" v="230" actId="26606"/>
+          <ac:spMkLst>
+            <pc:docMk/>
+            <pc:sldMk cId="1876284846" sldId="275"/>
+            <ac:spMk id="9" creationId="{1453BF6C-B012-48B7-B4E8-6D7AC7C27D02}"/>
+          </ac:spMkLst>
+        </pc:spChg>
+        <pc:spChg chg="del">
+          <ac:chgData name="Ramon Burgstad" userId="5061cdd7803951a7" providerId="LiveId" clId="{FC6212AE-D664-4EBD-95A6-C7DC18AC1A5F}" dt="2021-03-25T11:08:52.807" v="226"/>
+          <ac:spMkLst>
+            <pc:docMk/>
+            <pc:sldMk cId="1876284846" sldId="275"/>
+            <ac:spMk id="10" creationId="{C1F06963-6374-4B48-844F-071A9BAAAE02}"/>
+          </ac:spMkLst>
+        </pc:spChg>
+        <pc:spChg chg="add">
+          <ac:chgData name="Ramon Burgstad" userId="5061cdd7803951a7" providerId="LiveId" clId="{FC6212AE-D664-4EBD-95A6-C7DC18AC1A5F}" dt="2021-03-25T11:09:32.722" v="230" actId="26606"/>
+          <ac:spMkLst>
+            <pc:docMk/>
+            <pc:sldMk cId="1876284846" sldId="275"/>
+            <ac:spMk id="11" creationId="{E3020543-B24B-4EC4-8FFC-8DD88EEA91A8}"/>
+          </ac:spMkLst>
+        </pc:spChg>
+        <pc:spChg chg="del">
+          <ac:chgData name="Ramon Burgstad" userId="5061cdd7803951a7" providerId="LiveId" clId="{FC6212AE-D664-4EBD-95A6-C7DC18AC1A5F}" dt="2021-03-25T11:08:52.807" v="226"/>
+          <ac:spMkLst>
+            <pc:docMk/>
+            <pc:sldMk cId="1876284846" sldId="275"/>
+            <ac:spMk id="12" creationId="{6CB927A4-E432-4310-9CD5-E89FF5063179}"/>
+          </ac:spMkLst>
+        </pc:spChg>
+        <pc:spChg chg="del">
+          <ac:chgData name="Ramon Burgstad" userId="5061cdd7803951a7" providerId="LiveId" clId="{FC6212AE-D664-4EBD-95A6-C7DC18AC1A5F}" dt="2021-03-25T11:08:52.807" v="226"/>
+          <ac:spMkLst>
+            <pc:docMk/>
+            <pc:sldMk cId="1876284846" sldId="275"/>
+            <ac:spMk id="14" creationId="{1453BF6C-B012-48B7-B4E8-6D7AC7C27D02}"/>
+          </ac:spMkLst>
+        </pc:spChg>
+        <pc:spChg chg="del">
+          <ac:chgData name="Ramon Burgstad" userId="5061cdd7803951a7" providerId="LiveId" clId="{FC6212AE-D664-4EBD-95A6-C7DC18AC1A5F}" dt="2021-03-25T11:08:52.807" v="226"/>
+          <ac:spMkLst>
+            <pc:docMk/>
+            <pc:sldMk cId="1876284846" sldId="275"/>
+            <ac:spMk id="16" creationId="{E3020543-B24B-4EC4-8FFC-8DD88EEA91A8}"/>
+          </ac:spMkLst>
+        </pc:spChg>
+        <pc:cxnChg chg="add">
+          <ac:chgData name="Ramon Burgstad" userId="5061cdd7803951a7" providerId="LiveId" clId="{FC6212AE-D664-4EBD-95A6-C7DC18AC1A5F}" dt="2021-03-25T11:09:32.722" v="230" actId="26606"/>
+          <ac:cxnSpMkLst>
+            <pc:docMk/>
+            <pc:sldMk cId="1876284846" sldId="275"/>
+            <ac:cxnSpMk id="13" creationId="{C49DA8F6-BCC1-4447-B54C-57856834B94B}"/>
+          </ac:cxnSpMkLst>
+        </pc:cxnChg>
+        <pc:cxnChg chg="del">
+          <ac:chgData name="Ramon Burgstad" userId="5061cdd7803951a7" providerId="LiveId" clId="{FC6212AE-D664-4EBD-95A6-C7DC18AC1A5F}" dt="2021-03-25T11:08:52.807" v="226"/>
+          <ac:cxnSpMkLst>
+            <pc:docMk/>
+            <pc:sldMk cId="1876284846" sldId="275"/>
+            <ac:cxnSpMk id="18" creationId="{C49DA8F6-BCC1-4447-B54C-57856834B94B}"/>
+          </ac:cxnSpMkLst>
+        </pc:cxnChg>
       </pc:sldChg>
     </pc:docChg>
   </pc:docChgLst>
@@ -509,7 +2519,7 @@
           <a:p>
             <a:fld id="{CA814237-78FB-4075-9777-C646272BCCE5}" type="datetimeFigureOut">
               <a:rPr lang="nl-NL" smtClean="0"/>
-              <a:t>24-3-2021</a:t>
+              <a:t>25-3-2021</a:t>
             </a:fld>
             <a:endParaRPr lang="nl-NL"/>
           </a:p>
@@ -707,7 +2717,7 @@
           <a:p>
             <a:fld id="{CA814237-78FB-4075-9777-C646272BCCE5}" type="datetimeFigureOut">
               <a:rPr lang="nl-NL" smtClean="0"/>
-              <a:t>24-3-2021</a:t>
+              <a:t>25-3-2021</a:t>
             </a:fld>
             <a:endParaRPr lang="nl-NL"/>
           </a:p>
@@ -915,7 +2925,7 @@
           <a:p>
             <a:fld id="{CA814237-78FB-4075-9777-C646272BCCE5}" type="datetimeFigureOut">
               <a:rPr lang="nl-NL" smtClean="0"/>
-              <a:t>24-3-2021</a:t>
+              <a:t>25-3-2021</a:t>
             </a:fld>
             <a:endParaRPr lang="nl-NL"/>
           </a:p>
@@ -1113,7 +3123,7 @@
           <a:p>
             <a:fld id="{CA814237-78FB-4075-9777-C646272BCCE5}" type="datetimeFigureOut">
               <a:rPr lang="nl-NL" smtClean="0"/>
-              <a:t>24-3-2021</a:t>
+              <a:t>25-3-2021</a:t>
             </a:fld>
             <a:endParaRPr lang="nl-NL"/>
           </a:p>
@@ -1388,7 +3398,7 @@
           <a:p>
             <a:fld id="{CA814237-78FB-4075-9777-C646272BCCE5}" type="datetimeFigureOut">
               <a:rPr lang="nl-NL" smtClean="0"/>
-              <a:t>24-3-2021</a:t>
+              <a:t>25-3-2021</a:t>
             </a:fld>
             <a:endParaRPr lang="nl-NL"/>
           </a:p>
@@ -1653,7 +3663,7 @@
           <a:p>
             <a:fld id="{CA814237-78FB-4075-9777-C646272BCCE5}" type="datetimeFigureOut">
               <a:rPr lang="nl-NL" smtClean="0"/>
-              <a:t>24-3-2021</a:t>
+              <a:t>25-3-2021</a:t>
             </a:fld>
             <a:endParaRPr lang="nl-NL"/>
           </a:p>
@@ -2065,7 +4075,7 @@
           <a:p>
             <a:fld id="{CA814237-78FB-4075-9777-C646272BCCE5}" type="datetimeFigureOut">
               <a:rPr lang="nl-NL" smtClean="0"/>
-              <a:t>24-3-2021</a:t>
+              <a:t>25-3-2021</a:t>
             </a:fld>
             <a:endParaRPr lang="nl-NL"/>
           </a:p>
@@ -2206,7 +4216,7 @@
           <a:p>
             <a:fld id="{CA814237-78FB-4075-9777-C646272BCCE5}" type="datetimeFigureOut">
               <a:rPr lang="nl-NL" smtClean="0"/>
-              <a:t>24-3-2021</a:t>
+              <a:t>25-3-2021</a:t>
             </a:fld>
             <a:endParaRPr lang="nl-NL"/>
           </a:p>
@@ -2319,7 +4329,7 @@
           <a:p>
             <a:fld id="{CA814237-78FB-4075-9777-C646272BCCE5}" type="datetimeFigureOut">
               <a:rPr lang="nl-NL" smtClean="0"/>
-              <a:t>24-3-2021</a:t>
+              <a:t>25-3-2021</a:t>
             </a:fld>
             <a:endParaRPr lang="nl-NL"/>
           </a:p>
@@ -2630,7 +4640,7 @@
           <a:p>
             <a:fld id="{CA814237-78FB-4075-9777-C646272BCCE5}" type="datetimeFigureOut">
               <a:rPr lang="nl-NL" smtClean="0"/>
-              <a:t>24-3-2021</a:t>
+              <a:t>25-3-2021</a:t>
             </a:fld>
             <a:endParaRPr lang="nl-NL"/>
           </a:p>
@@ -2918,7 +4928,7 @@
           <a:p>
             <a:fld id="{CA814237-78FB-4075-9777-C646272BCCE5}" type="datetimeFigureOut">
               <a:rPr lang="nl-NL" smtClean="0"/>
-              <a:t>24-3-2021</a:t>
+              <a:t>25-3-2021</a:t>
             </a:fld>
             <a:endParaRPr lang="nl-NL"/>
           </a:p>
@@ -3159,7 +5169,7 @@
           <a:p>
             <a:fld id="{CA814237-78FB-4075-9777-C646272BCCE5}" type="datetimeFigureOut">
               <a:rPr lang="nl-NL" smtClean="0"/>
-              <a:t>24-3-2021</a:t>
+              <a:t>25-3-2021</a:t>
             </a:fld>
             <a:endParaRPr lang="nl-NL"/>
           </a:p>
@@ -3584,80 +5594,12 @@
           <a:chExt cx="0" cy="0"/>
         </a:xfrm>
       </p:grpSpPr>
-      <p:pic>
-        <p:nvPicPr>
-          <p:cNvPr id="6" name="Afbeelding 5" descr="Afbeelding met zwart, wit&#10;&#10;Automatisch gegenereerde beschrijving">
+      <p:sp useBgFill="1">
+        <p:nvSpPr>
+          <p:cNvPr id="21" name="Rectangle 23">
             <a:extLst>
               <a:ext uri="{FF2B5EF4-FFF2-40B4-BE49-F238E27FC236}">
-                <a16:creationId xmlns:a16="http://schemas.microsoft.com/office/drawing/2014/main" id="{2AE1F8F2-93B3-4882-95A4-13799ED3ABBE}"/>
-              </a:ext>
-            </a:extLst>
-          </p:cNvPr>
-          <p:cNvPicPr>
-            <a:picLocks noChangeAspect="1"/>
-          </p:cNvPicPr>
-          <p:nvPr/>
-        </p:nvPicPr>
-        <p:blipFill rotWithShape="1">
-          <a:blip r:embed="rId2">
-            <a:extLst>
-              <a:ext uri="{28A0092B-C50C-407E-A947-70E740481C1C}">
-                <a14:useLocalDpi xmlns:a14="http://schemas.microsoft.com/office/drawing/2010/main" val="0"/>
-              </a:ext>
-            </a:extLst>
-          </a:blip>
-          <a:srcRect l="8128" t="6051" r="26781" b="-2"/>
-          <a:stretch/>
-        </p:blipFill>
-        <p:spPr>
-          <a:xfrm>
-            <a:off x="6473364" y="584908"/>
-            <a:ext cx="5718636" cy="5509675"/>
-          </a:xfrm>
-          <a:custGeom>
-            <a:avLst/>
-            <a:gdLst/>
-            <a:ahLst/>
-            <a:cxnLst/>
-            <a:rect l="l" t="t" r="r" b="b"/>
-            <a:pathLst>
-              <a:path w="5718636" h="5509675">
-                <a:moveTo>
-                  <a:pt x="3045815" y="0"/>
-                </a:moveTo>
-                <a:lnTo>
-                  <a:pt x="5718636" y="0"/>
-                </a:lnTo>
-                <a:lnTo>
-                  <a:pt x="5718636" y="5509036"/>
-                </a:lnTo>
-                <a:lnTo>
-                  <a:pt x="5215794" y="5509036"/>
-                </a:lnTo>
-                <a:lnTo>
-                  <a:pt x="5215794" y="5509675"/>
-                </a:lnTo>
-                <a:lnTo>
-                  <a:pt x="0" y="5509675"/>
-                </a:lnTo>
-                <a:lnTo>
-                  <a:pt x="2542974" y="639"/>
-                </a:lnTo>
-                <a:lnTo>
-                  <a:pt x="3045520" y="639"/>
-                </a:lnTo>
-                <a:close/>
-              </a:path>
-            </a:pathLst>
-          </a:custGeom>
-        </p:spPr>
-      </p:pic>
-      <p:sp>
-        <p:nvSpPr>
-          <p:cNvPr id="19" name="Freeform: Shape 10">
-            <a:extLst>
-              <a:ext uri="{FF2B5EF4-FFF2-40B4-BE49-F238E27FC236}">
-                <a16:creationId xmlns:a16="http://schemas.microsoft.com/office/drawing/2014/main" id="{17CDB40A-75BB-4498-A20B-59C3984A3A94}"/>
+                <a16:creationId xmlns:a16="http://schemas.microsoft.com/office/drawing/2014/main" id="{A2679492-7988-4050-9056-542444452411}"/>
               </a:ext>
               <a:ext uri="{C183D7F6-B498-43B3-948B-1728B52AA6E4}">
                 <adec:decorative xmlns:adec="http://schemas.microsoft.com/office/drawing/2017/decorative" val="1"/>
@@ -3677,58 +5619,12 @@
         </p:nvSpPr>
         <p:spPr>
           <a:xfrm>
-            <a:off x="0" y="585526"/>
-            <a:ext cx="8349381" cy="5509038"/>
+            <a:off x="0" y="0"/>
+            <a:ext cx="12192000" cy="6858000"/>
           </a:xfrm>
-          <a:custGeom>
+          <a:prstGeom prst="rect">
             <a:avLst/>
-            <a:gdLst>
-              <a:gd name="connsiteX0" fmla="*/ 0 w 8349381"/>
-              <a:gd name="connsiteY0" fmla="*/ 0 h 5509038"/>
-              <a:gd name="connsiteX1" fmla="*/ 8349381 w 8349381"/>
-              <a:gd name="connsiteY1" fmla="*/ 0 h 5509038"/>
-              <a:gd name="connsiteX2" fmla="*/ 5806407 w 8349381"/>
-              <a:gd name="connsiteY2" fmla="*/ 5509038 h 5509038"/>
-              <a:gd name="connsiteX3" fmla="*/ 0 w 8349381"/>
-              <a:gd name="connsiteY3" fmla="*/ 5509038 h 5509038"/>
-            </a:gdLst>
-            <a:ahLst/>
-            <a:cxnLst>
-              <a:cxn ang="0">
-                <a:pos x="connsiteX0" y="connsiteY0"/>
-              </a:cxn>
-              <a:cxn ang="0">
-                <a:pos x="connsiteX1" y="connsiteY1"/>
-              </a:cxn>
-              <a:cxn ang="0">
-                <a:pos x="connsiteX2" y="connsiteY2"/>
-              </a:cxn>
-              <a:cxn ang="0">
-                <a:pos x="connsiteX3" y="connsiteY3"/>
-              </a:cxn>
-            </a:cxnLst>
-            <a:rect l="l" t="t" r="r" b="b"/>
-            <a:pathLst>
-              <a:path w="8349381" h="5509038">
-                <a:moveTo>
-                  <a:pt x="0" y="0"/>
-                </a:moveTo>
-                <a:lnTo>
-                  <a:pt x="8349381" y="0"/>
-                </a:lnTo>
-                <a:lnTo>
-                  <a:pt x="5806407" y="5509038"/>
-                </a:lnTo>
-                <a:lnTo>
-                  <a:pt x="0" y="5509038"/>
-                </a:lnTo>
-                <a:close/>
-              </a:path>
-            </a:pathLst>
-          </a:custGeom>
-          <a:solidFill>
-            <a:srgbClr val="262626"/>
-          </a:solidFill>
+          </a:prstGeom>
           <a:ln>
             <a:noFill/>
           </a:ln>
@@ -3750,75 +5646,11 @@
           </a:fontRef>
         </p:style>
         <p:txBody>
-          <a:bodyPr wrap="square" rtlCol="0" anchor="ctr">
-            <a:noAutofit/>
-          </a:bodyPr>
+          <a:bodyPr rtlCol="0" anchor="ctr"/>
           <a:lstStyle/>
           <a:p>
             <a:pPr algn="ctr"/>
-            <a:endParaRPr lang="en-US" dirty="0">
-              <a:solidFill>
-                <a:schemeClr val="bg1">
-                  <a:lumMod val="95000"/>
-                </a:schemeClr>
-              </a:solidFill>
-            </a:endParaRPr>
-          </a:p>
-        </p:txBody>
-      </p:sp>
-      <p:sp>
-        <p:nvSpPr>
-          <p:cNvPr id="3" name="Ondertitel 2">
-            <a:extLst>
-              <a:ext uri="{FF2B5EF4-FFF2-40B4-BE49-F238E27FC236}">
-                <a16:creationId xmlns:a16="http://schemas.microsoft.com/office/drawing/2014/main" id="{D0B2D58D-B506-468A-AF92-8DC2F8192C9A}"/>
-              </a:ext>
-            </a:extLst>
-          </p:cNvPr>
-          <p:cNvSpPr>
-            <a:spLocks noGrp="1"/>
-          </p:cNvSpPr>
-          <p:nvPr>
-            <p:ph type="subTitle" idx="1"/>
-          </p:nvPr>
-        </p:nvSpPr>
-        <p:spPr>
-          <a:xfrm>
-            <a:off x="841249" y="3651047"/>
-            <a:ext cx="5254752" cy="911117"/>
-          </a:xfrm>
-        </p:spPr>
-        <p:txBody>
-          <a:bodyPr>
-            <a:normAutofit/>
-          </a:bodyPr>
-          <a:lstStyle/>
-          <a:p>
-            <a:pPr algn="l"/>
-            <a:r>
-              <a:rPr lang="nl-NL" sz="1300">
-                <a:solidFill>
-                  <a:srgbClr val="FFFFFF"/>
-                </a:solidFill>
-              </a:rPr>
-              <a:t>De Blanke Bank</a:t>
-            </a:r>
-          </a:p>
-          <a:p>
-            <a:pPr algn="l"/>
-            <a:r>
-              <a:rPr lang="nl-NL" sz="1300">
-                <a:solidFill>
-                  <a:srgbClr val="FFFFFF"/>
-                </a:solidFill>
-              </a:rPr>
-              <a:t>Door blanke, voor blanke</a:t>
-            </a:r>
-            <a:endParaRPr lang="nl-NL" sz="1300" dirty="0">
-              <a:solidFill>
-                <a:srgbClr val="FFFFFF"/>
-              </a:solidFill>
-            </a:endParaRPr>
+            <a:endParaRPr lang="en-US"/>
           </a:p>
         </p:txBody>
       </p:sp>
@@ -3840,28 +5672,547 @@
         </p:nvSpPr>
         <p:spPr>
           <a:xfrm>
-            <a:off x="841248" y="1408814"/>
-            <a:ext cx="5729673" cy="2235277"/>
+            <a:off x="6412091" y="501651"/>
+            <a:ext cx="4395340" cy="1716255"/>
           </a:xfrm>
         </p:spPr>
         <p:txBody>
-          <a:bodyPr>
+          <a:bodyPr vert="horz" lIns="91440" tIns="45720" rIns="91440" bIns="45720" rtlCol="0" anchor="b">
             <a:normAutofit/>
           </a:bodyPr>
           <a:lstStyle/>
           <a:p>
             <a:pPr algn="l"/>
             <a:r>
-              <a:rPr lang="nl-NL" sz="5400">
+              <a:rPr lang="en-US" sz="5600" kern="1200">
                 <a:solidFill>
-                  <a:srgbClr val="FFFFFF"/>
+                  <a:schemeClr val="tx1"/>
+                </a:solidFill>
+                <a:latin typeface="+mj-lt"/>
+                <a:ea typeface="+mj-ea"/>
+                <a:cs typeface="+mj-cs"/>
+              </a:rPr>
+              <a:t>Sprint 2</a:t>
+            </a:r>
+          </a:p>
+        </p:txBody>
+      </p:sp>
+      <p:sp>
+        <p:nvSpPr>
+          <p:cNvPr id="22" name="Rectangle 25">
+            <a:extLst>
+              <a:ext uri="{FF2B5EF4-FFF2-40B4-BE49-F238E27FC236}">
+                <a16:creationId xmlns:a16="http://schemas.microsoft.com/office/drawing/2014/main" id="{B091B163-7D61-4891-ABCF-5C13D9C418D0}"/>
+              </a:ext>
+              <a:ext uri="{C183D7F6-B498-43B3-948B-1728B52AA6E4}">
+                <adec:decorative xmlns:adec="http://schemas.microsoft.com/office/drawing/2017/decorative" val="1"/>
+              </a:ext>
+            </a:extLst>
+          </p:cNvPr>
+          <p:cNvSpPr>
+            <a:spLocks noGrp="1" noRot="1" noChangeAspect="1" noMove="1" noResize="1" noEditPoints="1" noAdjustHandles="1" noChangeArrowheads="1" noChangeShapeType="1" noTextEdit="1"/>
+          </p:cNvSpPr>
+          <p:nvPr>
+            <p:extLst>
+              <p:ext uri="{386F3935-93C4-4BCD-93E2-E3B085C9AB24}">
+                <p16:designElem xmlns:p16="http://schemas.microsoft.com/office/powerpoint/2015/main" val="1"/>
+              </p:ext>
+            </p:extLst>
+          </p:nvPr>
+        </p:nvSpPr>
+        <p:spPr>
+          <a:xfrm>
+            <a:off x="0" y="0"/>
+            <a:ext cx="5779911" cy="6858000"/>
+          </a:xfrm>
+          <a:prstGeom prst="rect">
+            <a:avLst/>
+          </a:prstGeom>
+          <a:gradFill flip="none" rotWithShape="1">
+            <a:gsLst>
+              <a:gs pos="0">
+                <a:schemeClr val="accent1"/>
+              </a:gs>
+              <a:gs pos="100000">
+                <a:schemeClr val="accent2"/>
+              </a:gs>
+            </a:gsLst>
+            <a:lin ang="2700000" scaled="1"/>
+            <a:tileRect/>
+          </a:gradFill>
+          <a:ln>
+            <a:noFill/>
+          </a:ln>
+        </p:spPr>
+        <p:style>
+          <a:lnRef idx="2">
+            <a:schemeClr val="accent1">
+              <a:shade val="50000"/>
+            </a:schemeClr>
+          </a:lnRef>
+          <a:fillRef idx="1">
+            <a:schemeClr val="accent1"/>
+          </a:fillRef>
+          <a:effectRef idx="0">
+            <a:schemeClr val="accent1"/>
+          </a:effectRef>
+          <a:fontRef idx="minor">
+            <a:schemeClr val="lt1"/>
+          </a:fontRef>
+        </p:style>
+        <p:txBody>
+          <a:bodyPr rtlCol="0" anchor="ctr"/>
+          <a:lstStyle/>
+          <a:p>
+            <a:pPr algn="ctr"/>
+            <a:endParaRPr lang="en-US"/>
+          </a:p>
+        </p:txBody>
+      </p:sp>
+      <p:pic>
+        <p:nvPicPr>
+          <p:cNvPr id="6" name="Afbeelding 5" descr="Afbeelding met zwart, wit&#10;&#10;Automatisch gegenereerde beschrijving">
+            <a:extLst>
+              <a:ext uri="{FF2B5EF4-FFF2-40B4-BE49-F238E27FC236}">
+                <a16:creationId xmlns:a16="http://schemas.microsoft.com/office/drawing/2014/main" id="{2AE1F8F2-93B3-4882-95A4-13799ED3ABBE}"/>
+              </a:ext>
+            </a:extLst>
+          </p:cNvPr>
+          <p:cNvPicPr>
+            <a:picLocks noChangeAspect="1"/>
+          </p:cNvPicPr>
+          <p:nvPr/>
+        </p:nvPicPr>
+        <p:blipFill rotWithShape="1">
+          <a:blip r:embed="rId2">
+            <a:extLst>
+              <a:ext uri="{28A0092B-C50C-407E-A947-70E740481C1C}">
+                <a14:useLocalDpi xmlns:a14="http://schemas.microsoft.com/office/drawing/2010/main" val="0"/>
+              </a:ext>
+            </a:extLst>
+          </a:blip>
+          <a:srcRect l="8128" t="6051" r="26781" b="-2"/>
+          <a:stretch/>
+        </p:blipFill>
+        <p:spPr>
+          <a:xfrm>
+            <a:off x="279143" y="913599"/>
+            <a:ext cx="5221625" cy="5030802"/>
+          </a:xfrm>
+          <a:prstGeom prst="rect">
+            <a:avLst/>
+          </a:prstGeom>
+        </p:spPr>
+      </p:pic>
+      <p:sp>
+        <p:nvSpPr>
+          <p:cNvPr id="4" name="Rechthoek 3">
+            <a:extLst>
+              <a:ext uri="{FF2B5EF4-FFF2-40B4-BE49-F238E27FC236}">
+                <a16:creationId xmlns:a16="http://schemas.microsoft.com/office/drawing/2014/main" id="{B2D22607-6D95-4FDD-BA83-A4248FA447C5}"/>
+              </a:ext>
+            </a:extLst>
+          </p:cNvPr>
+          <p:cNvSpPr/>
+          <p:nvPr/>
+        </p:nvSpPr>
+        <p:spPr>
+          <a:xfrm>
+            <a:off x="6392583" y="2645922"/>
+            <a:ext cx="4434721" cy="3710427"/>
+          </a:xfrm>
+          <a:prstGeom prst="rect">
+            <a:avLst/>
+          </a:prstGeom>
+        </p:spPr>
+        <p:txBody>
+          <a:bodyPr vert="horz" lIns="91440" tIns="45720" rIns="91440" bIns="45720" rtlCol="0" anchor="t">
+            <a:normAutofit/>
+          </a:bodyPr>
+          <a:lstStyle/>
+          <a:p>
+            <a:pPr indent="-228600">
+              <a:lnSpc>
+                <a:spcPct val="90000"/>
+              </a:lnSpc>
+              <a:spcAft>
+                <a:spcPts val="200"/>
+              </a:spcAft>
+              <a:buFont typeface="Arial" panose="020B0604020202020204" pitchFamily="34" charset="0"/>
+              <a:buChar char="•"/>
+            </a:pPr>
+            <a:r>
+              <a:rPr lang="en-US" sz="2000" dirty="0">
+                <a:solidFill>
+                  <a:schemeClr val="tx1">
+                    <a:alpha val="80000"/>
+                  </a:schemeClr>
                 </a:solidFill>
               </a:rPr>
-              <a:t>Sprint 2</a:t>
-            </a:r>
+              <a:t>Door</a:t>
+            </a:r>
+          </a:p>
+          <a:p>
+            <a:pPr indent="-228600">
+              <a:lnSpc>
+                <a:spcPct val="90000"/>
+              </a:lnSpc>
+              <a:spcAft>
+                <a:spcPts val="200"/>
+              </a:spcAft>
+              <a:buFont typeface="Arial" panose="020B0604020202020204" pitchFamily="34" charset="0"/>
+              <a:buChar char="•"/>
+            </a:pPr>
+            <a:r>
+              <a:rPr lang="en-US" sz="2000" dirty="0" err="1">
+                <a:solidFill>
+                  <a:schemeClr val="tx1">
+                    <a:alpha val="80000"/>
+                  </a:schemeClr>
+                </a:solidFill>
+              </a:rPr>
+              <a:t>Marjon</a:t>
+            </a:r>
+            <a:r>
+              <a:rPr lang="en-US" sz="2000" dirty="0">
+                <a:solidFill>
+                  <a:schemeClr val="tx1">
+                    <a:alpha val="80000"/>
+                  </a:schemeClr>
+                </a:solidFill>
+              </a:rPr>
+              <a:t> </a:t>
+            </a:r>
+            <a:r>
+              <a:rPr lang="en-US" sz="2000" dirty="0" err="1">
+                <a:solidFill>
+                  <a:schemeClr val="tx1">
+                    <a:alpha val="80000"/>
+                  </a:schemeClr>
+                </a:solidFill>
+              </a:rPr>
+              <a:t>Buijing</a:t>
+            </a:r>
+            <a:endParaRPr lang="en-US" sz="2000" dirty="0">
+              <a:solidFill>
+                <a:schemeClr val="tx1">
+                  <a:alpha val="80000"/>
+                </a:schemeClr>
+              </a:solidFill>
+            </a:endParaRPr>
+          </a:p>
+          <a:p>
+            <a:pPr indent="-228600">
+              <a:lnSpc>
+                <a:spcPct val="90000"/>
+              </a:lnSpc>
+              <a:spcAft>
+                <a:spcPts val="200"/>
+              </a:spcAft>
+              <a:buFont typeface="Arial" panose="020B0604020202020204" pitchFamily="34" charset="0"/>
+              <a:buChar char="•"/>
+            </a:pPr>
+            <a:r>
+              <a:rPr lang="en-US" sz="2000" dirty="0" err="1">
+                <a:solidFill>
+                  <a:schemeClr val="tx1">
+                    <a:alpha val="80000"/>
+                  </a:schemeClr>
+                </a:solidFill>
+              </a:rPr>
+              <a:t>Jarno</a:t>
+            </a:r>
+            <a:r>
+              <a:rPr lang="en-US" sz="2000" dirty="0">
+                <a:solidFill>
+                  <a:schemeClr val="tx1">
+                    <a:alpha val="80000"/>
+                  </a:schemeClr>
+                </a:solidFill>
+              </a:rPr>
+              <a:t> </a:t>
+            </a:r>
+            <a:r>
+              <a:rPr lang="en-US" sz="2000" dirty="0" err="1">
+                <a:solidFill>
+                  <a:schemeClr val="tx1">
+                    <a:alpha val="80000"/>
+                  </a:schemeClr>
+                </a:solidFill>
+              </a:rPr>
+              <a:t>Vuijk</a:t>
+            </a:r>
+            <a:endParaRPr lang="en-US" sz="2000" dirty="0">
+              <a:solidFill>
+                <a:schemeClr val="tx1">
+                  <a:alpha val="80000"/>
+                </a:schemeClr>
+              </a:solidFill>
+            </a:endParaRPr>
+          </a:p>
+          <a:p>
+            <a:pPr indent="-228600">
+              <a:lnSpc>
+                <a:spcPct val="90000"/>
+              </a:lnSpc>
+              <a:spcAft>
+                <a:spcPts val="200"/>
+              </a:spcAft>
+              <a:buFont typeface="Arial" panose="020B0604020202020204" pitchFamily="34" charset="0"/>
+              <a:buChar char="•"/>
+            </a:pPr>
+            <a:r>
+              <a:rPr lang="en-US" sz="2000" dirty="0">
+                <a:solidFill>
+                  <a:schemeClr val="tx1">
+                    <a:alpha val="80000"/>
+                  </a:schemeClr>
+                </a:solidFill>
+              </a:rPr>
+              <a:t>Sander </a:t>
+            </a:r>
+            <a:r>
+              <a:rPr lang="en-US" sz="2000" dirty="0" err="1">
+                <a:solidFill>
+                  <a:schemeClr val="tx1">
+                    <a:alpha val="80000"/>
+                  </a:schemeClr>
+                </a:solidFill>
+              </a:rPr>
+              <a:t>Vielvoije</a:t>
+            </a:r>
+            <a:endParaRPr lang="en-US" sz="2000" dirty="0">
+              <a:solidFill>
+                <a:schemeClr val="tx1">
+                  <a:alpha val="80000"/>
+                </a:schemeClr>
+              </a:solidFill>
+            </a:endParaRPr>
+          </a:p>
+          <a:p>
+            <a:pPr indent="-228600">
+              <a:lnSpc>
+                <a:spcPct val="90000"/>
+              </a:lnSpc>
+              <a:spcAft>
+                <a:spcPts val="200"/>
+              </a:spcAft>
+              <a:buFont typeface="Arial" panose="020B0604020202020204" pitchFamily="34" charset="0"/>
+              <a:buChar char="•"/>
+            </a:pPr>
+            <a:r>
+              <a:rPr lang="en-US" sz="2000" dirty="0">
+                <a:solidFill>
+                  <a:schemeClr val="tx1">
+                    <a:alpha val="80000"/>
+                  </a:schemeClr>
+                </a:solidFill>
+              </a:rPr>
+              <a:t>Ramon Burgstad</a:t>
+            </a:r>
+          </a:p>
+          <a:p>
+            <a:pPr indent="-228600">
+              <a:lnSpc>
+                <a:spcPct val="90000"/>
+              </a:lnSpc>
+              <a:spcAft>
+                <a:spcPts val="200"/>
+              </a:spcAft>
+              <a:buFont typeface="Arial" panose="020B0604020202020204" pitchFamily="34" charset="0"/>
+              <a:buChar char="•"/>
+            </a:pPr>
+            <a:endParaRPr lang="en-US" sz="2000" dirty="0">
+              <a:solidFill>
+                <a:schemeClr val="tx1">
+                  <a:alpha val="80000"/>
+                </a:schemeClr>
+              </a:solidFill>
+            </a:endParaRPr>
+          </a:p>
+          <a:p>
+            <a:pPr indent="-228600">
+              <a:lnSpc>
+                <a:spcPct val="90000"/>
+              </a:lnSpc>
+              <a:spcAft>
+                <a:spcPts val="200"/>
+              </a:spcAft>
+              <a:buFont typeface="Arial" panose="020B0604020202020204" pitchFamily="34" charset="0"/>
+              <a:buChar char="•"/>
+            </a:pPr>
+            <a:endParaRPr lang="en-US" sz="2000" dirty="0">
+              <a:solidFill>
+                <a:schemeClr val="tx1">
+                  <a:alpha val="80000"/>
+                </a:schemeClr>
+              </a:solidFill>
+            </a:endParaRPr>
+          </a:p>
+          <a:p>
+            <a:pPr indent="-228600">
+              <a:lnSpc>
+                <a:spcPct val="90000"/>
+              </a:lnSpc>
+              <a:spcAft>
+                <a:spcPts val="200"/>
+              </a:spcAft>
+              <a:buFont typeface="Arial" panose="020B0604020202020204" pitchFamily="34" charset="0"/>
+              <a:buChar char="•"/>
+            </a:pPr>
+            <a:r>
+              <a:rPr lang="en-US" sz="2000" dirty="0">
+                <a:solidFill>
+                  <a:schemeClr val="tx1">
+                    <a:alpha val="80000"/>
+                  </a:schemeClr>
+                </a:solidFill>
+              </a:rPr>
+              <a:t>PO</a:t>
+            </a:r>
+          </a:p>
+          <a:p>
+            <a:pPr indent="-228600">
+              <a:lnSpc>
+                <a:spcPct val="90000"/>
+              </a:lnSpc>
+              <a:spcAft>
+                <a:spcPts val="200"/>
+              </a:spcAft>
+              <a:buFont typeface="Arial" panose="020B0604020202020204" pitchFamily="34" charset="0"/>
+              <a:buChar char="•"/>
+            </a:pPr>
+            <a:r>
+              <a:rPr lang="en-US" sz="2000" dirty="0">
+                <a:solidFill>
+                  <a:schemeClr val="tx1">
+                    <a:alpha val="80000"/>
+                  </a:schemeClr>
+                </a:solidFill>
+              </a:rPr>
+              <a:t>Thomas van </a:t>
+            </a:r>
+            <a:r>
+              <a:rPr lang="en-US" sz="2000" dirty="0" err="1">
+                <a:solidFill>
+                  <a:schemeClr val="tx1">
+                    <a:alpha val="80000"/>
+                  </a:schemeClr>
+                </a:solidFill>
+              </a:rPr>
+              <a:t>Iersel</a:t>
+            </a:r>
+            <a:endParaRPr lang="en-US" sz="2000" dirty="0">
+              <a:solidFill>
+                <a:schemeClr val="tx1">
+                  <a:alpha val="80000"/>
+                </a:schemeClr>
+              </a:solidFill>
+            </a:endParaRPr>
+          </a:p>
+          <a:p>
+            <a:pPr indent="-228600">
+              <a:lnSpc>
+                <a:spcPct val="90000"/>
+              </a:lnSpc>
+              <a:spcAft>
+                <a:spcPts val="200"/>
+              </a:spcAft>
+              <a:buFont typeface="Arial" panose="020B0604020202020204" pitchFamily="34" charset="0"/>
+              <a:buChar char="•"/>
+            </a:pPr>
+            <a:r>
+              <a:rPr lang="en-US" sz="2000" dirty="0">
+                <a:solidFill>
+                  <a:schemeClr val="tx1">
+                    <a:alpha val="80000"/>
+                  </a:schemeClr>
+                </a:solidFill>
+              </a:rPr>
+              <a:t>Matej </a:t>
+            </a:r>
+            <a:r>
+              <a:rPr lang="en-US" sz="2000" dirty="0" err="1">
+                <a:solidFill>
+                  <a:schemeClr val="tx1">
+                    <a:alpha val="80000"/>
+                  </a:schemeClr>
+                </a:solidFill>
+              </a:rPr>
+              <a:t>Skelo</a:t>
+            </a:r>
+            <a:endParaRPr lang="en-US" sz="2000" dirty="0">
+              <a:solidFill>
+                <a:schemeClr val="tx1">
+                  <a:alpha val="80000"/>
+                </a:schemeClr>
+              </a:solidFill>
+            </a:endParaRPr>
           </a:p>
         </p:txBody>
       </p:sp>
+      <p:cxnSp>
+        <p:nvCxnSpPr>
+          <p:cNvPr id="23" name="Straight Connector 27">
+            <a:extLst>
+              <a:ext uri="{FF2B5EF4-FFF2-40B4-BE49-F238E27FC236}">
+                <a16:creationId xmlns:a16="http://schemas.microsoft.com/office/drawing/2014/main" id="{C49DA8F6-BCC1-4447-B54C-57856834B94B}"/>
+              </a:ext>
+              <a:ext uri="{C183D7F6-B498-43B3-948B-1728B52AA6E4}">
+                <adec:decorative xmlns:adec="http://schemas.microsoft.com/office/drawing/2017/decorative" val="1"/>
+              </a:ext>
+            </a:extLst>
+          </p:cNvPr>
+          <p:cNvCxnSpPr>
+            <a:cxnSpLocks noGrp="1" noRot="1" noChangeAspect="1" noMove="1" noResize="1" noEditPoints="1" noAdjustHandles="1" noChangeArrowheads="1" noChangeShapeType="1"/>
+          </p:cNvCxnSpPr>
+          <p:nvPr>
+            <p:extLst>
+              <p:ext uri="{386F3935-93C4-4BCD-93E2-E3B085C9AB24}">
+                <p16:designElem xmlns:p16="http://schemas.microsoft.com/office/powerpoint/2015/main" val="1"/>
+              </p:ext>
+            </p:extLst>
+          </p:nvPr>
+        </p:nvCxnSpPr>
+        <p:spPr>
+          <a:xfrm>
+            <a:off x="11586162" y="3610394"/>
+            <a:ext cx="0" cy="3238728"/>
+          </a:xfrm>
+          <a:prstGeom prst="line">
+            <a:avLst/>
+          </a:prstGeom>
+          <a:ln w="25400" cap="sq">
+            <a:gradFill flip="none" rotWithShape="1">
+              <a:gsLst>
+                <a:gs pos="0">
+                  <a:schemeClr val="accent1"/>
+                </a:gs>
+                <a:gs pos="100000">
+                  <a:schemeClr val="accent2"/>
+                </a:gs>
+              </a:gsLst>
+              <a:lin ang="16200000" scaled="1"/>
+              <a:tileRect/>
+            </a:gradFill>
+            <a:bevel/>
+          </a:ln>
+        </p:spPr>
+        <p:style>
+          <a:lnRef idx="1">
+            <a:schemeClr val="accent1"/>
+          </a:lnRef>
+          <a:fillRef idx="0">
+            <a:schemeClr val="accent1"/>
+          </a:fillRef>
+          <a:effectRef idx="0">
+            <a:schemeClr val="accent1"/>
+          </a:effectRef>
+          <a:fontRef idx="minor">
+            <a:schemeClr val="tx1"/>
+          </a:fontRef>
+        </p:style>
+      </p:cxnSp>
     </p:spTree>
     <p:extLst>
       <p:ext uri="{BB962C8B-B14F-4D97-AF65-F5344CB8AC3E}">
@@ -3872,6 +6223,1087 @@
   <p:clrMapOvr>
     <a:masterClrMapping/>
   </p:clrMapOvr>
+</p:sld>
+</file>
+
+<file path=ppt/slides/slide10.xml><?xml version="1.0" encoding="utf-8"?>
+<p:sld xmlns:a="http://schemas.openxmlformats.org/drawingml/2006/main" xmlns:r="http://schemas.openxmlformats.org/officeDocument/2006/relationships" xmlns:p="http://schemas.openxmlformats.org/presentationml/2006/main">
+  <p:cSld>
+    <p:bg>
+      <p:bgPr>
+        <a:solidFill>
+          <a:schemeClr val="bg1"/>
+        </a:solidFill>
+        <a:effectLst/>
+      </p:bgPr>
+    </p:bg>
+    <p:spTree>
+      <p:nvGrpSpPr>
+        <p:cNvPr id="1" name=""/>
+        <p:cNvGrpSpPr/>
+        <p:nvPr/>
+      </p:nvGrpSpPr>
+      <p:grpSpPr>
+        <a:xfrm>
+          <a:off x="0" y="0"/>
+          <a:ext cx="0" cy="0"/>
+          <a:chOff x="0" y="0"/>
+          <a:chExt cx="0" cy="0"/>
+        </a:xfrm>
+      </p:grpSpPr>
+      <p:sp useBgFill="1">
+        <p:nvSpPr>
+          <p:cNvPr id="105" name="Rectangle 104">
+            <a:extLst>
+              <a:ext uri="{FF2B5EF4-FFF2-40B4-BE49-F238E27FC236}">
+                <a16:creationId xmlns:a16="http://schemas.microsoft.com/office/drawing/2014/main" id="{A2679492-7988-4050-9056-542444452411}"/>
+              </a:ext>
+              <a:ext uri="{C183D7F6-B498-43B3-948B-1728B52AA6E4}">
+                <adec:decorative xmlns:adec="http://schemas.microsoft.com/office/drawing/2017/decorative" val="1"/>
+              </a:ext>
+            </a:extLst>
+          </p:cNvPr>
+          <p:cNvSpPr>
+            <a:spLocks noGrp="1" noRot="1" noChangeAspect="1" noMove="1" noResize="1" noEditPoints="1" noAdjustHandles="1" noChangeArrowheads="1" noChangeShapeType="1" noTextEdit="1"/>
+          </p:cNvSpPr>
+          <p:nvPr>
+            <p:extLst>
+              <p:ext uri="{386F3935-93C4-4BCD-93E2-E3B085C9AB24}">
+                <p16:designElem xmlns:p16="http://schemas.microsoft.com/office/powerpoint/2015/main" val="1"/>
+              </p:ext>
+            </p:extLst>
+          </p:nvPr>
+        </p:nvSpPr>
+        <p:spPr>
+          <a:xfrm>
+            <a:off x="0" y="0"/>
+            <a:ext cx="12192000" cy="6858000"/>
+          </a:xfrm>
+          <a:prstGeom prst="rect">
+            <a:avLst/>
+          </a:prstGeom>
+          <a:ln>
+            <a:noFill/>
+          </a:ln>
+        </p:spPr>
+        <p:style>
+          <a:lnRef idx="2">
+            <a:schemeClr val="accent1">
+              <a:shade val="50000"/>
+            </a:schemeClr>
+          </a:lnRef>
+          <a:fillRef idx="1">
+            <a:schemeClr val="accent1"/>
+          </a:fillRef>
+          <a:effectRef idx="0">
+            <a:schemeClr val="accent1"/>
+          </a:effectRef>
+          <a:fontRef idx="minor">
+            <a:schemeClr val="lt1"/>
+          </a:fontRef>
+        </p:style>
+        <p:txBody>
+          <a:bodyPr rtlCol="0" anchor="ctr"/>
+          <a:lstStyle/>
+          <a:p>
+            <a:pPr algn="ctr"/>
+            <a:endParaRPr lang="en-US"/>
+          </a:p>
+        </p:txBody>
+      </p:sp>
+      <p:sp>
+        <p:nvSpPr>
+          <p:cNvPr id="107" name="Rectangle 106">
+            <a:extLst>
+              <a:ext uri="{FF2B5EF4-FFF2-40B4-BE49-F238E27FC236}">
+                <a16:creationId xmlns:a16="http://schemas.microsoft.com/office/drawing/2014/main" id="{B091B163-7D61-4891-ABCF-5C13D9C418D0}"/>
+              </a:ext>
+              <a:ext uri="{C183D7F6-B498-43B3-948B-1728B52AA6E4}">
+                <adec:decorative xmlns:adec="http://schemas.microsoft.com/office/drawing/2017/decorative" val="1"/>
+              </a:ext>
+            </a:extLst>
+          </p:cNvPr>
+          <p:cNvSpPr>
+            <a:spLocks noGrp="1" noRot="1" noChangeAspect="1" noMove="1" noResize="1" noEditPoints="1" noAdjustHandles="1" noChangeArrowheads="1" noChangeShapeType="1" noTextEdit="1"/>
+          </p:cNvSpPr>
+          <p:nvPr>
+            <p:extLst>
+              <p:ext uri="{386F3935-93C4-4BCD-93E2-E3B085C9AB24}">
+                <p16:designElem xmlns:p16="http://schemas.microsoft.com/office/powerpoint/2015/main" val="1"/>
+              </p:ext>
+            </p:extLst>
+          </p:nvPr>
+        </p:nvSpPr>
+        <p:spPr>
+          <a:xfrm>
+            <a:off x="0" y="0"/>
+            <a:ext cx="5779911" cy="6858000"/>
+          </a:xfrm>
+          <a:prstGeom prst="rect">
+            <a:avLst/>
+          </a:prstGeom>
+          <a:gradFill flip="none" rotWithShape="1">
+            <a:gsLst>
+              <a:gs pos="0">
+                <a:schemeClr val="accent1"/>
+              </a:gs>
+              <a:gs pos="100000">
+                <a:schemeClr val="accent2"/>
+              </a:gs>
+            </a:gsLst>
+            <a:lin ang="2700000" scaled="1"/>
+            <a:tileRect/>
+          </a:gradFill>
+          <a:ln>
+            <a:noFill/>
+          </a:ln>
+        </p:spPr>
+        <p:style>
+          <a:lnRef idx="2">
+            <a:schemeClr val="accent1">
+              <a:shade val="50000"/>
+            </a:schemeClr>
+          </a:lnRef>
+          <a:fillRef idx="1">
+            <a:schemeClr val="accent1"/>
+          </a:fillRef>
+          <a:effectRef idx="0">
+            <a:schemeClr val="accent1"/>
+          </a:effectRef>
+          <a:fontRef idx="minor">
+            <a:schemeClr val="lt1"/>
+          </a:fontRef>
+        </p:style>
+        <p:txBody>
+          <a:bodyPr rtlCol="0" anchor="ctr"/>
+          <a:lstStyle/>
+          <a:p>
+            <a:pPr algn="ctr"/>
+            <a:endParaRPr lang="en-US">
+              <a:solidFill>
+                <a:schemeClr val="tx1"/>
+              </a:solidFill>
+            </a:endParaRPr>
+          </a:p>
+        </p:txBody>
+      </p:sp>
+      <p:sp>
+        <p:nvSpPr>
+          <p:cNvPr id="2" name="Titel 1">
+            <a:extLst>
+              <a:ext uri="{FF2B5EF4-FFF2-40B4-BE49-F238E27FC236}">
+                <a16:creationId xmlns:a16="http://schemas.microsoft.com/office/drawing/2014/main" id="{8A5C09EF-E7FF-4E61-A482-141291EC65BD}"/>
+              </a:ext>
+            </a:extLst>
+          </p:cNvPr>
+          <p:cNvSpPr>
+            <a:spLocks noGrp="1"/>
+          </p:cNvSpPr>
+          <p:nvPr>
+            <p:ph type="title"/>
+          </p:nvPr>
+        </p:nvSpPr>
+        <p:spPr>
+          <a:xfrm>
+            <a:off x="1188069" y="381935"/>
+            <a:ext cx="4008583" cy="5974414"/>
+          </a:xfrm>
+        </p:spPr>
+        <p:txBody>
+          <a:bodyPr anchor="ctr">
+            <a:normAutofit/>
+          </a:bodyPr>
+          <a:lstStyle/>
+          <a:p>
+            <a:r>
+              <a:rPr lang="nl-NL" sz="5000">
+                <a:solidFill>
+                  <a:srgbClr val="FFFFFF"/>
+                </a:solidFill>
+              </a:rPr>
+              <a:t>Retrospective</a:t>
+            </a:r>
+          </a:p>
+        </p:txBody>
+      </p:sp>
+      <p:grpSp>
+        <p:nvGrpSpPr>
+          <p:cNvPr id="109" name="Group 108">
+            <a:extLst>
+              <a:ext uri="{FF2B5EF4-FFF2-40B4-BE49-F238E27FC236}">
+                <a16:creationId xmlns:a16="http://schemas.microsoft.com/office/drawing/2014/main" id="{0474DF76-993E-44DE-AFB0-C416182ACECF}"/>
+              </a:ext>
+              <a:ext uri="{C183D7F6-B498-43B3-948B-1728B52AA6E4}">
+                <adec:decorative xmlns:adec="http://schemas.microsoft.com/office/drawing/2017/decorative" val="1"/>
+              </a:ext>
+            </a:extLst>
+          </p:cNvPr>
+          <p:cNvGrpSpPr>
+            <a:grpSpLocks noGrp="1" noUngrp="1" noRot="1" noChangeAspect="1" noMove="1" noResize="1"/>
+          </p:cNvGrpSpPr>
+          <p:nvPr>
+            <p:extLst>
+              <p:ext uri="{386F3935-93C4-4BCD-93E2-E3B085C9AB24}">
+                <p16:designElem xmlns:p16="http://schemas.microsoft.com/office/powerpoint/2015/main" val="1"/>
+              </p:ext>
+            </p:extLst>
+          </p:nvPr>
+        </p:nvGrpSpPr>
+        <p:grpSpPr>
+          <a:xfrm>
+            <a:off x="613892" y="554152"/>
+            <a:ext cx="574177" cy="1075866"/>
+            <a:chOff x="613892" y="554152"/>
+            <a:chExt cx="574177" cy="1075866"/>
+          </a:xfrm>
+          <a:solidFill>
+            <a:srgbClr val="FFFFFF"/>
+          </a:solidFill>
+        </p:grpSpPr>
+        <p:sp>
+          <p:nvSpPr>
+            <p:cNvPr id="110" name="Graphic 11">
+              <a:extLst>
+                <a:ext uri="{FF2B5EF4-FFF2-40B4-BE49-F238E27FC236}">
+                  <a16:creationId xmlns:a16="http://schemas.microsoft.com/office/drawing/2014/main" id="{6CB927A4-E432-4310-9CD5-E89FF5063179}"/>
+                </a:ext>
+                <a:ext uri="{C183D7F6-B498-43B3-948B-1728B52AA6E4}">
+                  <adec:decorative xmlns:adec="http://schemas.microsoft.com/office/drawing/2017/decorative" val="1"/>
+                </a:ext>
+              </a:extLst>
+            </p:cNvPr>
+            <p:cNvSpPr/>
+            <p:nvPr>
+              <p:extLst>
+                <p:ext uri="{386F3935-93C4-4BCD-93E2-E3B085C9AB24}">
+                  <p16:designElem xmlns:p16="http://schemas.microsoft.com/office/powerpoint/2015/main" val="1"/>
+                </p:ext>
+              </p:extLst>
+            </p:nvPr>
+          </p:nvSpPr>
+          <p:spPr>
+            <a:xfrm>
+              <a:off x="633061" y="554152"/>
+              <a:ext cx="171515" cy="171515"/>
+            </a:xfrm>
+            <a:custGeom>
+              <a:avLst/>
+              <a:gdLst>
+                <a:gd name="connsiteX0" fmla="*/ 159874 w 171515"/>
+                <a:gd name="connsiteY0" fmla="*/ 74116 h 171515"/>
+                <a:gd name="connsiteX1" fmla="*/ 97399 w 171515"/>
+                <a:gd name="connsiteY1" fmla="*/ 74116 h 171515"/>
+                <a:gd name="connsiteX2" fmla="*/ 97399 w 171515"/>
+                <a:gd name="connsiteY2" fmla="*/ 11641 h 171515"/>
+                <a:gd name="connsiteX3" fmla="*/ 85758 w 171515"/>
+                <a:gd name="connsiteY3" fmla="*/ 0 h 171515"/>
+                <a:gd name="connsiteX4" fmla="*/ 74116 w 171515"/>
+                <a:gd name="connsiteY4" fmla="*/ 11641 h 171515"/>
+                <a:gd name="connsiteX5" fmla="*/ 74116 w 171515"/>
+                <a:gd name="connsiteY5" fmla="*/ 74116 h 171515"/>
+                <a:gd name="connsiteX6" fmla="*/ 11641 w 171515"/>
+                <a:gd name="connsiteY6" fmla="*/ 74116 h 171515"/>
+                <a:gd name="connsiteX7" fmla="*/ 0 w 171515"/>
+                <a:gd name="connsiteY7" fmla="*/ 85758 h 171515"/>
+                <a:gd name="connsiteX8" fmla="*/ 11641 w 171515"/>
+                <a:gd name="connsiteY8" fmla="*/ 97399 h 171515"/>
+                <a:gd name="connsiteX9" fmla="*/ 74116 w 171515"/>
+                <a:gd name="connsiteY9" fmla="*/ 97399 h 171515"/>
+                <a:gd name="connsiteX10" fmla="*/ 74116 w 171515"/>
+                <a:gd name="connsiteY10" fmla="*/ 159874 h 171515"/>
+                <a:gd name="connsiteX11" fmla="*/ 85758 w 171515"/>
+                <a:gd name="connsiteY11" fmla="*/ 171515 h 171515"/>
+                <a:gd name="connsiteX12" fmla="*/ 97399 w 171515"/>
+                <a:gd name="connsiteY12" fmla="*/ 159874 h 171515"/>
+                <a:gd name="connsiteX13" fmla="*/ 97399 w 171515"/>
+                <a:gd name="connsiteY13" fmla="*/ 97399 h 171515"/>
+                <a:gd name="connsiteX14" fmla="*/ 159874 w 171515"/>
+                <a:gd name="connsiteY14" fmla="*/ 97399 h 171515"/>
+                <a:gd name="connsiteX15" fmla="*/ 171515 w 171515"/>
+                <a:gd name="connsiteY15" fmla="*/ 85758 h 171515"/>
+                <a:gd name="connsiteX16" fmla="*/ 159874 w 171515"/>
+                <a:gd name="connsiteY16" fmla="*/ 74116 h 171515"/>
+              </a:gdLst>
+              <a:ahLst/>
+              <a:cxnLst>
+                <a:cxn ang="0">
+                  <a:pos x="connsiteX0" y="connsiteY0"/>
+                </a:cxn>
+                <a:cxn ang="0">
+                  <a:pos x="connsiteX1" y="connsiteY1"/>
+                </a:cxn>
+                <a:cxn ang="0">
+                  <a:pos x="connsiteX2" y="connsiteY2"/>
+                </a:cxn>
+                <a:cxn ang="0">
+                  <a:pos x="connsiteX3" y="connsiteY3"/>
+                </a:cxn>
+                <a:cxn ang="0">
+                  <a:pos x="connsiteX4" y="connsiteY4"/>
+                </a:cxn>
+                <a:cxn ang="0">
+                  <a:pos x="connsiteX5" y="connsiteY5"/>
+                </a:cxn>
+                <a:cxn ang="0">
+                  <a:pos x="connsiteX6" y="connsiteY6"/>
+                </a:cxn>
+                <a:cxn ang="0">
+                  <a:pos x="connsiteX7" y="connsiteY7"/>
+                </a:cxn>
+                <a:cxn ang="0">
+                  <a:pos x="connsiteX8" y="connsiteY8"/>
+                </a:cxn>
+                <a:cxn ang="0">
+                  <a:pos x="connsiteX9" y="connsiteY9"/>
+                </a:cxn>
+                <a:cxn ang="0">
+                  <a:pos x="connsiteX10" y="connsiteY10"/>
+                </a:cxn>
+                <a:cxn ang="0">
+                  <a:pos x="connsiteX11" y="connsiteY11"/>
+                </a:cxn>
+                <a:cxn ang="0">
+                  <a:pos x="connsiteX12" y="connsiteY12"/>
+                </a:cxn>
+                <a:cxn ang="0">
+                  <a:pos x="connsiteX13" y="connsiteY13"/>
+                </a:cxn>
+                <a:cxn ang="0">
+                  <a:pos x="connsiteX14" y="connsiteY14"/>
+                </a:cxn>
+                <a:cxn ang="0">
+                  <a:pos x="connsiteX15" y="connsiteY15"/>
+                </a:cxn>
+                <a:cxn ang="0">
+                  <a:pos x="connsiteX16" y="connsiteY16"/>
+                </a:cxn>
+              </a:cxnLst>
+              <a:rect l="l" t="t" r="r" b="b"/>
+              <a:pathLst>
+                <a:path w="171515" h="171515">
+                  <a:moveTo>
+                    <a:pt x="159874" y="74116"/>
+                  </a:moveTo>
+                  <a:lnTo>
+                    <a:pt x="97399" y="74116"/>
+                  </a:lnTo>
+                  <a:lnTo>
+                    <a:pt x="97399" y="11641"/>
+                  </a:lnTo>
+                  <a:cubicBezTo>
+                    <a:pt x="97399" y="5212"/>
+                    <a:pt x="92187" y="0"/>
+                    <a:pt x="85758" y="0"/>
+                  </a:cubicBezTo>
+                  <a:cubicBezTo>
+                    <a:pt x="79328" y="0"/>
+                    <a:pt x="74116" y="5212"/>
+                    <a:pt x="74116" y="11641"/>
+                  </a:cubicBezTo>
+                  <a:lnTo>
+                    <a:pt x="74116" y="74116"/>
+                  </a:lnTo>
+                  <a:lnTo>
+                    <a:pt x="11641" y="74116"/>
+                  </a:lnTo>
+                  <a:cubicBezTo>
+                    <a:pt x="5212" y="74116"/>
+                    <a:pt x="0" y="79328"/>
+                    <a:pt x="0" y="85758"/>
+                  </a:cubicBezTo>
+                  <a:cubicBezTo>
+                    <a:pt x="0" y="92187"/>
+                    <a:pt x="5212" y="97399"/>
+                    <a:pt x="11641" y="97399"/>
+                  </a:cubicBezTo>
+                  <a:lnTo>
+                    <a:pt x="74116" y="97399"/>
+                  </a:lnTo>
+                  <a:lnTo>
+                    <a:pt x="74116" y="159874"/>
+                  </a:lnTo>
+                  <a:cubicBezTo>
+                    <a:pt x="74116" y="166303"/>
+                    <a:pt x="79328" y="171515"/>
+                    <a:pt x="85758" y="171515"/>
+                  </a:cubicBezTo>
+                  <a:cubicBezTo>
+                    <a:pt x="92187" y="171515"/>
+                    <a:pt x="97399" y="166303"/>
+                    <a:pt x="97399" y="159874"/>
+                  </a:cubicBezTo>
+                  <a:lnTo>
+                    <a:pt x="97399" y="97399"/>
+                  </a:lnTo>
+                  <a:lnTo>
+                    <a:pt x="159874" y="97399"/>
+                  </a:lnTo>
+                  <a:cubicBezTo>
+                    <a:pt x="166303" y="97399"/>
+                    <a:pt x="171515" y="92187"/>
+                    <a:pt x="171515" y="85758"/>
+                  </a:cubicBezTo>
+                  <a:cubicBezTo>
+                    <a:pt x="171515" y="79328"/>
+                    <a:pt x="166303" y="74116"/>
+                    <a:pt x="159874" y="74116"/>
+                  </a:cubicBezTo>
+                  <a:close/>
+                </a:path>
+              </a:pathLst>
+            </a:custGeom>
+            <a:grpFill/>
+            <a:ln w="776" cap="flat">
+              <a:noFill/>
+              <a:prstDash val="solid"/>
+              <a:miter/>
+            </a:ln>
+          </p:spPr>
+          <p:txBody>
+            <a:bodyPr rtlCol="0" anchor="ctr"/>
+            <a:lstStyle/>
+            <a:p>
+              <a:endParaRPr lang="en-US"/>
+            </a:p>
+          </p:txBody>
+        </p:sp>
+        <p:sp>
+          <p:nvSpPr>
+            <p:cNvPr id="111" name="Graphic 10">
+              <a:extLst>
+                <a:ext uri="{FF2B5EF4-FFF2-40B4-BE49-F238E27FC236}">
+                  <a16:creationId xmlns:a16="http://schemas.microsoft.com/office/drawing/2014/main" id="{E3020543-B24B-4EC4-8FFC-8DD88EEA91A8}"/>
+                </a:ext>
+                <a:ext uri="{C183D7F6-B498-43B3-948B-1728B52AA6E4}">
+                  <adec:decorative xmlns:adec="http://schemas.microsoft.com/office/drawing/2017/decorative" val="1"/>
+                </a:ext>
+              </a:extLst>
+            </p:cNvPr>
+            <p:cNvSpPr/>
+            <p:nvPr>
+              <p:extLst>
+                <p:ext uri="{386F3935-93C4-4BCD-93E2-E3B085C9AB24}">
+                  <p16:designElem xmlns:p16="http://schemas.microsoft.com/office/powerpoint/2015/main" val="1"/>
+                </p:ext>
+              </p:extLst>
+            </p:nvPr>
+          </p:nvSpPr>
+          <p:spPr>
+            <a:xfrm>
+              <a:off x="1075643" y="837005"/>
+              <a:ext cx="112426" cy="112426"/>
+            </a:xfrm>
+            <a:custGeom>
+              <a:avLst/>
+              <a:gdLst>
+                <a:gd name="connsiteX0" fmla="*/ 112426 w 112426"/>
+                <a:gd name="connsiteY0" fmla="*/ 56213 h 112426"/>
+                <a:gd name="connsiteX1" fmla="*/ 56213 w 112426"/>
+                <a:gd name="connsiteY1" fmla="*/ 112426 h 112426"/>
+                <a:gd name="connsiteX2" fmla="*/ 0 w 112426"/>
+                <a:gd name="connsiteY2" fmla="*/ 56213 h 112426"/>
+                <a:gd name="connsiteX3" fmla="*/ 56213 w 112426"/>
+                <a:gd name="connsiteY3" fmla="*/ 0 h 112426"/>
+                <a:gd name="connsiteX4" fmla="*/ 112426 w 112426"/>
+                <a:gd name="connsiteY4" fmla="*/ 56213 h 112426"/>
+              </a:gdLst>
+              <a:ahLst/>
+              <a:cxnLst>
+                <a:cxn ang="0">
+                  <a:pos x="connsiteX0" y="connsiteY0"/>
+                </a:cxn>
+                <a:cxn ang="0">
+                  <a:pos x="connsiteX1" y="connsiteY1"/>
+                </a:cxn>
+                <a:cxn ang="0">
+                  <a:pos x="connsiteX2" y="connsiteY2"/>
+                </a:cxn>
+                <a:cxn ang="0">
+                  <a:pos x="connsiteX3" y="connsiteY3"/>
+                </a:cxn>
+                <a:cxn ang="0">
+                  <a:pos x="connsiteX4" y="connsiteY4"/>
+                </a:cxn>
+              </a:cxnLst>
+              <a:rect l="l" t="t" r="r" b="b"/>
+              <a:pathLst>
+                <a:path w="112426" h="112426">
+                  <a:moveTo>
+                    <a:pt x="112426" y="56213"/>
+                  </a:moveTo>
+                  <a:cubicBezTo>
+                    <a:pt x="112426" y="87259"/>
+                    <a:pt x="87259" y="112426"/>
+                    <a:pt x="56213" y="112426"/>
+                  </a:cubicBezTo>
+                  <a:cubicBezTo>
+                    <a:pt x="25167" y="112426"/>
+                    <a:pt x="0" y="87259"/>
+                    <a:pt x="0" y="56213"/>
+                  </a:cubicBezTo>
+                  <a:cubicBezTo>
+                    <a:pt x="0" y="25167"/>
+                    <a:pt x="25167" y="0"/>
+                    <a:pt x="56213" y="0"/>
+                  </a:cubicBezTo>
+                  <a:cubicBezTo>
+                    <a:pt x="87259" y="0"/>
+                    <a:pt x="112426" y="25167"/>
+                    <a:pt x="112426" y="56213"/>
+                  </a:cubicBezTo>
+                  <a:close/>
+                </a:path>
+              </a:pathLst>
+            </a:custGeom>
+            <a:grpFill/>
+            <a:ln w="516" cap="flat">
+              <a:noFill/>
+              <a:prstDash val="solid"/>
+              <a:miter/>
+            </a:ln>
+          </p:spPr>
+          <p:txBody>
+            <a:bodyPr rtlCol="0" anchor="ctr"/>
+            <a:lstStyle/>
+            <a:p>
+              <a:endParaRPr lang="en-US"/>
+            </a:p>
+          </p:txBody>
+        </p:sp>
+        <p:sp>
+          <p:nvSpPr>
+            <p:cNvPr id="112" name="Graphic 12">
+              <a:extLst>
+                <a:ext uri="{FF2B5EF4-FFF2-40B4-BE49-F238E27FC236}">
+                  <a16:creationId xmlns:a16="http://schemas.microsoft.com/office/drawing/2014/main" id="{1453BF6C-B012-48B7-B4E8-6D7AC7C27D02}"/>
+                </a:ext>
+                <a:ext uri="{C183D7F6-B498-43B3-948B-1728B52AA6E4}">
+                  <adec:decorative xmlns:adec="http://schemas.microsoft.com/office/drawing/2017/decorative" val="1"/>
+                </a:ext>
+              </a:extLst>
+            </p:cNvPr>
+            <p:cNvSpPr/>
+            <p:nvPr>
+              <p:extLst>
+                <p:ext uri="{386F3935-93C4-4BCD-93E2-E3B085C9AB24}">
+                  <p16:designElem xmlns:p16="http://schemas.microsoft.com/office/powerpoint/2015/main" val="1"/>
+                </p:ext>
+              </p:extLst>
+            </p:nvPr>
+          </p:nvSpPr>
+          <p:spPr>
+            <a:xfrm>
+              <a:off x="613892" y="1472473"/>
+              <a:ext cx="157545" cy="157545"/>
+            </a:xfrm>
+            <a:custGeom>
+              <a:avLst/>
+              <a:gdLst>
+                <a:gd name="connsiteX0" fmla="*/ 78773 w 157545"/>
+                <a:gd name="connsiteY0" fmla="*/ 23283 h 157545"/>
+                <a:gd name="connsiteX1" fmla="*/ 134262 w 157545"/>
+                <a:gd name="connsiteY1" fmla="*/ 78773 h 157545"/>
+                <a:gd name="connsiteX2" fmla="*/ 78773 w 157545"/>
+                <a:gd name="connsiteY2" fmla="*/ 134262 h 157545"/>
+                <a:gd name="connsiteX3" fmla="*/ 23283 w 157545"/>
+                <a:gd name="connsiteY3" fmla="*/ 78773 h 157545"/>
+                <a:gd name="connsiteX4" fmla="*/ 78773 w 157545"/>
+                <a:gd name="connsiteY4" fmla="*/ 23283 h 157545"/>
+                <a:gd name="connsiteX5" fmla="*/ 78773 w 157545"/>
+                <a:gd name="connsiteY5" fmla="*/ 0 h 157545"/>
+                <a:gd name="connsiteX6" fmla="*/ 0 w 157545"/>
+                <a:gd name="connsiteY6" fmla="*/ 78773 h 157545"/>
+                <a:gd name="connsiteX7" fmla="*/ 78773 w 157545"/>
+                <a:gd name="connsiteY7" fmla="*/ 157545 h 157545"/>
+                <a:gd name="connsiteX8" fmla="*/ 157545 w 157545"/>
+                <a:gd name="connsiteY8" fmla="*/ 78773 h 157545"/>
+                <a:gd name="connsiteX9" fmla="*/ 78773 w 157545"/>
+                <a:gd name="connsiteY9" fmla="*/ 0 h 157545"/>
+              </a:gdLst>
+              <a:ahLst/>
+              <a:cxnLst>
+                <a:cxn ang="0">
+                  <a:pos x="connsiteX0" y="connsiteY0"/>
+                </a:cxn>
+                <a:cxn ang="0">
+                  <a:pos x="connsiteX1" y="connsiteY1"/>
+                </a:cxn>
+                <a:cxn ang="0">
+                  <a:pos x="connsiteX2" y="connsiteY2"/>
+                </a:cxn>
+                <a:cxn ang="0">
+                  <a:pos x="connsiteX3" y="connsiteY3"/>
+                </a:cxn>
+                <a:cxn ang="0">
+                  <a:pos x="connsiteX4" y="connsiteY4"/>
+                </a:cxn>
+                <a:cxn ang="0">
+                  <a:pos x="connsiteX5" y="connsiteY5"/>
+                </a:cxn>
+                <a:cxn ang="0">
+                  <a:pos x="connsiteX6" y="connsiteY6"/>
+                </a:cxn>
+                <a:cxn ang="0">
+                  <a:pos x="connsiteX7" y="connsiteY7"/>
+                </a:cxn>
+                <a:cxn ang="0">
+                  <a:pos x="connsiteX8" y="connsiteY8"/>
+                </a:cxn>
+                <a:cxn ang="0">
+                  <a:pos x="connsiteX9" y="connsiteY9"/>
+                </a:cxn>
+              </a:cxnLst>
+              <a:rect l="l" t="t" r="r" b="b"/>
+              <a:pathLst>
+                <a:path w="157545" h="157545">
+                  <a:moveTo>
+                    <a:pt x="78773" y="23283"/>
+                  </a:moveTo>
+                  <a:cubicBezTo>
+                    <a:pt x="109419" y="23283"/>
+                    <a:pt x="134262" y="48126"/>
+                    <a:pt x="134262" y="78773"/>
+                  </a:cubicBezTo>
+                  <a:cubicBezTo>
+                    <a:pt x="134262" y="109419"/>
+                    <a:pt x="109419" y="134262"/>
+                    <a:pt x="78773" y="134262"/>
+                  </a:cubicBezTo>
+                  <a:cubicBezTo>
+                    <a:pt x="48126" y="134262"/>
+                    <a:pt x="23283" y="109419"/>
+                    <a:pt x="23283" y="78773"/>
+                  </a:cubicBezTo>
+                  <a:cubicBezTo>
+                    <a:pt x="23312" y="48139"/>
+                    <a:pt x="48139" y="23312"/>
+                    <a:pt x="78773" y="23283"/>
+                  </a:cubicBezTo>
+                  <a:moveTo>
+                    <a:pt x="78773" y="0"/>
+                  </a:moveTo>
+                  <a:cubicBezTo>
+                    <a:pt x="35268" y="0"/>
+                    <a:pt x="0" y="35268"/>
+                    <a:pt x="0" y="78773"/>
+                  </a:cubicBezTo>
+                  <a:cubicBezTo>
+                    <a:pt x="0" y="122277"/>
+                    <a:pt x="35268" y="157545"/>
+                    <a:pt x="78773" y="157545"/>
+                  </a:cubicBezTo>
+                  <a:cubicBezTo>
+                    <a:pt x="122277" y="157545"/>
+                    <a:pt x="157545" y="122277"/>
+                    <a:pt x="157545" y="78773"/>
+                  </a:cubicBezTo>
+                  <a:cubicBezTo>
+                    <a:pt x="157545" y="35268"/>
+                    <a:pt x="122277" y="0"/>
+                    <a:pt x="78773" y="0"/>
+                  </a:cubicBezTo>
+                  <a:close/>
+                </a:path>
+              </a:pathLst>
+            </a:custGeom>
+            <a:grpFill/>
+            <a:ln w="751" cap="flat">
+              <a:noFill/>
+              <a:prstDash val="solid"/>
+              <a:miter/>
+            </a:ln>
+          </p:spPr>
+          <p:txBody>
+            <a:bodyPr rtlCol="0" anchor="ctr"/>
+            <a:lstStyle/>
+            <a:p>
+              <a:endParaRPr lang="en-US"/>
+            </a:p>
+          </p:txBody>
+        </p:sp>
+      </p:grpSp>
+      <p:sp>
+        <p:nvSpPr>
+          <p:cNvPr id="170" name="Tijdelijke aanduiding voor inhoud 2">
+            <a:extLst>
+              <a:ext uri="{FF2B5EF4-FFF2-40B4-BE49-F238E27FC236}">
+                <a16:creationId xmlns:a16="http://schemas.microsoft.com/office/drawing/2014/main" id="{16E77D33-1997-4BBB-95C1-E68E4AF05645}"/>
+              </a:ext>
+            </a:extLst>
+          </p:cNvPr>
+          <p:cNvSpPr>
+            <a:spLocks noGrp="1"/>
+          </p:cNvSpPr>
+          <p:nvPr>
+            <p:ph idx="1"/>
+          </p:nvPr>
+        </p:nvSpPr>
+        <p:spPr>
+          <a:xfrm>
+            <a:off x="6297233" y="518400"/>
+            <a:ext cx="4771607" cy="5837949"/>
+          </a:xfrm>
+        </p:spPr>
+        <p:txBody>
+          <a:bodyPr anchor="ctr">
+            <a:normAutofit/>
+          </a:bodyPr>
+          <a:lstStyle/>
+          <a:p>
+            <a:pPr marL="0" indent="0">
+              <a:buNone/>
+            </a:pPr>
+            <a:r>
+              <a:rPr lang="nl-NL" sz="2000" dirty="0">
+                <a:solidFill>
+                  <a:schemeClr val="tx1">
+                    <a:alpha val="80000"/>
+                  </a:schemeClr>
+                </a:solidFill>
+              </a:rPr>
+              <a:t>Top:</a:t>
+            </a:r>
+          </a:p>
+          <a:p>
+            <a:pPr marL="0" indent="0">
+              <a:buNone/>
+            </a:pPr>
+            <a:r>
+              <a:rPr lang="nl-NL" sz="2000" dirty="0">
+                <a:solidFill>
+                  <a:schemeClr val="tx1">
+                    <a:alpha val="80000"/>
+                  </a:schemeClr>
+                </a:solidFill>
+              </a:rPr>
+              <a:t>-  Git wordt nu door iedereen gebruikt</a:t>
+            </a:r>
+          </a:p>
+          <a:p>
+            <a:pPr>
+              <a:buFontTx/>
+              <a:buChar char="-"/>
+            </a:pPr>
+            <a:r>
+              <a:rPr lang="nl-NL" sz="2000" dirty="0">
+                <a:solidFill>
+                  <a:schemeClr val="tx1">
+                    <a:alpha val="80000"/>
+                  </a:schemeClr>
+                </a:solidFill>
+              </a:rPr>
+              <a:t>Communicatie binnen de groep</a:t>
+            </a:r>
+          </a:p>
+          <a:p>
+            <a:pPr>
+              <a:buFontTx/>
+              <a:buChar char="-"/>
+            </a:pPr>
+            <a:r>
+              <a:rPr lang="nl-NL" sz="2000" dirty="0">
+                <a:solidFill>
+                  <a:schemeClr val="tx1">
+                    <a:alpha val="80000"/>
+                  </a:schemeClr>
+                </a:solidFill>
+              </a:rPr>
+              <a:t>We zijn aardig en behulpzaam voor elkaar</a:t>
+            </a:r>
+          </a:p>
+          <a:p>
+            <a:pPr>
+              <a:buFontTx/>
+              <a:buChar char="-"/>
+            </a:pPr>
+            <a:endParaRPr lang="nl-NL" sz="2000" dirty="0">
+              <a:solidFill>
+                <a:schemeClr val="tx1">
+                  <a:alpha val="80000"/>
+                </a:schemeClr>
+              </a:solidFill>
+            </a:endParaRPr>
+          </a:p>
+          <a:p>
+            <a:pPr>
+              <a:buFontTx/>
+              <a:buChar char="-"/>
+            </a:pPr>
+            <a:endParaRPr lang="nl-NL" sz="2000" dirty="0">
+              <a:solidFill>
+                <a:schemeClr val="tx1">
+                  <a:alpha val="80000"/>
+                </a:schemeClr>
+              </a:solidFill>
+            </a:endParaRPr>
+          </a:p>
+          <a:p>
+            <a:pPr marL="0" indent="0">
+              <a:buNone/>
+            </a:pPr>
+            <a:r>
+              <a:rPr lang="nl-NL" sz="2000" dirty="0">
+                <a:solidFill>
+                  <a:schemeClr val="tx1">
+                    <a:alpha val="80000"/>
+                  </a:schemeClr>
+                </a:solidFill>
+              </a:rPr>
+              <a:t>Verbeter punt:</a:t>
+            </a:r>
+          </a:p>
+          <a:p>
+            <a:pPr marL="0" indent="0">
+              <a:buNone/>
+            </a:pPr>
+            <a:r>
+              <a:rPr lang="nl-NL" sz="2000" dirty="0">
+                <a:solidFill>
+                  <a:schemeClr val="tx1">
+                    <a:alpha val="80000"/>
+                  </a:schemeClr>
+                </a:solidFill>
+              </a:rPr>
+              <a:t>- </a:t>
+            </a:r>
+          </a:p>
+        </p:txBody>
+      </p:sp>
+      <p:cxnSp>
+        <p:nvCxnSpPr>
+          <p:cNvPr id="171" name="Straight Connector 113">
+            <a:extLst>
+              <a:ext uri="{FF2B5EF4-FFF2-40B4-BE49-F238E27FC236}">
+                <a16:creationId xmlns:a16="http://schemas.microsoft.com/office/drawing/2014/main" id="{C49DA8F6-BCC1-4447-B54C-57856834B94B}"/>
+              </a:ext>
+              <a:ext uri="{C183D7F6-B498-43B3-948B-1728B52AA6E4}">
+                <adec:decorative xmlns:adec="http://schemas.microsoft.com/office/drawing/2017/decorative" val="1"/>
+              </a:ext>
+            </a:extLst>
+          </p:cNvPr>
+          <p:cNvCxnSpPr>
+            <a:cxnSpLocks noGrp="1" noRot="1" noChangeAspect="1" noMove="1" noResize="1" noEditPoints="1" noAdjustHandles="1" noChangeArrowheads="1" noChangeShapeType="1"/>
+          </p:cNvCxnSpPr>
+          <p:nvPr>
+            <p:extLst>
+              <p:ext uri="{386F3935-93C4-4BCD-93E2-E3B085C9AB24}">
+                <p16:designElem xmlns:p16="http://schemas.microsoft.com/office/powerpoint/2015/main" val="1"/>
+              </p:ext>
+            </p:extLst>
+          </p:nvPr>
+        </p:nvCxnSpPr>
+        <p:spPr>
+          <a:xfrm>
+            <a:off x="11586162" y="3610394"/>
+            <a:ext cx="0" cy="3238728"/>
+          </a:xfrm>
+          <a:prstGeom prst="line">
+            <a:avLst/>
+          </a:prstGeom>
+          <a:ln w="25400" cap="sq">
+            <a:gradFill flip="none" rotWithShape="1">
+              <a:gsLst>
+                <a:gs pos="0">
+                  <a:schemeClr val="accent1"/>
+                </a:gs>
+                <a:gs pos="100000">
+                  <a:schemeClr val="accent2"/>
+                </a:gs>
+              </a:gsLst>
+              <a:lin ang="5400000" scaled="0"/>
+              <a:tileRect/>
+            </a:gradFill>
+            <a:bevel/>
+          </a:ln>
+        </p:spPr>
+        <p:style>
+          <a:lnRef idx="1">
+            <a:schemeClr val="accent1"/>
+          </a:lnRef>
+          <a:fillRef idx="0">
+            <a:schemeClr val="accent1"/>
+          </a:fillRef>
+          <a:effectRef idx="0">
+            <a:schemeClr val="accent1"/>
+          </a:effectRef>
+          <a:fontRef idx="minor">
+            <a:schemeClr val="tx1"/>
+          </a:fontRef>
+        </p:style>
+      </p:cxnSp>
+    </p:spTree>
+    <p:extLst>
+      <p:ext uri="{BB962C8B-B14F-4D97-AF65-F5344CB8AC3E}">
+        <p14:creationId xmlns:p14="http://schemas.microsoft.com/office/powerpoint/2010/main" val="1881999346"/>
+      </p:ext>
+    </p:extLst>
+  </p:cSld>
+  <p:clrMapOvr>
+    <a:masterClrMapping/>
+  </p:clrMapOvr>
+  <p:transition spd="slow">
+    <p:cover/>
+  </p:transition>
+</p:sld>
+</file>
+
+<file path=ppt/slides/slide11.xml><?xml version="1.0" encoding="utf-8"?>
+<p:sld xmlns:a="http://schemas.openxmlformats.org/drawingml/2006/main" xmlns:r="http://schemas.openxmlformats.org/officeDocument/2006/relationships" xmlns:p="http://schemas.openxmlformats.org/presentationml/2006/main">
+  <p:cSld>
+    <p:spTree>
+      <p:nvGrpSpPr>
+        <p:cNvPr id="1" name=""/>
+        <p:cNvGrpSpPr/>
+        <p:nvPr/>
+      </p:nvGrpSpPr>
+      <p:grpSpPr>
+        <a:xfrm>
+          <a:off x="0" y="0"/>
+          <a:ext cx="0" cy="0"/>
+          <a:chOff x="0" y="0"/>
+          <a:chExt cx="0" cy="0"/>
+        </a:xfrm>
+      </p:grpSpPr>
+      <p:pic>
+        <p:nvPicPr>
+          <p:cNvPr id="19" name="Picture 4" descr="Veel vraagtekens op een zwarte achtergrond">
+            <a:extLst>
+              <a:ext uri="{FF2B5EF4-FFF2-40B4-BE49-F238E27FC236}">
+                <a16:creationId xmlns:a16="http://schemas.microsoft.com/office/drawing/2014/main" id="{44AB5191-80C6-4234-AC6B-AA795B809CFA}"/>
+              </a:ext>
+            </a:extLst>
+          </p:cNvPr>
+          <p:cNvPicPr>
+            <a:picLocks noChangeAspect="1"/>
+          </p:cNvPicPr>
+          <p:nvPr/>
+        </p:nvPicPr>
+        <p:blipFill rotWithShape="1">
+          <a:blip r:embed="rId2"/>
+          <a:srcRect l="55826" r="2" b="2"/>
+          <a:stretch/>
+        </p:blipFill>
+        <p:spPr>
+          <a:xfrm>
+            <a:off x="20" y="10"/>
+            <a:ext cx="4966232" cy="6857990"/>
+          </a:xfrm>
+          <a:prstGeom prst="rect">
+            <a:avLst/>
+          </a:prstGeom>
+        </p:spPr>
+      </p:pic>
+      <p:sp>
+        <p:nvSpPr>
+          <p:cNvPr id="2" name="Titel 1">
+            <a:extLst>
+              <a:ext uri="{FF2B5EF4-FFF2-40B4-BE49-F238E27FC236}">
+                <a16:creationId xmlns:a16="http://schemas.microsoft.com/office/drawing/2014/main" id="{097F33EC-C621-4C4E-B68A-5D1FF3BC86B5}"/>
+              </a:ext>
+            </a:extLst>
+          </p:cNvPr>
+          <p:cNvSpPr>
+            <a:spLocks noGrp="1"/>
+          </p:cNvSpPr>
+          <p:nvPr>
+            <p:ph type="title"/>
+          </p:nvPr>
+        </p:nvSpPr>
+        <p:spPr>
+          <a:xfrm>
+            <a:off x="6138004" y="1480930"/>
+            <a:ext cx="5607908" cy="3254321"/>
+          </a:xfrm>
+        </p:spPr>
+        <p:txBody>
+          <a:bodyPr vert="horz" lIns="91440" tIns="45720" rIns="91440" bIns="45720" rtlCol="0" anchor="b">
+            <a:normAutofit/>
+          </a:bodyPr>
+          <a:lstStyle/>
+          <a:p>
+            <a:r>
+              <a:rPr lang="en-US" sz="7000" cap="all"/>
+              <a:t>Vragen </a:t>
+            </a:r>
+          </a:p>
+        </p:txBody>
+      </p:sp>
+      <p:sp>
+        <p:nvSpPr>
+          <p:cNvPr id="3" name="Tijdelijke aanduiding voor inhoud 2">
+            <a:extLst>
+              <a:ext uri="{FF2B5EF4-FFF2-40B4-BE49-F238E27FC236}">
+                <a16:creationId xmlns:a16="http://schemas.microsoft.com/office/drawing/2014/main" id="{9AF683DD-4E67-4C24-B5FB-B4A91C99D094}"/>
+              </a:ext>
+            </a:extLst>
+          </p:cNvPr>
+          <p:cNvSpPr>
+            <a:spLocks noGrp="1"/>
+          </p:cNvSpPr>
+          <p:nvPr>
+            <p:ph idx="1"/>
+          </p:nvPr>
+        </p:nvSpPr>
+        <p:spPr>
+          <a:xfrm>
+            <a:off x="6138006" y="4804850"/>
+            <a:ext cx="5607906" cy="1086237"/>
+          </a:xfrm>
+        </p:spPr>
+        <p:txBody>
+          <a:bodyPr vert="horz" lIns="91440" tIns="45720" rIns="91440" bIns="45720" rtlCol="0">
+            <a:normAutofit/>
+          </a:bodyPr>
+          <a:lstStyle/>
+          <a:p>
+            <a:pPr marL="0" indent="0">
+              <a:lnSpc>
+                <a:spcPct val="112000"/>
+              </a:lnSpc>
+              <a:spcBef>
+                <a:spcPts val="0"/>
+              </a:spcBef>
+              <a:spcAft>
+                <a:spcPts val="600"/>
+              </a:spcAft>
+              <a:buNone/>
+            </a:pPr>
+            <a:r>
+              <a:rPr lang="en-US" sz="2300" dirty="0"/>
+              <a:t>Mogen we de database server op </a:t>
+            </a:r>
+            <a:r>
+              <a:rPr lang="en-US" sz="2300" dirty="0" err="1"/>
+              <a:t>een</a:t>
+            </a:r>
+            <a:r>
+              <a:rPr lang="en-US" sz="2300" dirty="0"/>
+              <a:t> computer </a:t>
+            </a:r>
+            <a:r>
+              <a:rPr lang="en-US" sz="2300" dirty="0" err="1"/>
+              <a:t>runnen</a:t>
+            </a:r>
+            <a:r>
+              <a:rPr lang="en-US" sz="2300" dirty="0"/>
+              <a:t>?</a:t>
+            </a:r>
+          </a:p>
+        </p:txBody>
+      </p:sp>
+    </p:spTree>
+    <p:extLst>
+      <p:ext uri="{BB962C8B-B14F-4D97-AF65-F5344CB8AC3E}">
+        <p14:creationId xmlns:p14="http://schemas.microsoft.com/office/powerpoint/2010/main" val="1253352204"/>
+      </p:ext>
+    </p:extLst>
+  </p:cSld>
+  <p:clrMapOvr>
+    <a:masterClrMapping/>
+  </p:clrMapOvr>
+  <p:transition spd="slow">
+    <p:cover/>
+  </p:transition>
 </p:sld>
 </file>
 
@@ -4235,6 +7667,9 @@
   <p:clrMapOvr>
     <a:masterClrMapping/>
   </p:clrMapOvr>
+  <p:transition spd="slow">
+    <p:cover/>
+  </p:transition>
 </p:sld>
 </file>
 
@@ -4263,21 +7698,287 @@
           <a:chExt cx="0" cy="0"/>
         </a:xfrm>
       </p:grpSpPr>
+      <p:sp>
+        <p:nvSpPr>
+          <p:cNvPr id="20" name="Titel 1">
+            <a:extLst>
+              <a:ext uri="{FF2B5EF4-FFF2-40B4-BE49-F238E27FC236}">
+                <a16:creationId xmlns:a16="http://schemas.microsoft.com/office/drawing/2014/main" id="{3365E02B-D88D-4B4D-A0A6-89ED07EEE961}"/>
+              </a:ext>
+            </a:extLst>
+          </p:cNvPr>
+          <p:cNvSpPr>
+            <a:spLocks noGrp="1"/>
+          </p:cNvSpPr>
+          <p:nvPr>
+            <p:ph type="title"/>
+          </p:nvPr>
+        </p:nvSpPr>
+        <p:spPr>
+          <a:xfrm>
+            <a:off x="8045751" y="629266"/>
+            <a:ext cx="3667039" cy="1676603"/>
+          </a:xfrm>
+        </p:spPr>
+        <p:txBody>
+          <a:bodyPr vert="horz" lIns="91440" tIns="45720" rIns="91440" bIns="45720" rtlCol="0" anchor="ctr">
+            <a:normAutofit/>
+          </a:bodyPr>
+          <a:lstStyle/>
+          <a:p>
+            <a:r>
+              <a:rPr lang="en-US" sz="3700" kern="1200">
+                <a:solidFill>
+                  <a:schemeClr val="tx1"/>
+                </a:solidFill>
+                <a:latin typeface="+mj-lt"/>
+                <a:ea typeface="+mj-ea"/>
+                <a:cs typeface="+mj-cs"/>
+              </a:rPr>
+              <a:t>Sprint review</a:t>
+            </a:r>
+            <a:br>
+              <a:rPr lang="en-US" sz="3700" kern="1200">
+                <a:solidFill>
+                  <a:schemeClr val="tx1"/>
+                </a:solidFill>
+                <a:latin typeface="+mj-lt"/>
+                <a:ea typeface="+mj-ea"/>
+                <a:cs typeface="+mj-cs"/>
+              </a:rPr>
+            </a:br>
+            <a:br>
+              <a:rPr lang="en-US" sz="3700" kern="1200">
+                <a:solidFill>
+                  <a:schemeClr val="tx1"/>
+                </a:solidFill>
+                <a:latin typeface="+mj-lt"/>
+                <a:ea typeface="+mj-ea"/>
+                <a:cs typeface="+mj-cs"/>
+              </a:rPr>
+            </a:br>
+            <a:r>
+              <a:rPr lang="en-US" sz="3700" kern="1200">
+                <a:solidFill>
+                  <a:schemeClr val="tx1"/>
+                </a:solidFill>
+                <a:latin typeface="+mj-lt"/>
+                <a:ea typeface="+mj-ea"/>
+                <a:cs typeface="+mj-cs"/>
+              </a:rPr>
+              <a:t>Marjon en Sander</a:t>
+            </a:r>
+          </a:p>
+        </p:txBody>
+      </p:sp>
+      <p:sp>
+        <p:nvSpPr>
+          <p:cNvPr id="96" name="Rectangle 95">
+            <a:extLst>
+              <a:ext uri="{FF2B5EF4-FFF2-40B4-BE49-F238E27FC236}">
+                <a16:creationId xmlns:a16="http://schemas.microsoft.com/office/drawing/2014/main" id="{577D1452-F0B7-431E-9A24-D3F7103D8510}"/>
+              </a:ext>
+              <a:ext uri="{C183D7F6-B498-43B3-948B-1728B52AA6E4}">
+                <adec:decorative xmlns:adec="http://schemas.microsoft.com/office/drawing/2017/decorative" val="1"/>
+              </a:ext>
+            </a:extLst>
+          </p:cNvPr>
+          <p:cNvSpPr>
+            <a:spLocks noGrp="1" noRot="1" noChangeAspect="1" noMove="1" noResize="1" noEditPoints="1" noAdjustHandles="1" noChangeArrowheads="1" noChangeShapeType="1" noTextEdit="1"/>
+          </p:cNvSpPr>
+          <p:nvPr>
+            <p:extLst>
+              <p:ext uri="{386F3935-93C4-4BCD-93E2-E3B085C9AB24}">
+                <p16:designElem xmlns:p16="http://schemas.microsoft.com/office/powerpoint/2015/main" val="1"/>
+              </p:ext>
+            </p:extLst>
+          </p:nvPr>
+        </p:nvSpPr>
+        <p:spPr>
+          <a:xfrm>
+            <a:off x="0" y="0"/>
+            <a:ext cx="7552944" cy="6858000"/>
+          </a:xfrm>
+          <a:prstGeom prst="rect">
+            <a:avLst/>
+          </a:prstGeom>
+          <a:solidFill>
+            <a:srgbClr val="C8CACA"/>
+          </a:solidFill>
+          <a:ln>
+            <a:noFill/>
+          </a:ln>
+        </p:spPr>
+        <p:style>
+          <a:lnRef idx="2">
+            <a:schemeClr val="accent1">
+              <a:shade val="50000"/>
+            </a:schemeClr>
+          </a:lnRef>
+          <a:fillRef idx="1">
+            <a:schemeClr val="accent1"/>
+          </a:fillRef>
+          <a:effectRef idx="0">
+            <a:schemeClr val="accent1"/>
+          </a:effectRef>
+          <a:fontRef idx="minor">
+            <a:schemeClr val="lt1"/>
+          </a:fontRef>
+        </p:style>
+        <p:txBody>
+          <a:bodyPr rtlCol="0" anchor="ctr"/>
+          <a:lstStyle/>
+          <a:p>
+            <a:pPr marL="0" marR="0" lvl="0" indent="0" algn="ctr" defTabSz="914400" rtl="0" eaLnBrk="1" fontAlgn="auto" latinLnBrk="0" hangingPunct="1">
+              <a:lnSpc>
+                <a:spcPct val="100000"/>
+              </a:lnSpc>
+              <a:spcBef>
+                <a:spcPts val="0"/>
+              </a:spcBef>
+              <a:spcAft>
+                <a:spcPts val="0"/>
+              </a:spcAft>
+              <a:buClrTx/>
+              <a:buSzTx/>
+              <a:buFontTx/>
+              <a:buNone/>
+              <a:tabLst/>
+              <a:defRPr/>
+            </a:pPr>
+            <a:endParaRPr kumimoji="0" lang="en-US" sz="1800" b="0" i="0" u="none" strike="noStrike" kern="1200" cap="none" spc="0" normalizeH="0" baseline="0" noProof="0">
+              <a:ln>
+                <a:noFill/>
+              </a:ln>
+              <a:solidFill>
+                <a:prstClr val="white"/>
+              </a:solidFill>
+              <a:effectLst/>
+              <a:uLnTx/>
+              <a:uFillTx/>
+              <a:latin typeface="Calibri" panose="020F0502020204030204"/>
+              <a:ea typeface="+mn-ea"/>
+              <a:cs typeface="+mn-cs"/>
+            </a:endParaRPr>
+          </a:p>
+        </p:txBody>
+      </p:sp>
+      <p:sp>
+        <p:nvSpPr>
+          <p:cNvPr id="98" name="Rounded Rectangle 20">
+            <a:extLst>
+              <a:ext uri="{FF2B5EF4-FFF2-40B4-BE49-F238E27FC236}">
+                <a16:creationId xmlns:a16="http://schemas.microsoft.com/office/drawing/2014/main" id="{A660F4F9-5DF5-4F15-BE6A-CD8648BB1148}"/>
+              </a:ext>
+              <a:ext uri="{C183D7F6-B498-43B3-948B-1728B52AA6E4}">
+                <adec:decorative xmlns:adec="http://schemas.microsoft.com/office/drawing/2017/decorative" val="1"/>
+              </a:ext>
+            </a:extLst>
+          </p:cNvPr>
+          <p:cNvSpPr>
+            <a:spLocks noGrp="1" noRot="1" noChangeAspect="1" noMove="1" noResize="1" noEditPoints="1" noAdjustHandles="1" noChangeArrowheads="1" noChangeShapeType="1" noTextEdit="1"/>
+          </p:cNvSpPr>
+          <p:nvPr>
+            <p:extLst>
+              <p:ext uri="{386F3935-93C4-4BCD-93E2-E3B085C9AB24}">
+                <p16:designElem xmlns:p16="http://schemas.microsoft.com/office/powerpoint/2015/main" val="1"/>
+              </p:ext>
+            </p:extLst>
+          </p:nvPr>
+        </p:nvSpPr>
+        <p:spPr>
+          <a:xfrm>
+            <a:off x="479211" y="559407"/>
+            <a:ext cx="6594522" cy="5739187"/>
+          </a:xfrm>
+          <a:prstGeom prst="roundRect">
+            <a:avLst>
+              <a:gd name="adj" fmla="val 0"/>
+            </a:avLst>
+          </a:prstGeom>
+          <a:solidFill>
+            <a:srgbClr val="FFFFFF"/>
+          </a:solidFill>
+          <a:ln w="9525">
+            <a:solidFill>
+              <a:srgbClr val="C8CACA"/>
+            </a:solidFill>
+          </a:ln>
+          <a:effectLst>
+            <a:outerShdw blurRad="57150" dist="19050" dir="5400000" algn="t" rotWithShape="0">
+              <a:prstClr val="black">
+                <a:alpha val="63000"/>
+              </a:prstClr>
+            </a:outerShdw>
+          </a:effectLst>
+        </p:spPr>
+        <p:style>
+          <a:lnRef idx="2">
+            <a:schemeClr val="accent1">
+              <a:shade val="50000"/>
+            </a:schemeClr>
+          </a:lnRef>
+          <a:fillRef idx="1">
+            <a:schemeClr val="accent1"/>
+          </a:fillRef>
+          <a:effectRef idx="0">
+            <a:schemeClr val="accent1"/>
+          </a:effectRef>
+          <a:fontRef idx="minor">
+            <a:schemeClr val="lt1"/>
+          </a:fontRef>
+        </p:style>
+        <p:txBody>
+          <a:bodyPr rtlCol="0" anchor="ctr"/>
+          <a:lstStyle/>
+          <a:p>
+            <a:pPr marL="0" marR="0" lvl="0" indent="0" algn="ctr" defTabSz="914400" rtl="0" eaLnBrk="1" fontAlgn="auto" latinLnBrk="0" hangingPunct="1">
+              <a:lnSpc>
+                <a:spcPct val="100000"/>
+              </a:lnSpc>
+              <a:spcBef>
+                <a:spcPts val="0"/>
+              </a:spcBef>
+              <a:spcAft>
+                <a:spcPts val="0"/>
+              </a:spcAft>
+              <a:buClrTx/>
+              <a:buSzTx/>
+              <a:buFontTx/>
+              <a:buNone/>
+              <a:tabLst/>
+              <a:defRPr/>
+            </a:pPr>
+            <a:endParaRPr kumimoji="0" lang="en-US" sz="1800" b="0" i="0" u="none" strike="noStrike" kern="1200" cap="none" spc="0" normalizeH="0" baseline="0" noProof="0">
+              <a:ln>
+                <a:noFill/>
+              </a:ln>
+              <a:solidFill>
+                <a:prstClr val="white"/>
+              </a:solidFill>
+              <a:effectLst/>
+              <a:uLnTx/>
+              <a:uFillTx/>
+              <a:latin typeface="Calibri" panose="020F0502020204030204"/>
+              <a:ea typeface="+mn-ea"/>
+              <a:cs typeface="+mn-cs"/>
+            </a:endParaRPr>
+          </a:p>
+        </p:txBody>
+      </p:sp>
       <p:pic>
         <p:nvPicPr>
-          <p:cNvPr id="1026" name="Picture 2">
+          <p:cNvPr id="18" name="Picture 2">
             <a:extLst>
               <a:ext uri="{FF2B5EF4-FFF2-40B4-BE49-F238E27FC236}">
-                <a16:creationId xmlns:a16="http://schemas.microsoft.com/office/drawing/2014/main" id="{BCFAFB7E-7341-45BB-B733-D20F4B90A3E1}"/>
+                <a16:creationId xmlns:a16="http://schemas.microsoft.com/office/drawing/2014/main" id="{0FE216E7-B8C8-41E0-9C33-9AC45416A17C}"/>
               </a:ext>
             </a:extLst>
           </p:cNvPr>
           <p:cNvPicPr>
-            <a:picLocks noGrp="1" noChangeAspect="1" noChangeArrowheads="1"/>
+            <a:picLocks noChangeAspect="1" noChangeArrowheads="1"/>
           </p:cNvPicPr>
-          <p:nvPr>
-            <p:ph idx="1"/>
-          </p:nvPr>
+          <p:nvPr/>
         </p:nvPicPr>
         <p:blipFill>
           <a:blip r:embed="rId2">
@@ -4293,13 +7994,14 @@
         </p:blipFill>
         <p:spPr bwMode="auto">
           <a:xfrm>
-            <a:off x="4424680" y="643466"/>
-            <a:ext cx="3342639" cy="5571067"/>
+            <a:off x="744142" y="1177495"/>
+            <a:ext cx="6064660" cy="4503010"/>
           </a:xfrm>
           <a:prstGeom prst="rect">
             <a:avLst/>
           </a:prstGeom>
           <a:noFill/>
+          <a:effectLst/>
           <a:extLst>
             <a:ext uri="{909E8E84-426E-40DD-AFC4-6F175D3DCCD1}">
               <a14:hiddenFill xmlns:a14="http://schemas.microsoft.com/office/drawing/2010/main">
@@ -4311,22 +8013,1019 @@
           </a:extLst>
         </p:spPr>
       </p:pic>
+      <p:sp>
+        <p:nvSpPr>
+          <p:cNvPr id="5" name="Rechthoek 4">
+            <a:extLst>
+              <a:ext uri="{FF2B5EF4-FFF2-40B4-BE49-F238E27FC236}">
+                <a16:creationId xmlns:a16="http://schemas.microsoft.com/office/drawing/2014/main" id="{D6600B62-6184-499F-BE00-7E314E12750D}"/>
+              </a:ext>
+            </a:extLst>
+          </p:cNvPr>
+          <p:cNvSpPr/>
+          <p:nvPr/>
+        </p:nvSpPr>
+        <p:spPr>
+          <a:xfrm>
+            <a:off x="8045753" y="2438401"/>
+            <a:ext cx="3667036" cy="3779520"/>
+          </a:xfrm>
+          <a:prstGeom prst="rect">
+            <a:avLst/>
+          </a:prstGeom>
+        </p:spPr>
+        <p:txBody>
+          <a:bodyPr vert="horz" lIns="91440" tIns="45720" rIns="91440" bIns="45720" rtlCol="0">
+            <a:normAutofit/>
+          </a:bodyPr>
+          <a:lstStyle/>
+          <a:p>
+            <a:pPr indent="-228600">
+              <a:lnSpc>
+                <a:spcPct val="90000"/>
+              </a:lnSpc>
+              <a:spcAft>
+                <a:spcPts val="200"/>
+              </a:spcAft>
+              <a:buFont typeface="Arial" panose="020B0604020202020204" pitchFamily="34" charset="0"/>
+              <a:buChar char="•"/>
+            </a:pPr>
+            <a:r>
+              <a:rPr lang="en-US" dirty="0" err="1"/>
+              <a:t>Als</a:t>
+            </a:r>
+            <a:r>
+              <a:rPr lang="en-US" dirty="0"/>
+              <a:t> </a:t>
+            </a:r>
+            <a:r>
+              <a:rPr lang="en-US" dirty="0" err="1"/>
+              <a:t>gebruiker</a:t>
+            </a:r>
+            <a:r>
+              <a:rPr lang="en-US" dirty="0"/>
+              <a:t> </a:t>
+            </a:r>
+            <a:r>
+              <a:rPr lang="en-US" dirty="0" err="1"/>
+              <a:t>wil</a:t>
+            </a:r>
+            <a:r>
+              <a:rPr lang="en-US" dirty="0"/>
+              <a:t> </a:t>
+            </a:r>
+            <a:r>
+              <a:rPr lang="en-US" dirty="0" err="1"/>
+              <a:t>ik</a:t>
+            </a:r>
+            <a:r>
+              <a:rPr lang="en-US" dirty="0"/>
+              <a:t> </a:t>
+            </a:r>
+            <a:r>
+              <a:rPr lang="en-US" dirty="0" err="1"/>
+              <a:t>dat</a:t>
+            </a:r>
+            <a:r>
+              <a:rPr lang="en-US" dirty="0"/>
+              <a:t> </a:t>
+            </a:r>
+            <a:r>
+              <a:rPr lang="en-US" dirty="0" err="1"/>
+              <a:t>mijn</a:t>
+            </a:r>
+            <a:r>
+              <a:rPr lang="en-US" dirty="0"/>
+              <a:t> </a:t>
+            </a:r>
+            <a:r>
+              <a:rPr lang="en-US" dirty="0" err="1"/>
+              <a:t>transacties</a:t>
+            </a:r>
+            <a:r>
+              <a:rPr lang="en-US" dirty="0"/>
+              <a:t> op </a:t>
+            </a:r>
+            <a:r>
+              <a:rPr lang="en-US" dirty="0" err="1"/>
+              <a:t>en</a:t>
+            </a:r>
+            <a:r>
+              <a:rPr lang="en-US" dirty="0"/>
+              <a:t> </a:t>
+            </a:r>
+            <a:r>
+              <a:rPr lang="en-US" dirty="0" err="1"/>
+              <a:t>bonnetje</a:t>
+            </a:r>
+            <a:r>
+              <a:rPr lang="en-US" dirty="0"/>
+              <a:t> </a:t>
+            </a:r>
+            <a:r>
+              <a:rPr lang="en-US" dirty="0" err="1"/>
+              <a:t>geprint</a:t>
+            </a:r>
+            <a:r>
+              <a:rPr lang="en-US" dirty="0"/>
+              <a:t> </a:t>
+            </a:r>
+            <a:r>
+              <a:rPr lang="en-US" dirty="0" err="1"/>
+              <a:t>worden</a:t>
+            </a:r>
+            <a:r>
+              <a:rPr lang="en-US" dirty="0"/>
+              <a:t> </a:t>
+            </a:r>
+            <a:r>
+              <a:rPr lang="en-US" dirty="0" err="1"/>
+              <a:t>zodat</a:t>
+            </a:r>
+            <a:r>
+              <a:rPr lang="en-US" dirty="0"/>
+              <a:t> </a:t>
+            </a:r>
+            <a:r>
+              <a:rPr lang="en-US" dirty="0" err="1"/>
+              <a:t>ik</a:t>
+            </a:r>
+            <a:r>
+              <a:rPr lang="en-US" dirty="0"/>
+              <a:t> </a:t>
+            </a:r>
+            <a:r>
+              <a:rPr lang="en-US" dirty="0" err="1"/>
+              <a:t>terug</a:t>
+            </a:r>
+            <a:r>
+              <a:rPr lang="en-US" dirty="0"/>
+              <a:t> </a:t>
+            </a:r>
+            <a:r>
+              <a:rPr lang="en-US" dirty="0" err="1"/>
+              <a:t>kan</a:t>
+            </a:r>
+            <a:r>
+              <a:rPr lang="en-US" dirty="0"/>
+              <a:t> </a:t>
+            </a:r>
+            <a:r>
+              <a:rPr lang="en-US" dirty="0" err="1"/>
+              <a:t>zien</a:t>
+            </a:r>
+            <a:r>
+              <a:rPr lang="en-US" dirty="0"/>
+              <a:t> </a:t>
+            </a:r>
+            <a:r>
+              <a:rPr lang="en-US" dirty="0" err="1"/>
+              <a:t>welke</a:t>
+            </a:r>
+            <a:r>
+              <a:rPr lang="en-US" dirty="0"/>
+              <a:t> </a:t>
+            </a:r>
+            <a:r>
+              <a:rPr lang="en-US" dirty="0" err="1"/>
+              <a:t>transacties</a:t>
+            </a:r>
+            <a:r>
+              <a:rPr lang="en-US" dirty="0"/>
+              <a:t> </a:t>
+            </a:r>
+            <a:r>
+              <a:rPr lang="en-US" dirty="0" err="1"/>
+              <a:t>ik</a:t>
+            </a:r>
+            <a:r>
+              <a:rPr lang="en-US" dirty="0"/>
+              <a:t> </a:t>
+            </a:r>
+            <a:r>
+              <a:rPr lang="en-US" dirty="0" err="1"/>
+              <a:t>heb</a:t>
+            </a:r>
+            <a:r>
+              <a:rPr lang="en-US" dirty="0"/>
+              <a:t> </a:t>
+            </a:r>
+            <a:r>
+              <a:rPr lang="en-US" dirty="0" err="1"/>
+              <a:t>gedaan</a:t>
+            </a:r>
+            <a:r>
+              <a:rPr lang="en-US" dirty="0"/>
+              <a:t> </a:t>
+            </a:r>
+          </a:p>
+          <a:p>
+            <a:pPr>
+              <a:lnSpc>
+                <a:spcPct val="90000"/>
+              </a:lnSpc>
+              <a:spcAft>
+                <a:spcPts val="200"/>
+              </a:spcAft>
+            </a:pPr>
+            <a:r>
+              <a:rPr lang="en-US" dirty="0"/>
+              <a:t>(</a:t>
+            </a:r>
+            <a:r>
+              <a:rPr lang="en-US" dirty="0" err="1"/>
+              <a:t>Bonprinter</a:t>
+            </a:r>
+            <a:r>
+              <a:rPr lang="en-US" dirty="0"/>
+              <a:t> code </a:t>
+            </a:r>
+            <a:r>
+              <a:rPr lang="en-US" dirty="0" err="1"/>
+              <a:t>geschreven</a:t>
+            </a:r>
+            <a:r>
+              <a:rPr lang="en-US" dirty="0"/>
+              <a:t>)</a:t>
+            </a:r>
+          </a:p>
+          <a:p>
+            <a:pPr marL="228600" lvl="1" indent="-228600">
+              <a:lnSpc>
+                <a:spcPct val="90000"/>
+              </a:lnSpc>
+              <a:buFont typeface="Arial" panose="020B0604020202020204" pitchFamily="34" charset="0"/>
+              <a:buChar char="•"/>
+            </a:pPr>
+            <a:endParaRPr lang="en-US" dirty="0"/>
+          </a:p>
+          <a:p>
+            <a:pPr marL="0" lvl="1" indent="-228600">
+              <a:lnSpc>
+                <a:spcPct val="90000"/>
+              </a:lnSpc>
+              <a:buFont typeface="Arial" panose="020B0604020202020204" pitchFamily="34" charset="0"/>
+              <a:buChar char="•"/>
+            </a:pPr>
+            <a:r>
+              <a:rPr lang="en-US" dirty="0" err="1"/>
+              <a:t>Als</a:t>
+            </a:r>
+            <a:r>
+              <a:rPr lang="en-US" dirty="0"/>
+              <a:t> </a:t>
+            </a:r>
+            <a:r>
+              <a:rPr lang="en-US" dirty="0" err="1"/>
+              <a:t>gebruiker</a:t>
+            </a:r>
+            <a:r>
+              <a:rPr lang="en-US" dirty="0"/>
+              <a:t> </a:t>
+            </a:r>
+            <a:r>
+              <a:rPr lang="en-US" dirty="0" err="1"/>
+              <a:t>wil</a:t>
+            </a:r>
+            <a:r>
+              <a:rPr lang="en-US" dirty="0"/>
+              <a:t> </a:t>
+            </a:r>
+            <a:r>
+              <a:rPr lang="en-US" dirty="0" err="1"/>
+              <a:t>ik</a:t>
+            </a:r>
+            <a:r>
+              <a:rPr lang="en-US" dirty="0"/>
+              <a:t> </a:t>
+            </a:r>
+            <a:r>
+              <a:rPr lang="en-US" dirty="0" err="1"/>
+              <a:t>dat</a:t>
+            </a:r>
+            <a:r>
+              <a:rPr lang="en-US" dirty="0"/>
+              <a:t> </a:t>
+            </a:r>
+            <a:r>
+              <a:rPr lang="en-US" dirty="0" err="1"/>
+              <a:t>mijn</a:t>
+            </a:r>
+            <a:r>
+              <a:rPr lang="en-US" dirty="0"/>
+              <a:t> </a:t>
+            </a:r>
+            <a:r>
+              <a:rPr lang="en-US" dirty="0" err="1"/>
+              <a:t>gegevens</a:t>
+            </a:r>
+            <a:r>
+              <a:rPr lang="en-US" dirty="0"/>
+              <a:t> </a:t>
+            </a:r>
+            <a:r>
+              <a:rPr lang="en-US" dirty="0" err="1"/>
+              <a:t>veilig</a:t>
+            </a:r>
+            <a:r>
+              <a:rPr lang="en-US" dirty="0"/>
+              <a:t> op </a:t>
+            </a:r>
+            <a:r>
+              <a:rPr lang="en-US" dirty="0" err="1"/>
+              <a:t>worden</a:t>
+            </a:r>
+            <a:r>
+              <a:rPr lang="en-US" dirty="0"/>
+              <a:t> </a:t>
+            </a:r>
+            <a:r>
+              <a:rPr lang="en-US" dirty="0" err="1"/>
+              <a:t>geslagen</a:t>
+            </a:r>
+            <a:r>
+              <a:rPr lang="en-US" dirty="0"/>
+              <a:t> </a:t>
+            </a:r>
+            <a:r>
+              <a:rPr lang="en-US" dirty="0" err="1"/>
+              <a:t>zodat</a:t>
+            </a:r>
+            <a:r>
+              <a:rPr lang="en-US" dirty="0"/>
+              <a:t> </a:t>
+            </a:r>
+            <a:r>
+              <a:rPr lang="en-US" dirty="0" err="1"/>
+              <a:t>mijn</a:t>
+            </a:r>
+            <a:r>
+              <a:rPr lang="en-US" dirty="0"/>
+              <a:t> </a:t>
+            </a:r>
+            <a:r>
+              <a:rPr lang="en-US" dirty="0" err="1"/>
+              <a:t>gegevens</a:t>
+            </a:r>
+            <a:r>
+              <a:rPr lang="en-US" dirty="0"/>
+              <a:t> </a:t>
+            </a:r>
+            <a:r>
+              <a:rPr lang="en-US" dirty="0" err="1"/>
+              <a:t>niet</a:t>
+            </a:r>
+            <a:r>
+              <a:rPr lang="en-US" dirty="0"/>
+              <a:t> op </a:t>
+            </a:r>
+            <a:r>
+              <a:rPr lang="en-US" dirty="0" err="1"/>
+              <a:t>straat</a:t>
+            </a:r>
+            <a:r>
+              <a:rPr lang="en-US" dirty="0"/>
+              <a:t> </a:t>
+            </a:r>
+            <a:r>
+              <a:rPr lang="en-US" dirty="0" err="1"/>
+              <a:t>komen</a:t>
+            </a:r>
+            <a:r>
+              <a:rPr lang="en-US" dirty="0"/>
+              <a:t> </a:t>
+            </a:r>
+            <a:r>
+              <a:rPr lang="en-US" dirty="0" err="1"/>
+              <a:t>te</a:t>
+            </a:r>
+            <a:r>
+              <a:rPr lang="en-US" dirty="0"/>
+              <a:t> </a:t>
+            </a:r>
+            <a:r>
+              <a:rPr lang="en-US" dirty="0" err="1"/>
+              <a:t>liggen</a:t>
+            </a:r>
+            <a:r>
+              <a:rPr lang="en-US" dirty="0"/>
+              <a:t> </a:t>
+            </a:r>
+          </a:p>
+          <a:p>
+            <a:pPr marL="0" lvl="1">
+              <a:lnSpc>
+                <a:spcPct val="90000"/>
+              </a:lnSpc>
+            </a:pPr>
+            <a:r>
+              <a:rPr lang="en-US" dirty="0"/>
+              <a:t>(Begin server </a:t>
+            </a:r>
+            <a:r>
+              <a:rPr lang="en-US" dirty="0" err="1"/>
+              <a:t>en</a:t>
+            </a:r>
+            <a:r>
+              <a:rPr lang="en-US" dirty="0"/>
+              <a:t> database)</a:t>
+            </a:r>
+          </a:p>
+          <a:p>
+            <a:pPr marL="0" lvl="1" indent="-228600">
+              <a:lnSpc>
+                <a:spcPct val="90000"/>
+              </a:lnSpc>
+              <a:buFont typeface="Arial" panose="020B0604020202020204" pitchFamily="34" charset="0"/>
+              <a:buChar char="•"/>
+            </a:pPr>
+            <a:endParaRPr lang="en-US" dirty="0"/>
+          </a:p>
+          <a:p>
+            <a:pPr marL="0" lvl="1" indent="-228600">
+              <a:lnSpc>
+                <a:spcPct val="90000"/>
+              </a:lnSpc>
+              <a:buFont typeface="Arial" panose="020B0604020202020204" pitchFamily="34" charset="0"/>
+              <a:buChar char="•"/>
+            </a:pPr>
+            <a:r>
+              <a:rPr lang="en-US" dirty="0" err="1"/>
+              <a:t>Elektrisch</a:t>
+            </a:r>
+            <a:r>
+              <a:rPr lang="en-US" dirty="0"/>
+              <a:t> schema van RIFD </a:t>
+            </a:r>
+            <a:r>
+              <a:rPr lang="en-US" dirty="0" err="1"/>
+              <a:t>en</a:t>
+            </a:r>
+            <a:r>
+              <a:rPr lang="en-US" dirty="0"/>
+              <a:t> Keypad</a:t>
+            </a:r>
+          </a:p>
+          <a:p>
+            <a:pPr lvl="1" indent="-228600">
+              <a:lnSpc>
+                <a:spcPct val="90000"/>
+              </a:lnSpc>
+              <a:buFont typeface="Arial" panose="020B0604020202020204" pitchFamily="34" charset="0"/>
+              <a:buChar char="•"/>
+            </a:pPr>
+            <a:endParaRPr lang="en-US" dirty="0"/>
+          </a:p>
+        </p:txBody>
+      </p:sp>
     </p:spTree>
     <p:extLst>
       <p:ext uri="{BB962C8B-B14F-4D97-AF65-F5344CB8AC3E}">
-        <p14:creationId xmlns:p14="http://schemas.microsoft.com/office/powerpoint/2010/main" val="2846609261"/>
+        <p14:creationId xmlns:p14="http://schemas.microsoft.com/office/powerpoint/2010/main" val="2418174887"/>
       </p:ext>
     </p:extLst>
   </p:cSld>
   <p:clrMapOvr>
     <a:masterClrMapping/>
   </p:clrMapOvr>
+  <p:transition spd="slow">
+    <p:cover/>
+  </p:transition>
 </p:sld>
 </file>
 
 <file path=ppt/slides/slide4.xml><?xml version="1.0" encoding="utf-8"?>
 <p:sld xmlns:a="http://schemas.openxmlformats.org/drawingml/2006/main" xmlns:r="http://schemas.openxmlformats.org/officeDocument/2006/relationships" xmlns:p="http://schemas.openxmlformats.org/presentationml/2006/main">
   <p:cSld>
+    <p:bg>
+      <p:bgPr>
+        <a:solidFill>
+          <a:schemeClr val="bg1"/>
+        </a:solidFill>
+        <a:effectLst/>
+      </p:bgPr>
+    </p:bg>
+    <p:spTree>
+      <p:nvGrpSpPr>
+        <p:cNvPr id="1" name=""/>
+        <p:cNvGrpSpPr/>
+        <p:nvPr/>
+      </p:nvGrpSpPr>
+      <p:grpSpPr>
+        <a:xfrm>
+          <a:off x="0" y="0"/>
+          <a:ext cx="0" cy="0"/>
+          <a:chOff x="0" y="0"/>
+          <a:chExt cx="0" cy="0"/>
+        </a:xfrm>
+      </p:grpSpPr>
+      <p:sp useBgFill="1">
+        <p:nvSpPr>
+          <p:cNvPr id="57" name="Rectangle 35">
+            <a:extLst>
+              <a:ext uri="{FF2B5EF4-FFF2-40B4-BE49-F238E27FC236}">
+                <a16:creationId xmlns:a16="http://schemas.microsoft.com/office/drawing/2014/main" id="{0AA75791-ABD6-45E2-B58A-77112BD0F85A}"/>
+              </a:ext>
+              <a:ext uri="{C183D7F6-B498-43B3-948B-1728B52AA6E4}">
+                <adec:decorative xmlns:adec="http://schemas.microsoft.com/office/drawing/2017/decorative" val="1"/>
+              </a:ext>
+            </a:extLst>
+          </p:cNvPr>
+          <p:cNvSpPr>
+            <a:spLocks noGrp="1" noRot="1" noChangeAspect="1" noMove="1" noResize="1" noEditPoints="1" noAdjustHandles="1" noChangeArrowheads="1" noChangeShapeType="1" noTextEdit="1"/>
+          </p:cNvSpPr>
+          <p:nvPr>
+            <p:extLst>
+              <p:ext uri="{386F3935-93C4-4BCD-93E2-E3B085C9AB24}">
+                <p16:designElem xmlns:p16="http://schemas.microsoft.com/office/powerpoint/2015/main" val="1"/>
+              </p:ext>
+            </p:extLst>
+          </p:nvPr>
+        </p:nvSpPr>
+        <p:spPr>
+          <a:xfrm>
+            <a:off x="0" y="0"/>
+            <a:ext cx="12192000" cy="6858000"/>
+          </a:xfrm>
+          <a:prstGeom prst="rect">
+            <a:avLst/>
+          </a:prstGeom>
+          <a:ln w="12700" cap="flat" cmpd="sng" algn="ctr">
+            <a:noFill/>
+            <a:prstDash val="solid"/>
+            <a:miter lim="800000"/>
+          </a:ln>
+          <a:effectLst/>
+          <a:extLst>
+            <a:ext uri="{91240B29-F687-4F45-9708-019B960494DF}">
+              <a14:hiddenLine xmlns:a14="http://schemas.microsoft.com/office/drawing/2010/main" w="12700" cap="flat" cmpd="sng" algn="ctr">
+                <a:solidFill>
+                  <a:schemeClr val="accent1">
+                    <a:shade val="50000"/>
+                  </a:schemeClr>
+                </a:solidFill>
+                <a:prstDash val="solid"/>
+                <a:miter lim="800000"/>
+              </a14:hiddenLine>
+            </a:ext>
+          </a:extLst>
+        </p:spPr>
+        <p:style>
+          <a:lnRef idx="2">
+            <a:schemeClr val="accent1">
+              <a:shade val="50000"/>
+            </a:schemeClr>
+          </a:lnRef>
+          <a:fillRef idx="1">
+            <a:schemeClr val="accent1"/>
+          </a:fillRef>
+          <a:effectRef idx="0">
+            <a:schemeClr val="accent1"/>
+          </a:effectRef>
+          <a:fontRef idx="minor">
+            <a:schemeClr val="lt1"/>
+          </a:fontRef>
+        </p:style>
+        <p:txBody>
+          <a:bodyPr rtlCol="0" anchor="ctr"/>
+          <a:lstStyle/>
+          <a:p>
+            <a:pPr algn="ctr"/>
+            <a:endParaRPr lang="en-US"/>
+          </a:p>
+        </p:txBody>
+      </p:sp>
+      <p:grpSp>
+        <p:nvGrpSpPr>
+          <p:cNvPr id="58" name="Group 37">
+            <a:extLst>
+              <a:ext uri="{FF2B5EF4-FFF2-40B4-BE49-F238E27FC236}">
+                <a16:creationId xmlns:a16="http://schemas.microsoft.com/office/drawing/2014/main" id="{D2A542E6-1924-4FE2-89D1-3CB19468C1F6}"/>
+              </a:ext>
+              <a:ext uri="{C183D7F6-B498-43B3-948B-1728B52AA6E4}">
+                <adec:decorative xmlns:adec="http://schemas.microsoft.com/office/drawing/2017/decorative" val="1"/>
+              </a:ext>
+            </a:extLst>
+          </p:cNvPr>
+          <p:cNvGrpSpPr>
+            <a:grpSpLocks noGrp="1" noUngrp="1" noRot="1" noChangeAspect="1" noMove="1" noResize="1"/>
+          </p:cNvGrpSpPr>
+          <p:nvPr>
+            <p:extLst>
+              <p:ext uri="{386F3935-93C4-4BCD-93E2-E3B085C9AB24}">
+                <p16:designElem xmlns:p16="http://schemas.microsoft.com/office/powerpoint/2015/main" val="1"/>
+              </p:ext>
+            </p:extLst>
+          </p:nvPr>
+        </p:nvGrpSpPr>
+        <p:grpSpPr>
+          <a:xfrm>
+            <a:off x="0" y="0"/>
+            <a:ext cx="12192000" cy="6858000"/>
+            <a:chOff x="0" y="0"/>
+            <a:chExt cx="12192000" cy="6858000"/>
+          </a:xfrm>
+        </p:grpSpPr>
+        <p:sp>
+          <p:nvSpPr>
+            <p:cNvPr id="39" name="Rectangle 38">
+              <a:extLst>
+                <a:ext uri="{FF2B5EF4-FFF2-40B4-BE49-F238E27FC236}">
+                  <a16:creationId xmlns:a16="http://schemas.microsoft.com/office/drawing/2014/main" id="{1F353183-2147-472B-AD7D-4A085FF6A42E}"/>
+                </a:ext>
+                <a:ext uri="{C183D7F6-B498-43B3-948B-1728B52AA6E4}">
+                  <adec:decorative xmlns:adec="http://schemas.microsoft.com/office/drawing/2017/decorative" val="1"/>
+                </a:ext>
+              </a:extLst>
+            </p:cNvPr>
+            <p:cNvSpPr/>
+            <p:nvPr>
+              <p:extLst>
+                <p:ext uri="{386F3935-93C4-4BCD-93E2-E3B085C9AB24}">
+                  <p16:designElem xmlns:p16="http://schemas.microsoft.com/office/powerpoint/2015/main" val="1"/>
+                </p:ext>
+              </p:extLst>
+            </p:nvPr>
+          </p:nvSpPr>
+          <p:spPr>
+            <a:xfrm>
+              <a:off x="0" y="0"/>
+              <a:ext cx="12192000" cy="6858000"/>
+            </a:xfrm>
+            <a:prstGeom prst="rect">
+              <a:avLst/>
+            </a:prstGeom>
+            <a:solidFill>
+              <a:schemeClr val="bg1">
+                <a:lumMod val="95000"/>
+              </a:schemeClr>
+            </a:solidFill>
+            <a:ln>
+              <a:noFill/>
+            </a:ln>
+          </p:spPr>
+          <p:style>
+            <a:lnRef idx="2">
+              <a:schemeClr val="accent1">
+                <a:shade val="50000"/>
+              </a:schemeClr>
+            </a:lnRef>
+            <a:fillRef idx="1">
+              <a:schemeClr val="accent1"/>
+            </a:fillRef>
+            <a:effectRef idx="0">
+              <a:schemeClr val="accent1"/>
+            </a:effectRef>
+            <a:fontRef idx="minor">
+              <a:schemeClr val="lt1"/>
+            </a:fontRef>
+          </p:style>
+          <p:txBody>
+            <a:bodyPr rtlCol="0" anchor="ctr"/>
+            <a:lstStyle/>
+            <a:p>
+              <a:pPr algn="ctr"/>
+              <a:endParaRPr lang="en-US"/>
+            </a:p>
+          </p:txBody>
+        </p:sp>
+        <p:sp>
+          <p:nvSpPr>
+            <p:cNvPr id="40" name="Rectangle 39">
+              <a:extLst>
+                <a:ext uri="{FF2B5EF4-FFF2-40B4-BE49-F238E27FC236}">
+                  <a16:creationId xmlns:a16="http://schemas.microsoft.com/office/drawing/2014/main" id="{FAAA42C8-A082-4DFD-A5F3-FC9EF825B1DB}"/>
+                </a:ext>
+                <a:ext uri="{C183D7F6-B498-43B3-948B-1728B52AA6E4}">
+                  <adec:decorative xmlns:adec="http://schemas.microsoft.com/office/drawing/2017/decorative" val="1"/>
+                </a:ext>
+              </a:extLst>
+            </p:cNvPr>
+            <p:cNvSpPr/>
+            <p:nvPr>
+              <p:extLst>
+                <p:ext uri="{386F3935-93C4-4BCD-93E2-E3B085C9AB24}">
+                  <p16:designElem xmlns:p16="http://schemas.microsoft.com/office/powerpoint/2015/main" val="1"/>
+                </p:ext>
+              </p:extLst>
+            </p:nvPr>
+          </p:nvSpPr>
+          <p:spPr>
+            <a:xfrm>
+              <a:off x="0" y="0"/>
+              <a:ext cx="12192000" cy="6858000"/>
+            </a:xfrm>
+            <a:prstGeom prst="rect">
+              <a:avLst/>
+            </a:prstGeom>
+            <a:solidFill>
+              <a:schemeClr val="accent4">
+                <a:lumMod val="75000"/>
+                <a:alpha val="7000"/>
+              </a:schemeClr>
+            </a:solidFill>
+            <a:ln>
+              <a:noFill/>
+            </a:ln>
+          </p:spPr>
+          <p:style>
+            <a:lnRef idx="2">
+              <a:schemeClr val="accent1">
+                <a:shade val="50000"/>
+              </a:schemeClr>
+            </a:lnRef>
+            <a:fillRef idx="1">
+              <a:schemeClr val="accent1"/>
+            </a:fillRef>
+            <a:effectRef idx="0">
+              <a:schemeClr val="accent1"/>
+            </a:effectRef>
+            <a:fontRef idx="minor">
+              <a:schemeClr val="lt1"/>
+            </a:fontRef>
+          </p:style>
+          <p:txBody>
+            <a:bodyPr rtlCol="0" anchor="ctr"/>
+            <a:lstStyle/>
+            <a:p>
+              <a:pPr algn="ctr"/>
+              <a:endParaRPr lang="en-US"/>
+            </a:p>
+          </p:txBody>
+        </p:sp>
+      </p:grpSp>
+      <p:sp>
+        <p:nvSpPr>
+          <p:cNvPr id="2" name="Titel 1">
+            <a:extLst>
+              <a:ext uri="{FF2B5EF4-FFF2-40B4-BE49-F238E27FC236}">
+                <a16:creationId xmlns:a16="http://schemas.microsoft.com/office/drawing/2014/main" id="{5B096327-4F1B-47EE-8BFC-5D73593A5CFE}"/>
+              </a:ext>
+            </a:extLst>
+          </p:cNvPr>
+          <p:cNvSpPr>
+            <a:spLocks noGrp="1"/>
+          </p:cNvSpPr>
+          <p:nvPr>
+            <p:ph type="title"/>
+          </p:nvPr>
+        </p:nvSpPr>
+        <p:spPr>
+          <a:xfrm>
+            <a:off x="549277" y="469448"/>
+            <a:ext cx="7202485" cy="1087890"/>
+          </a:xfrm>
+        </p:spPr>
+        <p:txBody>
+          <a:bodyPr anchor="t">
+            <a:normAutofit/>
+          </a:bodyPr>
+          <a:lstStyle/>
+          <a:p>
+            <a:r>
+              <a:rPr lang="nl-NL" sz="2200"/>
+              <a:t>Sprint review</a:t>
+            </a:r>
+            <a:br>
+              <a:rPr lang="nl-NL" sz="2200"/>
+            </a:br>
+            <a:br>
+              <a:rPr lang="nl-NL" sz="2200"/>
+            </a:br>
+            <a:r>
+              <a:rPr lang="nl-NL" sz="2200"/>
+              <a:t>Ramon</a:t>
+            </a:r>
+          </a:p>
+        </p:txBody>
+      </p:sp>
+      <p:pic>
+        <p:nvPicPr>
+          <p:cNvPr id="7" name="Picture 2">
+            <a:extLst>
+              <a:ext uri="{FF2B5EF4-FFF2-40B4-BE49-F238E27FC236}">
+                <a16:creationId xmlns:a16="http://schemas.microsoft.com/office/drawing/2014/main" id="{C5AA15BE-FE71-46DF-B0A7-BE98E82F0461}"/>
+              </a:ext>
+            </a:extLst>
+          </p:cNvPr>
+          <p:cNvPicPr>
+            <a:picLocks noChangeAspect="1" noChangeArrowheads="1"/>
+          </p:cNvPicPr>
+          <p:nvPr/>
+        </p:nvPicPr>
+        <p:blipFill rotWithShape="1">
+          <a:blip r:embed="rId2">
+            <a:extLst>
+              <a:ext uri="{28A0092B-C50C-407E-A947-70E740481C1C}">
+                <a14:useLocalDpi xmlns:a14="http://schemas.microsoft.com/office/drawing/2010/main" val="0"/>
+              </a:ext>
+            </a:extLst>
+          </a:blip>
+          <a:srcRect l="3694" r="5211" b="-3"/>
+          <a:stretch/>
+        </p:blipFill>
+        <p:spPr bwMode="auto">
+          <a:xfrm>
+            <a:off x="549281" y="2133600"/>
+            <a:ext cx="2280713" cy="4172921"/>
+          </a:xfrm>
+          <a:prstGeom prst="rect">
+            <a:avLst/>
+          </a:prstGeom>
+          <a:noFill/>
+          <a:effectLst>
+            <a:outerShdw blurRad="508000" dist="101600" dir="5400000" algn="tl" rotWithShape="0">
+              <a:prstClr val="black">
+                <a:alpha val="10000"/>
+              </a:prstClr>
+            </a:outerShdw>
+          </a:effectLst>
+          <a:extLst>
+            <a:ext uri="{909E8E84-426E-40DD-AFC4-6F175D3DCCD1}">
+              <a14:hiddenFill xmlns:a14="http://schemas.microsoft.com/office/drawing/2010/main">
+                <a:solidFill>
+                  <a:srgbClr val="FFFFFF"/>
+                </a:solidFill>
+              </a14:hiddenFill>
+            </a:ext>
+          </a:extLst>
+        </p:spPr>
+      </p:pic>
+      <p:sp>
+        <p:nvSpPr>
+          <p:cNvPr id="3" name="Tijdelijke aanduiding voor inhoud 2">
+            <a:extLst>
+              <a:ext uri="{FF2B5EF4-FFF2-40B4-BE49-F238E27FC236}">
+                <a16:creationId xmlns:a16="http://schemas.microsoft.com/office/drawing/2014/main" id="{529F7983-E3AD-4C39-A7AF-FA6345481B8A}"/>
+              </a:ext>
+            </a:extLst>
+          </p:cNvPr>
+          <p:cNvSpPr>
+            <a:spLocks noGrp="1"/>
+          </p:cNvSpPr>
+          <p:nvPr>
+            <p:ph idx="1"/>
+          </p:nvPr>
+        </p:nvSpPr>
+        <p:spPr>
+          <a:xfrm>
+            <a:off x="8328816" y="2059200"/>
+            <a:ext cx="3313114" cy="3783015"/>
+          </a:xfrm>
+        </p:spPr>
+        <p:txBody>
+          <a:bodyPr anchor="t">
+            <a:normAutofit/>
+          </a:bodyPr>
+          <a:lstStyle/>
+          <a:p>
+            <a:pPr marL="0" indent="0">
+              <a:buNone/>
+            </a:pPr>
+            <a:r>
+              <a:rPr lang="nl-NL" sz="2000">
+                <a:solidFill>
+                  <a:schemeClr val="tx1">
+                    <a:alpha val="60000"/>
+                  </a:schemeClr>
+                </a:solidFill>
+              </a:rPr>
+              <a:t>Als gebruiker wil ik mijn pincode op een veilige manier in kunnen vullen zodat omstanders niet kunnen zien wat mijn pincode is. </a:t>
+            </a:r>
+          </a:p>
+          <a:p>
+            <a:pPr marL="0" indent="0">
+              <a:buNone/>
+            </a:pPr>
+            <a:endParaRPr lang="nl-NL" sz="2000">
+              <a:solidFill>
+                <a:schemeClr val="tx1">
+                  <a:alpha val="60000"/>
+                </a:schemeClr>
+              </a:solidFill>
+            </a:endParaRPr>
+          </a:p>
+          <a:p>
+            <a:pPr marL="0" indent="0">
+              <a:buNone/>
+            </a:pPr>
+            <a:r>
+              <a:rPr lang="nl-NL" sz="2000">
+                <a:solidFill>
+                  <a:schemeClr val="tx1">
+                    <a:alpha val="60000"/>
+                  </a:schemeClr>
+                </a:solidFill>
+              </a:rPr>
+              <a:t>(ontwerp uitbreiden en lasersnijden)</a:t>
+            </a:r>
+          </a:p>
+        </p:txBody>
+      </p:sp>
+      <p:pic>
+        <p:nvPicPr>
+          <p:cNvPr id="5" name="Afbeelding 4" descr="Afbeelding met tekst&#10;&#10;Automatisch gegenereerde beschrijving">
+            <a:extLst>
+              <a:ext uri="{FF2B5EF4-FFF2-40B4-BE49-F238E27FC236}">
+                <a16:creationId xmlns:a16="http://schemas.microsoft.com/office/drawing/2014/main" id="{18BD2C89-5004-46AA-A095-9769A37CB76A}"/>
+              </a:ext>
+            </a:extLst>
+          </p:cNvPr>
+          <p:cNvPicPr>
+            <a:picLocks noChangeAspect="1"/>
+          </p:cNvPicPr>
+          <p:nvPr/>
+        </p:nvPicPr>
+        <p:blipFill rotWithShape="1">
+          <a:blip r:embed="rId3">
+            <a:extLst>
+              <a:ext uri="{28A0092B-C50C-407E-A947-70E740481C1C}">
+                <a14:useLocalDpi xmlns:a14="http://schemas.microsoft.com/office/drawing/2010/main" val="0"/>
+              </a:ext>
+            </a:extLst>
+          </a:blip>
+          <a:srcRect l="17980" r="9083"/>
+          <a:stretch/>
+        </p:blipFill>
+        <p:spPr>
+          <a:xfrm>
+            <a:off x="3009941" y="2133600"/>
+            <a:ext cx="2282400" cy="4172400"/>
+          </a:xfrm>
+          <a:prstGeom prst="rect">
+            <a:avLst/>
+          </a:prstGeom>
+          <a:effectLst>
+            <a:outerShdw blurRad="508000" dist="101600" dir="5400000" algn="tl" rotWithShape="0">
+              <a:prstClr val="black">
+                <a:alpha val="10000"/>
+              </a:prstClr>
+            </a:outerShdw>
+          </a:effectLst>
+        </p:spPr>
+      </p:pic>
+      <p:pic>
+        <p:nvPicPr>
+          <p:cNvPr id="8" name="Afbeelding 7" descr="Afbeelding met tekst&#10;&#10;Automatisch gegenereerde beschrijving">
+            <a:extLst>
+              <a:ext uri="{FF2B5EF4-FFF2-40B4-BE49-F238E27FC236}">
+                <a16:creationId xmlns:a16="http://schemas.microsoft.com/office/drawing/2014/main" id="{1C79AC9F-264D-4665-B132-86D96CB6C38D}"/>
+              </a:ext>
+            </a:extLst>
+          </p:cNvPr>
+          <p:cNvPicPr>
+            <a:picLocks noChangeAspect="1"/>
+          </p:cNvPicPr>
+          <p:nvPr/>
+        </p:nvPicPr>
+        <p:blipFill rotWithShape="1">
+          <a:blip r:embed="rId4">
+            <a:extLst>
+              <a:ext uri="{28A0092B-C50C-407E-A947-70E740481C1C}">
+                <a14:useLocalDpi xmlns:a14="http://schemas.microsoft.com/office/drawing/2010/main" val="0"/>
+              </a:ext>
+            </a:extLst>
+          </a:blip>
+          <a:srcRect l="17317" r="9747"/>
+          <a:stretch/>
+        </p:blipFill>
+        <p:spPr>
+          <a:xfrm>
+            <a:off x="5472289" y="2133600"/>
+            <a:ext cx="2282400" cy="4172400"/>
+          </a:xfrm>
+          <a:prstGeom prst="rect">
+            <a:avLst/>
+          </a:prstGeom>
+        </p:spPr>
+      </p:pic>
+    </p:spTree>
+    <p:extLst>
+      <p:ext uri="{BB962C8B-B14F-4D97-AF65-F5344CB8AC3E}">
+        <p14:creationId xmlns:p14="http://schemas.microsoft.com/office/powerpoint/2010/main" val="3811199517"/>
+      </p:ext>
+    </p:extLst>
+  </p:cSld>
+  <p:clrMapOvr>
+    <a:masterClrMapping/>
+  </p:clrMapOvr>
+  <p:transition spd="slow">
+    <p:cover/>
+  </p:transition>
+</p:sld>
+</file>
+
+<file path=ppt/slides/slide5.xml><?xml version="1.0" encoding="utf-8"?>
+<p:sld xmlns:a="http://schemas.openxmlformats.org/drawingml/2006/main" xmlns:r="http://schemas.openxmlformats.org/officeDocument/2006/relationships" xmlns:p="http://schemas.openxmlformats.org/presentationml/2006/main">
+  <p:cSld>
+    <p:bg>
+      <p:bgPr>
+        <a:solidFill>
+          <a:schemeClr val="bg1"/>
+        </a:solidFill>
+        <a:effectLst/>
+      </p:bgPr>
+    </p:bg>
     <p:spTree>
       <p:nvGrpSpPr>
         <p:cNvPr id="1" name=""/>
@@ -4343,10 +9042,593 @@
       </p:grpSpPr>
       <p:sp>
         <p:nvSpPr>
+          <p:cNvPr id="4" name="Titel 1">
+            <a:extLst>
+              <a:ext uri="{FF2B5EF4-FFF2-40B4-BE49-F238E27FC236}">
+                <a16:creationId xmlns:a16="http://schemas.microsoft.com/office/drawing/2014/main" id="{8979A0AA-EDD8-4A28-AC2A-F9C0CEC80F43}"/>
+              </a:ext>
+            </a:extLst>
+          </p:cNvPr>
+          <p:cNvSpPr txBox="1">
+            <a:spLocks/>
+          </p:cNvSpPr>
+          <p:nvPr/>
+        </p:nvSpPr>
+        <p:spPr>
+          <a:xfrm>
+            <a:off x="4965430" y="629268"/>
+            <a:ext cx="6586491" cy="1286160"/>
+          </a:xfrm>
+          <a:prstGeom prst="rect">
+            <a:avLst/>
+          </a:prstGeom>
+        </p:spPr>
+        <p:txBody>
+          <a:bodyPr vert="horz" lIns="91440" tIns="45720" rIns="91440" bIns="45720" rtlCol="0" anchor="b">
+            <a:normAutofit/>
+          </a:bodyPr>
+          <a:lstStyle>
+            <a:lvl1pPr algn="l" defTabSz="914400" rtl="0" eaLnBrk="1" latinLnBrk="0" hangingPunct="1">
+              <a:lnSpc>
+                <a:spcPct val="89000"/>
+              </a:lnSpc>
+              <a:spcBef>
+                <a:spcPct val="0"/>
+              </a:spcBef>
+              <a:buNone/>
+              <a:defRPr sz="4400" kern="1200" baseline="0">
+                <a:solidFill>
+                  <a:schemeClr val="tx2"/>
+                </a:solidFill>
+                <a:latin typeface="+mj-lt"/>
+                <a:ea typeface="+mj-ea"/>
+                <a:cs typeface="+mj-cs"/>
+              </a:defRPr>
+            </a:lvl1pPr>
+          </a:lstStyle>
+          <a:p>
+            <a:pPr>
+              <a:lnSpc>
+                <a:spcPct val="90000"/>
+              </a:lnSpc>
+              <a:spcAft>
+                <a:spcPts val="600"/>
+              </a:spcAft>
+            </a:pPr>
+            <a:r>
+              <a:rPr lang="en-US" sz="2400">
+                <a:solidFill>
+                  <a:schemeClr val="tx1"/>
+                </a:solidFill>
+              </a:rPr>
+              <a:t>Sprint review</a:t>
+            </a:r>
+          </a:p>
+          <a:p>
+            <a:pPr>
+              <a:lnSpc>
+                <a:spcPct val="90000"/>
+              </a:lnSpc>
+              <a:spcAft>
+                <a:spcPts val="600"/>
+              </a:spcAft>
+            </a:pPr>
+            <a:endParaRPr lang="en-US" sz="2400">
+              <a:solidFill>
+                <a:schemeClr val="tx1"/>
+              </a:solidFill>
+            </a:endParaRPr>
+          </a:p>
+          <a:p>
+            <a:pPr>
+              <a:lnSpc>
+                <a:spcPct val="90000"/>
+              </a:lnSpc>
+              <a:spcAft>
+                <a:spcPts val="600"/>
+              </a:spcAft>
+            </a:pPr>
+            <a:r>
+              <a:rPr lang="en-US" sz="2400">
+                <a:solidFill>
+                  <a:schemeClr val="tx1"/>
+                </a:solidFill>
+              </a:rPr>
+              <a:t>Jarno</a:t>
+            </a:r>
+          </a:p>
+        </p:txBody>
+      </p:sp>
+      <p:sp>
+        <p:nvSpPr>
+          <p:cNvPr id="3" name="Tijdelijke aanduiding voor inhoud 2">
+            <a:extLst>
+              <a:ext uri="{FF2B5EF4-FFF2-40B4-BE49-F238E27FC236}">
+                <a16:creationId xmlns:a16="http://schemas.microsoft.com/office/drawing/2014/main" id="{2ABC6AA3-57D6-4887-B559-0B8FFF86CFB0}"/>
+              </a:ext>
+            </a:extLst>
+          </p:cNvPr>
+          <p:cNvSpPr>
+            <a:spLocks noGrp="1"/>
+          </p:cNvSpPr>
+          <p:nvPr>
+            <p:ph idx="1"/>
+          </p:nvPr>
+        </p:nvSpPr>
+        <p:spPr>
+          <a:xfrm>
+            <a:off x="4965431" y="2438400"/>
+            <a:ext cx="6586489" cy="3785419"/>
+          </a:xfrm>
+        </p:spPr>
+        <p:txBody>
+          <a:bodyPr vert="horz" lIns="91440" tIns="45720" rIns="91440" bIns="45720" rtlCol="0">
+            <a:normAutofit/>
+          </a:bodyPr>
+          <a:lstStyle/>
+          <a:p>
+            <a:r>
+              <a:rPr lang="en-US" sz="2000"/>
+              <a:t>Als</a:t>
+            </a:r>
+            <a:r>
+              <a:rPr lang="en-US" sz="2000" dirty="0"/>
+              <a:t> </a:t>
+            </a:r>
+            <a:r>
+              <a:rPr lang="en-US" sz="2000"/>
+              <a:t>gebruiker</a:t>
+            </a:r>
+            <a:r>
+              <a:rPr lang="en-US" sz="2000" dirty="0"/>
+              <a:t> </a:t>
+            </a:r>
+            <a:r>
+              <a:rPr lang="en-US" sz="2000"/>
+              <a:t>wil</a:t>
+            </a:r>
+            <a:r>
+              <a:rPr lang="en-US" sz="2000" dirty="0"/>
+              <a:t> </a:t>
+            </a:r>
+            <a:r>
+              <a:rPr lang="en-US" sz="2000"/>
+              <a:t>ik</a:t>
+            </a:r>
+            <a:r>
+              <a:rPr lang="en-US" sz="2000" dirty="0"/>
+              <a:t> </a:t>
+            </a:r>
+            <a:r>
+              <a:rPr lang="en-US" sz="2000"/>
+              <a:t>kunnen</a:t>
+            </a:r>
+            <a:r>
+              <a:rPr lang="en-US" sz="2000" dirty="0"/>
+              <a:t> </a:t>
+            </a:r>
+            <a:r>
+              <a:rPr lang="en-US" sz="2000"/>
+              <a:t>zien</a:t>
+            </a:r>
+            <a:r>
+              <a:rPr lang="en-US" sz="2000" dirty="0"/>
+              <a:t> wat </a:t>
+            </a:r>
+            <a:r>
+              <a:rPr lang="en-US" sz="2000"/>
+              <a:t>mijn</a:t>
+            </a:r>
+            <a:r>
+              <a:rPr lang="en-US" sz="2000" dirty="0"/>
+              <a:t> </a:t>
+            </a:r>
+            <a:r>
+              <a:rPr lang="en-US" sz="2000"/>
+              <a:t>mogelijkheden</a:t>
+            </a:r>
+            <a:r>
+              <a:rPr lang="en-US" sz="2000" dirty="0"/>
+              <a:t> </a:t>
+            </a:r>
+            <a:r>
+              <a:rPr lang="en-US" sz="2000"/>
+              <a:t>zijn</a:t>
+            </a:r>
+            <a:r>
+              <a:rPr lang="en-US" sz="2000" dirty="0"/>
+              <a:t> </a:t>
+            </a:r>
+            <a:r>
+              <a:rPr lang="en-US" sz="2000"/>
+              <a:t>zodat</a:t>
+            </a:r>
+            <a:r>
+              <a:rPr lang="en-US" sz="2000" dirty="0"/>
+              <a:t> </a:t>
+            </a:r>
+            <a:r>
+              <a:rPr lang="en-US" sz="2000"/>
+              <a:t>ik</a:t>
+            </a:r>
+            <a:r>
+              <a:rPr lang="en-US" sz="2000" dirty="0"/>
+              <a:t> </a:t>
+            </a:r>
+            <a:r>
+              <a:rPr lang="en-US" sz="2000"/>
+              <a:t>informatie</a:t>
+            </a:r>
+            <a:r>
+              <a:rPr lang="en-US" sz="2000" dirty="0"/>
+              <a:t> </a:t>
+            </a:r>
+            <a:r>
+              <a:rPr lang="en-US" sz="2000"/>
+              <a:t>kan</a:t>
+            </a:r>
+            <a:r>
+              <a:rPr lang="en-US" sz="2000" dirty="0"/>
+              <a:t> </a:t>
+            </a:r>
+            <a:r>
+              <a:rPr lang="en-US" sz="2000"/>
+              <a:t>verkrijgen</a:t>
+            </a:r>
+            <a:r>
+              <a:rPr lang="en-US" sz="2000" dirty="0"/>
+              <a:t> </a:t>
+            </a:r>
+            <a:r>
+              <a:rPr lang="en-US" sz="2000"/>
+              <a:t>en</a:t>
+            </a:r>
+            <a:r>
+              <a:rPr lang="en-US" sz="2000" dirty="0"/>
+              <a:t> </a:t>
+            </a:r>
+            <a:r>
+              <a:rPr lang="en-US" sz="2000"/>
+              <a:t>weet</a:t>
+            </a:r>
+            <a:r>
+              <a:rPr lang="en-US" sz="2000" dirty="0"/>
+              <a:t> </a:t>
+            </a:r>
+            <a:r>
+              <a:rPr lang="en-US" sz="2000"/>
+              <a:t>welke</a:t>
+            </a:r>
+            <a:r>
+              <a:rPr lang="en-US" sz="2000" dirty="0"/>
+              <a:t> </a:t>
+            </a:r>
+            <a:r>
+              <a:rPr lang="en-US" sz="2000"/>
+              <a:t>stappen</a:t>
+            </a:r>
+            <a:r>
+              <a:rPr lang="en-US" sz="2000" dirty="0"/>
+              <a:t> </a:t>
+            </a:r>
+            <a:r>
+              <a:rPr lang="en-US" sz="2000"/>
+              <a:t>ik</a:t>
+            </a:r>
+            <a:r>
+              <a:rPr lang="en-US" sz="2000" dirty="0"/>
+              <a:t> </a:t>
+            </a:r>
+            <a:r>
+              <a:rPr lang="en-US" sz="2000"/>
+              <a:t>hiervoor</a:t>
+            </a:r>
+            <a:r>
+              <a:rPr lang="en-US" sz="2000" dirty="0"/>
+              <a:t> </a:t>
+            </a:r>
+            <a:r>
+              <a:rPr lang="en-US" sz="2000"/>
+              <a:t>moet</a:t>
+            </a:r>
+            <a:r>
+              <a:rPr lang="en-US" sz="2000" dirty="0"/>
+              <a:t> </a:t>
+            </a:r>
+            <a:r>
+              <a:rPr lang="en-US" sz="2000"/>
+              <a:t>nemen</a:t>
+            </a:r>
+            <a:r>
+              <a:rPr lang="en-US" sz="2000" dirty="0"/>
+              <a:t> (GUI)</a:t>
+            </a:r>
+          </a:p>
+          <a:p>
+            <a:r>
+              <a:rPr lang="en-US" sz="2000" dirty="0"/>
+              <a:t>Flowchart</a:t>
+            </a:r>
+          </a:p>
+        </p:txBody>
+      </p:sp>
+      <p:pic>
+        <p:nvPicPr>
+          <p:cNvPr id="2050" name="Picture 2">
+            <a:extLst>
+              <a:ext uri="{FF2B5EF4-FFF2-40B4-BE49-F238E27FC236}">
+                <a16:creationId xmlns:a16="http://schemas.microsoft.com/office/drawing/2014/main" id="{921138F8-11E6-47C0-9BC5-DB8F110C0D10}"/>
+              </a:ext>
+            </a:extLst>
+          </p:cNvPr>
+          <p:cNvPicPr>
+            <a:picLocks noChangeAspect="1" noChangeArrowheads="1"/>
+          </p:cNvPicPr>
+          <p:nvPr/>
+        </p:nvPicPr>
+        <p:blipFill rotWithShape="1">
+          <a:blip r:embed="rId2">
+            <a:extLst>
+              <a:ext uri="{28A0092B-C50C-407E-A947-70E740481C1C}">
+                <a14:useLocalDpi xmlns:a14="http://schemas.microsoft.com/office/drawing/2010/main" val="0"/>
+              </a:ext>
+            </a:extLst>
+          </a:blip>
+          <a:srcRect r="7233" b="-2"/>
+          <a:stretch/>
+        </p:blipFill>
+        <p:spPr bwMode="auto">
+          <a:xfrm>
+            <a:off x="20" y="10"/>
+            <a:ext cx="4635571" cy="6857990"/>
+          </a:xfrm>
+          <a:prstGeom prst="rect">
+            <a:avLst/>
+          </a:prstGeom>
+          <a:noFill/>
+          <a:effectLst/>
+          <a:extLst>
+            <a:ext uri="{909E8E84-426E-40DD-AFC4-6F175D3DCCD1}">
+              <a14:hiddenFill xmlns:a14="http://schemas.microsoft.com/office/drawing/2010/main">
+                <a:solidFill>
+                  <a:srgbClr val="FFFFFF"/>
+                </a:solidFill>
+              </a14:hiddenFill>
+            </a:ext>
+          </a:extLst>
+        </p:spPr>
+      </p:pic>
+      <p:cxnSp>
+        <p:nvCxnSpPr>
+          <p:cNvPr id="2054" name="Straight Connector 72">
+            <a:extLst>
+              <a:ext uri="{FF2B5EF4-FFF2-40B4-BE49-F238E27FC236}">
+                <a16:creationId xmlns:a16="http://schemas.microsoft.com/office/drawing/2014/main" id="{A7F400EE-A8A5-48AF-B4D6-291B52C6F0B0}"/>
+              </a:ext>
+              <a:ext uri="{C183D7F6-B498-43B3-948B-1728B52AA6E4}">
+                <adec:decorative xmlns:adec="http://schemas.microsoft.com/office/drawing/2017/decorative" val="1"/>
+              </a:ext>
+            </a:extLst>
+          </p:cNvPr>
+          <p:cNvCxnSpPr>
+            <a:cxnSpLocks noGrp="1" noRot="1" noChangeAspect="1" noMove="1" noResize="1" noEditPoints="1" noAdjustHandles="1" noChangeArrowheads="1" noChangeShapeType="1"/>
+          </p:cNvCxnSpPr>
+          <p:nvPr>
+            <p:extLst>
+              <p:ext uri="{386F3935-93C4-4BCD-93E2-E3B085C9AB24}">
+                <p16:designElem xmlns:p16="http://schemas.microsoft.com/office/powerpoint/2015/main" val="1"/>
+              </p:ext>
+            </p:extLst>
+          </p:nvPr>
+        </p:nvCxnSpPr>
+        <p:spPr>
+          <a:xfrm>
+            <a:off x="5080934" y="2115117"/>
+            <a:ext cx="6309360" cy="0"/>
+          </a:xfrm>
+          <a:prstGeom prst="line">
+            <a:avLst/>
+          </a:prstGeom>
+          <a:ln w="19050">
+            <a:solidFill>
+              <a:srgbClr val="FFCA7C"/>
+            </a:solidFill>
+          </a:ln>
+        </p:spPr>
+        <p:style>
+          <a:lnRef idx="1">
+            <a:schemeClr val="accent1"/>
+          </a:lnRef>
+          <a:fillRef idx="0">
+            <a:schemeClr val="accent1"/>
+          </a:fillRef>
+          <a:effectRef idx="0">
+            <a:schemeClr val="accent1"/>
+          </a:effectRef>
+          <a:fontRef idx="minor">
+            <a:schemeClr val="tx1"/>
+          </a:fontRef>
+        </p:style>
+      </p:cxnSp>
+    </p:spTree>
+    <p:extLst>
+      <p:ext uri="{BB962C8B-B14F-4D97-AF65-F5344CB8AC3E}">
+        <p14:creationId xmlns:p14="http://schemas.microsoft.com/office/powerpoint/2010/main" val="1416722770"/>
+      </p:ext>
+    </p:extLst>
+  </p:cSld>
+  <p:clrMapOvr>
+    <a:masterClrMapping/>
+  </p:clrMapOvr>
+  <p:transition spd="slow">
+    <p:cover/>
+  </p:transition>
+</p:sld>
+</file>
+
+<file path=ppt/slides/slide6.xml><?xml version="1.0" encoding="utf-8"?>
+<p:sld xmlns:a="http://schemas.openxmlformats.org/drawingml/2006/main" xmlns:r="http://schemas.openxmlformats.org/officeDocument/2006/relationships" xmlns:p="http://schemas.openxmlformats.org/presentationml/2006/main">
+  <p:cSld>
+    <p:bg>
+      <p:bgPr>
+        <a:solidFill>
+          <a:schemeClr val="bg1"/>
+        </a:solidFill>
+        <a:effectLst/>
+      </p:bgPr>
+    </p:bg>
+    <p:spTree>
+      <p:nvGrpSpPr>
+        <p:cNvPr id="1" name=""/>
+        <p:cNvGrpSpPr/>
+        <p:nvPr/>
+      </p:nvGrpSpPr>
+      <p:grpSpPr>
+        <a:xfrm>
+          <a:off x="0" y="0"/>
+          <a:ext cx="0" cy="0"/>
+          <a:chOff x="0" y="0"/>
+          <a:chExt cx="0" cy="0"/>
+        </a:xfrm>
+      </p:grpSpPr>
+      <p:sp useBgFill="1">
+        <p:nvSpPr>
+          <p:cNvPr id="8" name="Rectangle 7">
+            <a:extLst>
+              <a:ext uri="{FF2B5EF4-FFF2-40B4-BE49-F238E27FC236}">
+                <a16:creationId xmlns:a16="http://schemas.microsoft.com/office/drawing/2014/main" id="{327D73B4-9F5C-4A64-A179-51B9500CB8B5}"/>
+              </a:ext>
+              <a:ext uri="{C183D7F6-B498-43B3-948B-1728B52AA6E4}">
+                <adec:decorative xmlns:adec="http://schemas.microsoft.com/office/drawing/2017/decorative" val="1"/>
+              </a:ext>
+            </a:extLst>
+          </p:cNvPr>
+          <p:cNvSpPr>
+            <a:spLocks noGrp="1" noRot="1" noChangeAspect="1" noMove="1" noResize="1" noEditPoints="1" noAdjustHandles="1" noChangeArrowheads="1" noChangeShapeType="1" noTextEdit="1"/>
+          </p:cNvSpPr>
+          <p:nvPr>
+            <p:extLst>
+              <p:ext uri="{386F3935-93C4-4BCD-93E2-E3B085C9AB24}">
+                <p16:designElem xmlns:p16="http://schemas.microsoft.com/office/powerpoint/2015/main" val="1"/>
+              </p:ext>
+            </p:extLst>
+          </p:nvPr>
+        </p:nvSpPr>
+        <p:spPr>
+          <a:xfrm>
+            <a:off x="0" y="0"/>
+            <a:ext cx="12192000" cy="6858000"/>
+          </a:xfrm>
+          <a:prstGeom prst="rect">
+            <a:avLst/>
+          </a:prstGeom>
+          <a:ln>
+            <a:noFill/>
+          </a:ln>
+        </p:spPr>
+        <p:style>
+          <a:lnRef idx="2">
+            <a:schemeClr val="accent1">
+              <a:shade val="50000"/>
+            </a:schemeClr>
+          </a:lnRef>
+          <a:fillRef idx="1">
+            <a:schemeClr val="accent1"/>
+          </a:fillRef>
+          <a:effectRef idx="0">
+            <a:schemeClr val="accent1"/>
+          </a:effectRef>
+          <a:fontRef idx="minor">
+            <a:schemeClr val="lt1"/>
+          </a:fontRef>
+        </p:style>
+        <p:txBody>
+          <a:bodyPr rtlCol="0" anchor="ctr"/>
+          <a:lstStyle/>
+          <a:p>
+            <a:pPr algn="ctr"/>
+            <a:endParaRPr lang="en-US"/>
+          </a:p>
+        </p:txBody>
+      </p:sp>
+      <p:sp>
+        <p:nvSpPr>
+          <p:cNvPr id="10" name="Oval 9">
+            <a:extLst>
+              <a:ext uri="{FF2B5EF4-FFF2-40B4-BE49-F238E27FC236}">
+                <a16:creationId xmlns:a16="http://schemas.microsoft.com/office/drawing/2014/main" id="{C1F06963-6374-4B48-844F-071A9BAAAE02}"/>
+              </a:ext>
+              <a:ext uri="{C183D7F6-B498-43B3-948B-1728B52AA6E4}">
+                <adec:decorative xmlns:adec="http://schemas.microsoft.com/office/drawing/2017/decorative" val="1"/>
+              </a:ext>
+            </a:extLst>
+          </p:cNvPr>
+          <p:cNvSpPr>
+            <a:spLocks noGrp="1" noRot="1" noChangeAspect="1" noMove="1" noResize="1" noEditPoints="1" noAdjustHandles="1" noChangeArrowheads="1" noChangeShapeType="1" noTextEdit="1"/>
+          </p:cNvSpPr>
+          <p:nvPr>
+            <p:extLst>
+              <p:ext uri="{386F3935-93C4-4BCD-93E2-E3B085C9AB24}">
+                <p16:designElem xmlns:p16="http://schemas.microsoft.com/office/powerpoint/2015/main" val="1"/>
+              </p:ext>
+            </p:extLst>
+          </p:nvPr>
+        </p:nvSpPr>
+        <p:spPr>
+          <a:xfrm>
+            <a:off x="199528" y="554152"/>
+            <a:ext cx="5742189" cy="5742189"/>
+          </a:xfrm>
+          <a:prstGeom prst="ellipse">
+            <a:avLst/>
+          </a:prstGeom>
+          <a:gradFill flip="none" rotWithShape="1">
+            <a:gsLst>
+              <a:gs pos="0">
+                <a:schemeClr val="accent1"/>
+              </a:gs>
+              <a:gs pos="100000">
+                <a:schemeClr val="accent2"/>
+              </a:gs>
+            </a:gsLst>
+            <a:lin ang="2700000" scaled="1"/>
+            <a:tileRect/>
+          </a:gradFill>
+          <a:ln>
+            <a:noFill/>
+          </a:ln>
+        </p:spPr>
+        <p:style>
+          <a:lnRef idx="2">
+            <a:schemeClr val="accent1">
+              <a:shade val="50000"/>
+            </a:schemeClr>
+          </a:lnRef>
+          <a:fillRef idx="1">
+            <a:schemeClr val="accent1"/>
+          </a:fillRef>
+          <a:effectRef idx="0">
+            <a:schemeClr val="accent1"/>
+          </a:effectRef>
+          <a:fontRef idx="minor">
+            <a:schemeClr val="lt1"/>
+          </a:fontRef>
+        </p:style>
+        <p:txBody>
+          <a:bodyPr rtlCol="0" anchor="ctr"/>
+          <a:lstStyle/>
+          <a:p>
+            <a:pPr algn="ctr"/>
+            <a:endParaRPr lang="en-US"/>
+          </a:p>
+        </p:txBody>
+      </p:sp>
+      <p:sp>
+        <p:nvSpPr>
           <p:cNvPr id="2" name="Titel 1">
             <a:extLst>
               <a:ext uri="{FF2B5EF4-FFF2-40B4-BE49-F238E27FC236}">
-                <a16:creationId xmlns:a16="http://schemas.microsoft.com/office/drawing/2014/main" id="{23475FFF-A4E0-4527-9DB9-57CB5C75AF2E}"/>
+                <a16:creationId xmlns:a16="http://schemas.microsoft.com/office/drawing/2014/main" id="{FA0B3428-3255-4023-88EC-B3C9CFAB377B}"/>
               </a:ext>
             </a:extLst>
           </p:cNvPr>
@@ -4357,12 +9639,423 @@
             <p:ph type="title"/>
           </p:nvPr>
         </p:nvSpPr>
-        <p:spPr/>
+        <p:spPr>
+          <a:xfrm>
+            <a:off x="1245072" y="1289765"/>
+            <a:ext cx="3651101" cy="4270963"/>
+          </a:xfrm>
+        </p:spPr>
         <p:txBody>
-          <a:bodyPr/>
+          <a:bodyPr anchor="ctr">
+            <a:normAutofit/>
+          </a:bodyPr>
           <a:lstStyle/>
           <a:p>
-            <a:endParaRPr lang="nl-NL"/>
+            <a:pPr algn="ctr"/>
+            <a:r>
+              <a:rPr lang="nl-NL" sz="5600" dirty="0">
+                <a:solidFill>
+                  <a:srgbClr val="FFFFFF"/>
+                </a:solidFill>
+              </a:rPr>
+              <a:t>Sprint </a:t>
+            </a:r>
+            <a:r>
+              <a:rPr lang="nl-NL" sz="5600" dirty="0" err="1">
+                <a:solidFill>
+                  <a:srgbClr val="FFFFFF"/>
+                </a:solidFill>
+              </a:rPr>
+              <a:t>backlog</a:t>
+            </a:r>
+            <a:br>
+              <a:rPr lang="nl-NL" sz="5600" dirty="0">
+                <a:solidFill>
+                  <a:srgbClr val="FFFFFF"/>
+                </a:solidFill>
+              </a:rPr>
+            </a:br>
+            <a:br>
+              <a:rPr lang="nl-NL" sz="5600" dirty="0">
+                <a:solidFill>
+                  <a:srgbClr val="FFFFFF"/>
+                </a:solidFill>
+              </a:rPr>
+            </a:br>
+            <a:r>
+              <a:rPr lang="nl-NL" sz="5600" dirty="0">
+                <a:solidFill>
+                  <a:srgbClr val="FFFFFF"/>
+                </a:solidFill>
+              </a:rPr>
+              <a:t>Marjon</a:t>
+            </a:r>
+          </a:p>
+        </p:txBody>
+      </p:sp>
+      <p:sp>
+        <p:nvSpPr>
+          <p:cNvPr id="12" name="Graphic 11">
+            <a:extLst>
+              <a:ext uri="{FF2B5EF4-FFF2-40B4-BE49-F238E27FC236}">
+                <a16:creationId xmlns:a16="http://schemas.microsoft.com/office/drawing/2014/main" id="{6CB927A4-E432-4310-9CD5-E89FF5063179}"/>
+              </a:ext>
+              <a:ext uri="{C183D7F6-B498-43B3-948B-1728B52AA6E4}">
+                <adec:decorative xmlns:adec="http://schemas.microsoft.com/office/drawing/2017/decorative" val="1"/>
+              </a:ext>
+            </a:extLst>
+          </p:cNvPr>
+          <p:cNvSpPr>
+            <a:spLocks noGrp="1" noRot="1" noChangeAspect="1" noMove="1" noResize="1" noEditPoints="1" noAdjustHandles="1" noChangeArrowheads="1" noChangeShapeType="1" noTextEdit="1"/>
+          </p:cNvSpPr>
+          <p:nvPr>
+            <p:extLst>
+              <p:ext uri="{386F3935-93C4-4BCD-93E2-E3B085C9AB24}">
+                <p16:designElem xmlns:p16="http://schemas.microsoft.com/office/powerpoint/2015/main" val="1"/>
+              </p:ext>
+            </p:extLst>
+          </p:nvPr>
+        </p:nvSpPr>
+        <p:spPr>
+          <a:xfrm>
+            <a:off x="1123493" y="374394"/>
+            <a:ext cx="171515" cy="171515"/>
+          </a:xfrm>
+          <a:custGeom>
+            <a:avLst/>
+            <a:gdLst>
+              <a:gd name="connsiteX0" fmla="*/ 159874 w 171515"/>
+              <a:gd name="connsiteY0" fmla="*/ 74116 h 171515"/>
+              <a:gd name="connsiteX1" fmla="*/ 97399 w 171515"/>
+              <a:gd name="connsiteY1" fmla="*/ 74116 h 171515"/>
+              <a:gd name="connsiteX2" fmla="*/ 97399 w 171515"/>
+              <a:gd name="connsiteY2" fmla="*/ 11641 h 171515"/>
+              <a:gd name="connsiteX3" fmla="*/ 85758 w 171515"/>
+              <a:gd name="connsiteY3" fmla="*/ 0 h 171515"/>
+              <a:gd name="connsiteX4" fmla="*/ 74116 w 171515"/>
+              <a:gd name="connsiteY4" fmla="*/ 11641 h 171515"/>
+              <a:gd name="connsiteX5" fmla="*/ 74116 w 171515"/>
+              <a:gd name="connsiteY5" fmla="*/ 74116 h 171515"/>
+              <a:gd name="connsiteX6" fmla="*/ 11641 w 171515"/>
+              <a:gd name="connsiteY6" fmla="*/ 74116 h 171515"/>
+              <a:gd name="connsiteX7" fmla="*/ 0 w 171515"/>
+              <a:gd name="connsiteY7" fmla="*/ 85758 h 171515"/>
+              <a:gd name="connsiteX8" fmla="*/ 11641 w 171515"/>
+              <a:gd name="connsiteY8" fmla="*/ 97399 h 171515"/>
+              <a:gd name="connsiteX9" fmla="*/ 74116 w 171515"/>
+              <a:gd name="connsiteY9" fmla="*/ 97399 h 171515"/>
+              <a:gd name="connsiteX10" fmla="*/ 74116 w 171515"/>
+              <a:gd name="connsiteY10" fmla="*/ 159874 h 171515"/>
+              <a:gd name="connsiteX11" fmla="*/ 85758 w 171515"/>
+              <a:gd name="connsiteY11" fmla="*/ 171515 h 171515"/>
+              <a:gd name="connsiteX12" fmla="*/ 97399 w 171515"/>
+              <a:gd name="connsiteY12" fmla="*/ 159874 h 171515"/>
+              <a:gd name="connsiteX13" fmla="*/ 97399 w 171515"/>
+              <a:gd name="connsiteY13" fmla="*/ 97399 h 171515"/>
+              <a:gd name="connsiteX14" fmla="*/ 159874 w 171515"/>
+              <a:gd name="connsiteY14" fmla="*/ 97399 h 171515"/>
+              <a:gd name="connsiteX15" fmla="*/ 171515 w 171515"/>
+              <a:gd name="connsiteY15" fmla="*/ 85758 h 171515"/>
+              <a:gd name="connsiteX16" fmla="*/ 159874 w 171515"/>
+              <a:gd name="connsiteY16" fmla="*/ 74116 h 171515"/>
+            </a:gdLst>
+            <a:ahLst/>
+            <a:cxnLst>
+              <a:cxn ang="0">
+                <a:pos x="connsiteX0" y="connsiteY0"/>
+              </a:cxn>
+              <a:cxn ang="0">
+                <a:pos x="connsiteX1" y="connsiteY1"/>
+              </a:cxn>
+              <a:cxn ang="0">
+                <a:pos x="connsiteX2" y="connsiteY2"/>
+              </a:cxn>
+              <a:cxn ang="0">
+                <a:pos x="connsiteX3" y="connsiteY3"/>
+              </a:cxn>
+              <a:cxn ang="0">
+                <a:pos x="connsiteX4" y="connsiteY4"/>
+              </a:cxn>
+              <a:cxn ang="0">
+                <a:pos x="connsiteX5" y="connsiteY5"/>
+              </a:cxn>
+              <a:cxn ang="0">
+                <a:pos x="connsiteX6" y="connsiteY6"/>
+              </a:cxn>
+              <a:cxn ang="0">
+                <a:pos x="connsiteX7" y="connsiteY7"/>
+              </a:cxn>
+              <a:cxn ang="0">
+                <a:pos x="connsiteX8" y="connsiteY8"/>
+              </a:cxn>
+              <a:cxn ang="0">
+                <a:pos x="connsiteX9" y="connsiteY9"/>
+              </a:cxn>
+              <a:cxn ang="0">
+                <a:pos x="connsiteX10" y="connsiteY10"/>
+              </a:cxn>
+              <a:cxn ang="0">
+                <a:pos x="connsiteX11" y="connsiteY11"/>
+              </a:cxn>
+              <a:cxn ang="0">
+                <a:pos x="connsiteX12" y="connsiteY12"/>
+              </a:cxn>
+              <a:cxn ang="0">
+                <a:pos x="connsiteX13" y="connsiteY13"/>
+              </a:cxn>
+              <a:cxn ang="0">
+                <a:pos x="connsiteX14" y="connsiteY14"/>
+              </a:cxn>
+              <a:cxn ang="0">
+                <a:pos x="connsiteX15" y="connsiteY15"/>
+              </a:cxn>
+              <a:cxn ang="0">
+                <a:pos x="connsiteX16" y="connsiteY16"/>
+              </a:cxn>
+            </a:cxnLst>
+            <a:rect l="l" t="t" r="r" b="b"/>
+            <a:pathLst>
+              <a:path w="171515" h="171515">
+                <a:moveTo>
+                  <a:pt x="159874" y="74116"/>
+                </a:moveTo>
+                <a:lnTo>
+                  <a:pt x="97399" y="74116"/>
+                </a:lnTo>
+                <a:lnTo>
+                  <a:pt x="97399" y="11641"/>
+                </a:lnTo>
+                <a:cubicBezTo>
+                  <a:pt x="97399" y="5212"/>
+                  <a:pt x="92187" y="0"/>
+                  <a:pt x="85758" y="0"/>
+                </a:cubicBezTo>
+                <a:cubicBezTo>
+                  <a:pt x="79328" y="0"/>
+                  <a:pt x="74116" y="5212"/>
+                  <a:pt x="74116" y="11641"/>
+                </a:cubicBezTo>
+                <a:lnTo>
+                  <a:pt x="74116" y="74116"/>
+                </a:lnTo>
+                <a:lnTo>
+                  <a:pt x="11641" y="74116"/>
+                </a:lnTo>
+                <a:cubicBezTo>
+                  <a:pt x="5212" y="74116"/>
+                  <a:pt x="0" y="79328"/>
+                  <a:pt x="0" y="85758"/>
+                </a:cubicBezTo>
+                <a:cubicBezTo>
+                  <a:pt x="0" y="92187"/>
+                  <a:pt x="5212" y="97399"/>
+                  <a:pt x="11641" y="97399"/>
+                </a:cubicBezTo>
+                <a:lnTo>
+                  <a:pt x="74116" y="97399"/>
+                </a:lnTo>
+                <a:lnTo>
+                  <a:pt x="74116" y="159874"/>
+                </a:lnTo>
+                <a:cubicBezTo>
+                  <a:pt x="74116" y="166303"/>
+                  <a:pt x="79328" y="171515"/>
+                  <a:pt x="85758" y="171515"/>
+                </a:cubicBezTo>
+                <a:cubicBezTo>
+                  <a:pt x="92187" y="171515"/>
+                  <a:pt x="97399" y="166303"/>
+                  <a:pt x="97399" y="159874"/>
+                </a:cubicBezTo>
+                <a:lnTo>
+                  <a:pt x="97399" y="97399"/>
+                </a:lnTo>
+                <a:lnTo>
+                  <a:pt x="159874" y="97399"/>
+                </a:lnTo>
+                <a:cubicBezTo>
+                  <a:pt x="166303" y="97399"/>
+                  <a:pt x="171515" y="92187"/>
+                  <a:pt x="171515" y="85758"/>
+                </a:cubicBezTo>
+                <a:cubicBezTo>
+                  <a:pt x="171515" y="79328"/>
+                  <a:pt x="166303" y="74116"/>
+                  <a:pt x="159874" y="74116"/>
+                </a:cubicBezTo>
+                <a:close/>
+              </a:path>
+            </a:pathLst>
+          </a:custGeom>
+          <a:solidFill>
+            <a:schemeClr val="accent2"/>
+          </a:solidFill>
+          <a:ln w="776" cap="flat">
+            <a:noFill/>
+            <a:prstDash val="solid"/>
+            <a:miter/>
+          </a:ln>
+        </p:spPr>
+        <p:txBody>
+          <a:bodyPr rtlCol="0" anchor="ctr"/>
+          <a:lstStyle/>
+          <a:p>
+            <a:endParaRPr lang="en-US"/>
+          </a:p>
+        </p:txBody>
+      </p:sp>
+      <p:sp>
+        <p:nvSpPr>
+          <p:cNvPr id="14" name="Graphic 12">
+            <a:extLst>
+              <a:ext uri="{FF2B5EF4-FFF2-40B4-BE49-F238E27FC236}">
+                <a16:creationId xmlns:a16="http://schemas.microsoft.com/office/drawing/2014/main" id="{1453BF6C-B012-48B7-B4E8-6D7AC7C27D02}"/>
+              </a:ext>
+              <a:ext uri="{C183D7F6-B498-43B3-948B-1728B52AA6E4}">
+                <adec:decorative xmlns:adec="http://schemas.microsoft.com/office/drawing/2017/decorative" val="1"/>
+              </a:ext>
+            </a:extLst>
+          </p:cNvPr>
+          <p:cNvSpPr>
+            <a:spLocks noGrp="1" noRot="1" noChangeAspect="1" noMove="1" noResize="1" noEditPoints="1" noAdjustHandles="1" noChangeArrowheads="1" noChangeShapeType="1" noTextEdit="1"/>
+          </p:cNvSpPr>
+          <p:nvPr>
+            <p:extLst>
+              <p:ext uri="{386F3935-93C4-4BCD-93E2-E3B085C9AB24}">
+                <p16:designElem xmlns:p16="http://schemas.microsoft.com/office/powerpoint/2015/main" val="1"/>
+              </p:ext>
+            </p:extLst>
+          </p:nvPr>
+        </p:nvSpPr>
+        <p:spPr>
+          <a:xfrm>
+            <a:off x="550109" y="1084507"/>
+            <a:ext cx="157545" cy="157545"/>
+          </a:xfrm>
+          <a:custGeom>
+            <a:avLst/>
+            <a:gdLst>
+              <a:gd name="connsiteX0" fmla="*/ 78773 w 157545"/>
+              <a:gd name="connsiteY0" fmla="*/ 23283 h 157545"/>
+              <a:gd name="connsiteX1" fmla="*/ 134262 w 157545"/>
+              <a:gd name="connsiteY1" fmla="*/ 78773 h 157545"/>
+              <a:gd name="connsiteX2" fmla="*/ 78773 w 157545"/>
+              <a:gd name="connsiteY2" fmla="*/ 134262 h 157545"/>
+              <a:gd name="connsiteX3" fmla="*/ 23283 w 157545"/>
+              <a:gd name="connsiteY3" fmla="*/ 78773 h 157545"/>
+              <a:gd name="connsiteX4" fmla="*/ 78773 w 157545"/>
+              <a:gd name="connsiteY4" fmla="*/ 23283 h 157545"/>
+              <a:gd name="connsiteX5" fmla="*/ 78773 w 157545"/>
+              <a:gd name="connsiteY5" fmla="*/ 0 h 157545"/>
+              <a:gd name="connsiteX6" fmla="*/ 0 w 157545"/>
+              <a:gd name="connsiteY6" fmla="*/ 78773 h 157545"/>
+              <a:gd name="connsiteX7" fmla="*/ 78773 w 157545"/>
+              <a:gd name="connsiteY7" fmla="*/ 157545 h 157545"/>
+              <a:gd name="connsiteX8" fmla="*/ 157545 w 157545"/>
+              <a:gd name="connsiteY8" fmla="*/ 78773 h 157545"/>
+              <a:gd name="connsiteX9" fmla="*/ 78773 w 157545"/>
+              <a:gd name="connsiteY9" fmla="*/ 0 h 157545"/>
+            </a:gdLst>
+            <a:ahLst/>
+            <a:cxnLst>
+              <a:cxn ang="0">
+                <a:pos x="connsiteX0" y="connsiteY0"/>
+              </a:cxn>
+              <a:cxn ang="0">
+                <a:pos x="connsiteX1" y="connsiteY1"/>
+              </a:cxn>
+              <a:cxn ang="0">
+                <a:pos x="connsiteX2" y="connsiteY2"/>
+              </a:cxn>
+              <a:cxn ang="0">
+                <a:pos x="connsiteX3" y="connsiteY3"/>
+              </a:cxn>
+              <a:cxn ang="0">
+                <a:pos x="connsiteX4" y="connsiteY4"/>
+              </a:cxn>
+              <a:cxn ang="0">
+                <a:pos x="connsiteX5" y="connsiteY5"/>
+              </a:cxn>
+              <a:cxn ang="0">
+                <a:pos x="connsiteX6" y="connsiteY6"/>
+              </a:cxn>
+              <a:cxn ang="0">
+                <a:pos x="connsiteX7" y="connsiteY7"/>
+              </a:cxn>
+              <a:cxn ang="0">
+                <a:pos x="connsiteX8" y="connsiteY8"/>
+              </a:cxn>
+              <a:cxn ang="0">
+                <a:pos x="connsiteX9" y="connsiteY9"/>
+              </a:cxn>
+            </a:cxnLst>
+            <a:rect l="l" t="t" r="r" b="b"/>
+            <a:pathLst>
+              <a:path w="157545" h="157545">
+                <a:moveTo>
+                  <a:pt x="78773" y="23283"/>
+                </a:moveTo>
+                <a:cubicBezTo>
+                  <a:pt x="109419" y="23283"/>
+                  <a:pt x="134262" y="48126"/>
+                  <a:pt x="134262" y="78773"/>
+                </a:cubicBezTo>
+                <a:cubicBezTo>
+                  <a:pt x="134262" y="109419"/>
+                  <a:pt x="109419" y="134262"/>
+                  <a:pt x="78773" y="134262"/>
+                </a:cubicBezTo>
+                <a:cubicBezTo>
+                  <a:pt x="48126" y="134262"/>
+                  <a:pt x="23283" y="109419"/>
+                  <a:pt x="23283" y="78773"/>
+                </a:cubicBezTo>
+                <a:cubicBezTo>
+                  <a:pt x="23312" y="48139"/>
+                  <a:pt x="48139" y="23312"/>
+                  <a:pt x="78773" y="23283"/>
+                </a:cubicBezTo>
+                <a:moveTo>
+                  <a:pt x="78773" y="0"/>
+                </a:moveTo>
+                <a:cubicBezTo>
+                  <a:pt x="35268" y="0"/>
+                  <a:pt x="0" y="35268"/>
+                  <a:pt x="0" y="78773"/>
+                </a:cubicBezTo>
+                <a:cubicBezTo>
+                  <a:pt x="0" y="122277"/>
+                  <a:pt x="35268" y="157545"/>
+                  <a:pt x="78773" y="157545"/>
+                </a:cubicBezTo>
+                <a:cubicBezTo>
+                  <a:pt x="122277" y="157545"/>
+                  <a:pt x="157545" y="122277"/>
+                  <a:pt x="157545" y="78773"/>
+                </a:cubicBezTo>
+                <a:cubicBezTo>
+                  <a:pt x="157545" y="35268"/>
+                  <a:pt x="122277" y="0"/>
+                  <a:pt x="78773" y="0"/>
+                </a:cubicBezTo>
+                <a:close/>
+              </a:path>
+            </a:pathLst>
+          </a:custGeom>
+          <a:solidFill>
+            <a:schemeClr val="accent2"/>
+          </a:solidFill>
+          <a:ln w="751" cap="flat">
+            <a:noFill/>
+            <a:prstDash val="solid"/>
+            <a:miter/>
+          </a:ln>
+        </p:spPr>
+        <p:txBody>
+          <a:bodyPr rtlCol="0" anchor="ctr"/>
+          <a:lstStyle/>
+          <a:p>
+            <a:endParaRPr lang="en-US"/>
           </a:p>
         </p:txBody>
       </p:sp>
@@ -4371,7 +10064,7 @@
           <p:cNvPr id="3" name="Tijdelijke aanduiding voor inhoud 2">
             <a:extLst>
               <a:ext uri="{FF2B5EF4-FFF2-40B4-BE49-F238E27FC236}">
-                <a16:creationId xmlns:a16="http://schemas.microsoft.com/office/drawing/2014/main" id="{C342D9C3-B1FC-4759-8C75-FB3EE93A2088}"/>
+                <a16:creationId xmlns:a16="http://schemas.microsoft.com/office/drawing/2014/main" id="{2EF60DF6-8C83-4460-AA7E-305F4338BBA6}"/>
               </a:ext>
             </a:extLst>
           </p:cNvPr>
@@ -4382,25 +10075,3180 @@
             <p:ph idx="1"/>
           </p:nvPr>
         </p:nvSpPr>
-        <p:spPr/>
+        <p:spPr>
+          <a:xfrm>
+            <a:off x="6297233" y="518400"/>
+            <a:ext cx="4771607" cy="5837949"/>
+          </a:xfrm>
+        </p:spPr>
         <p:txBody>
-          <a:bodyPr/>
+          <a:bodyPr anchor="ctr">
+            <a:normAutofit/>
+          </a:bodyPr>
           <a:lstStyle/>
           <a:p>
-            <a:endParaRPr lang="nl-NL"/>
+            <a:pPr marL="0" indent="0">
+              <a:buNone/>
+            </a:pPr>
+            <a:r>
+              <a:rPr lang="nl-NL" sz="2000" b="1" dirty="0">
+                <a:solidFill>
+                  <a:schemeClr val="tx1">
+                    <a:alpha val="80000"/>
+                  </a:schemeClr>
+                </a:solidFill>
+              </a:rPr>
+              <a:t>User story: </a:t>
+            </a:r>
+            <a:r>
+              <a:rPr lang="nl-NL" sz="2000" dirty="0">
+                <a:solidFill>
+                  <a:schemeClr val="tx1">
+                    <a:alpha val="80000"/>
+                  </a:schemeClr>
+                </a:solidFill>
+              </a:rPr>
+              <a:t>Als gebruiker wil ik dat mijn gegevens vertrouwd opgeslagen kunnen worden zodat mijn gegevens niet op straat komen te liggen.</a:t>
+            </a:r>
+          </a:p>
+          <a:p>
+            <a:pPr marL="0" indent="0">
+              <a:buNone/>
+            </a:pPr>
+            <a:r>
+              <a:rPr lang="nl-NL" sz="2000" b="1" dirty="0">
+                <a:solidFill>
+                  <a:schemeClr val="tx1">
+                    <a:alpha val="80000"/>
+                  </a:schemeClr>
+                </a:solidFill>
+              </a:rPr>
+              <a:t>Taak:</a:t>
+            </a:r>
+            <a:r>
+              <a:rPr lang="nl-NL" sz="2000" dirty="0">
+                <a:solidFill>
+                  <a:schemeClr val="tx1">
+                    <a:alpha val="80000"/>
+                  </a:schemeClr>
+                </a:solidFill>
+              </a:rPr>
+              <a:t> Database uitbreiden, beveiligingsplan.</a:t>
+            </a:r>
+          </a:p>
+          <a:p>
+            <a:pPr marL="0" indent="0">
+              <a:buNone/>
+            </a:pPr>
+            <a:r>
+              <a:rPr lang="nl-NL" sz="2000" b="1" dirty="0" err="1">
+                <a:solidFill>
+                  <a:schemeClr val="tx1">
+                    <a:alpha val="80000"/>
+                  </a:schemeClr>
+                </a:solidFill>
+              </a:rPr>
+              <a:t>Acceptance</a:t>
+            </a:r>
+            <a:r>
+              <a:rPr lang="nl-NL" sz="2000" b="1" dirty="0">
+                <a:solidFill>
+                  <a:schemeClr val="tx1">
+                    <a:alpha val="80000"/>
+                  </a:schemeClr>
+                </a:solidFill>
+              </a:rPr>
+              <a:t> Criteria: </a:t>
+            </a:r>
+            <a:r>
+              <a:rPr lang="nl-NL" sz="2000" dirty="0">
+                <a:solidFill>
+                  <a:schemeClr val="tx1">
+                    <a:alpha val="80000"/>
+                  </a:schemeClr>
+                </a:solidFill>
+              </a:rPr>
+              <a:t>Veilige database omgeving maken. </a:t>
+            </a:r>
+            <a:endParaRPr lang="nl-NL" sz="2000" b="1" dirty="0">
+              <a:solidFill>
+                <a:schemeClr val="tx1">
+                  <a:alpha val="80000"/>
+                </a:schemeClr>
+              </a:solidFill>
+            </a:endParaRPr>
+          </a:p>
+          <a:p>
+            <a:pPr marL="0" indent="0">
+              <a:buNone/>
+            </a:pPr>
+            <a:r>
+              <a:rPr lang="nl-NL" sz="2000" b="1" dirty="0">
+                <a:solidFill>
+                  <a:schemeClr val="tx1">
+                    <a:alpha val="80000"/>
+                  </a:schemeClr>
+                </a:solidFill>
+              </a:rPr>
+              <a:t>Story Points: </a:t>
+            </a:r>
+            <a:r>
+              <a:rPr lang="nl-NL" sz="2000" dirty="0">
+                <a:solidFill>
+                  <a:schemeClr val="tx1">
+                    <a:alpha val="80000"/>
+                  </a:schemeClr>
+                </a:solidFill>
+              </a:rPr>
+              <a:t>5</a:t>
+            </a:r>
           </a:p>
         </p:txBody>
       </p:sp>
+      <p:sp>
+        <p:nvSpPr>
+          <p:cNvPr id="16" name="Graphic 10">
+            <a:extLst>
+              <a:ext uri="{FF2B5EF4-FFF2-40B4-BE49-F238E27FC236}">
+                <a16:creationId xmlns:a16="http://schemas.microsoft.com/office/drawing/2014/main" id="{E3020543-B24B-4EC4-8FFC-8DD88EEA91A8}"/>
+              </a:ext>
+              <a:ext uri="{C183D7F6-B498-43B3-948B-1728B52AA6E4}">
+                <adec:decorative xmlns:adec="http://schemas.microsoft.com/office/drawing/2017/decorative" val="1"/>
+              </a:ext>
+            </a:extLst>
+          </p:cNvPr>
+          <p:cNvSpPr>
+            <a:spLocks noGrp="1" noRot="1" noChangeAspect="1" noMove="1" noResize="1" noEditPoints="1" noAdjustHandles="1" noChangeArrowheads="1" noChangeShapeType="1" noTextEdit="1"/>
+          </p:cNvSpPr>
+          <p:nvPr>
+            <p:extLst>
+              <p:ext uri="{386F3935-93C4-4BCD-93E2-E3B085C9AB24}">
+                <p16:designElem xmlns:p16="http://schemas.microsoft.com/office/powerpoint/2015/main" val="1"/>
+              </p:ext>
+            </p:extLst>
+          </p:nvPr>
+        </p:nvSpPr>
+        <p:spPr>
+          <a:xfrm>
+            <a:off x="5436547" y="5751820"/>
+            <a:ext cx="112426" cy="112426"/>
+          </a:xfrm>
+          <a:custGeom>
+            <a:avLst/>
+            <a:gdLst>
+              <a:gd name="connsiteX0" fmla="*/ 112426 w 112426"/>
+              <a:gd name="connsiteY0" fmla="*/ 56213 h 112426"/>
+              <a:gd name="connsiteX1" fmla="*/ 56213 w 112426"/>
+              <a:gd name="connsiteY1" fmla="*/ 112426 h 112426"/>
+              <a:gd name="connsiteX2" fmla="*/ 0 w 112426"/>
+              <a:gd name="connsiteY2" fmla="*/ 56213 h 112426"/>
+              <a:gd name="connsiteX3" fmla="*/ 56213 w 112426"/>
+              <a:gd name="connsiteY3" fmla="*/ 0 h 112426"/>
+              <a:gd name="connsiteX4" fmla="*/ 112426 w 112426"/>
+              <a:gd name="connsiteY4" fmla="*/ 56213 h 112426"/>
+            </a:gdLst>
+            <a:ahLst/>
+            <a:cxnLst>
+              <a:cxn ang="0">
+                <a:pos x="connsiteX0" y="connsiteY0"/>
+              </a:cxn>
+              <a:cxn ang="0">
+                <a:pos x="connsiteX1" y="connsiteY1"/>
+              </a:cxn>
+              <a:cxn ang="0">
+                <a:pos x="connsiteX2" y="connsiteY2"/>
+              </a:cxn>
+              <a:cxn ang="0">
+                <a:pos x="connsiteX3" y="connsiteY3"/>
+              </a:cxn>
+              <a:cxn ang="0">
+                <a:pos x="connsiteX4" y="connsiteY4"/>
+              </a:cxn>
+            </a:cxnLst>
+            <a:rect l="l" t="t" r="r" b="b"/>
+            <a:pathLst>
+              <a:path w="112426" h="112426">
+                <a:moveTo>
+                  <a:pt x="112426" y="56213"/>
+                </a:moveTo>
+                <a:cubicBezTo>
+                  <a:pt x="112426" y="87259"/>
+                  <a:pt x="87259" y="112426"/>
+                  <a:pt x="56213" y="112426"/>
+                </a:cubicBezTo>
+                <a:cubicBezTo>
+                  <a:pt x="25167" y="112426"/>
+                  <a:pt x="0" y="87259"/>
+                  <a:pt x="0" y="56213"/>
+                </a:cubicBezTo>
+                <a:cubicBezTo>
+                  <a:pt x="0" y="25167"/>
+                  <a:pt x="25167" y="0"/>
+                  <a:pt x="56213" y="0"/>
+                </a:cubicBezTo>
+                <a:cubicBezTo>
+                  <a:pt x="87259" y="0"/>
+                  <a:pt x="112426" y="25167"/>
+                  <a:pt x="112426" y="56213"/>
+                </a:cubicBezTo>
+                <a:close/>
+              </a:path>
+            </a:pathLst>
+          </a:custGeom>
+          <a:solidFill>
+            <a:schemeClr val="accent2"/>
+          </a:solidFill>
+          <a:ln w="516" cap="flat">
+            <a:noFill/>
+            <a:prstDash val="solid"/>
+            <a:miter/>
+          </a:ln>
+        </p:spPr>
+        <p:txBody>
+          <a:bodyPr rtlCol="0" anchor="ctr"/>
+          <a:lstStyle/>
+          <a:p>
+            <a:endParaRPr lang="en-US"/>
+          </a:p>
+        </p:txBody>
+      </p:sp>
+      <p:cxnSp>
+        <p:nvCxnSpPr>
+          <p:cNvPr id="18" name="Straight Connector 17">
+            <a:extLst>
+              <a:ext uri="{FF2B5EF4-FFF2-40B4-BE49-F238E27FC236}">
+                <a16:creationId xmlns:a16="http://schemas.microsoft.com/office/drawing/2014/main" id="{C49DA8F6-BCC1-4447-B54C-57856834B94B}"/>
+              </a:ext>
+              <a:ext uri="{C183D7F6-B498-43B3-948B-1728B52AA6E4}">
+                <adec:decorative xmlns:adec="http://schemas.microsoft.com/office/drawing/2017/decorative" val="1"/>
+              </a:ext>
+            </a:extLst>
+          </p:cNvPr>
+          <p:cNvCxnSpPr>
+            <a:cxnSpLocks noGrp="1" noRot="1" noChangeAspect="1" noMove="1" noResize="1" noEditPoints="1" noAdjustHandles="1" noChangeArrowheads="1" noChangeShapeType="1"/>
+          </p:cNvCxnSpPr>
+          <p:nvPr>
+            <p:extLst>
+              <p:ext uri="{386F3935-93C4-4BCD-93E2-E3B085C9AB24}">
+                <p16:designElem xmlns:p16="http://schemas.microsoft.com/office/powerpoint/2015/main" val="1"/>
+              </p:ext>
+            </p:extLst>
+          </p:nvPr>
+        </p:nvCxnSpPr>
+        <p:spPr>
+          <a:xfrm>
+            <a:off x="11586162" y="3610394"/>
+            <a:ext cx="0" cy="3238728"/>
+          </a:xfrm>
+          <a:prstGeom prst="line">
+            <a:avLst/>
+          </a:prstGeom>
+          <a:ln w="25400" cap="sq">
+            <a:gradFill flip="none" rotWithShape="1">
+              <a:gsLst>
+                <a:gs pos="0">
+                  <a:schemeClr val="accent1"/>
+                </a:gs>
+                <a:gs pos="100000">
+                  <a:schemeClr val="accent2"/>
+                </a:gs>
+              </a:gsLst>
+              <a:lin ang="5400000" scaled="0"/>
+              <a:tileRect/>
+            </a:gradFill>
+            <a:bevel/>
+          </a:ln>
+        </p:spPr>
+        <p:style>
+          <a:lnRef idx="1">
+            <a:schemeClr val="accent1"/>
+          </a:lnRef>
+          <a:fillRef idx="0">
+            <a:schemeClr val="accent1"/>
+          </a:fillRef>
+          <a:effectRef idx="0">
+            <a:schemeClr val="accent1"/>
+          </a:effectRef>
+          <a:fontRef idx="minor">
+            <a:schemeClr val="tx1"/>
+          </a:fontRef>
+        </p:style>
+      </p:cxnSp>
     </p:spTree>
     <p:extLst>
       <p:ext uri="{BB962C8B-B14F-4D97-AF65-F5344CB8AC3E}">
-        <p14:creationId xmlns:p14="http://schemas.microsoft.com/office/powerpoint/2010/main" val="3323282130"/>
+        <p14:creationId xmlns:p14="http://schemas.microsoft.com/office/powerpoint/2010/main" val="3591178993"/>
       </p:ext>
     </p:extLst>
   </p:cSld>
   <p:clrMapOvr>
     <a:masterClrMapping/>
   </p:clrMapOvr>
+  <p:transition spd="slow">
+    <p:cover/>
+  </p:transition>
+</p:sld>
+</file>
+
+<file path=ppt/slides/slide7.xml><?xml version="1.0" encoding="utf-8"?>
+<p:sld xmlns:a="http://schemas.openxmlformats.org/drawingml/2006/main" xmlns:r="http://schemas.openxmlformats.org/officeDocument/2006/relationships" xmlns:p="http://schemas.openxmlformats.org/presentationml/2006/main">
+  <p:cSld>
+    <p:bg>
+      <p:bgPr>
+        <a:solidFill>
+          <a:schemeClr val="bg1"/>
+        </a:solidFill>
+        <a:effectLst/>
+      </p:bgPr>
+    </p:bg>
+    <p:spTree>
+      <p:nvGrpSpPr>
+        <p:cNvPr id="1" name=""/>
+        <p:cNvGrpSpPr/>
+        <p:nvPr/>
+      </p:nvGrpSpPr>
+      <p:grpSpPr>
+        <a:xfrm>
+          <a:off x="0" y="0"/>
+          <a:ext cx="0" cy="0"/>
+          <a:chOff x="0" y="0"/>
+          <a:chExt cx="0" cy="0"/>
+        </a:xfrm>
+      </p:grpSpPr>
+      <p:sp useBgFill="1">
+        <p:nvSpPr>
+          <p:cNvPr id="38" name="Rectangle 37">
+            <a:extLst>
+              <a:ext uri="{FF2B5EF4-FFF2-40B4-BE49-F238E27FC236}">
+                <a16:creationId xmlns:a16="http://schemas.microsoft.com/office/drawing/2014/main" id="{327D73B4-9F5C-4A64-A179-51B9500CB8B5}"/>
+              </a:ext>
+              <a:ext uri="{C183D7F6-B498-43B3-948B-1728B52AA6E4}">
+                <adec:decorative xmlns:adec="http://schemas.microsoft.com/office/drawing/2017/decorative" val="1"/>
+              </a:ext>
+            </a:extLst>
+          </p:cNvPr>
+          <p:cNvSpPr>
+            <a:spLocks noGrp="1" noRot="1" noChangeAspect="1" noMove="1" noResize="1" noEditPoints="1" noAdjustHandles="1" noChangeArrowheads="1" noChangeShapeType="1" noTextEdit="1"/>
+          </p:cNvSpPr>
+          <p:nvPr>
+            <p:extLst>
+              <p:ext uri="{386F3935-93C4-4BCD-93E2-E3B085C9AB24}">
+                <p16:designElem xmlns:p16="http://schemas.microsoft.com/office/powerpoint/2015/main" val="1"/>
+              </p:ext>
+            </p:extLst>
+          </p:nvPr>
+        </p:nvSpPr>
+        <p:spPr>
+          <a:xfrm>
+            <a:off x="0" y="0"/>
+            <a:ext cx="12192000" cy="6858000"/>
+          </a:xfrm>
+          <a:prstGeom prst="rect">
+            <a:avLst/>
+          </a:prstGeom>
+          <a:ln>
+            <a:noFill/>
+          </a:ln>
+        </p:spPr>
+        <p:style>
+          <a:lnRef idx="2">
+            <a:schemeClr val="accent1">
+              <a:shade val="50000"/>
+            </a:schemeClr>
+          </a:lnRef>
+          <a:fillRef idx="1">
+            <a:schemeClr val="accent1"/>
+          </a:fillRef>
+          <a:effectRef idx="0">
+            <a:schemeClr val="accent1"/>
+          </a:effectRef>
+          <a:fontRef idx="minor">
+            <a:schemeClr val="lt1"/>
+          </a:fontRef>
+        </p:style>
+        <p:txBody>
+          <a:bodyPr rtlCol="0" anchor="ctr"/>
+          <a:lstStyle/>
+          <a:p>
+            <a:pPr algn="ctr"/>
+            <a:endParaRPr lang="en-US"/>
+          </a:p>
+        </p:txBody>
+      </p:sp>
+      <p:sp>
+        <p:nvSpPr>
+          <p:cNvPr id="40" name="Oval 39">
+            <a:extLst>
+              <a:ext uri="{FF2B5EF4-FFF2-40B4-BE49-F238E27FC236}">
+                <a16:creationId xmlns:a16="http://schemas.microsoft.com/office/drawing/2014/main" id="{C1F06963-6374-4B48-844F-071A9BAAAE02}"/>
+              </a:ext>
+              <a:ext uri="{C183D7F6-B498-43B3-948B-1728B52AA6E4}">
+                <adec:decorative xmlns:adec="http://schemas.microsoft.com/office/drawing/2017/decorative" val="1"/>
+              </a:ext>
+            </a:extLst>
+          </p:cNvPr>
+          <p:cNvSpPr>
+            <a:spLocks noGrp="1" noRot="1" noChangeAspect="1" noMove="1" noResize="1" noEditPoints="1" noAdjustHandles="1" noChangeArrowheads="1" noChangeShapeType="1" noTextEdit="1"/>
+          </p:cNvSpPr>
+          <p:nvPr>
+            <p:extLst>
+              <p:ext uri="{386F3935-93C4-4BCD-93E2-E3B085C9AB24}">
+                <p16:designElem xmlns:p16="http://schemas.microsoft.com/office/powerpoint/2015/main" val="1"/>
+              </p:ext>
+            </p:extLst>
+          </p:nvPr>
+        </p:nvSpPr>
+        <p:spPr>
+          <a:xfrm>
+            <a:off x="199528" y="554152"/>
+            <a:ext cx="5742189" cy="5742189"/>
+          </a:xfrm>
+          <a:prstGeom prst="ellipse">
+            <a:avLst/>
+          </a:prstGeom>
+          <a:gradFill flip="none" rotWithShape="1">
+            <a:gsLst>
+              <a:gs pos="0">
+                <a:schemeClr val="accent1"/>
+              </a:gs>
+              <a:gs pos="100000">
+                <a:schemeClr val="accent2"/>
+              </a:gs>
+            </a:gsLst>
+            <a:lin ang="2700000" scaled="1"/>
+            <a:tileRect/>
+          </a:gradFill>
+          <a:ln>
+            <a:noFill/>
+          </a:ln>
+        </p:spPr>
+        <p:style>
+          <a:lnRef idx="2">
+            <a:schemeClr val="accent1">
+              <a:shade val="50000"/>
+            </a:schemeClr>
+          </a:lnRef>
+          <a:fillRef idx="1">
+            <a:schemeClr val="accent1"/>
+          </a:fillRef>
+          <a:effectRef idx="0">
+            <a:schemeClr val="accent1"/>
+          </a:effectRef>
+          <a:fontRef idx="minor">
+            <a:schemeClr val="lt1"/>
+          </a:fontRef>
+        </p:style>
+        <p:txBody>
+          <a:bodyPr rtlCol="0" anchor="ctr"/>
+          <a:lstStyle/>
+          <a:p>
+            <a:pPr algn="ctr"/>
+            <a:endParaRPr lang="en-US"/>
+          </a:p>
+        </p:txBody>
+      </p:sp>
+      <p:sp>
+        <p:nvSpPr>
+          <p:cNvPr id="2" name="Titel 1">
+            <a:extLst>
+              <a:ext uri="{FF2B5EF4-FFF2-40B4-BE49-F238E27FC236}">
+                <a16:creationId xmlns:a16="http://schemas.microsoft.com/office/drawing/2014/main" id="{FA0B3428-3255-4023-88EC-B3C9CFAB377B}"/>
+              </a:ext>
+            </a:extLst>
+          </p:cNvPr>
+          <p:cNvSpPr>
+            <a:spLocks noGrp="1"/>
+          </p:cNvSpPr>
+          <p:nvPr>
+            <p:ph type="title"/>
+          </p:nvPr>
+        </p:nvSpPr>
+        <p:spPr>
+          <a:xfrm>
+            <a:off x="1245072" y="1289765"/>
+            <a:ext cx="3651101" cy="4270963"/>
+          </a:xfrm>
+        </p:spPr>
+        <p:txBody>
+          <a:bodyPr anchor="ctr">
+            <a:normAutofit/>
+          </a:bodyPr>
+          <a:lstStyle/>
+          <a:p>
+            <a:pPr algn="ctr"/>
+            <a:r>
+              <a:rPr lang="nl-NL" sz="5600" dirty="0">
+                <a:solidFill>
+                  <a:srgbClr val="FFFFFF"/>
+                </a:solidFill>
+              </a:rPr>
+              <a:t>Sprint </a:t>
+            </a:r>
+            <a:r>
+              <a:rPr lang="nl-NL" sz="5600" dirty="0" err="1">
+                <a:solidFill>
+                  <a:srgbClr val="FFFFFF"/>
+                </a:solidFill>
+              </a:rPr>
+              <a:t>backlog</a:t>
+            </a:r>
+            <a:br>
+              <a:rPr lang="nl-NL" sz="5600" dirty="0">
+                <a:solidFill>
+                  <a:srgbClr val="FFFFFF"/>
+                </a:solidFill>
+              </a:rPr>
+            </a:br>
+            <a:br>
+              <a:rPr lang="nl-NL" sz="5600" dirty="0">
+                <a:solidFill>
+                  <a:srgbClr val="FFFFFF"/>
+                </a:solidFill>
+              </a:rPr>
+            </a:br>
+            <a:r>
+              <a:rPr lang="nl-NL" sz="5600" dirty="0">
+                <a:solidFill>
+                  <a:srgbClr val="FFFFFF"/>
+                </a:solidFill>
+              </a:rPr>
+              <a:t>Sander</a:t>
+            </a:r>
+          </a:p>
+        </p:txBody>
+      </p:sp>
+      <p:sp>
+        <p:nvSpPr>
+          <p:cNvPr id="42" name="Graphic 11">
+            <a:extLst>
+              <a:ext uri="{FF2B5EF4-FFF2-40B4-BE49-F238E27FC236}">
+                <a16:creationId xmlns:a16="http://schemas.microsoft.com/office/drawing/2014/main" id="{6CB927A4-E432-4310-9CD5-E89FF5063179}"/>
+              </a:ext>
+              <a:ext uri="{C183D7F6-B498-43B3-948B-1728B52AA6E4}">
+                <adec:decorative xmlns:adec="http://schemas.microsoft.com/office/drawing/2017/decorative" val="1"/>
+              </a:ext>
+            </a:extLst>
+          </p:cNvPr>
+          <p:cNvSpPr>
+            <a:spLocks noGrp="1" noRot="1" noChangeAspect="1" noMove="1" noResize="1" noEditPoints="1" noAdjustHandles="1" noChangeArrowheads="1" noChangeShapeType="1" noTextEdit="1"/>
+          </p:cNvSpPr>
+          <p:nvPr>
+            <p:extLst>
+              <p:ext uri="{386F3935-93C4-4BCD-93E2-E3B085C9AB24}">
+                <p16:designElem xmlns:p16="http://schemas.microsoft.com/office/powerpoint/2015/main" val="1"/>
+              </p:ext>
+            </p:extLst>
+          </p:nvPr>
+        </p:nvSpPr>
+        <p:spPr>
+          <a:xfrm>
+            <a:off x="1123493" y="374394"/>
+            <a:ext cx="171515" cy="171515"/>
+          </a:xfrm>
+          <a:custGeom>
+            <a:avLst/>
+            <a:gdLst>
+              <a:gd name="connsiteX0" fmla="*/ 159874 w 171515"/>
+              <a:gd name="connsiteY0" fmla="*/ 74116 h 171515"/>
+              <a:gd name="connsiteX1" fmla="*/ 97399 w 171515"/>
+              <a:gd name="connsiteY1" fmla="*/ 74116 h 171515"/>
+              <a:gd name="connsiteX2" fmla="*/ 97399 w 171515"/>
+              <a:gd name="connsiteY2" fmla="*/ 11641 h 171515"/>
+              <a:gd name="connsiteX3" fmla="*/ 85758 w 171515"/>
+              <a:gd name="connsiteY3" fmla="*/ 0 h 171515"/>
+              <a:gd name="connsiteX4" fmla="*/ 74116 w 171515"/>
+              <a:gd name="connsiteY4" fmla="*/ 11641 h 171515"/>
+              <a:gd name="connsiteX5" fmla="*/ 74116 w 171515"/>
+              <a:gd name="connsiteY5" fmla="*/ 74116 h 171515"/>
+              <a:gd name="connsiteX6" fmla="*/ 11641 w 171515"/>
+              <a:gd name="connsiteY6" fmla="*/ 74116 h 171515"/>
+              <a:gd name="connsiteX7" fmla="*/ 0 w 171515"/>
+              <a:gd name="connsiteY7" fmla="*/ 85758 h 171515"/>
+              <a:gd name="connsiteX8" fmla="*/ 11641 w 171515"/>
+              <a:gd name="connsiteY8" fmla="*/ 97399 h 171515"/>
+              <a:gd name="connsiteX9" fmla="*/ 74116 w 171515"/>
+              <a:gd name="connsiteY9" fmla="*/ 97399 h 171515"/>
+              <a:gd name="connsiteX10" fmla="*/ 74116 w 171515"/>
+              <a:gd name="connsiteY10" fmla="*/ 159874 h 171515"/>
+              <a:gd name="connsiteX11" fmla="*/ 85758 w 171515"/>
+              <a:gd name="connsiteY11" fmla="*/ 171515 h 171515"/>
+              <a:gd name="connsiteX12" fmla="*/ 97399 w 171515"/>
+              <a:gd name="connsiteY12" fmla="*/ 159874 h 171515"/>
+              <a:gd name="connsiteX13" fmla="*/ 97399 w 171515"/>
+              <a:gd name="connsiteY13" fmla="*/ 97399 h 171515"/>
+              <a:gd name="connsiteX14" fmla="*/ 159874 w 171515"/>
+              <a:gd name="connsiteY14" fmla="*/ 97399 h 171515"/>
+              <a:gd name="connsiteX15" fmla="*/ 171515 w 171515"/>
+              <a:gd name="connsiteY15" fmla="*/ 85758 h 171515"/>
+              <a:gd name="connsiteX16" fmla="*/ 159874 w 171515"/>
+              <a:gd name="connsiteY16" fmla="*/ 74116 h 171515"/>
+            </a:gdLst>
+            <a:ahLst/>
+            <a:cxnLst>
+              <a:cxn ang="0">
+                <a:pos x="connsiteX0" y="connsiteY0"/>
+              </a:cxn>
+              <a:cxn ang="0">
+                <a:pos x="connsiteX1" y="connsiteY1"/>
+              </a:cxn>
+              <a:cxn ang="0">
+                <a:pos x="connsiteX2" y="connsiteY2"/>
+              </a:cxn>
+              <a:cxn ang="0">
+                <a:pos x="connsiteX3" y="connsiteY3"/>
+              </a:cxn>
+              <a:cxn ang="0">
+                <a:pos x="connsiteX4" y="connsiteY4"/>
+              </a:cxn>
+              <a:cxn ang="0">
+                <a:pos x="connsiteX5" y="connsiteY5"/>
+              </a:cxn>
+              <a:cxn ang="0">
+                <a:pos x="connsiteX6" y="connsiteY6"/>
+              </a:cxn>
+              <a:cxn ang="0">
+                <a:pos x="connsiteX7" y="connsiteY7"/>
+              </a:cxn>
+              <a:cxn ang="0">
+                <a:pos x="connsiteX8" y="connsiteY8"/>
+              </a:cxn>
+              <a:cxn ang="0">
+                <a:pos x="connsiteX9" y="connsiteY9"/>
+              </a:cxn>
+              <a:cxn ang="0">
+                <a:pos x="connsiteX10" y="connsiteY10"/>
+              </a:cxn>
+              <a:cxn ang="0">
+                <a:pos x="connsiteX11" y="connsiteY11"/>
+              </a:cxn>
+              <a:cxn ang="0">
+                <a:pos x="connsiteX12" y="connsiteY12"/>
+              </a:cxn>
+              <a:cxn ang="0">
+                <a:pos x="connsiteX13" y="connsiteY13"/>
+              </a:cxn>
+              <a:cxn ang="0">
+                <a:pos x="connsiteX14" y="connsiteY14"/>
+              </a:cxn>
+              <a:cxn ang="0">
+                <a:pos x="connsiteX15" y="connsiteY15"/>
+              </a:cxn>
+              <a:cxn ang="0">
+                <a:pos x="connsiteX16" y="connsiteY16"/>
+              </a:cxn>
+            </a:cxnLst>
+            <a:rect l="l" t="t" r="r" b="b"/>
+            <a:pathLst>
+              <a:path w="171515" h="171515">
+                <a:moveTo>
+                  <a:pt x="159874" y="74116"/>
+                </a:moveTo>
+                <a:lnTo>
+                  <a:pt x="97399" y="74116"/>
+                </a:lnTo>
+                <a:lnTo>
+                  <a:pt x="97399" y="11641"/>
+                </a:lnTo>
+                <a:cubicBezTo>
+                  <a:pt x="97399" y="5212"/>
+                  <a:pt x="92187" y="0"/>
+                  <a:pt x="85758" y="0"/>
+                </a:cubicBezTo>
+                <a:cubicBezTo>
+                  <a:pt x="79328" y="0"/>
+                  <a:pt x="74116" y="5212"/>
+                  <a:pt x="74116" y="11641"/>
+                </a:cubicBezTo>
+                <a:lnTo>
+                  <a:pt x="74116" y="74116"/>
+                </a:lnTo>
+                <a:lnTo>
+                  <a:pt x="11641" y="74116"/>
+                </a:lnTo>
+                <a:cubicBezTo>
+                  <a:pt x="5212" y="74116"/>
+                  <a:pt x="0" y="79328"/>
+                  <a:pt x="0" y="85758"/>
+                </a:cubicBezTo>
+                <a:cubicBezTo>
+                  <a:pt x="0" y="92187"/>
+                  <a:pt x="5212" y="97399"/>
+                  <a:pt x="11641" y="97399"/>
+                </a:cubicBezTo>
+                <a:lnTo>
+                  <a:pt x="74116" y="97399"/>
+                </a:lnTo>
+                <a:lnTo>
+                  <a:pt x="74116" y="159874"/>
+                </a:lnTo>
+                <a:cubicBezTo>
+                  <a:pt x="74116" y="166303"/>
+                  <a:pt x="79328" y="171515"/>
+                  <a:pt x="85758" y="171515"/>
+                </a:cubicBezTo>
+                <a:cubicBezTo>
+                  <a:pt x="92187" y="171515"/>
+                  <a:pt x="97399" y="166303"/>
+                  <a:pt x="97399" y="159874"/>
+                </a:cubicBezTo>
+                <a:lnTo>
+                  <a:pt x="97399" y="97399"/>
+                </a:lnTo>
+                <a:lnTo>
+                  <a:pt x="159874" y="97399"/>
+                </a:lnTo>
+                <a:cubicBezTo>
+                  <a:pt x="166303" y="97399"/>
+                  <a:pt x="171515" y="92187"/>
+                  <a:pt x="171515" y="85758"/>
+                </a:cubicBezTo>
+                <a:cubicBezTo>
+                  <a:pt x="171515" y="79328"/>
+                  <a:pt x="166303" y="74116"/>
+                  <a:pt x="159874" y="74116"/>
+                </a:cubicBezTo>
+                <a:close/>
+              </a:path>
+            </a:pathLst>
+          </a:custGeom>
+          <a:solidFill>
+            <a:schemeClr val="accent2"/>
+          </a:solidFill>
+          <a:ln w="776" cap="flat">
+            <a:noFill/>
+            <a:prstDash val="solid"/>
+            <a:miter/>
+          </a:ln>
+        </p:spPr>
+        <p:txBody>
+          <a:bodyPr rtlCol="0" anchor="ctr"/>
+          <a:lstStyle/>
+          <a:p>
+            <a:endParaRPr lang="en-US"/>
+          </a:p>
+        </p:txBody>
+      </p:sp>
+      <p:sp>
+        <p:nvSpPr>
+          <p:cNvPr id="44" name="Graphic 12">
+            <a:extLst>
+              <a:ext uri="{FF2B5EF4-FFF2-40B4-BE49-F238E27FC236}">
+                <a16:creationId xmlns:a16="http://schemas.microsoft.com/office/drawing/2014/main" id="{1453BF6C-B012-48B7-B4E8-6D7AC7C27D02}"/>
+              </a:ext>
+              <a:ext uri="{C183D7F6-B498-43B3-948B-1728B52AA6E4}">
+                <adec:decorative xmlns:adec="http://schemas.microsoft.com/office/drawing/2017/decorative" val="1"/>
+              </a:ext>
+            </a:extLst>
+          </p:cNvPr>
+          <p:cNvSpPr>
+            <a:spLocks noGrp="1" noRot="1" noChangeAspect="1" noMove="1" noResize="1" noEditPoints="1" noAdjustHandles="1" noChangeArrowheads="1" noChangeShapeType="1" noTextEdit="1"/>
+          </p:cNvSpPr>
+          <p:nvPr>
+            <p:extLst>
+              <p:ext uri="{386F3935-93C4-4BCD-93E2-E3B085C9AB24}">
+                <p16:designElem xmlns:p16="http://schemas.microsoft.com/office/powerpoint/2015/main" val="1"/>
+              </p:ext>
+            </p:extLst>
+          </p:nvPr>
+        </p:nvSpPr>
+        <p:spPr>
+          <a:xfrm>
+            <a:off x="550109" y="1084507"/>
+            <a:ext cx="157545" cy="157545"/>
+          </a:xfrm>
+          <a:custGeom>
+            <a:avLst/>
+            <a:gdLst>
+              <a:gd name="connsiteX0" fmla="*/ 78773 w 157545"/>
+              <a:gd name="connsiteY0" fmla="*/ 23283 h 157545"/>
+              <a:gd name="connsiteX1" fmla="*/ 134262 w 157545"/>
+              <a:gd name="connsiteY1" fmla="*/ 78773 h 157545"/>
+              <a:gd name="connsiteX2" fmla="*/ 78773 w 157545"/>
+              <a:gd name="connsiteY2" fmla="*/ 134262 h 157545"/>
+              <a:gd name="connsiteX3" fmla="*/ 23283 w 157545"/>
+              <a:gd name="connsiteY3" fmla="*/ 78773 h 157545"/>
+              <a:gd name="connsiteX4" fmla="*/ 78773 w 157545"/>
+              <a:gd name="connsiteY4" fmla="*/ 23283 h 157545"/>
+              <a:gd name="connsiteX5" fmla="*/ 78773 w 157545"/>
+              <a:gd name="connsiteY5" fmla="*/ 0 h 157545"/>
+              <a:gd name="connsiteX6" fmla="*/ 0 w 157545"/>
+              <a:gd name="connsiteY6" fmla="*/ 78773 h 157545"/>
+              <a:gd name="connsiteX7" fmla="*/ 78773 w 157545"/>
+              <a:gd name="connsiteY7" fmla="*/ 157545 h 157545"/>
+              <a:gd name="connsiteX8" fmla="*/ 157545 w 157545"/>
+              <a:gd name="connsiteY8" fmla="*/ 78773 h 157545"/>
+              <a:gd name="connsiteX9" fmla="*/ 78773 w 157545"/>
+              <a:gd name="connsiteY9" fmla="*/ 0 h 157545"/>
+            </a:gdLst>
+            <a:ahLst/>
+            <a:cxnLst>
+              <a:cxn ang="0">
+                <a:pos x="connsiteX0" y="connsiteY0"/>
+              </a:cxn>
+              <a:cxn ang="0">
+                <a:pos x="connsiteX1" y="connsiteY1"/>
+              </a:cxn>
+              <a:cxn ang="0">
+                <a:pos x="connsiteX2" y="connsiteY2"/>
+              </a:cxn>
+              <a:cxn ang="0">
+                <a:pos x="connsiteX3" y="connsiteY3"/>
+              </a:cxn>
+              <a:cxn ang="0">
+                <a:pos x="connsiteX4" y="connsiteY4"/>
+              </a:cxn>
+              <a:cxn ang="0">
+                <a:pos x="connsiteX5" y="connsiteY5"/>
+              </a:cxn>
+              <a:cxn ang="0">
+                <a:pos x="connsiteX6" y="connsiteY6"/>
+              </a:cxn>
+              <a:cxn ang="0">
+                <a:pos x="connsiteX7" y="connsiteY7"/>
+              </a:cxn>
+              <a:cxn ang="0">
+                <a:pos x="connsiteX8" y="connsiteY8"/>
+              </a:cxn>
+              <a:cxn ang="0">
+                <a:pos x="connsiteX9" y="connsiteY9"/>
+              </a:cxn>
+            </a:cxnLst>
+            <a:rect l="l" t="t" r="r" b="b"/>
+            <a:pathLst>
+              <a:path w="157545" h="157545">
+                <a:moveTo>
+                  <a:pt x="78773" y="23283"/>
+                </a:moveTo>
+                <a:cubicBezTo>
+                  <a:pt x="109419" y="23283"/>
+                  <a:pt x="134262" y="48126"/>
+                  <a:pt x="134262" y="78773"/>
+                </a:cubicBezTo>
+                <a:cubicBezTo>
+                  <a:pt x="134262" y="109419"/>
+                  <a:pt x="109419" y="134262"/>
+                  <a:pt x="78773" y="134262"/>
+                </a:cubicBezTo>
+                <a:cubicBezTo>
+                  <a:pt x="48126" y="134262"/>
+                  <a:pt x="23283" y="109419"/>
+                  <a:pt x="23283" y="78773"/>
+                </a:cubicBezTo>
+                <a:cubicBezTo>
+                  <a:pt x="23312" y="48139"/>
+                  <a:pt x="48139" y="23312"/>
+                  <a:pt x="78773" y="23283"/>
+                </a:cubicBezTo>
+                <a:moveTo>
+                  <a:pt x="78773" y="0"/>
+                </a:moveTo>
+                <a:cubicBezTo>
+                  <a:pt x="35268" y="0"/>
+                  <a:pt x="0" y="35268"/>
+                  <a:pt x="0" y="78773"/>
+                </a:cubicBezTo>
+                <a:cubicBezTo>
+                  <a:pt x="0" y="122277"/>
+                  <a:pt x="35268" y="157545"/>
+                  <a:pt x="78773" y="157545"/>
+                </a:cubicBezTo>
+                <a:cubicBezTo>
+                  <a:pt x="122277" y="157545"/>
+                  <a:pt x="157545" y="122277"/>
+                  <a:pt x="157545" y="78773"/>
+                </a:cubicBezTo>
+                <a:cubicBezTo>
+                  <a:pt x="157545" y="35268"/>
+                  <a:pt x="122277" y="0"/>
+                  <a:pt x="78773" y="0"/>
+                </a:cubicBezTo>
+                <a:close/>
+              </a:path>
+            </a:pathLst>
+          </a:custGeom>
+          <a:solidFill>
+            <a:schemeClr val="accent2"/>
+          </a:solidFill>
+          <a:ln w="751" cap="flat">
+            <a:noFill/>
+            <a:prstDash val="solid"/>
+            <a:miter/>
+          </a:ln>
+        </p:spPr>
+        <p:txBody>
+          <a:bodyPr rtlCol="0" anchor="ctr"/>
+          <a:lstStyle/>
+          <a:p>
+            <a:endParaRPr lang="en-US"/>
+          </a:p>
+        </p:txBody>
+      </p:sp>
+      <p:sp>
+        <p:nvSpPr>
+          <p:cNvPr id="3" name="Tijdelijke aanduiding voor inhoud 2">
+            <a:extLst>
+              <a:ext uri="{FF2B5EF4-FFF2-40B4-BE49-F238E27FC236}">
+                <a16:creationId xmlns:a16="http://schemas.microsoft.com/office/drawing/2014/main" id="{2EF60DF6-8C83-4460-AA7E-305F4338BBA6}"/>
+              </a:ext>
+            </a:extLst>
+          </p:cNvPr>
+          <p:cNvSpPr>
+            <a:spLocks noGrp="1"/>
+          </p:cNvSpPr>
+          <p:nvPr>
+            <p:ph idx="1"/>
+          </p:nvPr>
+        </p:nvSpPr>
+        <p:spPr>
+          <a:xfrm>
+            <a:off x="6297233" y="518400"/>
+            <a:ext cx="4771607" cy="5837949"/>
+          </a:xfrm>
+        </p:spPr>
+        <p:txBody>
+          <a:bodyPr anchor="ctr">
+            <a:normAutofit/>
+          </a:bodyPr>
+          <a:lstStyle/>
+          <a:p>
+            <a:pPr marL="0" indent="0">
+              <a:buNone/>
+            </a:pPr>
+            <a:r>
+              <a:rPr lang="nl-NL" sz="2000" b="1" dirty="0">
+                <a:solidFill>
+                  <a:schemeClr val="tx1">
+                    <a:alpha val="80000"/>
+                  </a:schemeClr>
+                </a:solidFill>
+              </a:rPr>
+              <a:t>User story: </a:t>
+            </a:r>
+            <a:r>
+              <a:rPr lang="nl-NL" sz="2000" dirty="0">
+                <a:solidFill>
+                  <a:schemeClr val="tx1">
+                    <a:alpha val="80000"/>
+                  </a:schemeClr>
+                </a:solidFill>
+              </a:rPr>
+              <a:t>Als gebruiker wil ik dat mijn pincode gekoppeld staat met mijn bankrekening zodat ik via mijn pincode en pasje mijn bankrekening kan inzien.</a:t>
+            </a:r>
+            <a:endParaRPr lang="nl-NL" sz="2000" b="1" dirty="0">
+              <a:solidFill>
+                <a:schemeClr val="tx1">
+                  <a:alpha val="80000"/>
+                </a:schemeClr>
+              </a:solidFill>
+            </a:endParaRPr>
+          </a:p>
+          <a:p>
+            <a:pPr marL="0" indent="0">
+              <a:buNone/>
+            </a:pPr>
+            <a:r>
+              <a:rPr lang="nl-NL" sz="2000" b="1" dirty="0">
+                <a:solidFill>
+                  <a:schemeClr val="tx1">
+                    <a:alpha val="80000"/>
+                  </a:schemeClr>
+                </a:solidFill>
+              </a:rPr>
+              <a:t>Taak:</a:t>
+            </a:r>
+            <a:r>
+              <a:rPr lang="nl-NL" sz="2000" dirty="0">
+                <a:solidFill>
+                  <a:schemeClr val="tx1">
+                    <a:alpha val="80000"/>
+                  </a:schemeClr>
+                </a:solidFill>
+              </a:rPr>
+              <a:t> Implementatie met code van RIFD naar database.</a:t>
+            </a:r>
+          </a:p>
+          <a:p>
+            <a:pPr marL="0" indent="0">
+              <a:buNone/>
+            </a:pPr>
+            <a:r>
+              <a:rPr lang="nl-NL" sz="2000" b="1" dirty="0" err="1">
+                <a:solidFill>
+                  <a:schemeClr val="tx1">
+                    <a:alpha val="80000"/>
+                  </a:schemeClr>
+                </a:solidFill>
+              </a:rPr>
+              <a:t>Acceptance</a:t>
+            </a:r>
+            <a:r>
+              <a:rPr lang="nl-NL" sz="2000" b="1" dirty="0">
+                <a:solidFill>
+                  <a:schemeClr val="tx1">
+                    <a:alpha val="80000"/>
+                  </a:schemeClr>
+                </a:solidFill>
+              </a:rPr>
+              <a:t> Criteria: </a:t>
+            </a:r>
+            <a:r>
+              <a:rPr lang="nl-NL" sz="2000" dirty="0">
+                <a:solidFill>
+                  <a:schemeClr val="tx1">
+                    <a:alpha val="80000"/>
+                  </a:schemeClr>
+                </a:solidFill>
+              </a:rPr>
+              <a:t>Als de pincode van een gebruiker wordt ingevoerd en deze correct is wordt de bankrekening van deze persoon op het scherm getoond.</a:t>
+            </a:r>
+            <a:endParaRPr lang="nl-NL" sz="2000" b="1" dirty="0">
+              <a:solidFill>
+                <a:schemeClr val="tx1">
+                  <a:alpha val="80000"/>
+                </a:schemeClr>
+              </a:solidFill>
+            </a:endParaRPr>
+          </a:p>
+          <a:p>
+            <a:pPr marL="0" indent="0">
+              <a:buNone/>
+            </a:pPr>
+            <a:r>
+              <a:rPr lang="nl-NL" sz="2000" b="1" dirty="0">
+                <a:solidFill>
+                  <a:schemeClr val="tx1">
+                    <a:alpha val="80000"/>
+                  </a:schemeClr>
+                </a:solidFill>
+              </a:rPr>
+              <a:t>Story Points: </a:t>
+            </a:r>
+            <a:r>
+              <a:rPr lang="nl-NL" sz="2000" dirty="0">
+                <a:solidFill>
+                  <a:schemeClr val="tx1">
+                    <a:alpha val="80000"/>
+                  </a:schemeClr>
+                </a:solidFill>
+              </a:rPr>
+              <a:t>4</a:t>
+            </a:r>
+          </a:p>
+          <a:p>
+            <a:endParaRPr lang="nl-NL" sz="2000" dirty="0">
+              <a:solidFill>
+                <a:schemeClr val="tx1">
+                  <a:alpha val="80000"/>
+                </a:schemeClr>
+              </a:solidFill>
+            </a:endParaRPr>
+          </a:p>
+        </p:txBody>
+      </p:sp>
+      <p:sp>
+        <p:nvSpPr>
+          <p:cNvPr id="46" name="Graphic 10">
+            <a:extLst>
+              <a:ext uri="{FF2B5EF4-FFF2-40B4-BE49-F238E27FC236}">
+                <a16:creationId xmlns:a16="http://schemas.microsoft.com/office/drawing/2014/main" id="{E3020543-B24B-4EC4-8FFC-8DD88EEA91A8}"/>
+              </a:ext>
+              <a:ext uri="{C183D7F6-B498-43B3-948B-1728B52AA6E4}">
+                <adec:decorative xmlns:adec="http://schemas.microsoft.com/office/drawing/2017/decorative" val="1"/>
+              </a:ext>
+            </a:extLst>
+          </p:cNvPr>
+          <p:cNvSpPr>
+            <a:spLocks noGrp="1" noRot="1" noChangeAspect="1" noMove="1" noResize="1" noEditPoints="1" noAdjustHandles="1" noChangeArrowheads="1" noChangeShapeType="1" noTextEdit="1"/>
+          </p:cNvSpPr>
+          <p:nvPr>
+            <p:extLst>
+              <p:ext uri="{386F3935-93C4-4BCD-93E2-E3B085C9AB24}">
+                <p16:designElem xmlns:p16="http://schemas.microsoft.com/office/powerpoint/2015/main" val="1"/>
+              </p:ext>
+            </p:extLst>
+          </p:nvPr>
+        </p:nvSpPr>
+        <p:spPr>
+          <a:xfrm>
+            <a:off x="5436547" y="5751820"/>
+            <a:ext cx="112426" cy="112426"/>
+          </a:xfrm>
+          <a:custGeom>
+            <a:avLst/>
+            <a:gdLst>
+              <a:gd name="connsiteX0" fmla="*/ 112426 w 112426"/>
+              <a:gd name="connsiteY0" fmla="*/ 56213 h 112426"/>
+              <a:gd name="connsiteX1" fmla="*/ 56213 w 112426"/>
+              <a:gd name="connsiteY1" fmla="*/ 112426 h 112426"/>
+              <a:gd name="connsiteX2" fmla="*/ 0 w 112426"/>
+              <a:gd name="connsiteY2" fmla="*/ 56213 h 112426"/>
+              <a:gd name="connsiteX3" fmla="*/ 56213 w 112426"/>
+              <a:gd name="connsiteY3" fmla="*/ 0 h 112426"/>
+              <a:gd name="connsiteX4" fmla="*/ 112426 w 112426"/>
+              <a:gd name="connsiteY4" fmla="*/ 56213 h 112426"/>
+            </a:gdLst>
+            <a:ahLst/>
+            <a:cxnLst>
+              <a:cxn ang="0">
+                <a:pos x="connsiteX0" y="connsiteY0"/>
+              </a:cxn>
+              <a:cxn ang="0">
+                <a:pos x="connsiteX1" y="connsiteY1"/>
+              </a:cxn>
+              <a:cxn ang="0">
+                <a:pos x="connsiteX2" y="connsiteY2"/>
+              </a:cxn>
+              <a:cxn ang="0">
+                <a:pos x="connsiteX3" y="connsiteY3"/>
+              </a:cxn>
+              <a:cxn ang="0">
+                <a:pos x="connsiteX4" y="connsiteY4"/>
+              </a:cxn>
+            </a:cxnLst>
+            <a:rect l="l" t="t" r="r" b="b"/>
+            <a:pathLst>
+              <a:path w="112426" h="112426">
+                <a:moveTo>
+                  <a:pt x="112426" y="56213"/>
+                </a:moveTo>
+                <a:cubicBezTo>
+                  <a:pt x="112426" y="87259"/>
+                  <a:pt x="87259" y="112426"/>
+                  <a:pt x="56213" y="112426"/>
+                </a:cubicBezTo>
+                <a:cubicBezTo>
+                  <a:pt x="25167" y="112426"/>
+                  <a:pt x="0" y="87259"/>
+                  <a:pt x="0" y="56213"/>
+                </a:cubicBezTo>
+                <a:cubicBezTo>
+                  <a:pt x="0" y="25167"/>
+                  <a:pt x="25167" y="0"/>
+                  <a:pt x="56213" y="0"/>
+                </a:cubicBezTo>
+                <a:cubicBezTo>
+                  <a:pt x="87259" y="0"/>
+                  <a:pt x="112426" y="25167"/>
+                  <a:pt x="112426" y="56213"/>
+                </a:cubicBezTo>
+                <a:close/>
+              </a:path>
+            </a:pathLst>
+          </a:custGeom>
+          <a:solidFill>
+            <a:schemeClr val="accent2"/>
+          </a:solidFill>
+          <a:ln w="516" cap="flat">
+            <a:noFill/>
+            <a:prstDash val="solid"/>
+            <a:miter/>
+          </a:ln>
+        </p:spPr>
+        <p:txBody>
+          <a:bodyPr rtlCol="0" anchor="ctr"/>
+          <a:lstStyle/>
+          <a:p>
+            <a:endParaRPr lang="en-US"/>
+          </a:p>
+        </p:txBody>
+      </p:sp>
+      <p:cxnSp>
+        <p:nvCxnSpPr>
+          <p:cNvPr id="48" name="Straight Connector 47">
+            <a:extLst>
+              <a:ext uri="{FF2B5EF4-FFF2-40B4-BE49-F238E27FC236}">
+                <a16:creationId xmlns:a16="http://schemas.microsoft.com/office/drawing/2014/main" id="{C49DA8F6-BCC1-4447-B54C-57856834B94B}"/>
+              </a:ext>
+              <a:ext uri="{C183D7F6-B498-43B3-948B-1728B52AA6E4}">
+                <adec:decorative xmlns:adec="http://schemas.microsoft.com/office/drawing/2017/decorative" val="1"/>
+              </a:ext>
+            </a:extLst>
+          </p:cNvPr>
+          <p:cNvCxnSpPr>
+            <a:cxnSpLocks noGrp="1" noRot="1" noChangeAspect="1" noMove="1" noResize="1" noEditPoints="1" noAdjustHandles="1" noChangeArrowheads="1" noChangeShapeType="1"/>
+          </p:cNvCxnSpPr>
+          <p:nvPr>
+            <p:extLst>
+              <p:ext uri="{386F3935-93C4-4BCD-93E2-E3B085C9AB24}">
+                <p16:designElem xmlns:p16="http://schemas.microsoft.com/office/powerpoint/2015/main" val="1"/>
+              </p:ext>
+            </p:extLst>
+          </p:nvPr>
+        </p:nvCxnSpPr>
+        <p:spPr>
+          <a:xfrm>
+            <a:off x="11586162" y="3610394"/>
+            <a:ext cx="0" cy="3238728"/>
+          </a:xfrm>
+          <a:prstGeom prst="line">
+            <a:avLst/>
+          </a:prstGeom>
+          <a:ln w="25400" cap="sq">
+            <a:gradFill flip="none" rotWithShape="1">
+              <a:gsLst>
+                <a:gs pos="0">
+                  <a:schemeClr val="accent1"/>
+                </a:gs>
+                <a:gs pos="100000">
+                  <a:schemeClr val="accent2"/>
+                </a:gs>
+              </a:gsLst>
+              <a:lin ang="5400000" scaled="0"/>
+              <a:tileRect/>
+            </a:gradFill>
+            <a:bevel/>
+          </a:ln>
+        </p:spPr>
+        <p:style>
+          <a:lnRef idx="1">
+            <a:schemeClr val="accent1"/>
+          </a:lnRef>
+          <a:fillRef idx="0">
+            <a:schemeClr val="accent1"/>
+          </a:fillRef>
+          <a:effectRef idx="0">
+            <a:schemeClr val="accent1"/>
+          </a:effectRef>
+          <a:fontRef idx="minor">
+            <a:schemeClr val="tx1"/>
+          </a:fontRef>
+        </p:style>
+      </p:cxnSp>
+    </p:spTree>
+    <p:extLst>
+      <p:ext uri="{BB962C8B-B14F-4D97-AF65-F5344CB8AC3E}">
+        <p14:creationId xmlns:p14="http://schemas.microsoft.com/office/powerpoint/2010/main" val="3576344470"/>
+      </p:ext>
+    </p:extLst>
+  </p:cSld>
+  <p:clrMapOvr>
+    <a:masterClrMapping/>
+  </p:clrMapOvr>
+  <p:transition spd="slow">
+    <p:cover/>
+  </p:transition>
+</p:sld>
+</file>
+
+<file path=ppt/slides/slide8.xml><?xml version="1.0" encoding="utf-8"?>
+<p:sld xmlns:a="http://schemas.openxmlformats.org/drawingml/2006/main" xmlns:r="http://schemas.openxmlformats.org/officeDocument/2006/relationships" xmlns:p="http://schemas.openxmlformats.org/presentationml/2006/main">
+  <p:cSld>
+    <p:bg>
+      <p:bgPr>
+        <a:solidFill>
+          <a:schemeClr val="bg1"/>
+        </a:solidFill>
+        <a:effectLst/>
+      </p:bgPr>
+    </p:bg>
+    <p:spTree>
+      <p:nvGrpSpPr>
+        <p:cNvPr id="1" name=""/>
+        <p:cNvGrpSpPr/>
+        <p:nvPr/>
+      </p:nvGrpSpPr>
+      <p:grpSpPr>
+        <a:xfrm>
+          <a:off x="0" y="0"/>
+          <a:ext cx="0" cy="0"/>
+          <a:chOff x="0" y="0"/>
+          <a:chExt cx="0" cy="0"/>
+        </a:xfrm>
+      </p:grpSpPr>
+      <p:sp useBgFill="1">
+        <p:nvSpPr>
+          <p:cNvPr id="5" name="Rectangle 7">
+            <a:extLst>
+              <a:ext uri="{FF2B5EF4-FFF2-40B4-BE49-F238E27FC236}">
+                <a16:creationId xmlns:a16="http://schemas.microsoft.com/office/drawing/2014/main" id="{327D73B4-9F5C-4A64-A179-51B9500CB8B5}"/>
+              </a:ext>
+              <a:ext uri="{C183D7F6-B498-43B3-948B-1728B52AA6E4}">
+                <adec:decorative xmlns:adec="http://schemas.microsoft.com/office/drawing/2017/decorative" val="1"/>
+              </a:ext>
+            </a:extLst>
+          </p:cNvPr>
+          <p:cNvSpPr>
+            <a:spLocks noGrp="1" noRot="1" noChangeAspect="1" noMove="1" noResize="1" noEditPoints="1" noAdjustHandles="1" noChangeArrowheads="1" noChangeShapeType="1" noTextEdit="1"/>
+          </p:cNvSpPr>
+          <p:nvPr>
+            <p:extLst>
+              <p:ext uri="{386F3935-93C4-4BCD-93E2-E3B085C9AB24}">
+                <p16:designElem xmlns:p16="http://schemas.microsoft.com/office/powerpoint/2015/main" val="1"/>
+              </p:ext>
+            </p:extLst>
+          </p:nvPr>
+        </p:nvSpPr>
+        <p:spPr>
+          <a:xfrm>
+            <a:off x="0" y="0"/>
+            <a:ext cx="12192000" cy="6858000"/>
+          </a:xfrm>
+          <a:prstGeom prst="rect">
+            <a:avLst/>
+          </a:prstGeom>
+          <a:ln>
+            <a:noFill/>
+          </a:ln>
+        </p:spPr>
+        <p:style>
+          <a:lnRef idx="2">
+            <a:schemeClr val="accent1">
+              <a:shade val="50000"/>
+            </a:schemeClr>
+          </a:lnRef>
+          <a:fillRef idx="1">
+            <a:schemeClr val="accent1"/>
+          </a:fillRef>
+          <a:effectRef idx="0">
+            <a:schemeClr val="accent1"/>
+          </a:effectRef>
+          <a:fontRef idx="minor">
+            <a:schemeClr val="lt1"/>
+          </a:fontRef>
+        </p:style>
+        <p:txBody>
+          <a:bodyPr rtlCol="0" anchor="ctr"/>
+          <a:lstStyle/>
+          <a:p>
+            <a:pPr algn="ctr"/>
+            <a:endParaRPr lang="en-US"/>
+          </a:p>
+        </p:txBody>
+      </p:sp>
+      <p:sp>
+        <p:nvSpPr>
+          <p:cNvPr id="6" name="Oval 9">
+            <a:extLst>
+              <a:ext uri="{FF2B5EF4-FFF2-40B4-BE49-F238E27FC236}">
+                <a16:creationId xmlns:a16="http://schemas.microsoft.com/office/drawing/2014/main" id="{C1F06963-6374-4B48-844F-071A9BAAAE02}"/>
+              </a:ext>
+              <a:ext uri="{C183D7F6-B498-43B3-948B-1728B52AA6E4}">
+                <adec:decorative xmlns:adec="http://schemas.microsoft.com/office/drawing/2017/decorative" val="1"/>
+              </a:ext>
+            </a:extLst>
+          </p:cNvPr>
+          <p:cNvSpPr>
+            <a:spLocks noGrp="1" noRot="1" noChangeAspect="1" noMove="1" noResize="1" noEditPoints="1" noAdjustHandles="1" noChangeArrowheads="1" noChangeShapeType="1" noTextEdit="1"/>
+          </p:cNvSpPr>
+          <p:nvPr>
+            <p:extLst>
+              <p:ext uri="{386F3935-93C4-4BCD-93E2-E3B085C9AB24}">
+                <p16:designElem xmlns:p16="http://schemas.microsoft.com/office/powerpoint/2015/main" val="1"/>
+              </p:ext>
+            </p:extLst>
+          </p:nvPr>
+        </p:nvSpPr>
+        <p:spPr>
+          <a:xfrm>
+            <a:off x="199528" y="554152"/>
+            <a:ext cx="5742189" cy="5742189"/>
+          </a:xfrm>
+          <a:prstGeom prst="ellipse">
+            <a:avLst/>
+          </a:prstGeom>
+          <a:gradFill flip="none" rotWithShape="1">
+            <a:gsLst>
+              <a:gs pos="0">
+                <a:schemeClr val="accent1"/>
+              </a:gs>
+              <a:gs pos="100000">
+                <a:schemeClr val="accent2"/>
+              </a:gs>
+            </a:gsLst>
+            <a:lin ang="2700000" scaled="1"/>
+            <a:tileRect/>
+          </a:gradFill>
+          <a:ln>
+            <a:noFill/>
+          </a:ln>
+        </p:spPr>
+        <p:style>
+          <a:lnRef idx="2">
+            <a:schemeClr val="accent1">
+              <a:shade val="50000"/>
+            </a:schemeClr>
+          </a:lnRef>
+          <a:fillRef idx="1">
+            <a:schemeClr val="accent1"/>
+          </a:fillRef>
+          <a:effectRef idx="0">
+            <a:schemeClr val="accent1"/>
+          </a:effectRef>
+          <a:fontRef idx="minor">
+            <a:schemeClr val="lt1"/>
+          </a:fontRef>
+        </p:style>
+        <p:txBody>
+          <a:bodyPr rtlCol="0" anchor="ctr"/>
+          <a:lstStyle/>
+          <a:p>
+            <a:pPr algn="ctr"/>
+            <a:endParaRPr lang="en-US"/>
+          </a:p>
+        </p:txBody>
+      </p:sp>
+      <p:sp>
+        <p:nvSpPr>
+          <p:cNvPr id="2" name="Titel 1">
+            <a:extLst>
+              <a:ext uri="{FF2B5EF4-FFF2-40B4-BE49-F238E27FC236}">
+                <a16:creationId xmlns:a16="http://schemas.microsoft.com/office/drawing/2014/main" id="{FA0B3428-3255-4023-88EC-B3C9CFAB377B}"/>
+              </a:ext>
+            </a:extLst>
+          </p:cNvPr>
+          <p:cNvSpPr>
+            <a:spLocks noGrp="1"/>
+          </p:cNvSpPr>
+          <p:nvPr>
+            <p:ph type="title"/>
+          </p:nvPr>
+        </p:nvSpPr>
+        <p:spPr>
+          <a:xfrm>
+            <a:off x="1245072" y="1289765"/>
+            <a:ext cx="3651101" cy="4270963"/>
+          </a:xfrm>
+        </p:spPr>
+        <p:txBody>
+          <a:bodyPr anchor="ctr">
+            <a:normAutofit/>
+          </a:bodyPr>
+          <a:lstStyle/>
+          <a:p>
+            <a:pPr algn="ctr"/>
+            <a:r>
+              <a:rPr lang="nl-NL" sz="5600" dirty="0">
+                <a:solidFill>
+                  <a:srgbClr val="FFFFFF"/>
+                </a:solidFill>
+              </a:rPr>
+              <a:t>Sprint </a:t>
+            </a:r>
+            <a:r>
+              <a:rPr lang="nl-NL" sz="5600" dirty="0" err="1">
+                <a:solidFill>
+                  <a:srgbClr val="FFFFFF"/>
+                </a:solidFill>
+              </a:rPr>
+              <a:t>backlog</a:t>
+            </a:r>
+            <a:br>
+              <a:rPr lang="nl-NL" sz="5600" dirty="0">
+                <a:solidFill>
+                  <a:srgbClr val="FFFFFF"/>
+                </a:solidFill>
+              </a:rPr>
+            </a:br>
+            <a:br>
+              <a:rPr lang="nl-NL" sz="5600" dirty="0">
+                <a:solidFill>
+                  <a:srgbClr val="FFFFFF"/>
+                </a:solidFill>
+              </a:rPr>
+            </a:br>
+            <a:r>
+              <a:rPr lang="nl-NL" sz="5600" dirty="0">
+                <a:solidFill>
+                  <a:srgbClr val="FFFFFF"/>
+                </a:solidFill>
+              </a:rPr>
+              <a:t>Ramon</a:t>
+            </a:r>
+          </a:p>
+        </p:txBody>
+      </p:sp>
+      <p:sp>
+        <p:nvSpPr>
+          <p:cNvPr id="7" name="Graphic 11">
+            <a:extLst>
+              <a:ext uri="{FF2B5EF4-FFF2-40B4-BE49-F238E27FC236}">
+                <a16:creationId xmlns:a16="http://schemas.microsoft.com/office/drawing/2014/main" id="{6CB927A4-E432-4310-9CD5-E89FF5063179}"/>
+              </a:ext>
+              <a:ext uri="{C183D7F6-B498-43B3-948B-1728B52AA6E4}">
+                <adec:decorative xmlns:adec="http://schemas.microsoft.com/office/drawing/2017/decorative" val="1"/>
+              </a:ext>
+            </a:extLst>
+          </p:cNvPr>
+          <p:cNvSpPr>
+            <a:spLocks noGrp="1" noRot="1" noChangeAspect="1" noMove="1" noResize="1" noEditPoints="1" noAdjustHandles="1" noChangeArrowheads="1" noChangeShapeType="1" noTextEdit="1"/>
+          </p:cNvSpPr>
+          <p:nvPr>
+            <p:extLst>
+              <p:ext uri="{386F3935-93C4-4BCD-93E2-E3B085C9AB24}">
+                <p16:designElem xmlns:p16="http://schemas.microsoft.com/office/powerpoint/2015/main" val="1"/>
+              </p:ext>
+            </p:extLst>
+          </p:nvPr>
+        </p:nvSpPr>
+        <p:spPr>
+          <a:xfrm>
+            <a:off x="1123493" y="374394"/>
+            <a:ext cx="171515" cy="171515"/>
+          </a:xfrm>
+          <a:custGeom>
+            <a:avLst/>
+            <a:gdLst>
+              <a:gd name="connsiteX0" fmla="*/ 159874 w 171515"/>
+              <a:gd name="connsiteY0" fmla="*/ 74116 h 171515"/>
+              <a:gd name="connsiteX1" fmla="*/ 97399 w 171515"/>
+              <a:gd name="connsiteY1" fmla="*/ 74116 h 171515"/>
+              <a:gd name="connsiteX2" fmla="*/ 97399 w 171515"/>
+              <a:gd name="connsiteY2" fmla="*/ 11641 h 171515"/>
+              <a:gd name="connsiteX3" fmla="*/ 85758 w 171515"/>
+              <a:gd name="connsiteY3" fmla="*/ 0 h 171515"/>
+              <a:gd name="connsiteX4" fmla="*/ 74116 w 171515"/>
+              <a:gd name="connsiteY4" fmla="*/ 11641 h 171515"/>
+              <a:gd name="connsiteX5" fmla="*/ 74116 w 171515"/>
+              <a:gd name="connsiteY5" fmla="*/ 74116 h 171515"/>
+              <a:gd name="connsiteX6" fmla="*/ 11641 w 171515"/>
+              <a:gd name="connsiteY6" fmla="*/ 74116 h 171515"/>
+              <a:gd name="connsiteX7" fmla="*/ 0 w 171515"/>
+              <a:gd name="connsiteY7" fmla="*/ 85758 h 171515"/>
+              <a:gd name="connsiteX8" fmla="*/ 11641 w 171515"/>
+              <a:gd name="connsiteY8" fmla="*/ 97399 h 171515"/>
+              <a:gd name="connsiteX9" fmla="*/ 74116 w 171515"/>
+              <a:gd name="connsiteY9" fmla="*/ 97399 h 171515"/>
+              <a:gd name="connsiteX10" fmla="*/ 74116 w 171515"/>
+              <a:gd name="connsiteY10" fmla="*/ 159874 h 171515"/>
+              <a:gd name="connsiteX11" fmla="*/ 85758 w 171515"/>
+              <a:gd name="connsiteY11" fmla="*/ 171515 h 171515"/>
+              <a:gd name="connsiteX12" fmla="*/ 97399 w 171515"/>
+              <a:gd name="connsiteY12" fmla="*/ 159874 h 171515"/>
+              <a:gd name="connsiteX13" fmla="*/ 97399 w 171515"/>
+              <a:gd name="connsiteY13" fmla="*/ 97399 h 171515"/>
+              <a:gd name="connsiteX14" fmla="*/ 159874 w 171515"/>
+              <a:gd name="connsiteY14" fmla="*/ 97399 h 171515"/>
+              <a:gd name="connsiteX15" fmla="*/ 171515 w 171515"/>
+              <a:gd name="connsiteY15" fmla="*/ 85758 h 171515"/>
+              <a:gd name="connsiteX16" fmla="*/ 159874 w 171515"/>
+              <a:gd name="connsiteY16" fmla="*/ 74116 h 171515"/>
+            </a:gdLst>
+            <a:ahLst/>
+            <a:cxnLst>
+              <a:cxn ang="0">
+                <a:pos x="connsiteX0" y="connsiteY0"/>
+              </a:cxn>
+              <a:cxn ang="0">
+                <a:pos x="connsiteX1" y="connsiteY1"/>
+              </a:cxn>
+              <a:cxn ang="0">
+                <a:pos x="connsiteX2" y="connsiteY2"/>
+              </a:cxn>
+              <a:cxn ang="0">
+                <a:pos x="connsiteX3" y="connsiteY3"/>
+              </a:cxn>
+              <a:cxn ang="0">
+                <a:pos x="connsiteX4" y="connsiteY4"/>
+              </a:cxn>
+              <a:cxn ang="0">
+                <a:pos x="connsiteX5" y="connsiteY5"/>
+              </a:cxn>
+              <a:cxn ang="0">
+                <a:pos x="connsiteX6" y="connsiteY6"/>
+              </a:cxn>
+              <a:cxn ang="0">
+                <a:pos x="connsiteX7" y="connsiteY7"/>
+              </a:cxn>
+              <a:cxn ang="0">
+                <a:pos x="connsiteX8" y="connsiteY8"/>
+              </a:cxn>
+              <a:cxn ang="0">
+                <a:pos x="connsiteX9" y="connsiteY9"/>
+              </a:cxn>
+              <a:cxn ang="0">
+                <a:pos x="connsiteX10" y="connsiteY10"/>
+              </a:cxn>
+              <a:cxn ang="0">
+                <a:pos x="connsiteX11" y="connsiteY11"/>
+              </a:cxn>
+              <a:cxn ang="0">
+                <a:pos x="connsiteX12" y="connsiteY12"/>
+              </a:cxn>
+              <a:cxn ang="0">
+                <a:pos x="connsiteX13" y="connsiteY13"/>
+              </a:cxn>
+              <a:cxn ang="0">
+                <a:pos x="connsiteX14" y="connsiteY14"/>
+              </a:cxn>
+              <a:cxn ang="0">
+                <a:pos x="connsiteX15" y="connsiteY15"/>
+              </a:cxn>
+              <a:cxn ang="0">
+                <a:pos x="connsiteX16" y="connsiteY16"/>
+              </a:cxn>
+            </a:cxnLst>
+            <a:rect l="l" t="t" r="r" b="b"/>
+            <a:pathLst>
+              <a:path w="171515" h="171515">
+                <a:moveTo>
+                  <a:pt x="159874" y="74116"/>
+                </a:moveTo>
+                <a:lnTo>
+                  <a:pt x="97399" y="74116"/>
+                </a:lnTo>
+                <a:lnTo>
+                  <a:pt x="97399" y="11641"/>
+                </a:lnTo>
+                <a:cubicBezTo>
+                  <a:pt x="97399" y="5212"/>
+                  <a:pt x="92187" y="0"/>
+                  <a:pt x="85758" y="0"/>
+                </a:cubicBezTo>
+                <a:cubicBezTo>
+                  <a:pt x="79328" y="0"/>
+                  <a:pt x="74116" y="5212"/>
+                  <a:pt x="74116" y="11641"/>
+                </a:cubicBezTo>
+                <a:lnTo>
+                  <a:pt x="74116" y="74116"/>
+                </a:lnTo>
+                <a:lnTo>
+                  <a:pt x="11641" y="74116"/>
+                </a:lnTo>
+                <a:cubicBezTo>
+                  <a:pt x="5212" y="74116"/>
+                  <a:pt x="0" y="79328"/>
+                  <a:pt x="0" y="85758"/>
+                </a:cubicBezTo>
+                <a:cubicBezTo>
+                  <a:pt x="0" y="92187"/>
+                  <a:pt x="5212" y="97399"/>
+                  <a:pt x="11641" y="97399"/>
+                </a:cubicBezTo>
+                <a:lnTo>
+                  <a:pt x="74116" y="97399"/>
+                </a:lnTo>
+                <a:lnTo>
+                  <a:pt x="74116" y="159874"/>
+                </a:lnTo>
+                <a:cubicBezTo>
+                  <a:pt x="74116" y="166303"/>
+                  <a:pt x="79328" y="171515"/>
+                  <a:pt x="85758" y="171515"/>
+                </a:cubicBezTo>
+                <a:cubicBezTo>
+                  <a:pt x="92187" y="171515"/>
+                  <a:pt x="97399" y="166303"/>
+                  <a:pt x="97399" y="159874"/>
+                </a:cubicBezTo>
+                <a:lnTo>
+                  <a:pt x="97399" y="97399"/>
+                </a:lnTo>
+                <a:lnTo>
+                  <a:pt x="159874" y="97399"/>
+                </a:lnTo>
+                <a:cubicBezTo>
+                  <a:pt x="166303" y="97399"/>
+                  <a:pt x="171515" y="92187"/>
+                  <a:pt x="171515" y="85758"/>
+                </a:cubicBezTo>
+                <a:cubicBezTo>
+                  <a:pt x="171515" y="79328"/>
+                  <a:pt x="166303" y="74116"/>
+                  <a:pt x="159874" y="74116"/>
+                </a:cubicBezTo>
+                <a:close/>
+              </a:path>
+            </a:pathLst>
+          </a:custGeom>
+          <a:solidFill>
+            <a:schemeClr val="accent2"/>
+          </a:solidFill>
+          <a:ln w="776" cap="flat">
+            <a:noFill/>
+            <a:prstDash val="solid"/>
+            <a:miter/>
+          </a:ln>
+        </p:spPr>
+        <p:txBody>
+          <a:bodyPr rtlCol="0" anchor="ctr"/>
+          <a:lstStyle/>
+          <a:p>
+            <a:endParaRPr lang="en-US"/>
+          </a:p>
+        </p:txBody>
+      </p:sp>
+      <p:sp>
+        <p:nvSpPr>
+          <p:cNvPr id="9" name="Graphic 12">
+            <a:extLst>
+              <a:ext uri="{FF2B5EF4-FFF2-40B4-BE49-F238E27FC236}">
+                <a16:creationId xmlns:a16="http://schemas.microsoft.com/office/drawing/2014/main" id="{1453BF6C-B012-48B7-B4E8-6D7AC7C27D02}"/>
+              </a:ext>
+              <a:ext uri="{C183D7F6-B498-43B3-948B-1728B52AA6E4}">
+                <adec:decorative xmlns:adec="http://schemas.microsoft.com/office/drawing/2017/decorative" val="1"/>
+              </a:ext>
+            </a:extLst>
+          </p:cNvPr>
+          <p:cNvSpPr>
+            <a:spLocks noGrp="1" noRot="1" noChangeAspect="1" noMove="1" noResize="1" noEditPoints="1" noAdjustHandles="1" noChangeArrowheads="1" noChangeShapeType="1" noTextEdit="1"/>
+          </p:cNvSpPr>
+          <p:nvPr>
+            <p:extLst>
+              <p:ext uri="{386F3935-93C4-4BCD-93E2-E3B085C9AB24}">
+                <p16:designElem xmlns:p16="http://schemas.microsoft.com/office/powerpoint/2015/main" val="1"/>
+              </p:ext>
+            </p:extLst>
+          </p:nvPr>
+        </p:nvSpPr>
+        <p:spPr>
+          <a:xfrm>
+            <a:off x="550109" y="1084507"/>
+            <a:ext cx="157545" cy="157545"/>
+          </a:xfrm>
+          <a:custGeom>
+            <a:avLst/>
+            <a:gdLst>
+              <a:gd name="connsiteX0" fmla="*/ 78773 w 157545"/>
+              <a:gd name="connsiteY0" fmla="*/ 23283 h 157545"/>
+              <a:gd name="connsiteX1" fmla="*/ 134262 w 157545"/>
+              <a:gd name="connsiteY1" fmla="*/ 78773 h 157545"/>
+              <a:gd name="connsiteX2" fmla="*/ 78773 w 157545"/>
+              <a:gd name="connsiteY2" fmla="*/ 134262 h 157545"/>
+              <a:gd name="connsiteX3" fmla="*/ 23283 w 157545"/>
+              <a:gd name="connsiteY3" fmla="*/ 78773 h 157545"/>
+              <a:gd name="connsiteX4" fmla="*/ 78773 w 157545"/>
+              <a:gd name="connsiteY4" fmla="*/ 23283 h 157545"/>
+              <a:gd name="connsiteX5" fmla="*/ 78773 w 157545"/>
+              <a:gd name="connsiteY5" fmla="*/ 0 h 157545"/>
+              <a:gd name="connsiteX6" fmla="*/ 0 w 157545"/>
+              <a:gd name="connsiteY6" fmla="*/ 78773 h 157545"/>
+              <a:gd name="connsiteX7" fmla="*/ 78773 w 157545"/>
+              <a:gd name="connsiteY7" fmla="*/ 157545 h 157545"/>
+              <a:gd name="connsiteX8" fmla="*/ 157545 w 157545"/>
+              <a:gd name="connsiteY8" fmla="*/ 78773 h 157545"/>
+              <a:gd name="connsiteX9" fmla="*/ 78773 w 157545"/>
+              <a:gd name="connsiteY9" fmla="*/ 0 h 157545"/>
+            </a:gdLst>
+            <a:ahLst/>
+            <a:cxnLst>
+              <a:cxn ang="0">
+                <a:pos x="connsiteX0" y="connsiteY0"/>
+              </a:cxn>
+              <a:cxn ang="0">
+                <a:pos x="connsiteX1" y="connsiteY1"/>
+              </a:cxn>
+              <a:cxn ang="0">
+                <a:pos x="connsiteX2" y="connsiteY2"/>
+              </a:cxn>
+              <a:cxn ang="0">
+                <a:pos x="connsiteX3" y="connsiteY3"/>
+              </a:cxn>
+              <a:cxn ang="0">
+                <a:pos x="connsiteX4" y="connsiteY4"/>
+              </a:cxn>
+              <a:cxn ang="0">
+                <a:pos x="connsiteX5" y="connsiteY5"/>
+              </a:cxn>
+              <a:cxn ang="0">
+                <a:pos x="connsiteX6" y="connsiteY6"/>
+              </a:cxn>
+              <a:cxn ang="0">
+                <a:pos x="connsiteX7" y="connsiteY7"/>
+              </a:cxn>
+              <a:cxn ang="0">
+                <a:pos x="connsiteX8" y="connsiteY8"/>
+              </a:cxn>
+              <a:cxn ang="0">
+                <a:pos x="connsiteX9" y="connsiteY9"/>
+              </a:cxn>
+            </a:cxnLst>
+            <a:rect l="l" t="t" r="r" b="b"/>
+            <a:pathLst>
+              <a:path w="157545" h="157545">
+                <a:moveTo>
+                  <a:pt x="78773" y="23283"/>
+                </a:moveTo>
+                <a:cubicBezTo>
+                  <a:pt x="109419" y="23283"/>
+                  <a:pt x="134262" y="48126"/>
+                  <a:pt x="134262" y="78773"/>
+                </a:cubicBezTo>
+                <a:cubicBezTo>
+                  <a:pt x="134262" y="109419"/>
+                  <a:pt x="109419" y="134262"/>
+                  <a:pt x="78773" y="134262"/>
+                </a:cubicBezTo>
+                <a:cubicBezTo>
+                  <a:pt x="48126" y="134262"/>
+                  <a:pt x="23283" y="109419"/>
+                  <a:pt x="23283" y="78773"/>
+                </a:cubicBezTo>
+                <a:cubicBezTo>
+                  <a:pt x="23312" y="48139"/>
+                  <a:pt x="48139" y="23312"/>
+                  <a:pt x="78773" y="23283"/>
+                </a:cubicBezTo>
+                <a:moveTo>
+                  <a:pt x="78773" y="0"/>
+                </a:moveTo>
+                <a:cubicBezTo>
+                  <a:pt x="35268" y="0"/>
+                  <a:pt x="0" y="35268"/>
+                  <a:pt x="0" y="78773"/>
+                </a:cubicBezTo>
+                <a:cubicBezTo>
+                  <a:pt x="0" y="122277"/>
+                  <a:pt x="35268" y="157545"/>
+                  <a:pt x="78773" y="157545"/>
+                </a:cubicBezTo>
+                <a:cubicBezTo>
+                  <a:pt x="122277" y="157545"/>
+                  <a:pt x="157545" y="122277"/>
+                  <a:pt x="157545" y="78773"/>
+                </a:cubicBezTo>
+                <a:cubicBezTo>
+                  <a:pt x="157545" y="35268"/>
+                  <a:pt x="122277" y="0"/>
+                  <a:pt x="78773" y="0"/>
+                </a:cubicBezTo>
+                <a:close/>
+              </a:path>
+            </a:pathLst>
+          </a:custGeom>
+          <a:solidFill>
+            <a:schemeClr val="accent2"/>
+          </a:solidFill>
+          <a:ln w="751" cap="flat">
+            <a:noFill/>
+            <a:prstDash val="solid"/>
+            <a:miter/>
+          </a:ln>
+        </p:spPr>
+        <p:txBody>
+          <a:bodyPr rtlCol="0" anchor="ctr"/>
+          <a:lstStyle/>
+          <a:p>
+            <a:endParaRPr lang="en-US"/>
+          </a:p>
+        </p:txBody>
+      </p:sp>
+      <p:sp>
+        <p:nvSpPr>
+          <p:cNvPr id="3" name="Tijdelijke aanduiding voor inhoud 2">
+            <a:extLst>
+              <a:ext uri="{FF2B5EF4-FFF2-40B4-BE49-F238E27FC236}">
+                <a16:creationId xmlns:a16="http://schemas.microsoft.com/office/drawing/2014/main" id="{2EF60DF6-8C83-4460-AA7E-305F4338BBA6}"/>
+              </a:ext>
+            </a:extLst>
+          </p:cNvPr>
+          <p:cNvSpPr>
+            <a:spLocks noGrp="1"/>
+          </p:cNvSpPr>
+          <p:nvPr>
+            <p:ph idx="1"/>
+          </p:nvPr>
+        </p:nvSpPr>
+        <p:spPr>
+          <a:xfrm>
+            <a:off x="6297233" y="518400"/>
+            <a:ext cx="4771607" cy="5837949"/>
+          </a:xfrm>
+        </p:spPr>
+        <p:txBody>
+          <a:bodyPr anchor="ctr">
+            <a:normAutofit/>
+          </a:bodyPr>
+          <a:lstStyle/>
+          <a:p>
+            <a:pPr marL="0" indent="0">
+              <a:buNone/>
+            </a:pPr>
+            <a:r>
+              <a:rPr lang="nl-NL" sz="2000" b="1" dirty="0">
+                <a:solidFill>
+                  <a:schemeClr val="tx1">
+                    <a:alpha val="80000"/>
+                  </a:schemeClr>
+                </a:solidFill>
+              </a:rPr>
+              <a:t>User story: </a:t>
+            </a:r>
+            <a:r>
+              <a:rPr lang="nl-NL" sz="2000" dirty="0">
+                <a:solidFill>
+                  <a:schemeClr val="tx1">
+                    <a:alpha val="80000"/>
+                  </a:schemeClr>
+                </a:solidFill>
+              </a:rPr>
+              <a:t>Als gebruiker wil ik dat mijn geld uit de automaat komt als ik dat op de GUI aangeef zodat ik geld van mijn bankrekening af kan halen</a:t>
+            </a:r>
+            <a:endParaRPr lang="nl-NL" sz="2000" b="1" dirty="0">
+              <a:solidFill>
+                <a:schemeClr val="tx1">
+                  <a:alpha val="80000"/>
+                </a:schemeClr>
+              </a:solidFill>
+            </a:endParaRPr>
+          </a:p>
+          <a:p>
+            <a:pPr marL="0" indent="0">
+              <a:buNone/>
+            </a:pPr>
+            <a:r>
+              <a:rPr lang="nl-NL" sz="2000" b="1" dirty="0">
+                <a:solidFill>
+                  <a:schemeClr val="tx1">
+                    <a:alpha val="80000"/>
+                  </a:schemeClr>
+                </a:solidFill>
+              </a:rPr>
+              <a:t>Taak: </a:t>
+            </a:r>
+            <a:r>
+              <a:rPr lang="nl-NL" sz="2000" dirty="0">
+                <a:solidFill>
+                  <a:schemeClr val="tx1">
+                    <a:alpha val="80000"/>
+                  </a:schemeClr>
+                </a:solidFill>
+              </a:rPr>
+              <a:t>Geld dispenser ontwerpen </a:t>
+            </a:r>
+          </a:p>
+          <a:p>
+            <a:pPr marL="0" indent="0">
+              <a:buNone/>
+            </a:pPr>
+            <a:r>
+              <a:rPr lang="nl-NL" sz="2000" b="1" dirty="0" err="1">
+                <a:solidFill>
+                  <a:schemeClr val="tx1">
+                    <a:alpha val="80000"/>
+                  </a:schemeClr>
+                </a:solidFill>
+              </a:rPr>
+              <a:t>Acceptance</a:t>
+            </a:r>
+            <a:r>
+              <a:rPr lang="nl-NL" sz="2000" b="1" dirty="0">
+                <a:solidFill>
+                  <a:schemeClr val="tx1">
+                    <a:alpha val="80000"/>
+                  </a:schemeClr>
+                </a:solidFill>
+              </a:rPr>
+              <a:t> Criteria: </a:t>
+            </a:r>
+            <a:r>
+              <a:rPr lang="nl-NL" sz="2000" dirty="0">
+                <a:solidFill>
+                  <a:schemeClr val="tx1">
+                    <a:alpha val="80000"/>
+                  </a:schemeClr>
+                </a:solidFill>
+              </a:rPr>
+              <a:t>De dispenser moet geld kunnen uitwerpen</a:t>
+            </a:r>
+            <a:endParaRPr lang="nl-NL" sz="2000" b="1" dirty="0">
+              <a:solidFill>
+                <a:schemeClr val="tx1">
+                  <a:alpha val="80000"/>
+                </a:schemeClr>
+              </a:solidFill>
+            </a:endParaRPr>
+          </a:p>
+          <a:p>
+            <a:pPr marL="0" indent="0">
+              <a:buNone/>
+            </a:pPr>
+            <a:r>
+              <a:rPr lang="nl-NL" sz="2000" b="1" dirty="0">
+                <a:solidFill>
+                  <a:schemeClr val="tx1">
+                    <a:alpha val="80000"/>
+                  </a:schemeClr>
+                </a:solidFill>
+              </a:rPr>
+              <a:t>Story Points: </a:t>
+            </a:r>
+            <a:r>
+              <a:rPr lang="nl-NL" sz="2000" dirty="0">
+                <a:solidFill>
+                  <a:schemeClr val="tx1">
+                    <a:alpha val="80000"/>
+                  </a:schemeClr>
+                </a:solidFill>
+              </a:rPr>
+              <a:t>3</a:t>
+            </a:r>
+          </a:p>
+          <a:p>
+            <a:endParaRPr lang="nl-NL" sz="2000" dirty="0">
+              <a:solidFill>
+                <a:schemeClr val="tx1">
+                  <a:alpha val="80000"/>
+                </a:schemeClr>
+              </a:solidFill>
+            </a:endParaRPr>
+          </a:p>
+        </p:txBody>
+      </p:sp>
+      <p:sp>
+        <p:nvSpPr>
+          <p:cNvPr id="11" name="Graphic 10">
+            <a:extLst>
+              <a:ext uri="{FF2B5EF4-FFF2-40B4-BE49-F238E27FC236}">
+                <a16:creationId xmlns:a16="http://schemas.microsoft.com/office/drawing/2014/main" id="{E3020543-B24B-4EC4-8FFC-8DD88EEA91A8}"/>
+              </a:ext>
+              <a:ext uri="{C183D7F6-B498-43B3-948B-1728B52AA6E4}">
+                <adec:decorative xmlns:adec="http://schemas.microsoft.com/office/drawing/2017/decorative" val="1"/>
+              </a:ext>
+            </a:extLst>
+          </p:cNvPr>
+          <p:cNvSpPr>
+            <a:spLocks noGrp="1" noRot="1" noChangeAspect="1" noMove="1" noResize="1" noEditPoints="1" noAdjustHandles="1" noChangeArrowheads="1" noChangeShapeType="1" noTextEdit="1"/>
+          </p:cNvSpPr>
+          <p:nvPr>
+            <p:extLst>
+              <p:ext uri="{386F3935-93C4-4BCD-93E2-E3B085C9AB24}">
+                <p16:designElem xmlns:p16="http://schemas.microsoft.com/office/powerpoint/2015/main" val="1"/>
+              </p:ext>
+            </p:extLst>
+          </p:nvPr>
+        </p:nvSpPr>
+        <p:spPr>
+          <a:xfrm>
+            <a:off x="5436547" y="5751820"/>
+            <a:ext cx="112426" cy="112426"/>
+          </a:xfrm>
+          <a:custGeom>
+            <a:avLst/>
+            <a:gdLst>
+              <a:gd name="connsiteX0" fmla="*/ 112426 w 112426"/>
+              <a:gd name="connsiteY0" fmla="*/ 56213 h 112426"/>
+              <a:gd name="connsiteX1" fmla="*/ 56213 w 112426"/>
+              <a:gd name="connsiteY1" fmla="*/ 112426 h 112426"/>
+              <a:gd name="connsiteX2" fmla="*/ 0 w 112426"/>
+              <a:gd name="connsiteY2" fmla="*/ 56213 h 112426"/>
+              <a:gd name="connsiteX3" fmla="*/ 56213 w 112426"/>
+              <a:gd name="connsiteY3" fmla="*/ 0 h 112426"/>
+              <a:gd name="connsiteX4" fmla="*/ 112426 w 112426"/>
+              <a:gd name="connsiteY4" fmla="*/ 56213 h 112426"/>
+            </a:gdLst>
+            <a:ahLst/>
+            <a:cxnLst>
+              <a:cxn ang="0">
+                <a:pos x="connsiteX0" y="connsiteY0"/>
+              </a:cxn>
+              <a:cxn ang="0">
+                <a:pos x="connsiteX1" y="connsiteY1"/>
+              </a:cxn>
+              <a:cxn ang="0">
+                <a:pos x="connsiteX2" y="connsiteY2"/>
+              </a:cxn>
+              <a:cxn ang="0">
+                <a:pos x="connsiteX3" y="connsiteY3"/>
+              </a:cxn>
+              <a:cxn ang="0">
+                <a:pos x="connsiteX4" y="connsiteY4"/>
+              </a:cxn>
+            </a:cxnLst>
+            <a:rect l="l" t="t" r="r" b="b"/>
+            <a:pathLst>
+              <a:path w="112426" h="112426">
+                <a:moveTo>
+                  <a:pt x="112426" y="56213"/>
+                </a:moveTo>
+                <a:cubicBezTo>
+                  <a:pt x="112426" y="87259"/>
+                  <a:pt x="87259" y="112426"/>
+                  <a:pt x="56213" y="112426"/>
+                </a:cubicBezTo>
+                <a:cubicBezTo>
+                  <a:pt x="25167" y="112426"/>
+                  <a:pt x="0" y="87259"/>
+                  <a:pt x="0" y="56213"/>
+                </a:cubicBezTo>
+                <a:cubicBezTo>
+                  <a:pt x="0" y="25167"/>
+                  <a:pt x="25167" y="0"/>
+                  <a:pt x="56213" y="0"/>
+                </a:cubicBezTo>
+                <a:cubicBezTo>
+                  <a:pt x="87259" y="0"/>
+                  <a:pt x="112426" y="25167"/>
+                  <a:pt x="112426" y="56213"/>
+                </a:cubicBezTo>
+                <a:close/>
+              </a:path>
+            </a:pathLst>
+          </a:custGeom>
+          <a:solidFill>
+            <a:schemeClr val="accent2"/>
+          </a:solidFill>
+          <a:ln w="516" cap="flat">
+            <a:noFill/>
+            <a:prstDash val="solid"/>
+            <a:miter/>
+          </a:ln>
+        </p:spPr>
+        <p:txBody>
+          <a:bodyPr rtlCol="0" anchor="ctr"/>
+          <a:lstStyle/>
+          <a:p>
+            <a:endParaRPr lang="en-US"/>
+          </a:p>
+        </p:txBody>
+      </p:sp>
+      <p:cxnSp>
+        <p:nvCxnSpPr>
+          <p:cNvPr id="13" name="Straight Connector 17">
+            <a:extLst>
+              <a:ext uri="{FF2B5EF4-FFF2-40B4-BE49-F238E27FC236}">
+                <a16:creationId xmlns:a16="http://schemas.microsoft.com/office/drawing/2014/main" id="{C49DA8F6-BCC1-4447-B54C-57856834B94B}"/>
+              </a:ext>
+              <a:ext uri="{C183D7F6-B498-43B3-948B-1728B52AA6E4}">
+                <adec:decorative xmlns:adec="http://schemas.microsoft.com/office/drawing/2017/decorative" val="1"/>
+              </a:ext>
+            </a:extLst>
+          </p:cNvPr>
+          <p:cNvCxnSpPr>
+            <a:cxnSpLocks noGrp="1" noRot="1" noChangeAspect="1" noMove="1" noResize="1" noEditPoints="1" noAdjustHandles="1" noChangeArrowheads="1" noChangeShapeType="1"/>
+          </p:cNvCxnSpPr>
+          <p:nvPr>
+            <p:extLst>
+              <p:ext uri="{386F3935-93C4-4BCD-93E2-E3B085C9AB24}">
+                <p16:designElem xmlns:p16="http://schemas.microsoft.com/office/powerpoint/2015/main" val="1"/>
+              </p:ext>
+            </p:extLst>
+          </p:nvPr>
+        </p:nvCxnSpPr>
+        <p:spPr>
+          <a:xfrm>
+            <a:off x="11586162" y="3610394"/>
+            <a:ext cx="0" cy="3238728"/>
+          </a:xfrm>
+          <a:prstGeom prst="line">
+            <a:avLst/>
+          </a:prstGeom>
+          <a:ln w="25400" cap="sq">
+            <a:gradFill flip="none" rotWithShape="1">
+              <a:gsLst>
+                <a:gs pos="0">
+                  <a:schemeClr val="accent1"/>
+                </a:gs>
+                <a:gs pos="100000">
+                  <a:schemeClr val="accent2"/>
+                </a:gs>
+              </a:gsLst>
+              <a:lin ang="5400000" scaled="0"/>
+              <a:tileRect/>
+            </a:gradFill>
+            <a:bevel/>
+          </a:ln>
+        </p:spPr>
+        <p:style>
+          <a:lnRef idx="1">
+            <a:schemeClr val="accent1"/>
+          </a:lnRef>
+          <a:fillRef idx="0">
+            <a:schemeClr val="accent1"/>
+          </a:fillRef>
+          <a:effectRef idx="0">
+            <a:schemeClr val="accent1"/>
+          </a:effectRef>
+          <a:fontRef idx="minor">
+            <a:schemeClr val="tx1"/>
+          </a:fontRef>
+        </p:style>
+      </p:cxnSp>
+    </p:spTree>
+    <p:extLst>
+      <p:ext uri="{BB962C8B-B14F-4D97-AF65-F5344CB8AC3E}">
+        <p14:creationId xmlns:p14="http://schemas.microsoft.com/office/powerpoint/2010/main" val="293140728"/>
+      </p:ext>
+    </p:extLst>
+  </p:cSld>
+  <p:clrMapOvr>
+    <a:masterClrMapping/>
+  </p:clrMapOvr>
+  <p:transition spd="slow">
+    <p:cover/>
+  </p:transition>
+</p:sld>
+</file>
+
+<file path=ppt/slides/slide9.xml><?xml version="1.0" encoding="utf-8"?>
+<p:sld xmlns:a="http://schemas.openxmlformats.org/drawingml/2006/main" xmlns:r="http://schemas.openxmlformats.org/officeDocument/2006/relationships" xmlns:p="http://schemas.openxmlformats.org/presentationml/2006/main">
+  <p:cSld>
+    <p:bg>
+      <p:bgPr>
+        <a:solidFill>
+          <a:schemeClr val="bg1"/>
+        </a:solidFill>
+        <a:effectLst/>
+      </p:bgPr>
+    </p:bg>
+    <p:spTree>
+      <p:nvGrpSpPr>
+        <p:cNvPr id="1" name=""/>
+        <p:cNvGrpSpPr/>
+        <p:nvPr/>
+      </p:nvGrpSpPr>
+      <p:grpSpPr>
+        <a:xfrm>
+          <a:off x="0" y="0"/>
+          <a:ext cx="0" cy="0"/>
+          <a:chOff x="0" y="0"/>
+          <a:chExt cx="0" cy="0"/>
+        </a:xfrm>
+      </p:grpSpPr>
+      <p:sp useBgFill="1">
+        <p:nvSpPr>
+          <p:cNvPr id="5" name="Rectangle 7">
+            <a:extLst>
+              <a:ext uri="{FF2B5EF4-FFF2-40B4-BE49-F238E27FC236}">
+                <a16:creationId xmlns:a16="http://schemas.microsoft.com/office/drawing/2014/main" id="{327D73B4-9F5C-4A64-A179-51B9500CB8B5}"/>
+              </a:ext>
+              <a:ext uri="{C183D7F6-B498-43B3-948B-1728B52AA6E4}">
+                <adec:decorative xmlns:adec="http://schemas.microsoft.com/office/drawing/2017/decorative" val="1"/>
+              </a:ext>
+            </a:extLst>
+          </p:cNvPr>
+          <p:cNvSpPr>
+            <a:spLocks noGrp="1" noRot="1" noChangeAspect="1" noMove="1" noResize="1" noEditPoints="1" noAdjustHandles="1" noChangeArrowheads="1" noChangeShapeType="1" noTextEdit="1"/>
+          </p:cNvSpPr>
+          <p:nvPr>
+            <p:extLst>
+              <p:ext uri="{386F3935-93C4-4BCD-93E2-E3B085C9AB24}">
+                <p16:designElem xmlns:p16="http://schemas.microsoft.com/office/powerpoint/2015/main" val="1"/>
+              </p:ext>
+            </p:extLst>
+          </p:nvPr>
+        </p:nvSpPr>
+        <p:spPr>
+          <a:xfrm>
+            <a:off x="0" y="0"/>
+            <a:ext cx="12192000" cy="6858000"/>
+          </a:xfrm>
+          <a:prstGeom prst="rect">
+            <a:avLst/>
+          </a:prstGeom>
+          <a:ln>
+            <a:noFill/>
+          </a:ln>
+        </p:spPr>
+        <p:style>
+          <a:lnRef idx="2">
+            <a:schemeClr val="accent1">
+              <a:shade val="50000"/>
+            </a:schemeClr>
+          </a:lnRef>
+          <a:fillRef idx="1">
+            <a:schemeClr val="accent1"/>
+          </a:fillRef>
+          <a:effectRef idx="0">
+            <a:schemeClr val="accent1"/>
+          </a:effectRef>
+          <a:fontRef idx="minor">
+            <a:schemeClr val="lt1"/>
+          </a:fontRef>
+        </p:style>
+        <p:txBody>
+          <a:bodyPr rtlCol="0" anchor="ctr"/>
+          <a:lstStyle/>
+          <a:p>
+            <a:pPr algn="ctr"/>
+            <a:endParaRPr lang="en-US"/>
+          </a:p>
+        </p:txBody>
+      </p:sp>
+      <p:sp>
+        <p:nvSpPr>
+          <p:cNvPr id="6" name="Oval 9">
+            <a:extLst>
+              <a:ext uri="{FF2B5EF4-FFF2-40B4-BE49-F238E27FC236}">
+                <a16:creationId xmlns:a16="http://schemas.microsoft.com/office/drawing/2014/main" id="{C1F06963-6374-4B48-844F-071A9BAAAE02}"/>
+              </a:ext>
+              <a:ext uri="{C183D7F6-B498-43B3-948B-1728B52AA6E4}">
+                <adec:decorative xmlns:adec="http://schemas.microsoft.com/office/drawing/2017/decorative" val="1"/>
+              </a:ext>
+            </a:extLst>
+          </p:cNvPr>
+          <p:cNvSpPr>
+            <a:spLocks noGrp="1" noRot="1" noChangeAspect="1" noMove="1" noResize="1" noEditPoints="1" noAdjustHandles="1" noChangeArrowheads="1" noChangeShapeType="1" noTextEdit="1"/>
+          </p:cNvSpPr>
+          <p:nvPr>
+            <p:extLst>
+              <p:ext uri="{386F3935-93C4-4BCD-93E2-E3B085C9AB24}">
+                <p16:designElem xmlns:p16="http://schemas.microsoft.com/office/powerpoint/2015/main" val="1"/>
+              </p:ext>
+            </p:extLst>
+          </p:nvPr>
+        </p:nvSpPr>
+        <p:spPr>
+          <a:xfrm>
+            <a:off x="199528" y="554152"/>
+            <a:ext cx="5742189" cy="5742189"/>
+          </a:xfrm>
+          <a:prstGeom prst="ellipse">
+            <a:avLst/>
+          </a:prstGeom>
+          <a:gradFill flip="none" rotWithShape="1">
+            <a:gsLst>
+              <a:gs pos="0">
+                <a:schemeClr val="accent1"/>
+              </a:gs>
+              <a:gs pos="100000">
+                <a:schemeClr val="accent2"/>
+              </a:gs>
+            </a:gsLst>
+            <a:lin ang="2700000" scaled="1"/>
+            <a:tileRect/>
+          </a:gradFill>
+          <a:ln>
+            <a:noFill/>
+          </a:ln>
+        </p:spPr>
+        <p:style>
+          <a:lnRef idx="2">
+            <a:schemeClr val="accent1">
+              <a:shade val="50000"/>
+            </a:schemeClr>
+          </a:lnRef>
+          <a:fillRef idx="1">
+            <a:schemeClr val="accent1"/>
+          </a:fillRef>
+          <a:effectRef idx="0">
+            <a:schemeClr val="accent1"/>
+          </a:effectRef>
+          <a:fontRef idx="minor">
+            <a:schemeClr val="lt1"/>
+          </a:fontRef>
+        </p:style>
+        <p:txBody>
+          <a:bodyPr rtlCol="0" anchor="ctr"/>
+          <a:lstStyle/>
+          <a:p>
+            <a:pPr algn="ctr"/>
+            <a:endParaRPr lang="en-US"/>
+          </a:p>
+        </p:txBody>
+      </p:sp>
+      <p:sp>
+        <p:nvSpPr>
+          <p:cNvPr id="2" name="Titel 1">
+            <a:extLst>
+              <a:ext uri="{FF2B5EF4-FFF2-40B4-BE49-F238E27FC236}">
+                <a16:creationId xmlns:a16="http://schemas.microsoft.com/office/drawing/2014/main" id="{FA0B3428-3255-4023-88EC-B3C9CFAB377B}"/>
+              </a:ext>
+            </a:extLst>
+          </p:cNvPr>
+          <p:cNvSpPr>
+            <a:spLocks noGrp="1"/>
+          </p:cNvSpPr>
+          <p:nvPr>
+            <p:ph type="title"/>
+          </p:nvPr>
+        </p:nvSpPr>
+        <p:spPr>
+          <a:xfrm>
+            <a:off x="1245072" y="1289765"/>
+            <a:ext cx="3651101" cy="4270963"/>
+          </a:xfrm>
+        </p:spPr>
+        <p:txBody>
+          <a:bodyPr anchor="ctr">
+            <a:normAutofit/>
+          </a:bodyPr>
+          <a:lstStyle/>
+          <a:p>
+            <a:pPr algn="ctr"/>
+            <a:r>
+              <a:rPr lang="nl-NL" sz="5600">
+                <a:solidFill>
+                  <a:srgbClr val="FFFFFF"/>
+                </a:solidFill>
+              </a:rPr>
+              <a:t>Sprint backlog</a:t>
+            </a:r>
+            <a:br>
+              <a:rPr lang="nl-NL" sz="5600">
+                <a:solidFill>
+                  <a:srgbClr val="FFFFFF"/>
+                </a:solidFill>
+              </a:rPr>
+            </a:br>
+            <a:br>
+              <a:rPr lang="nl-NL" sz="5600">
+                <a:solidFill>
+                  <a:srgbClr val="FFFFFF"/>
+                </a:solidFill>
+              </a:rPr>
+            </a:br>
+            <a:r>
+              <a:rPr lang="nl-NL" sz="5600">
+                <a:solidFill>
+                  <a:srgbClr val="FFFFFF"/>
+                </a:solidFill>
+              </a:rPr>
+              <a:t>Jarno</a:t>
+            </a:r>
+          </a:p>
+        </p:txBody>
+      </p:sp>
+      <p:sp>
+        <p:nvSpPr>
+          <p:cNvPr id="7" name="Graphic 11">
+            <a:extLst>
+              <a:ext uri="{FF2B5EF4-FFF2-40B4-BE49-F238E27FC236}">
+                <a16:creationId xmlns:a16="http://schemas.microsoft.com/office/drawing/2014/main" id="{6CB927A4-E432-4310-9CD5-E89FF5063179}"/>
+              </a:ext>
+              <a:ext uri="{C183D7F6-B498-43B3-948B-1728B52AA6E4}">
+                <adec:decorative xmlns:adec="http://schemas.microsoft.com/office/drawing/2017/decorative" val="1"/>
+              </a:ext>
+            </a:extLst>
+          </p:cNvPr>
+          <p:cNvSpPr>
+            <a:spLocks noGrp="1" noRot="1" noChangeAspect="1" noMove="1" noResize="1" noEditPoints="1" noAdjustHandles="1" noChangeArrowheads="1" noChangeShapeType="1" noTextEdit="1"/>
+          </p:cNvSpPr>
+          <p:nvPr>
+            <p:extLst>
+              <p:ext uri="{386F3935-93C4-4BCD-93E2-E3B085C9AB24}">
+                <p16:designElem xmlns:p16="http://schemas.microsoft.com/office/powerpoint/2015/main" val="1"/>
+              </p:ext>
+            </p:extLst>
+          </p:nvPr>
+        </p:nvSpPr>
+        <p:spPr>
+          <a:xfrm>
+            <a:off x="1123493" y="374394"/>
+            <a:ext cx="171515" cy="171515"/>
+          </a:xfrm>
+          <a:custGeom>
+            <a:avLst/>
+            <a:gdLst>
+              <a:gd name="connsiteX0" fmla="*/ 159874 w 171515"/>
+              <a:gd name="connsiteY0" fmla="*/ 74116 h 171515"/>
+              <a:gd name="connsiteX1" fmla="*/ 97399 w 171515"/>
+              <a:gd name="connsiteY1" fmla="*/ 74116 h 171515"/>
+              <a:gd name="connsiteX2" fmla="*/ 97399 w 171515"/>
+              <a:gd name="connsiteY2" fmla="*/ 11641 h 171515"/>
+              <a:gd name="connsiteX3" fmla="*/ 85758 w 171515"/>
+              <a:gd name="connsiteY3" fmla="*/ 0 h 171515"/>
+              <a:gd name="connsiteX4" fmla="*/ 74116 w 171515"/>
+              <a:gd name="connsiteY4" fmla="*/ 11641 h 171515"/>
+              <a:gd name="connsiteX5" fmla="*/ 74116 w 171515"/>
+              <a:gd name="connsiteY5" fmla="*/ 74116 h 171515"/>
+              <a:gd name="connsiteX6" fmla="*/ 11641 w 171515"/>
+              <a:gd name="connsiteY6" fmla="*/ 74116 h 171515"/>
+              <a:gd name="connsiteX7" fmla="*/ 0 w 171515"/>
+              <a:gd name="connsiteY7" fmla="*/ 85758 h 171515"/>
+              <a:gd name="connsiteX8" fmla="*/ 11641 w 171515"/>
+              <a:gd name="connsiteY8" fmla="*/ 97399 h 171515"/>
+              <a:gd name="connsiteX9" fmla="*/ 74116 w 171515"/>
+              <a:gd name="connsiteY9" fmla="*/ 97399 h 171515"/>
+              <a:gd name="connsiteX10" fmla="*/ 74116 w 171515"/>
+              <a:gd name="connsiteY10" fmla="*/ 159874 h 171515"/>
+              <a:gd name="connsiteX11" fmla="*/ 85758 w 171515"/>
+              <a:gd name="connsiteY11" fmla="*/ 171515 h 171515"/>
+              <a:gd name="connsiteX12" fmla="*/ 97399 w 171515"/>
+              <a:gd name="connsiteY12" fmla="*/ 159874 h 171515"/>
+              <a:gd name="connsiteX13" fmla="*/ 97399 w 171515"/>
+              <a:gd name="connsiteY13" fmla="*/ 97399 h 171515"/>
+              <a:gd name="connsiteX14" fmla="*/ 159874 w 171515"/>
+              <a:gd name="connsiteY14" fmla="*/ 97399 h 171515"/>
+              <a:gd name="connsiteX15" fmla="*/ 171515 w 171515"/>
+              <a:gd name="connsiteY15" fmla="*/ 85758 h 171515"/>
+              <a:gd name="connsiteX16" fmla="*/ 159874 w 171515"/>
+              <a:gd name="connsiteY16" fmla="*/ 74116 h 171515"/>
+            </a:gdLst>
+            <a:ahLst/>
+            <a:cxnLst>
+              <a:cxn ang="0">
+                <a:pos x="connsiteX0" y="connsiteY0"/>
+              </a:cxn>
+              <a:cxn ang="0">
+                <a:pos x="connsiteX1" y="connsiteY1"/>
+              </a:cxn>
+              <a:cxn ang="0">
+                <a:pos x="connsiteX2" y="connsiteY2"/>
+              </a:cxn>
+              <a:cxn ang="0">
+                <a:pos x="connsiteX3" y="connsiteY3"/>
+              </a:cxn>
+              <a:cxn ang="0">
+                <a:pos x="connsiteX4" y="connsiteY4"/>
+              </a:cxn>
+              <a:cxn ang="0">
+                <a:pos x="connsiteX5" y="connsiteY5"/>
+              </a:cxn>
+              <a:cxn ang="0">
+                <a:pos x="connsiteX6" y="connsiteY6"/>
+              </a:cxn>
+              <a:cxn ang="0">
+                <a:pos x="connsiteX7" y="connsiteY7"/>
+              </a:cxn>
+              <a:cxn ang="0">
+                <a:pos x="connsiteX8" y="connsiteY8"/>
+              </a:cxn>
+              <a:cxn ang="0">
+                <a:pos x="connsiteX9" y="connsiteY9"/>
+              </a:cxn>
+              <a:cxn ang="0">
+                <a:pos x="connsiteX10" y="connsiteY10"/>
+              </a:cxn>
+              <a:cxn ang="0">
+                <a:pos x="connsiteX11" y="connsiteY11"/>
+              </a:cxn>
+              <a:cxn ang="0">
+                <a:pos x="connsiteX12" y="connsiteY12"/>
+              </a:cxn>
+              <a:cxn ang="0">
+                <a:pos x="connsiteX13" y="connsiteY13"/>
+              </a:cxn>
+              <a:cxn ang="0">
+                <a:pos x="connsiteX14" y="connsiteY14"/>
+              </a:cxn>
+              <a:cxn ang="0">
+                <a:pos x="connsiteX15" y="connsiteY15"/>
+              </a:cxn>
+              <a:cxn ang="0">
+                <a:pos x="connsiteX16" y="connsiteY16"/>
+              </a:cxn>
+            </a:cxnLst>
+            <a:rect l="l" t="t" r="r" b="b"/>
+            <a:pathLst>
+              <a:path w="171515" h="171515">
+                <a:moveTo>
+                  <a:pt x="159874" y="74116"/>
+                </a:moveTo>
+                <a:lnTo>
+                  <a:pt x="97399" y="74116"/>
+                </a:lnTo>
+                <a:lnTo>
+                  <a:pt x="97399" y="11641"/>
+                </a:lnTo>
+                <a:cubicBezTo>
+                  <a:pt x="97399" y="5212"/>
+                  <a:pt x="92187" y="0"/>
+                  <a:pt x="85758" y="0"/>
+                </a:cubicBezTo>
+                <a:cubicBezTo>
+                  <a:pt x="79328" y="0"/>
+                  <a:pt x="74116" y="5212"/>
+                  <a:pt x="74116" y="11641"/>
+                </a:cubicBezTo>
+                <a:lnTo>
+                  <a:pt x="74116" y="74116"/>
+                </a:lnTo>
+                <a:lnTo>
+                  <a:pt x="11641" y="74116"/>
+                </a:lnTo>
+                <a:cubicBezTo>
+                  <a:pt x="5212" y="74116"/>
+                  <a:pt x="0" y="79328"/>
+                  <a:pt x="0" y="85758"/>
+                </a:cubicBezTo>
+                <a:cubicBezTo>
+                  <a:pt x="0" y="92187"/>
+                  <a:pt x="5212" y="97399"/>
+                  <a:pt x="11641" y="97399"/>
+                </a:cubicBezTo>
+                <a:lnTo>
+                  <a:pt x="74116" y="97399"/>
+                </a:lnTo>
+                <a:lnTo>
+                  <a:pt x="74116" y="159874"/>
+                </a:lnTo>
+                <a:cubicBezTo>
+                  <a:pt x="74116" y="166303"/>
+                  <a:pt x="79328" y="171515"/>
+                  <a:pt x="85758" y="171515"/>
+                </a:cubicBezTo>
+                <a:cubicBezTo>
+                  <a:pt x="92187" y="171515"/>
+                  <a:pt x="97399" y="166303"/>
+                  <a:pt x="97399" y="159874"/>
+                </a:cubicBezTo>
+                <a:lnTo>
+                  <a:pt x="97399" y="97399"/>
+                </a:lnTo>
+                <a:lnTo>
+                  <a:pt x="159874" y="97399"/>
+                </a:lnTo>
+                <a:cubicBezTo>
+                  <a:pt x="166303" y="97399"/>
+                  <a:pt x="171515" y="92187"/>
+                  <a:pt x="171515" y="85758"/>
+                </a:cubicBezTo>
+                <a:cubicBezTo>
+                  <a:pt x="171515" y="79328"/>
+                  <a:pt x="166303" y="74116"/>
+                  <a:pt x="159874" y="74116"/>
+                </a:cubicBezTo>
+                <a:close/>
+              </a:path>
+            </a:pathLst>
+          </a:custGeom>
+          <a:solidFill>
+            <a:schemeClr val="accent2"/>
+          </a:solidFill>
+          <a:ln w="776" cap="flat">
+            <a:noFill/>
+            <a:prstDash val="solid"/>
+            <a:miter/>
+          </a:ln>
+        </p:spPr>
+        <p:txBody>
+          <a:bodyPr rtlCol="0" anchor="ctr"/>
+          <a:lstStyle/>
+          <a:p>
+            <a:endParaRPr lang="en-US"/>
+          </a:p>
+        </p:txBody>
+      </p:sp>
+      <p:sp>
+        <p:nvSpPr>
+          <p:cNvPr id="9" name="Graphic 12">
+            <a:extLst>
+              <a:ext uri="{FF2B5EF4-FFF2-40B4-BE49-F238E27FC236}">
+                <a16:creationId xmlns:a16="http://schemas.microsoft.com/office/drawing/2014/main" id="{1453BF6C-B012-48B7-B4E8-6D7AC7C27D02}"/>
+              </a:ext>
+              <a:ext uri="{C183D7F6-B498-43B3-948B-1728B52AA6E4}">
+                <adec:decorative xmlns:adec="http://schemas.microsoft.com/office/drawing/2017/decorative" val="1"/>
+              </a:ext>
+            </a:extLst>
+          </p:cNvPr>
+          <p:cNvSpPr>
+            <a:spLocks noGrp="1" noRot="1" noChangeAspect="1" noMove="1" noResize="1" noEditPoints="1" noAdjustHandles="1" noChangeArrowheads="1" noChangeShapeType="1" noTextEdit="1"/>
+          </p:cNvSpPr>
+          <p:nvPr>
+            <p:extLst>
+              <p:ext uri="{386F3935-93C4-4BCD-93E2-E3B085C9AB24}">
+                <p16:designElem xmlns:p16="http://schemas.microsoft.com/office/powerpoint/2015/main" val="1"/>
+              </p:ext>
+            </p:extLst>
+          </p:nvPr>
+        </p:nvSpPr>
+        <p:spPr>
+          <a:xfrm>
+            <a:off x="550109" y="1084507"/>
+            <a:ext cx="157545" cy="157545"/>
+          </a:xfrm>
+          <a:custGeom>
+            <a:avLst/>
+            <a:gdLst>
+              <a:gd name="connsiteX0" fmla="*/ 78773 w 157545"/>
+              <a:gd name="connsiteY0" fmla="*/ 23283 h 157545"/>
+              <a:gd name="connsiteX1" fmla="*/ 134262 w 157545"/>
+              <a:gd name="connsiteY1" fmla="*/ 78773 h 157545"/>
+              <a:gd name="connsiteX2" fmla="*/ 78773 w 157545"/>
+              <a:gd name="connsiteY2" fmla="*/ 134262 h 157545"/>
+              <a:gd name="connsiteX3" fmla="*/ 23283 w 157545"/>
+              <a:gd name="connsiteY3" fmla="*/ 78773 h 157545"/>
+              <a:gd name="connsiteX4" fmla="*/ 78773 w 157545"/>
+              <a:gd name="connsiteY4" fmla="*/ 23283 h 157545"/>
+              <a:gd name="connsiteX5" fmla="*/ 78773 w 157545"/>
+              <a:gd name="connsiteY5" fmla="*/ 0 h 157545"/>
+              <a:gd name="connsiteX6" fmla="*/ 0 w 157545"/>
+              <a:gd name="connsiteY6" fmla="*/ 78773 h 157545"/>
+              <a:gd name="connsiteX7" fmla="*/ 78773 w 157545"/>
+              <a:gd name="connsiteY7" fmla="*/ 157545 h 157545"/>
+              <a:gd name="connsiteX8" fmla="*/ 157545 w 157545"/>
+              <a:gd name="connsiteY8" fmla="*/ 78773 h 157545"/>
+              <a:gd name="connsiteX9" fmla="*/ 78773 w 157545"/>
+              <a:gd name="connsiteY9" fmla="*/ 0 h 157545"/>
+            </a:gdLst>
+            <a:ahLst/>
+            <a:cxnLst>
+              <a:cxn ang="0">
+                <a:pos x="connsiteX0" y="connsiteY0"/>
+              </a:cxn>
+              <a:cxn ang="0">
+                <a:pos x="connsiteX1" y="connsiteY1"/>
+              </a:cxn>
+              <a:cxn ang="0">
+                <a:pos x="connsiteX2" y="connsiteY2"/>
+              </a:cxn>
+              <a:cxn ang="0">
+                <a:pos x="connsiteX3" y="connsiteY3"/>
+              </a:cxn>
+              <a:cxn ang="0">
+                <a:pos x="connsiteX4" y="connsiteY4"/>
+              </a:cxn>
+              <a:cxn ang="0">
+                <a:pos x="connsiteX5" y="connsiteY5"/>
+              </a:cxn>
+              <a:cxn ang="0">
+                <a:pos x="connsiteX6" y="connsiteY6"/>
+              </a:cxn>
+              <a:cxn ang="0">
+                <a:pos x="connsiteX7" y="connsiteY7"/>
+              </a:cxn>
+              <a:cxn ang="0">
+                <a:pos x="connsiteX8" y="connsiteY8"/>
+              </a:cxn>
+              <a:cxn ang="0">
+                <a:pos x="connsiteX9" y="connsiteY9"/>
+              </a:cxn>
+            </a:cxnLst>
+            <a:rect l="l" t="t" r="r" b="b"/>
+            <a:pathLst>
+              <a:path w="157545" h="157545">
+                <a:moveTo>
+                  <a:pt x="78773" y="23283"/>
+                </a:moveTo>
+                <a:cubicBezTo>
+                  <a:pt x="109419" y="23283"/>
+                  <a:pt x="134262" y="48126"/>
+                  <a:pt x="134262" y="78773"/>
+                </a:cubicBezTo>
+                <a:cubicBezTo>
+                  <a:pt x="134262" y="109419"/>
+                  <a:pt x="109419" y="134262"/>
+                  <a:pt x="78773" y="134262"/>
+                </a:cubicBezTo>
+                <a:cubicBezTo>
+                  <a:pt x="48126" y="134262"/>
+                  <a:pt x="23283" y="109419"/>
+                  <a:pt x="23283" y="78773"/>
+                </a:cubicBezTo>
+                <a:cubicBezTo>
+                  <a:pt x="23312" y="48139"/>
+                  <a:pt x="48139" y="23312"/>
+                  <a:pt x="78773" y="23283"/>
+                </a:cubicBezTo>
+                <a:moveTo>
+                  <a:pt x="78773" y="0"/>
+                </a:moveTo>
+                <a:cubicBezTo>
+                  <a:pt x="35268" y="0"/>
+                  <a:pt x="0" y="35268"/>
+                  <a:pt x="0" y="78773"/>
+                </a:cubicBezTo>
+                <a:cubicBezTo>
+                  <a:pt x="0" y="122277"/>
+                  <a:pt x="35268" y="157545"/>
+                  <a:pt x="78773" y="157545"/>
+                </a:cubicBezTo>
+                <a:cubicBezTo>
+                  <a:pt x="122277" y="157545"/>
+                  <a:pt x="157545" y="122277"/>
+                  <a:pt x="157545" y="78773"/>
+                </a:cubicBezTo>
+                <a:cubicBezTo>
+                  <a:pt x="157545" y="35268"/>
+                  <a:pt x="122277" y="0"/>
+                  <a:pt x="78773" y="0"/>
+                </a:cubicBezTo>
+                <a:close/>
+              </a:path>
+            </a:pathLst>
+          </a:custGeom>
+          <a:solidFill>
+            <a:schemeClr val="accent2"/>
+          </a:solidFill>
+          <a:ln w="751" cap="flat">
+            <a:noFill/>
+            <a:prstDash val="solid"/>
+            <a:miter/>
+          </a:ln>
+        </p:spPr>
+        <p:txBody>
+          <a:bodyPr rtlCol="0" anchor="ctr"/>
+          <a:lstStyle/>
+          <a:p>
+            <a:endParaRPr lang="en-US"/>
+          </a:p>
+        </p:txBody>
+      </p:sp>
+      <p:sp>
+        <p:nvSpPr>
+          <p:cNvPr id="3" name="Tijdelijke aanduiding voor inhoud 2">
+            <a:extLst>
+              <a:ext uri="{FF2B5EF4-FFF2-40B4-BE49-F238E27FC236}">
+                <a16:creationId xmlns:a16="http://schemas.microsoft.com/office/drawing/2014/main" id="{2EF60DF6-8C83-4460-AA7E-305F4338BBA6}"/>
+              </a:ext>
+            </a:extLst>
+          </p:cNvPr>
+          <p:cNvSpPr>
+            <a:spLocks noGrp="1"/>
+          </p:cNvSpPr>
+          <p:nvPr>
+            <p:ph idx="1"/>
+          </p:nvPr>
+        </p:nvSpPr>
+        <p:spPr>
+          <a:xfrm>
+            <a:off x="6297233" y="518400"/>
+            <a:ext cx="4771607" cy="5837949"/>
+          </a:xfrm>
+        </p:spPr>
+        <p:txBody>
+          <a:bodyPr anchor="ctr">
+            <a:normAutofit/>
+          </a:bodyPr>
+          <a:lstStyle/>
+          <a:p>
+            <a:pPr marL="0" indent="0">
+              <a:buNone/>
+            </a:pPr>
+            <a:r>
+              <a:rPr lang="nl-NL" sz="2000" b="1" dirty="0">
+                <a:solidFill>
+                  <a:schemeClr val="tx1">
+                    <a:alpha val="80000"/>
+                  </a:schemeClr>
+                </a:solidFill>
+              </a:rPr>
+              <a:t>User story: </a:t>
+            </a:r>
+            <a:r>
+              <a:rPr lang="nl-NL" sz="2000" dirty="0">
+                <a:solidFill>
+                  <a:schemeClr val="tx1">
+                    <a:alpha val="80000"/>
+                  </a:schemeClr>
+                </a:solidFill>
+              </a:rPr>
+              <a:t>Als gebruiker wil ik mijn pasje kunnen scannen, pin kunnen invoeren en de </a:t>
+            </a:r>
+            <a:r>
+              <a:rPr lang="nl-NL" sz="2000" dirty="0" err="1">
+                <a:solidFill>
+                  <a:schemeClr val="tx1">
+                    <a:alpha val="80000"/>
+                  </a:schemeClr>
+                </a:solidFill>
+              </a:rPr>
+              <a:t>keypad</a:t>
+            </a:r>
+            <a:r>
+              <a:rPr lang="nl-NL" sz="2000" dirty="0">
+                <a:solidFill>
+                  <a:schemeClr val="tx1">
+                    <a:alpha val="80000"/>
+                  </a:schemeClr>
+                </a:solidFill>
+              </a:rPr>
+              <a:t> kunnen gebruiken zodat ik door de GUI heen kan navigeren.</a:t>
+            </a:r>
+            <a:endParaRPr lang="nl-NL" sz="2000" b="1" dirty="0">
+              <a:solidFill>
+                <a:schemeClr val="tx1">
+                  <a:alpha val="80000"/>
+                </a:schemeClr>
+              </a:solidFill>
+            </a:endParaRPr>
+          </a:p>
+          <a:p>
+            <a:pPr marL="0" indent="0">
+              <a:buNone/>
+            </a:pPr>
+            <a:r>
+              <a:rPr lang="nl-NL" sz="2000" b="1" dirty="0">
+                <a:solidFill>
+                  <a:schemeClr val="tx1">
+                    <a:alpha val="80000"/>
+                  </a:schemeClr>
+                </a:solidFill>
+              </a:rPr>
+              <a:t>Taak: </a:t>
+            </a:r>
+            <a:r>
+              <a:rPr lang="nl-NL" sz="2000" dirty="0" err="1">
+                <a:solidFill>
+                  <a:schemeClr val="tx1">
+                    <a:alpha val="80000"/>
+                  </a:schemeClr>
+                </a:solidFill>
+              </a:rPr>
+              <a:t>Keypad</a:t>
+            </a:r>
+            <a:r>
+              <a:rPr lang="nl-NL" sz="2000" dirty="0">
+                <a:solidFill>
+                  <a:schemeClr val="tx1">
+                    <a:alpha val="80000"/>
+                  </a:schemeClr>
+                </a:solidFill>
+              </a:rPr>
+              <a:t> en RIFD integreren in de GUI</a:t>
+            </a:r>
+          </a:p>
+          <a:p>
+            <a:pPr marL="0" indent="0">
+              <a:buNone/>
+            </a:pPr>
+            <a:r>
+              <a:rPr lang="nl-NL" sz="2000" b="1" dirty="0" err="1">
+                <a:solidFill>
+                  <a:schemeClr val="tx1">
+                    <a:alpha val="80000"/>
+                  </a:schemeClr>
+                </a:solidFill>
+              </a:rPr>
+              <a:t>Acceptance</a:t>
+            </a:r>
+            <a:r>
+              <a:rPr lang="nl-NL" sz="2000" b="1" dirty="0">
+                <a:solidFill>
+                  <a:schemeClr val="tx1">
+                    <a:alpha val="80000"/>
+                  </a:schemeClr>
+                </a:solidFill>
+              </a:rPr>
+              <a:t> Criteria: </a:t>
+            </a:r>
+            <a:r>
+              <a:rPr lang="nl-NL" sz="2000" dirty="0">
+                <a:solidFill>
+                  <a:schemeClr val="tx1">
+                    <a:alpha val="80000"/>
+                  </a:schemeClr>
+                </a:solidFill>
+              </a:rPr>
+              <a:t>De RIFD en </a:t>
+            </a:r>
+            <a:r>
+              <a:rPr lang="nl-NL" sz="2000" dirty="0" err="1">
+                <a:solidFill>
+                  <a:schemeClr val="tx1">
+                    <a:alpha val="80000"/>
+                  </a:schemeClr>
+                </a:solidFill>
+              </a:rPr>
+              <a:t>keypad</a:t>
+            </a:r>
+            <a:r>
+              <a:rPr lang="nl-NL" sz="2000" dirty="0">
+                <a:solidFill>
+                  <a:schemeClr val="tx1">
+                    <a:alpha val="80000"/>
+                  </a:schemeClr>
+                </a:solidFill>
+              </a:rPr>
+              <a:t> kunnen de GUI op een logische manier beïnvloeden.</a:t>
+            </a:r>
+            <a:endParaRPr lang="nl-NL" sz="2000" b="1" dirty="0">
+              <a:solidFill>
+                <a:schemeClr val="tx1">
+                  <a:alpha val="80000"/>
+                </a:schemeClr>
+              </a:solidFill>
+            </a:endParaRPr>
+          </a:p>
+          <a:p>
+            <a:pPr marL="0" indent="0">
+              <a:buNone/>
+            </a:pPr>
+            <a:r>
+              <a:rPr lang="nl-NL" sz="2000" b="1" dirty="0">
+                <a:solidFill>
+                  <a:schemeClr val="tx1">
+                    <a:alpha val="80000"/>
+                  </a:schemeClr>
+                </a:solidFill>
+              </a:rPr>
+              <a:t>Story Points: </a:t>
+            </a:r>
+            <a:r>
+              <a:rPr lang="nl-NL" sz="2000" dirty="0">
+                <a:solidFill>
+                  <a:schemeClr val="tx1">
+                    <a:alpha val="80000"/>
+                  </a:schemeClr>
+                </a:solidFill>
+              </a:rPr>
+              <a:t>3</a:t>
+            </a:r>
+          </a:p>
+          <a:p>
+            <a:endParaRPr lang="nl-NL" sz="2000" dirty="0">
+              <a:solidFill>
+                <a:schemeClr val="tx1">
+                  <a:alpha val="80000"/>
+                </a:schemeClr>
+              </a:solidFill>
+            </a:endParaRPr>
+          </a:p>
+        </p:txBody>
+      </p:sp>
+      <p:sp>
+        <p:nvSpPr>
+          <p:cNvPr id="11" name="Graphic 10">
+            <a:extLst>
+              <a:ext uri="{FF2B5EF4-FFF2-40B4-BE49-F238E27FC236}">
+                <a16:creationId xmlns:a16="http://schemas.microsoft.com/office/drawing/2014/main" id="{E3020543-B24B-4EC4-8FFC-8DD88EEA91A8}"/>
+              </a:ext>
+              <a:ext uri="{C183D7F6-B498-43B3-948B-1728B52AA6E4}">
+                <adec:decorative xmlns:adec="http://schemas.microsoft.com/office/drawing/2017/decorative" val="1"/>
+              </a:ext>
+            </a:extLst>
+          </p:cNvPr>
+          <p:cNvSpPr>
+            <a:spLocks noGrp="1" noRot="1" noChangeAspect="1" noMove="1" noResize="1" noEditPoints="1" noAdjustHandles="1" noChangeArrowheads="1" noChangeShapeType="1" noTextEdit="1"/>
+          </p:cNvSpPr>
+          <p:nvPr>
+            <p:extLst>
+              <p:ext uri="{386F3935-93C4-4BCD-93E2-E3B085C9AB24}">
+                <p16:designElem xmlns:p16="http://schemas.microsoft.com/office/powerpoint/2015/main" val="1"/>
+              </p:ext>
+            </p:extLst>
+          </p:nvPr>
+        </p:nvSpPr>
+        <p:spPr>
+          <a:xfrm>
+            <a:off x="5436547" y="5751820"/>
+            <a:ext cx="112426" cy="112426"/>
+          </a:xfrm>
+          <a:custGeom>
+            <a:avLst/>
+            <a:gdLst>
+              <a:gd name="connsiteX0" fmla="*/ 112426 w 112426"/>
+              <a:gd name="connsiteY0" fmla="*/ 56213 h 112426"/>
+              <a:gd name="connsiteX1" fmla="*/ 56213 w 112426"/>
+              <a:gd name="connsiteY1" fmla="*/ 112426 h 112426"/>
+              <a:gd name="connsiteX2" fmla="*/ 0 w 112426"/>
+              <a:gd name="connsiteY2" fmla="*/ 56213 h 112426"/>
+              <a:gd name="connsiteX3" fmla="*/ 56213 w 112426"/>
+              <a:gd name="connsiteY3" fmla="*/ 0 h 112426"/>
+              <a:gd name="connsiteX4" fmla="*/ 112426 w 112426"/>
+              <a:gd name="connsiteY4" fmla="*/ 56213 h 112426"/>
+            </a:gdLst>
+            <a:ahLst/>
+            <a:cxnLst>
+              <a:cxn ang="0">
+                <a:pos x="connsiteX0" y="connsiteY0"/>
+              </a:cxn>
+              <a:cxn ang="0">
+                <a:pos x="connsiteX1" y="connsiteY1"/>
+              </a:cxn>
+              <a:cxn ang="0">
+                <a:pos x="connsiteX2" y="connsiteY2"/>
+              </a:cxn>
+              <a:cxn ang="0">
+                <a:pos x="connsiteX3" y="connsiteY3"/>
+              </a:cxn>
+              <a:cxn ang="0">
+                <a:pos x="connsiteX4" y="connsiteY4"/>
+              </a:cxn>
+            </a:cxnLst>
+            <a:rect l="l" t="t" r="r" b="b"/>
+            <a:pathLst>
+              <a:path w="112426" h="112426">
+                <a:moveTo>
+                  <a:pt x="112426" y="56213"/>
+                </a:moveTo>
+                <a:cubicBezTo>
+                  <a:pt x="112426" y="87259"/>
+                  <a:pt x="87259" y="112426"/>
+                  <a:pt x="56213" y="112426"/>
+                </a:cubicBezTo>
+                <a:cubicBezTo>
+                  <a:pt x="25167" y="112426"/>
+                  <a:pt x="0" y="87259"/>
+                  <a:pt x="0" y="56213"/>
+                </a:cubicBezTo>
+                <a:cubicBezTo>
+                  <a:pt x="0" y="25167"/>
+                  <a:pt x="25167" y="0"/>
+                  <a:pt x="56213" y="0"/>
+                </a:cubicBezTo>
+                <a:cubicBezTo>
+                  <a:pt x="87259" y="0"/>
+                  <a:pt x="112426" y="25167"/>
+                  <a:pt x="112426" y="56213"/>
+                </a:cubicBezTo>
+                <a:close/>
+              </a:path>
+            </a:pathLst>
+          </a:custGeom>
+          <a:solidFill>
+            <a:schemeClr val="accent2"/>
+          </a:solidFill>
+          <a:ln w="516" cap="flat">
+            <a:noFill/>
+            <a:prstDash val="solid"/>
+            <a:miter/>
+          </a:ln>
+        </p:spPr>
+        <p:txBody>
+          <a:bodyPr rtlCol="0" anchor="ctr"/>
+          <a:lstStyle/>
+          <a:p>
+            <a:endParaRPr lang="en-US"/>
+          </a:p>
+        </p:txBody>
+      </p:sp>
+      <p:cxnSp>
+        <p:nvCxnSpPr>
+          <p:cNvPr id="13" name="Straight Connector 17">
+            <a:extLst>
+              <a:ext uri="{FF2B5EF4-FFF2-40B4-BE49-F238E27FC236}">
+                <a16:creationId xmlns:a16="http://schemas.microsoft.com/office/drawing/2014/main" id="{C49DA8F6-BCC1-4447-B54C-57856834B94B}"/>
+              </a:ext>
+              <a:ext uri="{C183D7F6-B498-43B3-948B-1728B52AA6E4}">
+                <adec:decorative xmlns:adec="http://schemas.microsoft.com/office/drawing/2017/decorative" val="1"/>
+              </a:ext>
+            </a:extLst>
+          </p:cNvPr>
+          <p:cNvCxnSpPr>
+            <a:cxnSpLocks noGrp="1" noRot="1" noChangeAspect="1" noMove="1" noResize="1" noEditPoints="1" noAdjustHandles="1" noChangeArrowheads="1" noChangeShapeType="1"/>
+          </p:cNvCxnSpPr>
+          <p:nvPr>
+            <p:extLst>
+              <p:ext uri="{386F3935-93C4-4BCD-93E2-E3B085C9AB24}">
+                <p16:designElem xmlns:p16="http://schemas.microsoft.com/office/powerpoint/2015/main" val="1"/>
+              </p:ext>
+            </p:extLst>
+          </p:nvPr>
+        </p:nvCxnSpPr>
+        <p:spPr>
+          <a:xfrm>
+            <a:off x="11586162" y="3610394"/>
+            <a:ext cx="0" cy="3238728"/>
+          </a:xfrm>
+          <a:prstGeom prst="line">
+            <a:avLst/>
+          </a:prstGeom>
+          <a:ln w="25400" cap="sq">
+            <a:gradFill flip="none" rotWithShape="1">
+              <a:gsLst>
+                <a:gs pos="0">
+                  <a:schemeClr val="accent1"/>
+                </a:gs>
+                <a:gs pos="100000">
+                  <a:schemeClr val="accent2"/>
+                </a:gs>
+              </a:gsLst>
+              <a:lin ang="5400000" scaled="0"/>
+              <a:tileRect/>
+            </a:gradFill>
+            <a:bevel/>
+          </a:ln>
+        </p:spPr>
+        <p:style>
+          <a:lnRef idx="1">
+            <a:schemeClr val="accent1"/>
+          </a:lnRef>
+          <a:fillRef idx="0">
+            <a:schemeClr val="accent1"/>
+          </a:fillRef>
+          <a:effectRef idx="0">
+            <a:schemeClr val="accent1"/>
+          </a:effectRef>
+          <a:fontRef idx="minor">
+            <a:schemeClr val="tx1"/>
+          </a:fontRef>
+        </p:style>
+      </p:cxnSp>
+    </p:spTree>
+    <p:extLst>
+      <p:ext uri="{BB962C8B-B14F-4D97-AF65-F5344CB8AC3E}">
+        <p14:creationId xmlns:p14="http://schemas.microsoft.com/office/powerpoint/2010/main" val="1876284846"/>
+      </p:ext>
+    </p:extLst>
+  </p:cSld>
+  <p:clrMapOvr>
+    <a:masterClrMapping/>
+  </p:clrMapOvr>
+  <p:transition spd="slow">
+    <p:cover/>
+  </p:transition>
 </p:sld>
 </file>
 

--- a/Presentaties/PresentatieSprint2.pptx
+++ b/Presentaties/PresentatieSprint2.pptx
@@ -135,7 +135,7 @@
   <pc:docChgLst>
     <pc:chgData name="Ramon Burgstad" userId="5061cdd7803951a7" providerId="LiveId" clId="{FC6212AE-D664-4EBD-95A6-C7DC18AC1A5F}"/>
     <pc:docChg chg="undo custSel mod addSld delSld modSld">
-      <pc:chgData name="Ramon Burgstad" userId="5061cdd7803951a7" providerId="LiveId" clId="{FC6212AE-D664-4EBD-95A6-C7DC18AC1A5F}" dt="2021-03-25T14:10:38.005" v="3010" actId="26606"/>
+      <pc:chgData name="Ramon Burgstad" userId="5061cdd7803951a7" providerId="LiveId" clId="{FC6212AE-D664-4EBD-95A6-C7DC18AC1A5F}" dt="2021-03-25T14:17:17.940" v="3035" actId="5793"/>
       <pc:docMkLst>
         <pc:docMk/>
       </pc:docMkLst>
@@ -397,7 +397,7 @@
         </pc:sldMkLst>
       </pc:sldChg>
       <pc:sldChg chg="addSp delSp modSp add del mod modTransition setBg delDesignElem">
-        <pc:chgData name="Ramon Burgstad" userId="5061cdd7803951a7" providerId="LiveId" clId="{FC6212AE-D664-4EBD-95A6-C7DC18AC1A5F}" dt="2021-03-25T14:09:48.894" v="3007"/>
+        <pc:chgData name="Ramon Burgstad" userId="5061cdd7803951a7" providerId="LiveId" clId="{FC6212AE-D664-4EBD-95A6-C7DC18AC1A5F}" dt="2021-03-25T14:17:17.940" v="3035" actId="5793"/>
         <pc:sldMkLst>
           <pc:docMk/>
           <pc:sldMk cId="1881999346" sldId="260"/>
@@ -979,7 +979,7 @@
           </ac:spMkLst>
         </pc:spChg>
         <pc:spChg chg="add mod">
-          <ac:chgData name="Ramon Burgstad" userId="5061cdd7803951a7" providerId="LiveId" clId="{FC6212AE-D664-4EBD-95A6-C7DC18AC1A5F}" dt="2021-03-25T14:07:56.106" v="2935" actId="20577"/>
+          <ac:chgData name="Ramon Burgstad" userId="5061cdd7803951a7" providerId="LiveId" clId="{FC6212AE-D664-4EBD-95A6-C7DC18AC1A5F}" dt="2021-03-25T14:17:17.940" v="3035" actId="5793"/>
           <ac:spMkLst>
             <pc:docMk/>
             <pc:sldMk cId="1881999346" sldId="260"/>
@@ -6965,8 +6965,9 @@
             </a:r>
           </a:p>
           <a:p>
-            <a:pPr marL="0" indent="0">
-              <a:buNone/>
+            <a:pPr>
+              <a:buFontTx/>
+              <a:buChar char="-"/>
             </a:pPr>
             <a:r>
               <a:rPr lang="nl-NL" sz="2000" dirty="0">
@@ -6976,23 +6977,7 @@
                   </a:schemeClr>
                 </a:solidFill>
               </a:rPr>
-              <a:t>-  Git wordt nu door iedereen gebruikt</a:t>
-            </a:r>
-          </a:p>
-          <a:p>
-            <a:pPr>
-              <a:buFontTx/>
-              <a:buChar char="-"/>
-            </a:pPr>
-            <a:r>
-              <a:rPr lang="nl-NL" sz="2000" dirty="0">
-                <a:solidFill>
-                  <a:schemeClr val="tx1">
-                    <a:alpha val="80000"/>
-                  </a:schemeClr>
-                </a:solidFill>
-              </a:rPr>
-              <a:t>Communicatie binnen de groep</a:t>
+              <a:t>Git wordt nu door iedereen gebruikt</a:t>
             </a:r>
           </a:p>
           <a:p>
@@ -7064,7 +7049,7 @@
                   </a:schemeClr>
                 </a:solidFill>
               </a:rPr>
-              <a:t>- </a:t>
+              <a:t>- Nog beter communicatie</a:t>
             </a:r>
           </a:p>
         </p:txBody>
